--- a/project_powerpoint/project_demo.pptx
+++ b/project_powerpoint/project_demo.pptx
@@ -5,7 +5,7 @@
     <p:sldMasterId id="2147483648" r:id="rId1"/>
   </p:sldMasterIdLst>
   <p:notesMasterIdLst>
-    <p:notesMasterId r:id="rId10"/>
+    <p:notesMasterId r:id="rId9"/>
   </p:notesMasterIdLst>
   <p:sldIdLst>
     <p:sldId id="264" r:id="rId2"/>
@@ -15,7 +15,6 @@
     <p:sldId id="270" r:id="rId6"/>
     <p:sldId id="271" r:id="rId7"/>
     <p:sldId id="272" r:id="rId8"/>
-    <p:sldId id="269" r:id="rId9"/>
   </p:sldIdLst>
   <p:sldSz cx="12192000" cy="6858000"/>
   <p:notesSz cx="6858000" cy="9144000"/>
@@ -919,6 +918,14 @@
     <dgm:pt modelId="{8E87E13F-3C87-481E-999F-540354C7F9F4}" type="doc">
       <dgm:prSet loTypeId="urn:microsoft.com/office/officeart/2005/8/layout/hProcess11" loCatId="process" qsTypeId="urn:microsoft.com/office/officeart/2005/8/quickstyle/simple4" qsCatId="simple" csTypeId="urn:microsoft.com/office/officeart/2005/8/colors/colorful4" csCatId="colorful" phldr="1"/>
       <dgm:spPr/>
+      <dgm:t>
+        <a:bodyPr/>
+        <a:lstStyle/>
+        <a:p>
+          <a:pPr latinLnBrk="1"/>
+          <a:endParaRPr lang="ko-KR" altLang="en-US"/>
+        </a:p>
+      </dgm:t>
     </dgm:pt>
     <dgm:pt modelId="{0F7488E1-8D2D-4311-AE8F-60A3B6711E56}">
       <dgm:prSet phldrT="[Text]" phldr="0"/>
@@ -947,10 +954,26 @@
     <dgm:pt modelId="{014E0646-31CA-4AC5-A564-ADDE994553CB}" type="parTrans" cxnId="{E2A6D4B7-9301-4C1F-8648-723FD0107F69}">
       <dgm:prSet/>
       <dgm:spPr/>
+      <dgm:t>
+        <a:bodyPr/>
+        <a:lstStyle/>
+        <a:p>
+          <a:pPr latinLnBrk="1"/>
+          <a:endParaRPr lang="ko-KR" altLang="en-US"/>
+        </a:p>
+      </dgm:t>
     </dgm:pt>
     <dgm:pt modelId="{016BEBA8-09E3-4DDF-9AD6-95809B653B67}" type="sibTrans" cxnId="{E2A6D4B7-9301-4C1F-8648-723FD0107F69}">
       <dgm:prSet/>
       <dgm:spPr/>
+      <dgm:t>
+        <a:bodyPr/>
+        <a:lstStyle/>
+        <a:p>
+          <a:pPr latinLnBrk="1"/>
+          <a:endParaRPr lang="ko-KR" altLang="en-US"/>
+        </a:p>
+      </dgm:t>
     </dgm:pt>
     <dgm:pt modelId="{AEB36E3A-F2EB-4923-9AC1-174332D95F1D}">
       <dgm:prSet phldrT="[Text]" phldr="0"/>
@@ -961,29 +984,39 @@
         <a:p>
           <a:pPr rtl="0"/>
           <a:r>
-            <a:rPr lang="en-US" altLang="ko-KR">
+            <a:rPr lang="en-US" altLang="ko-KR" dirty="0">
               <a:solidFill>
                 <a:schemeClr val="bg1"/>
               </a:solidFill>
-              <a:latin typeface="맑은 고딕" panose="02110004020202020204"/>
             </a:rPr>
-            <a:t>AI Engine</a:t>
+            <a:t>DB/Apps</a:t>
           </a:r>
-          <a:endParaRPr lang="en-US" altLang="ko-KR">
-            <a:solidFill>
-              <a:schemeClr val="bg1"/>
-            </a:solidFill>
-          </a:endParaRPr>
         </a:p>
       </dgm:t>
     </dgm:pt>
     <dgm:pt modelId="{ED3DB469-7786-4CD3-BF4F-8DD8C00AC0CD}" type="parTrans" cxnId="{CEAE387C-FEB0-46B5-9EB3-3C5626E52198}">
       <dgm:prSet/>
       <dgm:spPr/>
+      <dgm:t>
+        <a:bodyPr/>
+        <a:lstStyle/>
+        <a:p>
+          <a:pPr latinLnBrk="1"/>
+          <a:endParaRPr lang="ko-KR" altLang="en-US"/>
+        </a:p>
+      </dgm:t>
     </dgm:pt>
     <dgm:pt modelId="{33F4008A-1FB1-4092-91F1-E1E10817E644}" type="sibTrans" cxnId="{CEAE387C-FEB0-46B5-9EB3-3C5626E52198}">
       <dgm:prSet/>
       <dgm:spPr/>
+      <dgm:t>
+        <a:bodyPr/>
+        <a:lstStyle/>
+        <a:p>
+          <a:pPr latinLnBrk="1"/>
+          <a:endParaRPr lang="ko-KR" altLang="en-US"/>
+        </a:p>
+      </dgm:t>
     </dgm:pt>
     <dgm:pt modelId="{C1E463F7-F147-45FC-A989-EEE3CD4771A4}">
       <dgm:prSet phldrT="[Text]" phldr="0"/>
@@ -1013,10 +1046,26 @@
     <dgm:pt modelId="{B007DA5F-9664-41F0-BBC2-0E1AF56B7927}" type="parTrans" cxnId="{45C82A86-C4E6-4B87-B4B4-7BFE675FBBA7}">
       <dgm:prSet/>
       <dgm:spPr/>
+      <dgm:t>
+        <a:bodyPr/>
+        <a:lstStyle/>
+        <a:p>
+          <a:pPr latinLnBrk="1"/>
+          <a:endParaRPr lang="ko-KR" altLang="en-US"/>
+        </a:p>
+      </dgm:t>
     </dgm:pt>
     <dgm:pt modelId="{D16352C3-6FEF-4C0F-9A07-80A774410384}" type="sibTrans" cxnId="{45C82A86-C4E6-4B87-B4B4-7BFE675FBBA7}">
       <dgm:prSet/>
       <dgm:spPr/>
+      <dgm:t>
+        <a:bodyPr/>
+        <a:lstStyle/>
+        <a:p>
+          <a:pPr latinLnBrk="1"/>
+          <a:endParaRPr lang="ko-KR" altLang="en-US"/>
+        </a:p>
+      </dgm:t>
     </dgm:pt>
     <dgm:pt modelId="{9287AF07-2D8E-4650-AE04-85BF6922245C}" type="pres">
       <dgm:prSet presAssocID="{8E87E13F-3C87-481E-999F-540354C7F9F4}" presName="Name0" presStyleCnt="0">
@@ -1378,19 +1427,13 @@
             <a:buNone/>
           </a:pPr>
           <a:r>
-            <a:rPr lang="en-US" altLang="ko-KR" sz="1600" kern="1200">
+            <a:rPr lang="en-US" altLang="ko-KR" sz="1600" kern="1200" dirty="0">
               <a:solidFill>
                 <a:schemeClr val="bg1"/>
               </a:solidFill>
-              <a:latin typeface="맑은 고딕" panose="02110004020202020204"/>
             </a:rPr>
-            <a:t>AI Engine</a:t>
+            <a:t>DB/Apps</a:t>
           </a:r>
-          <a:endParaRPr lang="en-US" altLang="ko-KR" sz="1600" kern="1200">
-            <a:solidFill>
-              <a:schemeClr val="bg1"/>
-            </a:solidFill>
-          </a:endParaRPr>
         </a:p>
       </dsp:txBody>
       <dsp:txXfrm>
@@ -10539,7 +10582,7 @@
             <p:ph idx="1"/>
             <p:extLst>
               <p:ext uri="{D42A27DB-BD31-4B8C-83A1-F6EECF244321}">
-                <p14:modId xmlns:p14="http://schemas.microsoft.com/office/powerpoint/2010/main" val="2830413032"/>
+                <p14:modId xmlns:p14="http://schemas.microsoft.com/office/powerpoint/2010/main" val="1226480304"/>
               </p:ext>
             </p:extLst>
           </p:nvPr>
@@ -12852,7 +12895,7 @@
                   </m:oMath>
                 </a14:m>
                 <a:r>
-                  <a:rPr kumimoji="1" lang="en-US" altLang="ko-KR" sz="2000" b="1">
+                  <a:rPr kumimoji="1" lang="en-US" altLang="ko-KR" sz="2000" b="1" dirty="0">
                     <a:solidFill>
                       <a:schemeClr val="bg1"/>
                     </a:solidFill>
@@ -12861,7 +12904,7 @@
                   <a:t> </a:t>
                 </a:r>
                 <a:r>
-                  <a:rPr kumimoji="1" lang="en-US" altLang="ko-KR" sz="2000">
+                  <a:rPr kumimoji="1" lang="en-US" altLang="ko-KR" sz="2000" dirty="0">
                     <a:solidFill>
                       <a:schemeClr val="bg1"/>
                     </a:solidFill>
@@ -12869,7 +12912,7 @@
                   </a:rPr>
                   <a:t>Scientific/Operational Significance</a:t>
                 </a:r>
-                <a:endParaRPr kumimoji="1" lang="ko-KR" altLang="en-US" sz="2000">
+                <a:endParaRPr kumimoji="1" lang="ko-KR" altLang="en-US" sz="2000" dirty="0">
                   <a:solidFill>
                     <a:schemeClr val="bg1"/>
                   </a:solidFill>
@@ -13563,81 +13606,6 @@
       </p:sp>
       <p:sp>
         <p:nvSpPr>
-          <p:cNvPr id="2" name="모서리가 둥근 직사각형 1">
-            <a:extLst>
-              <a:ext uri="{FF2B5EF4-FFF2-40B4-BE49-F238E27FC236}">
-                <a16:creationId xmlns:a16="http://schemas.microsoft.com/office/drawing/2014/main" id="{A1756E4C-556E-1DAE-8F5C-BD5091E238EE}"/>
-              </a:ext>
-            </a:extLst>
-          </p:cNvPr>
-          <p:cNvSpPr/>
-          <p:nvPr/>
-        </p:nvSpPr>
-        <p:spPr>
-          <a:xfrm>
-            <a:off x="1903705" y="1438319"/>
-            <a:ext cx="8384583" cy="1585797"/>
-          </a:xfrm>
-          <a:prstGeom prst="roundRect">
-            <a:avLst/>
-          </a:prstGeom>
-        </p:spPr>
-        <p:style>
-          <a:lnRef idx="2">
-            <a:schemeClr val="accent1">
-              <a:shade val="15000"/>
-            </a:schemeClr>
-          </a:lnRef>
-          <a:fillRef idx="1">
-            <a:schemeClr val="accent1"/>
-          </a:fillRef>
-          <a:effectRef idx="0">
-            <a:schemeClr val="accent1"/>
-          </a:effectRef>
-          <a:fontRef idx="minor">
-            <a:schemeClr val="lt1"/>
-          </a:fontRef>
-        </p:style>
-        <p:txBody>
-          <a:bodyPr rtlCol="0" anchor="ctr"/>
-          <a:lstStyle/>
-          <a:p>
-            <a:r>
-              <a:rPr lang="en" altLang="ko-KR" sz="1300">
-                <a:solidFill>
-                  <a:srgbClr val="FAD935"/>
-                </a:solidFill>
-                <a:latin typeface="Apple Braille" pitchFamily="2" charset="0"/>
-              </a:rPr>
-              <a:t>Developed adaptive AI-based space nutrition system</a:t>
-            </a:r>
-          </a:p>
-          <a:p>
-            <a:r>
-              <a:rPr lang="en" altLang="ko-KR" sz="1300">
-                <a:solidFill>
-                  <a:srgbClr val="FAD935"/>
-                </a:solidFill>
-                <a:latin typeface="Apple Braille" pitchFamily="2" charset="0"/>
-              </a:rPr>
-              <a:t>Validated against 40+ NASA/AIAA physiological studies</a:t>
-            </a:r>
-          </a:p>
-          <a:p>
-            <a:r>
-              <a:rPr lang="en" altLang="ko-KR" sz="1300">
-                <a:solidFill>
-                  <a:srgbClr val="FAD935"/>
-                </a:solidFill>
-                <a:latin typeface="Apple Braille" pitchFamily="2" charset="0"/>
-              </a:rPr>
-              <a:t>Identified key nutrients most affected in long-duration missions (C, D, B-complex)</a:t>
-            </a:r>
-          </a:p>
-        </p:txBody>
-      </p:sp>
-      <p:sp>
-        <p:nvSpPr>
           <p:cNvPr id="3" name="모서리가 둥근 직사각형 2">
             <a:extLst>
               <a:ext uri="{FF2B5EF4-FFF2-40B4-BE49-F238E27FC236}">
@@ -13724,58 +13692,12 @@
           <a:lstStyle/>
           <a:p>
             <a:pPr algn="ctr"/>
-            <a:endParaRPr kumimoji="1" lang="ko-KR" altLang="en-US"/>
-          </a:p>
-        </p:txBody>
-      </p:sp>
-      <p:sp>
-        <p:nvSpPr>
-          <p:cNvPr id="6" name="TextBox 5">
-            <a:extLst>
-              <a:ext uri="{FF2B5EF4-FFF2-40B4-BE49-F238E27FC236}">
-                <a16:creationId xmlns:a16="http://schemas.microsoft.com/office/drawing/2014/main" id="{74E26815-C7D5-C1D9-3E19-25954DDC75A6}"/>
-              </a:ext>
-            </a:extLst>
-          </p:cNvPr>
-          <p:cNvSpPr txBox="1"/>
-          <p:nvPr/>
-        </p:nvSpPr>
-        <p:spPr>
-          <a:xfrm>
-            <a:off x="2044713" y="1506897"/>
-            <a:ext cx="2573140" cy="400110"/>
-          </a:xfrm>
-          <a:prstGeom prst="rect">
-            <a:avLst/>
-          </a:prstGeom>
-          <a:noFill/>
-        </p:spPr>
-        <p:txBody>
-          <a:bodyPr wrap="none" rtlCol="0">
-            <a:spAutoFit/>
-          </a:bodyPr>
-          <a:lstStyle/>
-          <a:p>
-            <a:r>
-              <a:rPr kumimoji="1" lang="en-US" altLang="ko-KR" sz="2000">
-                <a:solidFill>
-                  <a:schemeClr val="bg1"/>
-                </a:solidFill>
-                <a:latin typeface="Apple Braille" pitchFamily="2" charset="0"/>
-              </a:rPr>
-              <a:t>Summary of Findings</a:t>
-            </a:r>
-            <a:endParaRPr kumimoji="1" lang="ko-KR" altLang="en-US" sz="2000">
-              <a:solidFill>
-                <a:schemeClr val="bg1"/>
-              </a:solidFill>
-              <a:latin typeface="Apple Braille" pitchFamily="2" charset="0"/>
-            </a:endParaRPr>
-          </a:p>
-        </p:txBody>
-      </p:sp>
-      <mc:AlternateContent xmlns:mc="http://schemas.openxmlformats.org/markup-compatibility/2006" xmlns:a14="http://schemas.microsoft.com/office/drawing/2010/main">
-        <mc:Choice Requires="a14">
+            <a:endParaRPr kumimoji="1" lang="ko-KR" altLang="en-US" dirty="0"/>
+          </a:p>
+        </p:txBody>
+      </p:sp>
+      <mc:AlternateContent xmlns:mc="http://schemas.openxmlformats.org/markup-compatibility/2006">
+        <mc:Choice xmlns:a14="http://schemas.microsoft.com/office/drawing/2010/main" Requires="a14">
           <p:sp>
             <p:nvSpPr>
               <p:cNvPr id="8" name="TextBox 7">
@@ -13791,7 +13713,7 @@
             <p:spPr>
               <a:xfrm>
                 <a:off x="2011263" y="3375434"/>
-                <a:ext cx="2282613" cy="400110"/>
+                <a:ext cx="1924438" cy="400110"/>
               </a:xfrm>
               <a:prstGeom prst="rect">
                 <a:avLst/>
@@ -13819,7 +13741,7 @@
                   </m:oMath>
                 </a14:m>
                 <a:r>
-                  <a:rPr kumimoji="1" lang="en-US" altLang="ko-KR" sz="2000" b="1">
+                  <a:rPr kumimoji="1" lang="en-US" altLang="ko-KR" sz="2000" b="1" dirty="0">
                     <a:solidFill>
                       <a:schemeClr val="bg1"/>
                     </a:solidFill>
@@ -13828,15 +13750,15 @@
                   <a:t> </a:t>
                 </a:r>
                 <a:r>
-                  <a:rPr kumimoji="1" lang="en-US" altLang="ko-KR" sz="2000">
+                  <a:rPr kumimoji="1" lang="en-US" altLang="ko-KR" sz="2000" dirty="0">
                     <a:solidFill>
                       <a:schemeClr val="bg1"/>
                     </a:solidFill>
                     <a:latin typeface="Apple Braille" pitchFamily="2" charset="0"/>
                   </a:rPr>
-                  <a:t>System Efficiency</a:t>
+                  <a:t>Expected effect</a:t>
                 </a:r>
-                <a:endParaRPr kumimoji="1" lang="ko-KR" altLang="en-US" sz="2000">
+                <a:endParaRPr kumimoji="1" lang="ko-KR" altLang="en-US" sz="2000" dirty="0">
                   <a:solidFill>
                     <a:schemeClr val="bg1"/>
                   </a:solidFill>
@@ -13846,7 +13768,7 @@
             </p:txBody>
           </p:sp>
         </mc:Choice>
-        <mc:Fallback xmlns="">
+        <mc:Fallback>
           <p:sp>
             <p:nvSpPr>
               <p:cNvPr id="8" name="TextBox 7">
@@ -13864,7 +13786,7 @@
             <p:spPr>
               <a:xfrm>
                 <a:off x="2011263" y="3375434"/>
-                <a:ext cx="2282613" cy="400110"/>
+                <a:ext cx="1924438" cy="400110"/>
               </a:xfrm>
               <a:prstGeom prst="rect">
                 <a:avLst/>
@@ -13872,7 +13794,7 @@
               <a:blipFill>
                 <a:blip r:embed="rId2"/>
                 <a:stretch>
-                  <a:fillRect t="-9231" b="-27692"/>
+                  <a:fillRect t="-9231" r="-2848" b="-27692"/>
                 </a:stretch>
               </a:blipFill>
             </p:spPr>
@@ -13881,7 +13803,7 @@
               <a:lstStyle/>
               <a:p>
                 <a:r>
-                  <a:rPr lang="en-US">
+                  <a:rPr lang="ko-KR" altLang="en-US">
                     <a:noFill/>
                   </a:rPr>
                   <a:t> </a:t>
@@ -13891,8 +13813,8 @@
           </p:sp>
         </mc:Fallback>
       </mc:AlternateContent>
-      <mc:AlternateContent xmlns:mc="http://schemas.openxmlformats.org/markup-compatibility/2006" xmlns:a14="http://schemas.microsoft.com/office/drawing/2010/main">
-        <mc:Choice Requires="a14">
+      <mc:AlternateContent xmlns:mc="http://schemas.openxmlformats.org/markup-compatibility/2006">
+        <mc:Choice xmlns:a14="http://schemas.microsoft.com/office/drawing/2010/main" Requires="a14">
           <p:sp>
             <p:nvSpPr>
               <p:cNvPr id="9" name="TextBox 8">
@@ -13908,7 +13830,7 @@
             <p:spPr>
               <a:xfrm>
                 <a:off x="2042023" y="5110239"/>
-                <a:ext cx="4152547" cy="400110"/>
+                <a:ext cx="3753400" cy="400110"/>
               </a:xfrm>
               <a:prstGeom prst="rect">
                 <a:avLst/>
@@ -13936,7 +13858,7 @@
                   </m:oMath>
                 </a14:m>
                 <a:r>
-                  <a:rPr kumimoji="1" lang="en-US" altLang="ko-KR" sz="2000" b="1">
+                  <a:rPr kumimoji="1" lang="en-US" altLang="ko-KR" sz="2000" b="1" dirty="0">
                     <a:solidFill>
                       <a:schemeClr val="bg1"/>
                     </a:solidFill>
@@ -13945,15 +13867,15 @@
                   <a:t> </a:t>
                 </a:r>
                 <a:r>
-                  <a:rPr kumimoji="1" lang="en-US" altLang="ko-KR" sz="2000">
+                  <a:rPr kumimoji="1" lang="en-US" altLang="ko-KR" sz="2000" dirty="0">
                     <a:solidFill>
                       <a:schemeClr val="bg1"/>
                     </a:solidFill>
                     <a:latin typeface="Apple Braille" pitchFamily="2" charset="0"/>
                   </a:rPr>
-                  <a:t>Scientific/Operational Significance</a:t>
+                  <a:t>Potential for future development</a:t>
                 </a:r>
-                <a:endParaRPr kumimoji="1" lang="ko-KR" altLang="en-US" sz="2000">
+                <a:endParaRPr kumimoji="1" lang="ko-KR" altLang="en-US" sz="2000" dirty="0">
                   <a:solidFill>
                     <a:schemeClr val="bg1"/>
                   </a:solidFill>
@@ -13963,7 +13885,7 @@
             </p:txBody>
           </p:sp>
         </mc:Choice>
-        <mc:Fallback xmlns="">
+        <mc:Fallback>
           <p:sp>
             <p:nvSpPr>
               <p:cNvPr id="9" name="TextBox 8">
@@ -13981,7 +13903,7 @@
             <p:spPr>
               <a:xfrm>
                 <a:off x="2042023" y="5110239"/>
-                <a:ext cx="4152547" cy="400110"/>
+                <a:ext cx="3753400" cy="400110"/>
               </a:xfrm>
               <a:prstGeom prst="rect">
                 <a:avLst/>
@@ -13989,7 +13911,7 @@
               <a:blipFill>
                 <a:blip r:embed="rId3"/>
                 <a:stretch>
-                  <a:fillRect t="-7576" b="-25758"/>
+                  <a:fillRect t="-7576" r="-1136" b="-25758"/>
                 </a:stretch>
               </a:blipFill>
             </p:spPr>
@@ -13998,7 +13920,7 @@
               <a:lstStyle/>
               <a:p>
                 <a:r>
-                  <a:rPr lang="en-US">
+                  <a:rPr lang="ko-KR" altLang="en-US">
                     <a:noFill/>
                   </a:rPr>
                   <a:t> </a:t>
@@ -14008,120 +13930,22 @@
           </p:sp>
         </mc:Fallback>
       </mc:AlternateContent>
-    </p:spTree>
-    <p:extLst>
-      <p:ext uri="{BB962C8B-B14F-4D97-AF65-F5344CB8AC3E}">
-        <p14:creationId xmlns:p14="http://schemas.microsoft.com/office/powerpoint/2010/main" val="3290624455"/>
-      </p:ext>
-    </p:extLst>
-  </p:cSld>
-  <p:clrMapOvr>
-    <a:masterClrMapping/>
-  </p:clrMapOvr>
-</p:sld>
-</file>
-
-<file path=ppt/slides/slide8.xml><?xml version="1.0" encoding="utf-8"?>
-<p:sld xmlns:a="http://schemas.openxmlformats.org/drawingml/2006/main" xmlns:r="http://schemas.openxmlformats.org/officeDocument/2006/relationships" xmlns:p="http://schemas.openxmlformats.org/presentationml/2006/main">
-  <p:cSld>
-    <p:bg>
-      <p:bgPr>
-        <a:solidFill>
-          <a:srgbClr val="2E1C82"/>
-        </a:solidFill>
-        <a:effectLst/>
-      </p:bgPr>
-    </p:bg>
-    <p:spTree>
-      <p:nvGrpSpPr>
-        <p:cNvPr id="1" name="">
-          <a:extLst>
-            <a:ext uri="{FF2B5EF4-FFF2-40B4-BE49-F238E27FC236}">
-              <a16:creationId xmlns:a16="http://schemas.microsoft.com/office/drawing/2014/main" id="{FC3A076D-1A70-9002-F17B-AB6026FAB73B}"/>
-            </a:ext>
-          </a:extLst>
-        </p:cNvPr>
-        <p:cNvGrpSpPr/>
-        <p:nvPr/>
-      </p:nvGrpSpPr>
-      <p:grpSpPr>
-        <a:xfrm>
-          <a:off x="0" y="0"/>
-          <a:ext cx="0" cy="0"/>
-          <a:chOff x="0" y="0"/>
-          <a:chExt cx="0" cy="0"/>
-        </a:xfrm>
-      </p:grpSpPr>
-      <p:sp>
-        <p:nvSpPr>
-          <p:cNvPr id="17" name="직사각형 16">
-            <a:extLst>
-              <a:ext uri="{FF2B5EF4-FFF2-40B4-BE49-F238E27FC236}">
-                <a16:creationId xmlns:a16="http://schemas.microsoft.com/office/drawing/2014/main" id="{63002A58-151C-D9BF-C0CF-9EC3988700C2}"/>
-              </a:ext>
-            </a:extLst>
-          </p:cNvPr>
-          <p:cNvSpPr/>
+      <p:sp>
+        <p:nvSpPr>
+          <p:cNvPr id="11" name="TextBox 10">
+            <a:extLst>
+              <a:ext uri="{FF2B5EF4-FFF2-40B4-BE49-F238E27FC236}">
+                <a16:creationId xmlns:a16="http://schemas.microsoft.com/office/drawing/2014/main" id="{D2666153-8ABA-DE3E-7DF6-3B8C91B4F42A}"/>
+              </a:ext>
+            </a:extLst>
+          </p:cNvPr>
+          <p:cNvSpPr txBox="1"/>
           <p:nvPr/>
         </p:nvSpPr>
         <p:spPr>
           <a:xfrm>
-            <a:off x="1463817" y="1195985"/>
-            <a:ext cx="9411831" cy="4056952"/>
-          </a:xfrm>
-          <a:prstGeom prst="rect">
-            <a:avLst/>
-          </a:prstGeom>
-          <a:solidFill>
-            <a:srgbClr val="6C35C5"/>
-          </a:solidFill>
-          <a:ln>
-            <a:solidFill>
-              <a:srgbClr val="6C35C5"/>
-            </a:solidFill>
-          </a:ln>
-        </p:spPr>
-        <p:style>
-          <a:lnRef idx="2">
-            <a:schemeClr val="accent1">
-              <a:shade val="15000"/>
-            </a:schemeClr>
-          </a:lnRef>
-          <a:fillRef idx="1">
-            <a:schemeClr val="accent1"/>
-          </a:fillRef>
-          <a:effectRef idx="0">
-            <a:schemeClr val="accent1"/>
-          </a:effectRef>
-          <a:fontRef idx="minor">
-            <a:schemeClr val="lt1"/>
-          </a:fontRef>
-        </p:style>
-        <p:txBody>
-          <a:bodyPr rtlCol="0" anchor="ctr"/>
-          <a:lstStyle/>
-          <a:p>
-            <a:pPr algn="ctr"/>
-            <a:endParaRPr kumimoji="1" lang="ko-KR" altLang="en-US"/>
-          </a:p>
-        </p:txBody>
-      </p:sp>
-      <p:sp>
-        <p:nvSpPr>
-          <p:cNvPr id="4" name="TextBox 3">
-            <a:extLst>
-              <a:ext uri="{FF2B5EF4-FFF2-40B4-BE49-F238E27FC236}">
-                <a16:creationId xmlns:a16="http://schemas.microsoft.com/office/drawing/2014/main" id="{8100BCD5-5F5A-90B1-768A-6CEE0CF44A2D}"/>
-              </a:ext>
-            </a:extLst>
-          </p:cNvPr>
-          <p:cNvSpPr txBox="1"/>
-          <p:nvPr/>
-        </p:nvSpPr>
-        <p:spPr>
-          <a:xfrm>
-            <a:off x="3416091" y="432232"/>
-            <a:ext cx="5629426" cy="646331"/>
+            <a:off x="2282130" y="5541722"/>
+            <a:ext cx="8006158" cy="830997"/>
           </a:xfrm>
           <a:prstGeom prst="rect">
             <a:avLst/>
@@ -14129,71 +13953,57 @@
           <a:noFill/>
         </p:spPr>
         <p:txBody>
-          <a:bodyPr wrap="none" rtlCol="0">
+          <a:bodyPr wrap="square">
             <a:spAutoFit/>
           </a:bodyPr>
           <a:lstStyle/>
           <a:p>
-            <a:r>
-              <a:rPr kumimoji="1" lang="en-US" altLang="ko-KR" sz="3600">
+            <a:pPr>
+              <a:buFont typeface="Arial" panose="020B0604020202020204" pitchFamily="34" charset="0"/>
+              <a:buChar char="•"/>
+            </a:pPr>
+            <a:r>
+              <a:rPr lang="en-US" altLang="ko-KR" sz="1600" dirty="0">
                 <a:solidFill>
-                  <a:schemeClr val="bg1"/>
-                </a:solidFill>
-                <a:latin typeface="Apple Braille" pitchFamily="2" charset="0"/>
-                <a:ea typeface="BM DoHyeon OTF" panose="020B0600000101010101" pitchFamily="34" charset="-127"/>
-              </a:rPr>
-              <a:t>Conclusion/Future Outlook</a:t>
-            </a:r>
-            <a:endParaRPr kumimoji="1" lang="ko-KR" altLang="en-US" sz="3600">
-              <a:solidFill>
-                <a:schemeClr val="bg1"/>
-              </a:solidFill>
-              <a:latin typeface="Apple Braille" pitchFamily="2" charset="0"/>
-              <a:ea typeface="BM DoHyeon OTF" panose="020B0600000101010101" pitchFamily="34" charset="-127"/>
-            </a:endParaRPr>
-          </a:p>
-        </p:txBody>
-      </p:sp>
-      <p:sp>
-        <p:nvSpPr>
-          <p:cNvPr id="7" name="TextBox 6">
-            <a:extLst>
-              <a:ext uri="{FF2B5EF4-FFF2-40B4-BE49-F238E27FC236}">
-                <a16:creationId xmlns:a16="http://schemas.microsoft.com/office/drawing/2014/main" id="{BCED76D6-49D8-1B25-B8F3-88E76721E057}"/>
-              </a:ext>
-            </a:extLst>
-          </p:cNvPr>
-          <p:cNvSpPr txBox="1"/>
-          <p:nvPr/>
-        </p:nvSpPr>
-        <p:spPr>
-          <a:xfrm>
-            <a:off x="28101" y="69618"/>
-            <a:ext cx="1678408" cy="292388"/>
-          </a:xfrm>
-          <a:prstGeom prst="rect">
-            <a:avLst/>
-          </a:prstGeom>
-          <a:noFill/>
-        </p:spPr>
-        <p:txBody>
-          <a:bodyPr wrap="none" rtlCol="0">
-            <a:spAutoFit/>
-          </a:bodyPr>
-          <a:lstStyle/>
-          <a:p>
-            <a:r>
-              <a:rPr kumimoji="1" lang="en-US" altLang="ko-KR" sz="1300">
-                <a:solidFill>
-                  <a:schemeClr val="bg1"/>
+                  <a:srgbClr val="FAD935"/>
                 </a:solidFill>
                 <a:latin typeface="Apple Braille" pitchFamily="2" charset="0"/>
               </a:rPr>
-              <a:t>ID: PROJECT - AERO</a:t>
-            </a:r>
-            <a:endParaRPr kumimoji="1" lang="ko-KR" altLang="en-US" sz="1300">
+              <a:t> Designing cooking utensils usable in zero gravity</a:t>
+            </a:r>
+          </a:p>
+          <a:p>
+            <a:pPr>
+              <a:buFont typeface="Arial" panose="020B0604020202020204" pitchFamily="34" charset="0"/>
+              <a:buChar char="•"/>
+            </a:pPr>
+            <a:r>
+              <a:rPr lang="en-US" altLang="ko-KR" sz="1600" dirty="0">
+                <a:solidFill>
+                  <a:srgbClr val="FAD935"/>
+                </a:solidFill>
+                <a:latin typeface="Apple Braille" pitchFamily="2" charset="0"/>
+              </a:rPr>
+              <a:t> Suggesting more diverse and delicious recipes</a:t>
+            </a:r>
+          </a:p>
+          <a:p>
+            <a:pPr>
+              <a:buFont typeface="Arial" panose="020B0604020202020204" pitchFamily="34" charset="0"/>
+              <a:buChar char="•"/>
+            </a:pPr>
+            <a:r>
+              <a:rPr lang="en-US" altLang="ko-KR" sz="1600" dirty="0">
+                <a:solidFill>
+                  <a:srgbClr val="FAD935"/>
+                </a:solidFill>
+                <a:latin typeface="Apple Braille" pitchFamily="2" charset="0"/>
+              </a:rPr>
+              <a:t> Providing users with more accurate information by referencing more data</a:t>
+            </a:r>
+            <a:endParaRPr lang="en" altLang="ko-KR" sz="1600" dirty="0">
               <a:solidFill>
-                <a:schemeClr val="bg1"/>
+                <a:srgbClr val="FAD935"/>
               </a:solidFill>
               <a:latin typeface="Apple Braille" pitchFamily="2" charset="0"/>
             </a:endParaRPr>
@@ -14202,164 +14012,22 @@
       </p:sp>
       <p:sp>
         <p:nvSpPr>
-          <p:cNvPr id="8" name="TextBox 7">
-            <a:extLst>
-              <a:ext uri="{FF2B5EF4-FFF2-40B4-BE49-F238E27FC236}">
-                <a16:creationId xmlns:a16="http://schemas.microsoft.com/office/drawing/2014/main" id="{DD21D195-86F1-30F6-F74A-9CAB32438F63}"/>
-              </a:ext>
-            </a:extLst>
-          </p:cNvPr>
-          <p:cNvSpPr txBox="1"/>
+          <p:cNvPr id="12" name="모서리가 둥근 직사각형 2">
+            <a:extLst>
+              <a:ext uri="{FF2B5EF4-FFF2-40B4-BE49-F238E27FC236}">
+                <a16:creationId xmlns:a16="http://schemas.microsoft.com/office/drawing/2014/main" id="{6CEBCF3C-7489-E228-0626-8E95FB2529D4}"/>
+              </a:ext>
+            </a:extLst>
+          </p:cNvPr>
+          <p:cNvSpPr/>
           <p:nvPr/>
         </p:nvSpPr>
         <p:spPr>
           <a:xfrm>
-            <a:off x="9089997" y="6503323"/>
-            <a:ext cx="3102003" cy="292388"/>
+            <a:off x="1903705" y="1480033"/>
+            <a:ext cx="8384583" cy="1585797"/>
           </a:xfrm>
-          <a:prstGeom prst="rect">
-            <a:avLst/>
-          </a:prstGeom>
-          <a:noFill/>
-        </p:spPr>
-        <p:txBody>
-          <a:bodyPr wrap="none" rtlCol="0">
-            <a:spAutoFit/>
-          </a:bodyPr>
-          <a:lstStyle/>
-          <a:p>
-            <a:r>
-              <a:rPr kumimoji="1" lang="en-US" altLang="ko-KR" sz="1300">
-                <a:solidFill>
-                  <a:schemeClr val="bg1"/>
-                </a:solidFill>
-                <a:latin typeface="Apple Braille" pitchFamily="2" charset="0"/>
-              </a:rPr>
-              <a:t>Last Saved: (2025.10.04/16.31.20 GMT)</a:t>
-            </a:r>
-            <a:endParaRPr kumimoji="1" lang="ko-KR" altLang="en-US" sz="1300">
-              <a:solidFill>
-                <a:schemeClr val="bg1"/>
-              </a:solidFill>
-              <a:latin typeface="Apple Braille" pitchFamily="2" charset="0"/>
-            </a:endParaRPr>
-          </a:p>
-        </p:txBody>
-      </p:sp>
-      <p:sp>
-        <p:nvSpPr>
-          <p:cNvPr id="22" name="TextBox 21">
-            <a:extLst>
-              <a:ext uri="{FF2B5EF4-FFF2-40B4-BE49-F238E27FC236}">
-                <a16:creationId xmlns:a16="http://schemas.microsoft.com/office/drawing/2014/main" id="{6B8F0DD5-DE28-A0E9-8199-34A3688E9527}"/>
-              </a:ext>
-            </a:extLst>
-          </p:cNvPr>
-          <p:cNvSpPr txBox="1"/>
-          <p:nvPr/>
-        </p:nvSpPr>
-        <p:spPr>
-          <a:xfrm>
-            <a:off x="1451156" y="5373559"/>
-            <a:ext cx="4644844" cy="461665"/>
-          </a:xfrm>
-          <a:prstGeom prst="rect">
-            <a:avLst/>
-          </a:prstGeom>
-          <a:solidFill>
-            <a:srgbClr val="FAD935"/>
-          </a:solidFill>
-          <a:ln>
-            <a:solidFill>
-              <a:schemeClr val="bg1"/>
-            </a:solidFill>
-          </a:ln>
-        </p:spPr>
-        <p:txBody>
-          <a:bodyPr wrap="square" rtlCol="0">
-            <a:spAutoFit/>
-          </a:bodyPr>
-          <a:lstStyle/>
-          <a:p>
-            <a:pPr algn="ctr"/>
-            <a:r>
-              <a:rPr kumimoji="1" lang="en-US" altLang="ko-KR" sz="2400">
-                <a:latin typeface="Apple Braille" pitchFamily="2" charset="0"/>
-              </a:rPr>
-              <a:t>Crew Profile</a:t>
-            </a:r>
-            <a:endParaRPr kumimoji="1" lang="ko-KR" altLang="en-US" sz="2400">
-              <a:latin typeface="Apple Braille" pitchFamily="2" charset="0"/>
-            </a:endParaRPr>
-          </a:p>
-        </p:txBody>
-      </p:sp>
-      <p:sp>
-        <p:nvSpPr>
-          <p:cNvPr id="23" name="TextBox 22">
-            <a:extLst>
-              <a:ext uri="{FF2B5EF4-FFF2-40B4-BE49-F238E27FC236}">
-                <a16:creationId xmlns:a16="http://schemas.microsoft.com/office/drawing/2014/main" id="{E71358EE-B6F9-A3BF-2F61-EE36D009DEAE}"/>
-              </a:ext>
-            </a:extLst>
-          </p:cNvPr>
-          <p:cNvSpPr txBox="1"/>
-          <p:nvPr/>
-        </p:nvSpPr>
-        <p:spPr>
-          <a:xfrm>
-            <a:off x="6230804" y="5369073"/>
-            <a:ext cx="4644844" cy="461665"/>
-          </a:xfrm>
-          <a:prstGeom prst="rect">
-            <a:avLst/>
-          </a:prstGeom>
-          <a:solidFill>
-            <a:srgbClr val="FF9300"/>
-          </a:solidFill>
-          <a:ln>
-            <a:solidFill>
-              <a:schemeClr val="bg1"/>
-            </a:solidFill>
-          </a:ln>
-        </p:spPr>
-        <p:txBody>
-          <a:bodyPr wrap="square" rtlCol="0">
-            <a:spAutoFit/>
-          </a:bodyPr>
-          <a:lstStyle/>
-          <a:p>
-            <a:pPr algn="ctr"/>
-            <a:r>
-              <a:rPr kumimoji="1" lang="en-US" altLang="ko-KR" sz="2400">
-                <a:latin typeface="Apple Braille" pitchFamily="2" charset="0"/>
-              </a:rPr>
-              <a:t>Intake Log</a:t>
-            </a:r>
-            <a:endParaRPr kumimoji="1" lang="ko-KR" altLang="en-US" sz="2400">
-              <a:latin typeface="Apple Braille" pitchFamily="2" charset="0"/>
-            </a:endParaRPr>
-          </a:p>
-        </p:txBody>
-      </p:sp>
-      <p:sp>
-        <p:nvSpPr>
-          <p:cNvPr id="34" name="직사각형 33">
-            <a:extLst>
-              <a:ext uri="{FF2B5EF4-FFF2-40B4-BE49-F238E27FC236}">
-                <a16:creationId xmlns:a16="http://schemas.microsoft.com/office/drawing/2014/main" id="{C79437EC-C164-365E-3D30-B470A7CF8A4A}"/>
-              </a:ext>
-            </a:extLst>
-          </p:cNvPr>
-          <p:cNvSpPr/>
-          <p:nvPr/>
-        </p:nvSpPr>
-        <p:spPr>
-          <a:xfrm>
-            <a:off x="6438485" y="1775594"/>
-            <a:ext cx="4010211" cy="2897734"/>
-          </a:xfrm>
-          <a:prstGeom prst="rect">
+          <a:prstGeom prst="roundRect">
             <a:avLst/>
           </a:prstGeom>
         </p:spPr>
@@ -14384,19 +14052,124 @@
           <a:lstStyle/>
           <a:p>
             <a:pPr algn="ctr"/>
-            <a:r>
-              <a:rPr kumimoji="1" lang="ko-KR" altLang="en-US"/>
-              <a:t>그래프</a:t>
-            </a:r>
-          </a:p>
-        </p:txBody>
-      </p:sp>
-      <p:sp>
-        <p:nvSpPr>
-          <p:cNvPr id="39" name="TextBox 38">
-            <a:extLst>
-              <a:ext uri="{FF2B5EF4-FFF2-40B4-BE49-F238E27FC236}">
-                <a16:creationId xmlns:a16="http://schemas.microsoft.com/office/drawing/2014/main" id="{D1458FC6-1853-D07F-ACD8-3D6A5B7FAD02}"/>
+            <a:endParaRPr kumimoji="1" lang="ko-KR" altLang="en-US"/>
+          </a:p>
+        </p:txBody>
+      </p:sp>
+      <mc:AlternateContent xmlns:mc="http://schemas.openxmlformats.org/markup-compatibility/2006">
+        <mc:Choice xmlns:a14="http://schemas.microsoft.com/office/drawing/2010/main" Requires="a14">
+          <p:sp>
+            <p:nvSpPr>
+              <p:cNvPr id="13" name="TextBox 12">
+                <a:extLst>
+                  <a:ext uri="{FF2B5EF4-FFF2-40B4-BE49-F238E27FC236}">
+                    <a16:creationId xmlns:a16="http://schemas.microsoft.com/office/drawing/2014/main" id="{D1378210-7D82-C1AF-BB85-A5E975E78FB8}"/>
+                  </a:ext>
+                </a:extLst>
+              </p:cNvPr>
+              <p:cNvSpPr txBox="1"/>
+              <p:nvPr/>
+            </p:nvSpPr>
+            <p:spPr>
+              <a:xfrm>
+                <a:off x="2011262" y="1605316"/>
+                <a:ext cx="1475084" cy="400110"/>
+              </a:xfrm>
+              <a:prstGeom prst="rect">
+                <a:avLst/>
+              </a:prstGeom>
+              <a:noFill/>
+            </p:spPr>
+            <p:txBody>
+              <a:bodyPr wrap="none" rtlCol="0">
+                <a:spAutoFit/>
+              </a:bodyPr>
+              <a:lstStyle/>
+              <a:p>
+                <a14:m>
+                  <m:oMath xmlns:m="http://schemas.openxmlformats.org/officeDocument/2006/math">
+                    <m:r>
+                      <a:rPr kumimoji="1" lang="en-US" altLang="ko-KR" sz="2000" b="0" i="1" smtClean="0">
+                        <a:solidFill>
+                          <a:schemeClr val="bg1"/>
+                        </a:solidFill>
+                        <a:latin typeface="Cambria Math" panose="02040503050406030204" pitchFamily="18" charset="0"/>
+                        <a:ea typeface="Cambria Math" panose="02040503050406030204" pitchFamily="18" charset="0"/>
+                      </a:rPr>
+                      <m:t>∙</m:t>
+                    </m:r>
+                  </m:oMath>
+                </a14:m>
+                <a:r>
+                  <a:rPr kumimoji="1" lang="en-US" altLang="ko-KR" sz="2000" dirty="0">
+                    <a:solidFill>
+                      <a:schemeClr val="bg1"/>
+                    </a:solidFill>
+                    <a:latin typeface="Apple Braille" pitchFamily="2" charset="0"/>
+                  </a:rPr>
+                  <a:t> Conclusion</a:t>
+                </a:r>
+                <a:endParaRPr kumimoji="1" lang="ko-KR" altLang="en-US" sz="2000" dirty="0">
+                  <a:solidFill>
+                    <a:schemeClr val="bg1"/>
+                  </a:solidFill>
+                  <a:latin typeface="Apple Braille" pitchFamily="2" charset="0"/>
+                </a:endParaRPr>
+              </a:p>
+            </p:txBody>
+          </p:sp>
+        </mc:Choice>
+        <mc:Fallback>
+          <p:sp>
+            <p:nvSpPr>
+              <p:cNvPr id="13" name="TextBox 12">
+                <a:extLst>
+                  <a:ext uri="{FF2B5EF4-FFF2-40B4-BE49-F238E27FC236}">
+                    <a16:creationId xmlns:a16="http://schemas.microsoft.com/office/drawing/2014/main" id="{D1378210-7D82-C1AF-BB85-A5E975E78FB8}"/>
+                  </a:ext>
+                </a:extLst>
+              </p:cNvPr>
+              <p:cNvSpPr txBox="1">
+                <a:spLocks noRot="1" noChangeAspect="1" noMove="1" noResize="1" noEditPoints="1" noAdjustHandles="1" noChangeArrowheads="1" noChangeShapeType="1" noTextEdit="1"/>
+              </p:cNvSpPr>
+              <p:nvPr/>
+            </p:nvSpPr>
+            <p:spPr>
+              <a:xfrm>
+                <a:off x="2011262" y="1605316"/>
+                <a:ext cx="1475084" cy="400110"/>
+              </a:xfrm>
+              <a:prstGeom prst="rect">
+                <a:avLst/>
+              </a:prstGeom>
+              <a:blipFill>
+                <a:blip r:embed="rId4"/>
+                <a:stretch>
+                  <a:fillRect t="-7576" r="-2066" b="-25758"/>
+                </a:stretch>
+              </a:blipFill>
+            </p:spPr>
+            <p:txBody>
+              <a:bodyPr/>
+              <a:lstStyle/>
+              <a:p>
+                <a:r>
+                  <a:rPr lang="ko-KR" altLang="en-US">
+                    <a:noFill/>
+                  </a:rPr>
+                  <a:t> </a:t>
+                </a:r>
+              </a:p>
+            </p:txBody>
+          </p:sp>
+        </mc:Fallback>
+      </mc:AlternateContent>
+      <p:sp>
+        <p:nvSpPr>
+          <p:cNvPr id="15" name="TextBox 14">
+            <a:extLst>
+              <a:ext uri="{FF2B5EF4-FFF2-40B4-BE49-F238E27FC236}">
+                <a16:creationId xmlns:a16="http://schemas.microsoft.com/office/drawing/2014/main" id="{E36EA372-1F8B-BCA6-1DFF-84937604057A}"/>
               </a:ext>
             </a:extLst>
           </p:cNvPr>
@@ -14405,35 +14178,117 @@
         </p:nvSpPr>
         <p:spPr>
           <a:xfrm>
-            <a:off x="9454372" y="1335176"/>
-            <a:ext cx="1124162" cy="292388"/>
+            <a:off x="2282130" y="3816830"/>
+            <a:ext cx="8006158" cy="584775"/>
           </a:xfrm>
           <a:prstGeom prst="rect">
             <a:avLst/>
           </a:prstGeom>
-          <a:solidFill>
-            <a:srgbClr val="FAD935"/>
-          </a:solidFill>
-          <a:ln>
-            <a:solidFill>
-              <a:schemeClr val="bg1"/>
-            </a:solidFill>
-          </a:ln>
+          <a:noFill/>
         </p:spPr>
         <p:txBody>
-          <a:bodyPr wrap="square" rtlCol="0">
+          <a:bodyPr wrap="square">
             <a:spAutoFit/>
           </a:bodyPr>
           <a:lstStyle/>
           <a:p>
-            <a:pPr algn="ctr"/>
-            <a:r>
-              <a:rPr kumimoji="1" lang="en-US" altLang="ko-KR" sz="1300">
+            <a:pPr>
+              <a:buFont typeface="Arial" panose="020B0604020202020204" pitchFamily="34" charset="0"/>
+              <a:buChar char="•"/>
+            </a:pPr>
+            <a:r>
+              <a:rPr lang="en-US" altLang="ko-KR" sz="1600" dirty="0">
+                <a:solidFill>
+                  <a:srgbClr val="FAD935"/>
+                </a:solidFill>
                 <a:latin typeface="Apple Braille" pitchFamily="2" charset="0"/>
               </a:rPr>
-              <a:t>Next</a:t>
-            </a:r>
-            <a:endParaRPr kumimoji="1" lang="ko-KR" altLang="en-US" sz="1300">
+              <a:t> Providing educational resources on space food</a:t>
+            </a:r>
+          </a:p>
+          <a:p>
+            <a:pPr>
+              <a:buFont typeface="Arial" panose="020B0604020202020204" pitchFamily="34" charset="0"/>
+              <a:buChar char="•"/>
+            </a:pPr>
+            <a:r>
+              <a:rPr lang="en-US" altLang="ko-KR" sz="1600" dirty="0">
+                <a:solidFill>
+                  <a:srgbClr val="FAD935"/>
+                </a:solidFill>
+                <a:latin typeface="Apple Braille" pitchFamily="2" charset="0"/>
+              </a:rPr>
+              <a:t> Raising public awareness of the space food industry</a:t>
+            </a:r>
+            <a:endParaRPr lang="en" altLang="ko-KR" sz="1600" dirty="0">
+              <a:solidFill>
+                <a:srgbClr val="FAD935"/>
+              </a:solidFill>
+              <a:latin typeface="Apple Braille" pitchFamily="2" charset="0"/>
+            </a:endParaRPr>
+          </a:p>
+        </p:txBody>
+      </p:sp>
+      <p:sp>
+        <p:nvSpPr>
+          <p:cNvPr id="16" name="TextBox 15">
+            <a:extLst>
+              <a:ext uri="{FF2B5EF4-FFF2-40B4-BE49-F238E27FC236}">
+                <a16:creationId xmlns:a16="http://schemas.microsoft.com/office/drawing/2014/main" id="{DBBFB3B0-1AA1-4A25-9EEB-9D9E8397ABCF}"/>
+              </a:ext>
+            </a:extLst>
+          </p:cNvPr>
+          <p:cNvSpPr txBox="1"/>
+          <p:nvPr/>
+        </p:nvSpPr>
+        <p:spPr>
+          <a:xfrm>
+            <a:off x="2282130" y="1998983"/>
+            <a:ext cx="8006158" cy="1077218"/>
+          </a:xfrm>
+          <a:prstGeom prst="rect">
+            <a:avLst/>
+          </a:prstGeom>
+          <a:noFill/>
+        </p:spPr>
+        <p:txBody>
+          <a:bodyPr wrap="square">
+            <a:spAutoFit/>
+          </a:bodyPr>
+          <a:lstStyle/>
+          <a:p>
+            <a:pPr>
+              <a:buFont typeface="Arial" panose="020B0604020202020204" pitchFamily="34" charset="0"/>
+              <a:buChar char="•"/>
+            </a:pPr>
+            <a:r>
+              <a:rPr lang="en-US" altLang="ko-KR" sz="1600" dirty="0">
+                <a:solidFill>
+                  <a:srgbClr val="FAD935"/>
+                </a:solidFill>
+                <a:latin typeface="Apple Braille" pitchFamily="2" charset="0"/>
+              </a:rPr>
+              <a:t> We compiled and built a database of space food and nutrition data scattered across various locations.</a:t>
+            </a:r>
+          </a:p>
+          <a:p>
+            <a:pPr>
+              <a:buFont typeface="Arial" panose="020B0604020202020204" pitchFamily="34" charset="0"/>
+              <a:buChar char="•"/>
+            </a:pPr>
+            <a:r>
+              <a:rPr lang="en-US" altLang="ko-KR" sz="1600" dirty="0">
+                <a:solidFill>
+                  <a:srgbClr val="FAD935"/>
+                </a:solidFill>
+                <a:latin typeface="Apple Braille" pitchFamily="2" charset="0"/>
+              </a:rPr>
+              <a:t> Based on this data, we created an app that provides potential space food recipes and recommends personalized diet plans based on these data.</a:t>
+            </a:r>
+            <a:endParaRPr lang="en" altLang="ko-KR" sz="1600" dirty="0">
+              <a:solidFill>
+                <a:srgbClr val="FAD935"/>
+              </a:solidFill>
               <a:latin typeface="Apple Braille" pitchFamily="2" charset="0"/>
             </a:endParaRPr>
           </a:p>
@@ -14442,7 +14297,7 @@
     </p:spTree>
     <p:extLst>
       <p:ext uri="{BB962C8B-B14F-4D97-AF65-F5344CB8AC3E}">
-        <p14:creationId xmlns:p14="http://schemas.microsoft.com/office/powerpoint/2010/main" val="2695865109"/>
+        <p14:creationId xmlns:p14="http://schemas.microsoft.com/office/powerpoint/2010/main" val="3290624455"/>
       </p:ext>
     </p:extLst>
   </p:cSld>

--- a/project_powerpoint/project_demo.pptx
+++ b/project_powerpoint/project_demo.pptx
@@ -11,8 +11,8 @@
     <p:sldId id="264" r:id="rId2"/>
     <p:sldId id="261" r:id="rId3"/>
     <p:sldId id="266" r:id="rId4"/>
-    <p:sldId id="258" r:id="rId5"/>
-    <p:sldId id="270" r:id="rId6"/>
+    <p:sldId id="270" r:id="rId5"/>
+    <p:sldId id="258" r:id="rId6"/>
     <p:sldId id="271" r:id="rId7"/>
     <p:sldId id="272" r:id="rId8"/>
   </p:sldIdLst>
@@ -124,7 +124,10 @@
 <file path=ppt/revisionInfo.xml><?xml version="1.0" encoding="utf-8"?>
 <p1510:revInfo xmlns:a="http://schemas.openxmlformats.org/drawingml/2006/main" xmlns:r="http://schemas.openxmlformats.org/officeDocument/2006/relationships" xmlns:p1510="http://schemas.microsoft.com/office/powerpoint/2015/10/main">
   <p1510:revLst>
+    <p1510:client id="{0FC035B2-CD86-8944-9B9C-C5F453B2D01D}" v="288" dt="2025-10-05T14:06:16.844"/>
+    <p1510:client id="{16595889-FEA6-4AA5-456F-02E4D673D12D}" v="27" dt="2025-10-05T13:39:04.377"/>
     <p1510:client id="{A9BDAB03-F4D3-7E12-9D4C-43F02CE91989}" v="203" dt="2025-10-05T03:39:16.866"/>
+    <p1510:client id="{E4449EF3-DB16-313B-8589-20332643AEA3}" v="108" vWet="109" dt="2025-10-05T13:46:37.987"/>
     <p1510:client id="{FA7FDC9B-19FF-AF40-8E53-43E89C158906}" v="597" dt="2025-10-05T04:07:15.200"/>
   </p1510:revLst>
 </p1510:revInfo>
@@ -928,25 +931,26 @@
       </dgm:t>
     </dgm:pt>
     <dgm:pt modelId="{0F7488E1-8D2D-4311-AE8F-60A3B6711E56}">
-      <dgm:prSet phldrT="[Text]" phldr="0"/>
+      <dgm:prSet phldrT="[Text]" phldr="0" custT="1"/>
       <dgm:spPr/>
       <dgm:t>
         <a:bodyPr/>
         <a:lstStyle/>
         <a:p>
           <a:r>
-            <a:rPr lang="ko-KR" altLang="en-US">
+            <a:rPr lang="en-US" altLang="ko-KR" sz="1200" b="0" i="0" dirty="0">
               <a:solidFill>
                 <a:schemeClr val="bg1"/>
               </a:solidFill>
-              <a:latin typeface="맑은 고딕" panose="02110004020202020204"/>
+              <a:latin typeface="+mn-lt"/>
             </a:rPr>
-            <a:t>Input</a:t>
+            <a:t>Method input</a:t>
           </a:r>
-          <a:endParaRPr lang="ko-KR" altLang="en-US">
+          <a:endParaRPr lang="ko-KR" altLang="en-US" sz="1200" b="0" i="0" dirty="0">
             <a:solidFill>
               <a:schemeClr val="bg1"/>
             </a:solidFill>
+            <a:latin typeface="+mn-lt"/>
           </a:endParaRPr>
         </a:p>
       </dgm:t>
@@ -976,7 +980,7 @@
       </dgm:t>
     </dgm:pt>
     <dgm:pt modelId="{AEB36E3A-F2EB-4923-9AC1-174332D95F1D}">
-      <dgm:prSet phldrT="[Text]" phldr="0"/>
+      <dgm:prSet phldrT="[Text]" phldr="0" custT="1"/>
       <dgm:spPr/>
       <dgm:t>
         <a:bodyPr/>
@@ -984,12 +988,13 @@
         <a:p>
           <a:pPr rtl="0"/>
           <a:r>
-            <a:rPr lang="en-US" altLang="ko-KR" dirty="0">
+            <a:rPr lang="en-US" altLang="ko-KR" sz="1300" dirty="0">
               <a:solidFill>
                 <a:schemeClr val="bg1"/>
               </a:solidFill>
+              <a:latin typeface="+mn-lt"/>
             </a:rPr>
-            <a:t>DB/Apps</a:t>
+            <a:t>Paper input</a:t>
           </a:r>
         </a:p>
       </dgm:t>
@@ -1018,32 +1023,33 @@
         </a:p>
       </dgm:t>
     </dgm:pt>
-    <dgm:pt modelId="{C1E463F7-F147-45FC-A989-EEE3CD4771A4}">
-      <dgm:prSet phldrT="[Text]" phldr="0"/>
+    <dgm:pt modelId="{FAAE8302-28EB-2246-B693-22BA8B407333}">
+      <dgm:prSet custT="1"/>
       <dgm:spPr/>
       <dgm:t>
         <a:bodyPr/>
         <a:lstStyle/>
         <a:p>
-          <a:pPr rtl="0"/>
+          <a:pPr latinLnBrk="1"/>
           <a:r>
-            <a:rPr lang="en-US">
+            <a:rPr lang="en-US" altLang="ko-KR" sz="1300" b="0" i="0" dirty="0">
               <a:solidFill>
                 <a:schemeClr val="bg1"/>
               </a:solidFill>
-              <a:latin typeface="맑은 고딕" panose="02110004020202020204"/>
+              <a:latin typeface="+mn-lt"/>
             </a:rPr>
-            <a:t>Recipe Output</a:t>
+            <a:t>Build Data base</a:t>
           </a:r>
-          <a:endParaRPr lang="en-US">
+          <a:endParaRPr lang="ko-KR" altLang="en-US" sz="1300" b="0" i="0" dirty="0">
             <a:solidFill>
               <a:schemeClr val="bg1"/>
             </a:solidFill>
+            <a:latin typeface="+mn-lt"/>
           </a:endParaRPr>
         </a:p>
       </dgm:t>
     </dgm:pt>
-    <dgm:pt modelId="{B007DA5F-9664-41F0-BBC2-0E1AF56B7927}" type="parTrans" cxnId="{45C82A86-C4E6-4B87-B4B4-7BFE675FBBA7}">
+    <dgm:pt modelId="{F94E818F-5489-0548-AA8E-0BF4A76E51D2}" type="parTrans" cxnId="{8D96B150-8302-6F4C-8A51-F9AB607417AC}">
       <dgm:prSet/>
       <dgm:spPr/>
       <dgm:t>
@@ -1055,7 +1061,101 @@
         </a:p>
       </dgm:t>
     </dgm:pt>
-    <dgm:pt modelId="{D16352C3-6FEF-4C0F-9A07-80A774410384}" type="sibTrans" cxnId="{45C82A86-C4E6-4B87-B4B4-7BFE675FBBA7}">
+    <dgm:pt modelId="{C1AFEEC4-FFA1-FF43-B689-B1C3C5CAB9EB}" type="sibTrans" cxnId="{8D96B150-8302-6F4C-8A51-F9AB607417AC}">
+      <dgm:prSet/>
+      <dgm:spPr/>
+      <dgm:t>
+        <a:bodyPr/>
+        <a:lstStyle/>
+        <a:p>
+          <a:pPr latinLnBrk="1"/>
+          <a:endParaRPr lang="ko-KR" altLang="en-US"/>
+        </a:p>
+      </dgm:t>
+    </dgm:pt>
+    <dgm:pt modelId="{EEA7579A-8407-CA46-A862-7517EAB09AA3}">
+      <dgm:prSet custT="1"/>
+      <dgm:spPr/>
+      <dgm:t>
+        <a:bodyPr/>
+        <a:lstStyle/>
+        <a:p>
+          <a:pPr latinLnBrk="1"/>
+          <a:r>
+            <a:rPr lang="en-US" altLang="ko-KR" sz="1300" b="0" i="0" dirty="0">
+              <a:solidFill>
+                <a:schemeClr val="bg1"/>
+              </a:solidFill>
+              <a:latin typeface="+mn-lt"/>
+            </a:rPr>
+            <a:t>Personal Data input</a:t>
+          </a:r>
+          <a:endParaRPr lang="ko-KR" altLang="en-US" sz="1300" b="0" i="0" dirty="0">
+            <a:solidFill>
+              <a:schemeClr val="bg1"/>
+            </a:solidFill>
+            <a:latin typeface="+mn-lt"/>
+          </a:endParaRPr>
+        </a:p>
+      </dgm:t>
+    </dgm:pt>
+    <dgm:pt modelId="{9ACE2206-B0B2-5749-98D5-8576C9DC41BC}" type="parTrans" cxnId="{003FB600-4285-0F40-8DB2-B2A55F79B4FD}">
+      <dgm:prSet/>
+      <dgm:spPr/>
+      <dgm:t>
+        <a:bodyPr/>
+        <a:lstStyle/>
+        <a:p>
+          <a:pPr latinLnBrk="1"/>
+          <a:endParaRPr lang="ko-KR" altLang="en-US"/>
+        </a:p>
+      </dgm:t>
+    </dgm:pt>
+    <dgm:pt modelId="{82365C91-A659-4D42-A12B-E7E92EDE2B01}" type="sibTrans" cxnId="{003FB600-4285-0F40-8DB2-B2A55F79B4FD}">
+      <dgm:prSet/>
+      <dgm:spPr/>
+      <dgm:t>
+        <a:bodyPr/>
+        <a:lstStyle/>
+        <a:p>
+          <a:pPr latinLnBrk="1"/>
+          <a:endParaRPr lang="ko-KR" altLang="en-US"/>
+        </a:p>
+      </dgm:t>
+    </dgm:pt>
+    <dgm:pt modelId="{17542B26-68CC-B242-84ED-0CDC88E33D62}">
+      <dgm:prSet custT="1"/>
+      <dgm:spPr/>
+      <dgm:t>
+        <a:bodyPr/>
+        <a:lstStyle/>
+        <a:p>
+          <a:pPr latinLnBrk="1"/>
+          <a:r>
+            <a:rPr lang="en-US" altLang="ko-KR" sz="1300" b="0" i="0" dirty="0">
+              <a:solidFill>
+                <a:schemeClr val="bg1"/>
+              </a:solidFill>
+              <a:latin typeface="+mn-lt"/>
+            </a:rPr>
+            <a:t>Personal Food Output by Database and Health Data</a:t>
+          </a:r>
+        </a:p>
+      </dgm:t>
+    </dgm:pt>
+    <dgm:pt modelId="{F69B8284-84E8-914A-83B6-B24C9E9FB339}" type="parTrans" cxnId="{960948CA-7DC1-C248-80F2-F2FEB1FD8954}">
+      <dgm:prSet/>
+      <dgm:spPr/>
+      <dgm:t>
+        <a:bodyPr/>
+        <a:lstStyle/>
+        <a:p>
+          <a:pPr latinLnBrk="1"/>
+          <a:endParaRPr lang="ko-KR" altLang="en-US"/>
+        </a:p>
+      </dgm:t>
+    </dgm:pt>
+    <dgm:pt modelId="{0686362B-8734-CD49-B5DB-272627936B94}" type="sibTrans" cxnId="{960948CA-7DC1-C248-80F2-F2FEB1FD8954}">
       <dgm:prSet/>
       <dgm:spPr/>
       <dgm:t>
@@ -1077,7 +1177,7 @@
       <dgm:spPr/>
     </dgm:pt>
     <dgm:pt modelId="{2185076F-904A-488B-96FB-4C91B81D40DE}" type="pres">
-      <dgm:prSet presAssocID="{8E87E13F-3C87-481E-999F-540354C7F9F4}" presName="arrow" presStyleLbl="bgShp" presStyleIdx="0" presStyleCnt="1"/>
+      <dgm:prSet presAssocID="{8E87E13F-3C87-481E-999F-540354C7F9F4}" presName="arrow" presStyleLbl="bgShp" presStyleIdx="0" presStyleCnt="1" custScaleY="110275" custLinFactNeighborX="-1251" custLinFactNeighborY="5571"/>
       <dgm:spPr/>
     </dgm:pt>
     <dgm:pt modelId="{0254A10B-B44F-470E-BAB1-1A1EA1BCC52A}" type="pres">
@@ -1089,7 +1189,7 @@
       <dgm:spPr/>
     </dgm:pt>
     <dgm:pt modelId="{4B24E74E-29D5-41F3-B1B8-31FBF7108A90}" type="pres">
-      <dgm:prSet presAssocID="{0F7488E1-8D2D-4311-AE8F-60A3B6711E56}" presName="textA" presStyleLbl="revTx" presStyleIdx="0" presStyleCnt="3">
+      <dgm:prSet presAssocID="{0F7488E1-8D2D-4311-AE8F-60A3B6711E56}" presName="textA" presStyleLbl="revTx" presStyleIdx="0" presStyleCnt="5" custScaleX="169977">
         <dgm:presLayoutVars>
           <dgm:bulletEnabled val="1"/>
         </dgm:presLayoutVars>
@@ -1097,7 +1197,7 @@
       <dgm:spPr/>
     </dgm:pt>
     <dgm:pt modelId="{E24EAF94-DE6D-460B-A5CD-23878D6B9CD7}" type="pres">
-      <dgm:prSet presAssocID="{0F7488E1-8D2D-4311-AE8F-60A3B6711E56}" presName="circleA" presStyleLbl="node1" presStyleIdx="0" presStyleCnt="3"/>
+      <dgm:prSet presAssocID="{0F7488E1-8D2D-4311-AE8F-60A3B6711E56}" presName="circleA" presStyleLbl="node1" presStyleIdx="0" presStyleCnt="5"/>
       <dgm:spPr/>
     </dgm:pt>
     <dgm:pt modelId="{CE61498D-B38E-4B87-8F14-088B4BBB10B5}" type="pres">
@@ -1113,7 +1213,7 @@
       <dgm:spPr/>
     </dgm:pt>
     <dgm:pt modelId="{BE99B73E-E531-439D-BA3B-77E2BB995E84}" type="pres">
-      <dgm:prSet presAssocID="{AEB36E3A-F2EB-4923-9AC1-174332D95F1D}" presName="textB" presStyleLbl="revTx" presStyleIdx="1" presStyleCnt="3">
+      <dgm:prSet presAssocID="{AEB36E3A-F2EB-4923-9AC1-174332D95F1D}" presName="textB" presStyleLbl="revTx" presStyleIdx="1" presStyleCnt="5" custScaleX="159677">
         <dgm:presLayoutVars>
           <dgm:bulletEnabled val="1"/>
         </dgm:presLayoutVars>
@@ -1121,46 +1221,98 @@
       <dgm:spPr/>
     </dgm:pt>
     <dgm:pt modelId="{9BD7836E-1E33-42FA-A07D-E07A494280DE}" type="pres">
-      <dgm:prSet presAssocID="{AEB36E3A-F2EB-4923-9AC1-174332D95F1D}" presName="circleB" presStyleLbl="node1" presStyleIdx="1" presStyleCnt="3"/>
+      <dgm:prSet presAssocID="{AEB36E3A-F2EB-4923-9AC1-174332D95F1D}" presName="circleB" presStyleLbl="node1" presStyleIdx="1" presStyleCnt="5"/>
       <dgm:spPr/>
     </dgm:pt>
     <dgm:pt modelId="{AA3A32E7-309D-4E07-8027-6850473B9AC9}" type="pres">
       <dgm:prSet presAssocID="{AEB36E3A-F2EB-4923-9AC1-174332D95F1D}" presName="spaceB" presStyleCnt="0"/>
       <dgm:spPr/>
     </dgm:pt>
-    <dgm:pt modelId="{35D6F35A-38ED-416C-8E23-AEE98649AE58}" type="pres">
+    <dgm:pt modelId="{8DE00B72-854C-1343-9262-6AD9DDDBA601}" type="pres">
       <dgm:prSet presAssocID="{33F4008A-1FB1-4092-91F1-E1E10817E644}" presName="space" presStyleCnt="0"/>
       <dgm:spPr/>
     </dgm:pt>
-    <dgm:pt modelId="{23D3B9E9-7C63-4627-9E2F-59CA3BAE1530}" type="pres">
-      <dgm:prSet presAssocID="{C1E463F7-F147-45FC-A989-EEE3CD4771A4}" presName="compositeA" presStyleCnt="0"/>
+    <dgm:pt modelId="{C728F50D-402A-C842-B58E-EE85CCDA78C1}" type="pres">
+      <dgm:prSet presAssocID="{FAAE8302-28EB-2246-B693-22BA8B407333}" presName="compositeA" presStyleCnt="0"/>
       <dgm:spPr/>
     </dgm:pt>
-    <dgm:pt modelId="{02CACCFC-5483-4FC2-9F13-DE65E2126582}" type="pres">
-      <dgm:prSet presAssocID="{C1E463F7-F147-45FC-A989-EEE3CD4771A4}" presName="textA" presStyleLbl="revTx" presStyleIdx="2" presStyleCnt="3">
+    <dgm:pt modelId="{9ABC8F36-459E-F74A-A441-A70CDF2A24C2}" type="pres">
+      <dgm:prSet presAssocID="{FAAE8302-28EB-2246-B693-22BA8B407333}" presName="textA" presStyleLbl="revTx" presStyleIdx="2" presStyleCnt="5" custScaleX="187251">
         <dgm:presLayoutVars>
           <dgm:bulletEnabled val="1"/>
         </dgm:presLayoutVars>
       </dgm:prSet>
       <dgm:spPr/>
     </dgm:pt>
-    <dgm:pt modelId="{766B1FE1-C07B-4DCA-B974-7114F135AEDE}" type="pres">
-      <dgm:prSet presAssocID="{C1E463F7-F147-45FC-A989-EEE3CD4771A4}" presName="circleA" presStyleLbl="node1" presStyleIdx="2" presStyleCnt="3"/>
+    <dgm:pt modelId="{2731F3DB-68C4-044A-AFAE-01EBD933EF47}" type="pres">
+      <dgm:prSet presAssocID="{FAAE8302-28EB-2246-B693-22BA8B407333}" presName="circleA" presStyleLbl="node1" presStyleIdx="2" presStyleCnt="5"/>
       <dgm:spPr/>
     </dgm:pt>
-    <dgm:pt modelId="{296D4DE9-801F-427D-BECD-64BBE4313C86}" type="pres">
-      <dgm:prSet presAssocID="{C1E463F7-F147-45FC-A989-EEE3CD4771A4}" presName="spaceA" presStyleCnt="0"/>
+    <dgm:pt modelId="{59FE9A95-4BD8-5B4E-84B6-1C21337883D9}" type="pres">
+      <dgm:prSet presAssocID="{FAAE8302-28EB-2246-B693-22BA8B407333}" presName="spaceA" presStyleCnt="0"/>
+      <dgm:spPr/>
+    </dgm:pt>
+    <dgm:pt modelId="{B4394216-0A33-A547-829C-5842D5604DA2}" type="pres">
+      <dgm:prSet presAssocID="{C1AFEEC4-FFA1-FF43-B689-B1C3C5CAB9EB}" presName="space" presStyleCnt="0"/>
+      <dgm:spPr/>
+    </dgm:pt>
+    <dgm:pt modelId="{2EB620DF-145C-974E-8008-FF6D9DC58BD2}" type="pres">
+      <dgm:prSet presAssocID="{EEA7579A-8407-CA46-A862-7517EAB09AA3}" presName="compositeB" presStyleCnt="0"/>
+      <dgm:spPr/>
+    </dgm:pt>
+    <dgm:pt modelId="{21BCD540-2DBE-5449-B328-0548E2AB5798}" type="pres">
+      <dgm:prSet presAssocID="{EEA7579A-8407-CA46-A862-7517EAB09AA3}" presName="textB" presStyleLbl="revTx" presStyleIdx="3" presStyleCnt="5" custScaleX="171880">
+        <dgm:presLayoutVars>
+          <dgm:bulletEnabled val="1"/>
+        </dgm:presLayoutVars>
+      </dgm:prSet>
+      <dgm:spPr/>
+    </dgm:pt>
+    <dgm:pt modelId="{6106CF16-25D9-3E40-809C-2B69A9414363}" type="pres">
+      <dgm:prSet presAssocID="{EEA7579A-8407-CA46-A862-7517EAB09AA3}" presName="circleB" presStyleLbl="node1" presStyleIdx="3" presStyleCnt="5"/>
+      <dgm:spPr/>
+    </dgm:pt>
+    <dgm:pt modelId="{BB6E6078-D7CF-DE48-ABB5-CFE3B90752EA}" type="pres">
+      <dgm:prSet presAssocID="{EEA7579A-8407-CA46-A862-7517EAB09AA3}" presName="spaceB" presStyleCnt="0"/>
+      <dgm:spPr/>
+    </dgm:pt>
+    <dgm:pt modelId="{F09E504E-1655-E048-A29D-6D56F3EF7924}" type="pres">
+      <dgm:prSet presAssocID="{82365C91-A659-4D42-A12B-E7E92EDE2B01}" presName="space" presStyleCnt="0"/>
+      <dgm:spPr/>
+    </dgm:pt>
+    <dgm:pt modelId="{BB26C060-63BE-8D43-B45B-2A1567080958}" type="pres">
+      <dgm:prSet presAssocID="{17542B26-68CC-B242-84ED-0CDC88E33D62}" presName="compositeA" presStyleCnt="0"/>
+      <dgm:spPr/>
+    </dgm:pt>
+    <dgm:pt modelId="{FB47A95B-C861-4442-8D24-57F1C54C957C}" type="pres">
+      <dgm:prSet presAssocID="{17542B26-68CC-B242-84ED-0CDC88E33D62}" presName="textA" presStyleLbl="revTx" presStyleIdx="4" presStyleCnt="5" custScaleX="287056">
+        <dgm:presLayoutVars>
+          <dgm:bulletEnabled val="1"/>
+        </dgm:presLayoutVars>
+      </dgm:prSet>
+      <dgm:spPr/>
+    </dgm:pt>
+    <dgm:pt modelId="{C3E19A38-D7C1-884D-AA86-1B6888BA326A}" type="pres">
+      <dgm:prSet presAssocID="{17542B26-68CC-B242-84ED-0CDC88E33D62}" presName="circleA" presStyleLbl="node1" presStyleIdx="4" presStyleCnt="5"/>
+      <dgm:spPr/>
+    </dgm:pt>
+    <dgm:pt modelId="{3CE1E8C7-2464-CA48-AF2A-7C463171837F}" type="pres">
+      <dgm:prSet presAssocID="{17542B26-68CC-B242-84ED-0CDC88E33D62}" presName="spaceA" presStyleCnt="0"/>
       <dgm:spPr/>
     </dgm:pt>
   </dgm:ptLst>
   <dgm:cxnLst>
+    <dgm:cxn modelId="{003FB600-4285-0F40-8DB2-B2A55F79B4FD}" srcId="{8E87E13F-3C87-481E-999F-540354C7F9F4}" destId="{EEA7579A-8407-CA46-A862-7517EAB09AA3}" srcOrd="3" destOrd="0" parTransId="{9ACE2206-B0B2-5749-98D5-8576C9DC41BC}" sibTransId="{82365C91-A659-4D42-A12B-E7E92EDE2B01}"/>
+    <dgm:cxn modelId="{249C0026-BC0B-3441-8FAE-28051A325D45}" type="presOf" srcId="{17542B26-68CC-B242-84ED-0CDC88E33D62}" destId="{FB47A95B-C861-4442-8D24-57F1C54C957C}" srcOrd="0" destOrd="0" presId="urn:microsoft.com/office/officeart/2005/8/layout/hProcess11"/>
     <dgm:cxn modelId="{AD8B2F31-2DAA-42C8-B570-9B1272D3C017}" type="presOf" srcId="{AEB36E3A-F2EB-4923-9AC1-174332D95F1D}" destId="{BE99B73E-E531-439D-BA3B-77E2BB995E84}" srcOrd="0" destOrd="0" presId="urn:microsoft.com/office/officeart/2005/8/layout/hProcess11"/>
-    <dgm:cxn modelId="{D13D6F6E-D413-486C-9173-32AFC57D2C1D}" type="presOf" srcId="{C1E463F7-F147-45FC-A989-EEE3CD4771A4}" destId="{02CACCFC-5483-4FC2-9F13-DE65E2126582}" srcOrd="0" destOrd="0" presId="urn:microsoft.com/office/officeart/2005/8/layout/hProcess11"/>
+    <dgm:cxn modelId="{8D96B150-8302-6F4C-8A51-F9AB607417AC}" srcId="{8E87E13F-3C87-481E-999F-540354C7F9F4}" destId="{FAAE8302-28EB-2246-B693-22BA8B407333}" srcOrd="2" destOrd="0" parTransId="{F94E818F-5489-0548-AA8E-0BF4A76E51D2}" sibTransId="{C1AFEEC4-FFA1-FF43-B689-B1C3C5CAB9EB}"/>
     <dgm:cxn modelId="{CEAE387C-FEB0-46B5-9EB3-3C5626E52198}" srcId="{8E87E13F-3C87-481E-999F-540354C7F9F4}" destId="{AEB36E3A-F2EB-4923-9AC1-174332D95F1D}" srcOrd="1" destOrd="0" parTransId="{ED3DB469-7786-4CD3-BF4F-8DD8C00AC0CD}" sibTransId="{33F4008A-1FB1-4092-91F1-E1E10817E644}"/>
-    <dgm:cxn modelId="{45C82A86-C4E6-4B87-B4B4-7BFE675FBBA7}" srcId="{8E87E13F-3C87-481E-999F-540354C7F9F4}" destId="{C1E463F7-F147-45FC-A989-EEE3CD4771A4}" srcOrd="2" destOrd="0" parTransId="{B007DA5F-9664-41F0-BBC2-0E1AF56B7927}" sibTransId="{D16352C3-6FEF-4C0F-9A07-80A774410384}"/>
     <dgm:cxn modelId="{BB8A209C-B147-495C-9523-A8C28E78D726}" type="presOf" srcId="{0F7488E1-8D2D-4311-AE8F-60A3B6711E56}" destId="{4B24E74E-29D5-41F3-B1B8-31FBF7108A90}" srcOrd="0" destOrd="0" presId="urn:microsoft.com/office/officeart/2005/8/layout/hProcess11"/>
     <dgm:cxn modelId="{A3F0F4A0-64ED-45CF-9637-441883C9AEB4}" type="presOf" srcId="{8E87E13F-3C87-481E-999F-540354C7F9F4}" destId="{9287AF07-2D8E-4650-AE04-85BF6922245C}" srcOrd="0" destOrd="0" presId="urn:microsoft.com/office/officeart/2005/8/layout/hProcess11"/>
+    <dgm:cxn modelId="{524855A7-49F3-B347-9C80-4C297B714084}" type="presOf" srcId="{FAAE8302-28EB-2246-B693-22BA8B407333}" destId="{9ABC8F36-459E-F74A-A441-A70CDF2A24C2}" srcOrd="0" destOrd="0" presId="urn:microsoft.com/office/officeart/2005/8/layout/hProcess11"/>
     <dgm:cxn modelId="{E2A6D4B7-9301-4C1F-8648-723FD0107F69}" srcId="{8E87E13F-3C87-481E-999F-540354C7F9F4}" destId="{0F7488E1-8D2D-4311-AE8F-60A3B6711E56}" srcOrd="0" destOrd="0" parTransId="{014E0646-31CA-4AC5-A564-ADDE994553CB}" sibTransId="{016BEBA8-09E3-4DDF-9AD6-95809B653B67}"/>
+    <dgm:cxn modelId="{960948CA-7DC1-C248-80F2-F2FEB1FD8954}" srcId="{8E87E13F-3C87-481E-999F-540354C7F9F4}" destId="{17542B26-68CC-B242-84ED-0CDC88E33D62}" srcOrd="4" destOrd="0" parTransId="{F69B8284-84E8-914A-83B6-B24C9E9FB339}" sibTransId="{0686362B-8734-CD49-B5DB-272627936B94}"/>
+    <dgm:cxn modelId="{2A6416D9-7A3C-8E44-812A-C2BE3A724E8F}" type="presOf" srcId="{EEA7579A-8407-CA46-A862-7517EAB09AA3}" destId="{21BCD540-2DBE-5449-B328-0548E2AB5798}" srcOrd="0" destOrd="0" presId="urn:microsoft.com/office/officeart/2005/8/layout/hProcess11"/>
     <dgm:cxn modelId="{66796BF3-46CD-405C-A185-03AE669C577B}" type="presParOf" srcId="{9287AF07-2D8E-4650-AE04-85BF6922245C}" destId="{2185076F-904A-488B-96FB-4C91B81D40DE}" srcOrd="0" destOrd="0" presId="urn:microsoft.com/office/officeart/2005/8/layout/hProcess11"/>
     <dgm:cxn modelId="{CDF106FF-E740-45F2-936C-759834523134}" type="presParOf" srcId="{9287AF07-2D8E-4650-AE04-85BF6922245C}" destId="{0254A10B-B44F-470E-BAB1-1A1EA1BCC52A}" srcOrd="1" destOrd="0" presId="urn:microsoft.com/office/officeart/2005/8/layout/hProcess11"/>
     <dgm:cxn modelId="{18081EF6-F2D3-4C99-88DB-2EF0ECE9C05D}" type="presParOf" srcId="{0254A10B-B44F-470E-BAB1-1A1EA1BCC52A}" destId="{7B2F25D8-67CD-4E4D-A3D0-B55FE4BB5DC6}" srcOrd="0" destOrd="0" presId="urn:microsoft.com/office/officeart/2005/8/layout/hProcess11"/>
@@ -1172,17 +1324,27 @@
     <dgm:cxn modelId="{32C80C8B-752B-41CC-B0BB-4889F65E22A2}" type="presParOf" srcId="{B235327C-76B1-4781-B466-C0AD31D97C5B}" destId="{BE99B73E-E531-439D-BA3B-77E2BB995E84}" srcOrd="0" destOrd="0" presId="urn:microsoft.com/office/officeart/2005/8/layout/hProcess11"/>
     <dgm:cxn modelId="{D8636DBC-1C05-437B-8668-97A0D99463DD}" type="presParOf" srcId="{B235327C-76B1-4781-B466-C0AD31D97C5B}" destId="{9BD7836E-1E33-42FA-A07D-E07A494280DE}" srcOrd="1" destOrd="0" presId="urn:microsoft.com/office/officeart/2005/8/layout/hProcess11"/>
     <dgm:cxn modelId="{B1E24A41-41FD-4842-A16A-7B88B73EFBC5}" type="presParOf" srcId="{B235327C-76B1-4781-B466-C0AD31D97C5B}" destId="{AA3A32E7-309D-4E07-8027-6850473B9AC9}" srcOrd="2" destOrd="0" presId="urn:microsoft.com/office/officeart/2005/8/layout/hProcess11"/>
-    <dgm:cxn modelId="{539B7C10-7DF3-49B3-9EE9-6329F53F2D17}" type="presParOf" srcId="{0254A10B-B44F-470E-BAB1-1A1EA1BCC52A}" destId="{35D6F35A-38ED-416C-8E23-AEE98649AE58}" srcOrd="3" destOrd="0" presId="urn:microsoft.com/office/officeart/2005/8/layout/hProcess11"/>
-    <dgm:cxn modelId="{B2E1CFFC-7D6D-463A-B440-B166CD402CC0}" type="presParOf" srcId="{0254A10B-B44F-470E-BAB1-1A1EA1BCC52A}" destId="{23D3B9E9-7C63-4627-9E2F-59CA3BAE1530}" srcOrd="4" destOrd="0" presId="urn:microsoft.com/office/officeart/2005/8/layout/hProcess11"/>
-    <dgm:cxn modelId="{14F21BB3-0D64-4D15-9ADA-F771AB70FEBB}" type="presParOf" srcId="{23D3B9E9-7C63-4627-9E2F-59CA3BAE1530}" destId="{02CACCFC-5483-4FC2-9F13-DE65E2126582}" srcOrd="0" destOrd="0" presId="urn:microsoft.com/office/officeart/2005/8/layout/hProcess11"/>
-    <dgm:cxn modelId="{F2380DE6-D99E-4386-855E-F635909DA822}" type="presParOf" srcId="{23D3B9E9-7C63-4627-9E2F-59CA3BAE1530}" destId="{766B1FE1-C07B-4DCA-B974-7114F135AEDE}" srcOrd="1" destOrd="0" presId="urn:microsoft.com/office/officeart/2005/8/layout/hProcess11"/>
-    <dgm:cxn modelId="{C07DA9C8-F64C-43DD-B5F2-1B84F64A7EA0}" type="presParOf" srcId="{23D3B9E9-7C63-4627-9E2F-59CA3BAE1530}" destId="{296D4DE9-801F-427D-BECD-64BBE4313C86}" srcOrd="2" destOrd="0" presId="urn:microsoft.com/office/officeart/2005/8/layout/hProcess11"/>
+    <dgm:cxn modelId="{5CBD9783-76A6-D848-9842-6B429C7762A9}" type="presParOf" srcId="{0254A10B-B44F-470E-BAB1-1A1EA1BCC52A}" destId="{8DE00B72-854C-1343-9262-6AD9DDDBA601}" srcOrd="3" destOrd="0" presId="urn:microsoft.com/office/officeart/2005/8/layout/hProcess11"/>
+    <dgm:cxn modelId="{E492C823-EA14-F148-9D2B-56E75CFC5A87}" type="presParOf" srcId="{0254A10B-B44F-470E-BAB1-1A1EA1BCC52A}" destId="{C728F50D-402A-C842-B58E-EE85CCDA78C1}" srcOrd="4" destOrd="0" presId="urn:microsoft.com/office/officeart/2005/8/layout/hProcess11"/>
+    <dgm:cxn modelId="{336A3FF5-ED57-F34F-8612-BA6071D41861}" type="presParOf" srcId="{C728F50D-402A-C842-B58E-EE85CCDA78C1}" destId="{9ABC8F36-459E-F74A-A441-A70CDF2A24C2}" srcOrd="0" destOrd="0" presId="urn:microsoft.com/office/officeart/2005/8/layout/hProcess11"/>
+    <dgm:cxn modelId="{4B2D4557-AB97-6F4B-A901-B6F7734E00BD}" type="presParOf" srcId="{C728F50D-402A-C842-B58E-EE85CCDA78C1}" destId="{2731F3DB-68C4-044A-AFAE-01EBD933EF47}" srcOrd="1" destOrd="0" presId="urn:microsoft.com/office/officeart/2005/8/layout/hProcess11"/>
+    <dgm:cxn modelId="{B7F3EDAC-DD29-7F43-BD4E-A84F78CB7C9A}" type="presParOf" srcId="{C728F50D-402A-C842-B58E-EE85CCDA78C1}" destId="{59FE9A95-4BD8-5B4E-84B6-1C21337883D9}" srcOrd="2" destOrd="0" presId="urn:microsoft.com/office/officeart/2005/8/layout/hProcess11"/>
+    <dgm:cxn modelId="{1BE13F16-B7CE-4A41-B7DC-69A5BDF982DE}" type="presParOf" srcId="{0254A10B-B44F-470E-BAB1-1A1EA1BCC52A}" destId="{B4394216-0A33-A547-829C-5842D5604DA2}" srcOrd="5" destOrd="0" presId="urn:microsoft.com/office/officeart/2005/8/layout/hProcess11"/>
+    <dgm:cxn modelId="{8C4795ED-C3B1-0A42-89DA-C3CBBF2C372A}" type="presParOf" srcId="{0254A10B-B44F-470E-BAB1-1A1EA1BCC52A}" destId="{2EB620DF-145C-974E-8008-FF6D9DC58BD2}" srcOrd="6" destOrd="0" presId="urn:microsoft.com/office/officeart/2005/8/layout/hProcess11"/>
+    <dgm:cxn modelId="{AB2ABA18-D8D2-5641-AAB4-E7F19BD9B478}" type="presParOf" srcId="{2EB620DF-145C-974E-8008-FF6D9DC58BD2}" destId="{21BCD540-2DBE-5449-B328-0548E2AB5798}" srcOrd="0" destOrd="0" presId="urn:microsoft.com/office/officeart/2005/8/layout/hProcess11"/>
+    <dgm:cxn modelId="{F5A76815-CC3B-A749-8849-D43C1B2662CE}" type="presParOf" srcId="{2EB620DF-145C-974E-8008-FF6D9DC58BD2}" destId="{6106CF16-25D9-3E40-809C-2B69A9414363}" srcOrd="1" destOrd="0" presId="urn:microsoft.com/office/officeart/2005/8/layout/hProcess11"/>
+    <dgm:cxn modelId="{C5E91A21-1F97-644D-B16C-291945E38E98}" type="presParOf" srcId="{2EB620DF-145C-974E-8008-FF6D9DC58BD2}" destId="{BB6E6078-D7CF-DE48-ABB5-CFE3B90752EA}" srcOrd="2" destOrd="0" presId="urn:microsoft.com/office/officeart/2005/8/layout/hProcess11"/>
+    <dgm:cxn modelId="{365C87E2-1DA3-E04F-99DC-6DEEB0B0BF4C}" type="presParOf" srcId="{0254A10B-B44F-470E-BAB1-1A1EA1BCC52A}" destId="{F09E504E-1655-E048-A29D-6D56F3EF7924}" srcOrd="7" destOrd="0" presId="urn:microsoft.com/office/officeart/2005/8/layout/hProcess11"/>
+    <dgm:cxn modelId="{97462BDB-892C-894E-B871-D2DBD57BA0EB}" type="presParOf" srcId="{0254A10B-B44F-470E-BAB1-1A1EA1BCC52A}" destId="{BB26C060-63BE-8D43-B45B-2A1567080958}" srcOrd="8" destOrd="0" presId="urn:microsoft.com/office/officeart/2005/8/layout/hProcess11"/>
+    <dgm:cxn modelId="{E37407E1-1959-B448-994E-9B06A13DB076}" type="presParOf" srcId="{BB26C060-63BE-8D43-B45B-2A1567080958}" destId="{FB47A95B-C861-4442-8D24-57F1C54C957C}" srcOrd="0" destOrd="0" presId="urn:microsoft.com/office/officeart/2005/8/layout/hProcess11"/>
+    <dgm:cxn modelId="{569F7FB7-CE65-0047-B191-E2A314AD315E}" type="presParOf" srcId="{BB26C060-63BE-8D43-B45B-2A1567080958}" destId="{C3E19A38-D7C1-884D-AA86-1B6888BA326A}" srcOrd="1" destOrd="0" presId="urn:microsoft.com/office/officeart/2005/8/layout/hProcess11"/>
+    <dgm:cxn modelId="{417ECFB8-767E-A14E-AB51-90B3B9A624D9}" type="presParOf" srcId="{BB26C060-63BE-8D43-B45B-2A1567080958}" destId="{3CE1E8C7-2464-CA48-AF2A-7C463171837F}" srcOrd="2" destOrd="0" presId="urn:microsoft.com/office/officeart/2005/8/layout/hProcess11"/>
   </dgm:cxnLst>
   <dgm:bg/>
   <dgm:whole/>
   <dgm:extLst>
     <a:ext uri="http://schemas.microsoft.com/office/drawing/2008/diagram">
-      <dsp:dataModelExt xmlns:dsp="http://schemas.microsoft.com/office/drawing/2008/diagram" relId="rId6" minVer="http://schemas.openxmlformats.org/drawingml/2006/diagram"/>
+      <dsp:dataModelExt xmlns:dsp="http://schemas.microsoft.com/office/drawing/2008/diagram" relId="rId7" minVer="http://schemas.openxmlformats.org/drawingml/2006/diagram"/>
     </a:ext>
   </dgm:extLst>
 </dgm:dataModel>
@@ -1203,8 +1365,8 @@
       </dsp:nvSpPr>
       <dsp:spPr>
         <a:xfrm>
-          <a:off x="0" y="659515"/>
-          <a:ext cx="4401459" cy="879354"/>
+          <a:off x="0" y="612883"/>
+          <a:ext cx="8353777" cy="895963"/>
         </a:xfrm>
         <a:prstGeom prst="notchedRightArrow">
           <a:avLst/>
@@ -1243,8 +1405,8 @@
       </dsp:nvSpPr>
       <dsp:spPr>
         <a:xfrm>
-          <a:off x="1934" y="0"/>
-          <a:ext cx="1276595" cy="879354"/>
+          <a:off x="2839" y="0"/>
+          <a:ext cx="1282322" cy="812481"/>
         </a:xfrm>
         <a:prstGeom prst="rect">
           <a:avLst/>
@@ -1268,12 +1430,12 @@
         <a:fontRef idx="minor"/>
       </dsp:style>
       <dsp:txBody>
-        <a:bodyPr spcFirstLastPara="0" vert="horz" wrap="square" lIns="113792" tIns="113792" rIns="113792" bIns="113792" numCol="1" spcCol="1270" anchor="b" anchorCtr="0">
+        <a:bodyPr spcFirstLastPara="0" vert="horz" wrap="square" lIns="85344" tIns="85344" rIns="85344" bIns="85344" numCol="1" spcCol="1270" anchor="b" anchorCtr="0">
           <a:noAutofit/>
         </a:bodyPr>
         <a:lstStyle/>
         <a:p>
-          <a:pPr marL="0" lvl="0" indent="0" algn="ctr" defTabSz="711200">
+          <a:pPr marL="0" lvl="0" indent="0" algn="ctr" defTabSz="533400">
             <a:lnSpc>
               <a:spcPct val="90000"/>
             </a:lnSpc>
@@ -1286,24 +1448,25 @@
             <a:buNone/>
           </a:pPr>
           <a:r>
-            <a:rPr lang="ko-KR" altLang="en-US" sz="1600" kern="1200">
+            <a:rPr lang="en-US" altLang="ko-KR" sz="1200" b="0" i="0" kern="1200" dirty="0">
               <a:solidFill>
                 <a:schemeClr val="bg1"/>
               </a:solidFill>
-              <a:latin typeface="맑은 고딕" panose="02110004020202020204"/>
+              <a:latin typeface="+mn-lt"/>
             </a:rPr>
-            <a:t>Input</a:t>
+            <a:t>Method input</a:t>
           </a:r>
-          <a:endParaRPr lang="ko-KR" altLang="en-US" sz="1600" kern="1200">
+          <a:endParaRPr lang="ko-KR" altLang="en-US" sz="1200" b="0" i="0" kern="1200" dirty="0">
             <a:solidFill>
               <a:schemeClr val="bg1"/>
             </a:solidFill>
+            <a:latin typeface="+mn-lt"/>
           </a:endParaRPr>
         </a:p>
       </dsp:txBody>
       <dsp:txXfrm>
-        <a:off x="1934" y="0"/>
-        <a:ext cx="1276595" cy="879354"/>
+        <a:off x="2839" y="0"/>
+        <a:ext cx="1282322" cy="812481"/>
       </dsp:txXfrm>
     </dsp:sp>
     <dsp:sp modelId="{E24EAF94-DE6D-460B-A5CD-23878D6B9CD7}">
@@ -1313,8 +1476,8 @@
       </dsp:nvSpPr>
       <dsp:spPr>
         <a:xfrm>
-          <a:off x="530312" y="989273"/>
-          <a:ext cx="219838" cy="219838"/>
+          <a:off x="542440" y="914041"/>
+          <a:ext cx="203120" cy="203120"/>
         </a:xfrm>
         <a:prstGeom prst="ellipse">
           <a:avLst/>
@@ -1384,8 +1547,8 @@
       </dsp:nvSpPr>
       <dsp:spPr>
         <a:xfrm>
-          <a:off x="1342359" y="1319031"/>
-          <a:ext cx="1276595" cy="879354"/>
+          <a:off x="1322882" y="1218721"/>
+          <a:ext cx="1204618" cy="812481"/>
         </a:xfrm>
         <a:prstGeom prst="rect">
           <a:avLst/>
@@ -1409,12 +1572,12 @@
         <a:fontRef idx="minor"/>
       </dsp:style>
       <dsp:txBody>
-        <a:bodyPr spcFirstLastPara="0" vert="horz" wrap="square" lIns="113792" tIns="113792" rIns="113792" bIns="113792" numCol="1" spcCol="1270" anchor="t" anchorCtr="0">
+        <a:bodyPr spcFirstLastPara="0" vert="horz" wrap="square" lIns="92456" tIns="92456" rIns="92456" bIns="92456" numCol="1" spcCol="1270" anchor="t" anchorCtr="0">
           <a:noAutofit/>
         </a:bodyPr>
         <a:lstStyle/>
         <a:p>
-          <a:pPr marL="0" lvl="0" indent="0" algn="ctr" defTabSz="711200" rtl="0">
+          <a:pPr marL="0" lvl="0" indent="0" algn="ctr" defTabSz="577850" rtl="0">
             <a:lnSpc>
               <a:spcPct val="90000"/>
             </a:lnSpc>
@@ -1427,18 +1590,19 @@
             <a:buNone/>
           </a:pPr>
           <a:r>
-            <a:rPr lang="en-US" altLang="ko-KR" sz="1600" kern="1200" dirty="0">
+            <a:rPr lang="en-US" altLang="ko-KR" sz="1300" kern="1200" dirty="0">
               <a:solidFill>
                 <a:schemeClr val="bg1"/>
               </a:solidFill>
+              <a:latin typeface="+mn-lt"/>
             </a:rPr>
-            <a:t>DB/Apps</a:t>
+            <a:t>Paper input</a:t>
           </a:r>
         </a:p>
       </dsp:txBody>
       <dsp:txXfrm>
-        <a:off x="1342359" y="1319031"/>
-        <a:ext cx="1276595" cy="879354"/>
+        <a:off x="1322882" y="1218721"/>
+        <a:ext cx="1204618" cy="812481"/>
       </dsp:txXfrm>
     </dsp:sp>
     <dsp:sp modelId="{9BD7836E-1E33-42FA-A07D-E07A494280DE}">
@@ -1448,8 +1612,150 @@
       </dsp:nvSpPr>
       <dsp:spPr>
         <a:xfrm>
-          <a:off x="1870737" y="989273"/>
-          <a:ext cx="219838" cy="219838"/>
+          <a:off x="1823631" y="914041"/>
+          <a:ext cx="203120" cy="203120"/>
+        </a:xfrm>
+        <a:prstGeom prst="ellipse">
+          <a:avLst/>
+        </a:prstGeom>
+        <a:gradFill rotWithShape="0">
+          <a:gsLst>
+            <a:gs pos="0">
+              <a:schemeClr val="accent4">
+                <a:hueOff val="1649984"/>
+                <a:satOff val="-7300"/>
+                <a:lumOff val="-1226"/>
+                <a:alphaOff val="0"/>
+                <a:satMod val="103000"/>
+                <a:lumMod val="102000"/>
+                <a:tint val="94000"/>
+              </a:schemeClr>
+            </a:gs>
+            <a:gs pos="50000">
+              <a:schemeClr val="accent4">
+                <a:hueOff val="1649984"/>
+                <a:satOff val="-7300"/>
+                <a:lumOff val="-1226"/>
+                <a:alphaOff val="0"/>
+                <a:satMod val="110000"/>
+                <a:lumMod val="100000"/>
+                <a:shade val="100000"/>
+              </a:schemeClr>
+            </a:gs>
+            <a:gs pos="100000">
+              <a:schemeClr val="accent4">
+                <a:hueOff val="1649984"/>
+                <a:satOff val="-7300"/>
+                <a:lumOff val="-1226"/>
+                <a:alphaOff val="0"/>
+                <a:lumMod val="99000"/>
+                <a:satMod val="120000"/>
+                <a:shade val="78000"/>
+              </a:schemeClr>
+            </a:gs>
+          </a:gsLst>
+          <a:lin ang="5400000" scaled="0"/>
+        </a:gradFill>
+        <a:ln>
+          <a:noFill/>
+        </a:ln>
+        <a:effectLst/>
+      </dsp:spPr>
+      <dsp:style>
+        <a:lnRef idx="0">
+          <a:scrgbClr r="0" g="0" b="0"/>
+        </a:lnRef>
+        <a:fillRef idx="3">
+          <a:scrgbClr r="0" g="0" b="0"/>
+        </a:fillRef>
+        <a:effectRef idx="2">
+          <a:scrgbClr r="0" g="0" b="0"/>
+        </a:effectRef>
+        <a:fontRef idx="minor">
+          <a:schemeClr val="lt1"/>
+        </a:fontRef>
+      </dsp:style>
+    </dsp:sp>
+    <dsp:sp modelId="{9ABC8F36-459E-F74A-A441-A70CDF2A24C2}">
+      <dsp:nvSpPr>
+        <dsp:cNvPr id="0" name=""/>
+        <dsp:cNvSpPr/>
+      </dsp:nvSpPr>
+      <dsp:spPr>
+        <a:xfrm>
+          <a:off x="2565221" y="0"/>
+          <a:ext cx="1412639" cy="812481"/>
+        </a:xfrm>
+        <a:prstGeom prst="rect">
+          <a:avLst/>
+        </a:prstGeom>
+        <a:noFill/>
+        <a:ln>
+          <a:noFill/>
+        </a:ln>
+        <a:effectLst/>
+      </dsp:spPr>
+      <dsp:style>
+        <a:lnRef idx="0">
+          <a:scrgbClr r="0" g="0" b="0"/>
+        </a:lnRef>
+        <a:fillRef idx="0">
+          <a:scrgbClr r="0" g="0" b="0"/>
+        </a:fillRef>
+        <a:effectRef idx="0">
+          <a:scrgbClr r="0" g="0" b="0"/>
+        </a:effectRef>
+        <a:fontRef idx="minor"/>
+      </dsp:style>
+      <dsp:txBody>
+        <a:bodyPr spcFirstLastPara="0" vert="horz" wrap="square" lIns="92456" tIns="92456" rIns="92456" bIns="92456" numCol="1" spcCol="1270" anchor="b" anchorCtr="0">
+          <a:noAutofit/>
+        </a:bodyPr>
+        <a:lstStyle/>
+        <a:p>
+          <a:pPr marL="0" lvl="0" indent="0" algn="ctr" defTabSz="577850" latinLnBrk="1">
+            <a:lnSpc>
+              <a:spcPct val="90000"/>
+            </a:lnSpc>
+            <a:spcBef>
+              <a:spcPct val="0"/>
+            </a:spcBef>
+            <a:spcAft>
+              <a:spcPct val="35000"/>
+            </a:spcAft>
+            <a:buNone/>
+          </a:pPr>
+          <a:r>
+            <a:rPr lang="en-US" altLang="ko-KR" sz="1300" b="0" i="0" kern="1200" dirty="0">
+              <a:solidFill>
+                <a:schemeClr val="bg1"/>
+              </a:solidFill>
+              <a:latin typeface="+mn-lt"/>
+            </a:rPr>
+            <a:t>Build Data base</a:t>
+          </a:r>
+          <a:endParaRPr lang="ko-KR" altLang="en-US" sz="1300" b="0" i="0" kern="1200" dirty="0">
+            <a:solidFill>
+              <a:schemeClr val="bg1"/>
+            </a:solidFill>
+            <a:latin typeface="+mn-lt"/>
+          </a:endParaRPr>
+        </a:p>
+      </dsp:txBody>
+      <dsp:txXfrm>
+        <a:off x="2565221" y="0"/>
+        <a:ext cx="1412639" cy="812481"/>
+      </dsp:txXfrm>
+    </dsp:sp>
+    <dsp:sp modelId="{2731F3DB-68C4-044A-AFAE-01EBD933EF47}">
+      <dsp:nvSpPr>
+        <dsp:cNvPr id="0" name=""/>
+        <dsp:cNvSpPr/>
+      </dsp:nvSpPr>
+      <dsp:spPr>
+        <a:xfrm>
+          <a:off x="3169981" y="914041"/>
+          <a:ext cx="203120" cy="203120"/>
         </a:xfrm>
         <a:prstGeom prst="ellipse">
           <a:avLst/>
@@ -1512,15 +1818,15 @@
         </a:fontRef>
       </dsp:style>
     </dsp:sp>
-    <dsp:sp modelId="{02CACCFC-5483-4FC2-9F13-DE65E2126582}">
+    <dsp:sp modelId="{21BCD540-2DBE-5449-B328-0548E2AB5798}">
       <dsp:nvSpPr>
         <dsp:cNvPr id="0" name=""/>
         <dsp:cNvSpPr/>
       </dsp:nvSpPr>
       <dsp:spPr>
         <a:xfrm>
-          <a:off x="2682783" y="0"/>
-          <a:ext cx="1276595" cy="879354"/>
+          <a:off x="4015582" y="1218721"/>
+          <a:ext cx="1296679" cy="812481"/>
         </a:xfrm>
         <a:prstGeom prst="rect">
           <a:avLst/>
@@ -1544,12 +1850,12 @@
         <a:fontRef idx="minor"/>
       </dsp:style>
       <dsp:txBody>
-        <a:bodyPr spcFirstLastPara="0" vert="horz" wrap="square" lIns="113792" tIns="113792" rIns="113792" bIns="113792" numCol="1" spcCol="1270" anchor="b" anchorCtr="0">
+        <a:bodyPr spcFirstLastPara="0" vert="horz" wrap="square" lIns="92456" tIns="92456" rIns="92456" bIns="92456" numCol="1" spcCol="1270" anchor="t" anchorCtr="0">
           <a:noAutofit/>
         </a:bodyPr>
         <a:lstStyle/>
         <a:p>
-          <a:pPr marL="0" lvl="0" indent="0" algn="ctr" defTabSz="711200" rtl="0">
+          <a:pPr marL="0" lvl="0" indent="0" algn="ctr" defTabSz="577850" latinLnBrk="1">
             <a:lnSpc>
               <a:spcPct val="90000"/>
             </a:lnSpc>
@@ -1562,35 +1868,172 @@
             <a:buNone/>
           </a:pPr>
           <a:r>
-            <a:rPr lang="en-US" sz="1600" kern="1200">
+            <a:rPr lang="en-US" altLang="ko-KR" sz="1300" b="0" i="0" kern="1200" dirty="0">
               <a:solidFill>
                 <a:schemeClr val="bg1"/>
               </a:solidFill>
-              <a:latin typeface="맑은 고딕" panose="02110004020202020204"/>
+              <a:latin typeface="+mn-lt"/>
             </a:rPr>
-            <a:t>Recipe Output</a:t>
+            <a:t>Personal Data input</a:t>
           </a:r>
-          <a:endParaRPr lang="en-US" sz="1600" kern="1200">
+          <a:endParaRPr lang="ko-KR" altLang="en-US" sz="1300" b="0" i="0" kern="1200" dirty="0">
             <a:solidFill>
               <a:schemeClr val="bg1"/>
             </a:solidFill>
+            <a:latin typeface="+mn-lt"/>
           </a:endParaRPr>
         </a:p>
       </dsp:txBody>
       <dsp:txXfrm>
-        <a:off x="2682783" y="0"/>
-        <a:ext cx="1276595" cy="879354"/>
+        <a:off x="4015582" y="1218721"/>
+        <a:ext cx="1296679" cy="812481"/>
       </dsp:txXfrm>
     </dsp:sp>
-    <dsp:sp modelId="{766B1FE1-C07B-4DCA-B974-7114F135AEDE}">
+    <dsp:sp modelId="{6106CF16-25D9-3E40-809C-2B69A9414363}">
       <dsp:nvSpPr>
         <dsp:cNvPr id="0" name=""/>
         <dsp:cNvSpPr/>
       </dsp:nvSpPr>
       <dsp:spPr>
         <a:xfrm>
-          <a:off x="3211162" y="989273"/>
-          <a:ext cx="219838" cy="219838"/>
+          <a:off x="4562361" y="914041"/>
+          <a:ext cx="203120" cy="203120"/>
+        </a:xfrm>
+        <a:prstGeom prst="ellipse">
+          <a:avLst/>
+        </a:prstGeom>
+        <a:gradFill rotWithShape="0">
+          <a:gsLst>
+            <a:gs pos="0">
+              <a:schemeClr val="accent4">
+                <a:hueOff val="4949952"/>
+                <a:satOff val="-21901"/>
+                <a:lumOff val="-3677"/>
+                <a:alphaOff val="0"/>
+                <a:satMod val="103000"/>
+                <a:lumMod val="102000"/>
+                <a:tint val="94000"/>
+              </a:schemeClr>
+            </a:gs>
+            <a:gs pos="50000">
+              <a:schemeClr val="accent4">
+                <a:hueOff val="4949952"/>
+                <a:satOff val="-21901"/>
+                <a:lumOff val="-3677"/>
+                <a:alphaOff val="0"/>
+                <a:satMod val="110000"/>
+                <a:lumMod val="100000"/>
+                <a:shade val="100000"/>
+              </a:schemeClr>
+            </a:gs>
+            <a:gs pos="100000">
+              <a:schemeClr val="accent4">
+                <a:hueOff val="4949952"/>
+                <a:satOff val="-21901"/>
+                <a:lumOff val="-3677"/>
+                <a:alphaOff val="0"/>
+                <a:lumMod val="99000"/>
+                <a:satMod val="120000"/>
+                <a:shade val="78000"/>
+              </a:schemeClr>
+            </a:gs>
+          </a:gsLst>
+          <a:lin ang="5400000" scaled="0"/>
+        </a:gradFill>
+        <a:ln>
+          <a:noFill/>
+        </a:ln>
+        <a:effectLst/>
+      </dsp:spPr>
+      <dsp:style>
+        <a:lnRef idx="0">
+          <a:scrgbClr r="0" g="0" b="0"/>
+        </a:lnRef>
+        <a:fillRef idx="3">
+          <a:scrgbClr r="0" g="0" b="0"/>
+        </a:fillRef>
+        <a:effectRef idx="2">
+          <a:scrgbClr r="0" g="0" b="0"/>
+        </a:effectRef>
+        <a:fontRef idx="minor">
+          <a:schemeClr val="lt1"/>
+        </a:fontRef>
+      </dsp:style>
+    </dsp:sp>
+    <dsp:sp modelId="{FB47A95B-C861-4442-8D24-57F1C54C957C}">
+      <dsp:nvSpPr>
+        <dsp:cNvPr id="0" name=""/>
+        <dsp:cNvSpPr/>
+      </dsp:nvSpPr>
+      <dsp:spPr>
+        <a:xfrm>
+          <a:off x="5349981" y="0"/>
+          <a:ext cx="2165578" cy="812481"/>
+        </a:xfrm>
+        <a:prstGeom prst="rect">
+          <a:avLst/>
+        </a:prstGeom>
+        <a:noFill/>
+        <a:ln>
+          <a:noFill/>
+        </a:ln>
+        <a:effectLst/>
+      </dsp:spPr>
+      <dsp:style>
+        <a:lnRef idx="0">
+          <a:scrgbClr r="0" g="0" b="0"/>
+        </a:lnRef>
+        <a:fillRef idx="0">
+          <a:scrgbClr r="0" g="0" b="0"/>
+        </a:fillRef>
+        <a:effectRef idx="0">
+          <a:scrgbClr r="0" g="0" b="0"/>
+        </a:effectRef>
+        <a:fontRef idx="minor"/>
+      </dsp:style>
+      <dsp:txBody>
+        <a:bodyPr spcFirstLastPara="0" vert="horz" wrap="square" lIns="92456" tIns="92456" rIns="92456" bIns="92456" numCol="1" spcCol="1270" anchor="b" anchorCtr="0">
+          <a:noAutofit/>
+        </a:bodyPr>
+        <a:lstStyle/>
+        <a:p>
+          <a:pPr marL="0" lvl="0" indent="0" algn="ctr" defTabSz="577850" latinLnBrk="1">
+            <a:lnSpc>
+              <a:spcPct val="90000"/>
+            </a:lnSpc>
+            <a:spcBef>
+              <a:spcPct val="0"/>
+            </a:spcBef>
+            <a:spcAft>
+              <a:spcPct val="35000"/>
+            </a:spcAft>
+            <a:buNone/>
+          </a:pPr>
+          <a:r>
+            <a:rPr lang="en-US" altLang="ko-KR" sz="1300" b="0" i="0" kern="1200" dirty="0">
+              <a:solidFill>
+                <a:schemeClr val="bg1"/>
+              </a:solidFill>
+              <a:latin typeface="+mn-lt"/>
+            </a:rPr>
+            <a:t>Personal Food Output by Database and Health Data</a:t>
+          </a:r>
+        </a:p>
+      </dsp:txBody>
+      <dsp:txXfrm>
+        <a:off x="5349981" y="0"/>
+        <a:ext cx="2165578" cy="812481"/>
+      </dsp:txXfrm>
+    </dsp:sp>
+    <dsp:sp modelId="{C3E19A38-D7C1-884D-AA86-1B6888BA326A}">
+      <dsp:nvSpPr>
+        <dsp:cNvPr id="0" name=""/>
+        <dsp:cNvSpPr/>
+      </dsp:nvSpPr>
+      <dsp:spPr>
+        <a:xfrm>
+          <a:off x="6331210" y="914041"/>
+          <a:ext cx="203120" cy="203120"/>
         </a:xfrm>
         <a:prstGeom prst="ellipse">
           <a:avLst/>
@@ -3045,7 +3488,7 @@
           <a:p>
             <a:fld id="{0E6EF43D-1F4C-7B48-9495-68FF0EE24895}" type="datetimeFigureOut">
               <a:rPr kumimoji="1" lang="ko-KR" altLang="en-US" smtClean="0"/>
-              <a:t>2025-10-05</a:t>
+              <a:t>2025. 10. 5.</a:t>
             </a:fld>
             <a:endParaRPr kumimoji="1" lang="ko-KR" altLang="en-US"/>
           </a:p>
@@ -3543,7 +3986,7 @@
           <a:p>
             <a:fld id="{59FE56AF-1845-C342-9FBA-ECDEEAADB964}" type="datetimeFigureOut">
               <a:rPr kumimoji="1" lang="ko-KR" altLang="en-US" smtClean="0"/>
-              <a:t>2025-10-05</a:t>
+              <a:t>2025. 10. 5.</a:t>
             </a:fld>
             <a:endParaRPr kumimoji="1" lang="ko-KR" altLang="en-US"/>
           </a:p>
@@ -3741,7 +4184,7 @@
           <a:p>
             <a:fld id="{59FE56AF-1845-C342-9FBA-ECDEEAADB964}" type="datetimeFigureOut">
               <a:rPr kumimoji="1" lang="ko-KR" altLang="en-US" smtClean="0"/>
-              <a:t>2025-10-05</a:t>
+              <a:t>2025. 10. 5.</a:t>
             </a:fld>
             <a:endParaRPr kumimoji="1" lang="ko-KR" altLang="en-US"/>
           </a:p>
@@ -3949,7 +4392,7 @@
           <a:p>
             <a:fld id="{59FE56AF-1845-C342-9FBA-ECDEEAADB964}" type="datetimeFigureOut">
               <a:rPr kumimoji="1" lang="ko-KR" altLang="en-US" smtClean="0"/>
-              <a:t>2025-10-05</a:t>
+              <a:t>2025. 10. 5.</a:t>
             </a:fld>
             <a:endParaRPr kumimoji="1" lang="ko-KR" altLang="en-US"/>
           </a:p>
@@ -4147,7 +4590,7 @@
           <a:p>
             <a:fld id="{59FE56AF-1845-C342-9FBA-ECDEEAADB964}" type="datetimeFigureOut">
               <a:rPr kumimoji="1" lang="ko-KR" altLang="en-US" smtClean="0"/>
-              <a:t>2025-10-05</a:t>
+              <a:t>2025. 10. 5.</a:t>
             </a:fld>
             <a:endParaRPr kumimoji="1" lang="ko-KR" altLang="en-US"/>
           </a:p>
@@ -4422,7 +4865,7 @@
           <a:p>
             <a:fld id="{59FE56AF-1845-C342-9FBA-ECDEEAADB964}" type="datetimeFigureOut">
               <a:rPr kumimoji="1" lang="ko-KR" altLang="en-US" smtClean="0"/>
-              <a:t>2025-10-05</a:t>
+              <a:t>2025. 10. 5.</a:t>
             </a:fld>
             <a:endParaRPr kumimoji="1" lang="ko-KR" altLang="en-US"/>
           </a:p>
@@ -4687,7 +5130,7 @@
           <a:p>
             <a:fld id="{59FE56AF-1845-C342-9FBA-ECDEEAADB964}" type="datetimeFigureOut">
               <a:rPr kumimoji="1" lang="ko-KR" altLang="en-US" smtClean="0"/>
-              <a:t>2025-10-05</a:t>
+              <a:t>2025. 10. 5.</a:t>
             </a:fld>
             <a:endParaRPr kumimoji="1" lang="ko-KR" altLang="en-US"/>
           </a:p>
@@ -5099,7 +5542,7 @@
           <a:p>
             <a:fld id="{59FE56AF-1845-C342-9FBA-ECDEEAADB964}" type="datetimeFigureOut">
               <a:rPr kumimoji="1" lang="ko-KR" altLang="en-US" smtClean="0"/>
-              <a:t>2025-10-05</a:t>
+              <a:t>2025. 10. 5.</a:t>
             </a:fld>
             <a:endParaRPr kumimoji="1" lang="ko-KR" altLang="en-US"/>
           </a:p>
@@ -5240,7 +5683,7 @@
           <a:p>
             <a:fld id="{59FE56AF-1845-C342-9FBA-ECDEEAADB964}" type="datetimeFigureOut">
               <a:rPr kumimoji="1" lang="ko-KR" altLang="en-US" smtClean="0"/>
-              <a:t>2025-10-05</a:t>
+              <a:t>2025. 10. 5.</a:t>
             </a:fld>
             <a:endParaRPr kumimoji="1" lang="ko-KR" altLang="en-US"/>
           </a:p>
@@ -5353,7 +5796,7 @@
           <a:p>
             <a:fld id="{59FE56AF-1845-C342-9FBA-ECDEEAADB964}" type="datetimeFigureOut">
               <a:rPr kumimoji="1" lang="ko-KR" altLang="en-US" smtClean="0"/>
-              <a:t>2025-10-05</a:t>
+              <a:t>2025. 10. 5.</a:t>
             </a:fld>
             <a:endParaRPr kumimoji="1" lang="ko-KR" altLang="en-US"/>
           </a:p>
@@ -5664,7 +6107,7 @@
           <a:p>
             <a:fld id="{59FE56AF-1845-C342-9FBA-ECDEEAADB964}" type="datetimeFigureOut">
               <a:rPr kumimoji="1" lang="ko-KR" altLang="en-US" smtClean="0"/>
-              <a:t>2025-10-05</a:t>
+              <a:t>2025. 10. 5.</a:t>
             </a:fld>
             <a:endParaRPr kumimoji="1" lang="ko-KR" altLang="en-US"/>
           </a:p>
@@ -5952,7 +6395,7 @@
           <a:p>
             <a:fld id="{59FE56AF-1845-C342-9FBA-ECDEEAADB964}" type="datetimeFigureOut">
               <a:rPr kumimoji="1" lang="ko-KR" altLang="en-US" smtClean="0"/>
-              <a:t>2025-10-05</a:t>
+              <a:t>2025. 10. 5.</a:t>
             </a:fld>
             <a:endParaRPr kumimoji="1" lang="ko-KR" altLang="en-US"/>
           </a:p>
@@ -6193,7 +6636,7 @@
           <a:p>
             <a:fld id="{59FE56AF-1845-C342-9FBA-ECDEEAADB964}" type="datetimeFigureOut">
               <a:rPr kumimoji="1" lang="ko-KR" altLang="en-US" smtClean="0"/>
-              <a:t>2025-10-05</a:t>
+              <a:t>2025. 10. 5.</a:t>
             </a:fld>
             <a:endParaRPr kumimoji="1" lang="ko-KR" altLang="en-US"/>
           </a:p>
@@ -6624,6 +7067,53 @@
           <a:chExt cx="0" cy="0"/>
         </a:xfrm>
       </p:grpSpPr>
+      <p:pic>
+        <p:nvPicPr>
+          <p:cNvPr id="5" name="Picture 2" descr="Gradient background 벡터 - Freepik에서 무료 고품질 벡터를 다운로드하세요 | Freepik">
+            <a:extLst>
+              <a:ext uri="{FF2B5EF4-FFF2-40B4-BE49-F238E27FC236}">
+                <a16:creationId xmlns:a16="http://schemas.microsoft.com/office/drawing/2014/main" id="{796A2FAB-4FC2-E520-F842-8C1ABAEF6EE3}"/>
+              </a:ext>
+            </a:extLst>
+          </p:cNvPr>
+          <p:cNvPicPr>
+            <a:picLocks noChangeAspect="1" noChangeArrowheads="1"/>
+          </p:cNvPicPr>
+          <p:nvPr/>
+        </p:nvPicPr>
+        <p:blipFill rotWithShape="1">
+          <a:blip r:embed="rId2">
+            <a:extLst>
+              <a:ext uri="{28A0092B-C50C-407E-A947-70E740481C1C}">
+                <a14:useLocalDpi xmlns:a14="http://schemas.microsoft.com/office/drawing/2010/main" val="0"/>
+              </a:ext>
+            </a:extLst>
+          </a:blip>
+          <a:srcRect t="7755" b="7829"/>
+          <a:stretch>
+            <a:fillRect/>
+          </a:stretch>
+        </p:blipFill>
+        <p:spPr bwMode="auto">
+          <a:xfrm>
+            <a:off x="0" y="0"/>
+            <a:ext cx="12183727" cy="6852066"/>
+          </a:xfrm>
+          <a:prstGeom prst="rect">
+            <a:avLst/>
+          </a:prstGeom>
+          <a:noFill/>
+          <a:extLst>
+            <a:ext uri="{909E8E84-426E-40DD-AFC4-6F175D3DCCD1}">
+              <a14:hiddenFill xmlns:a14="http://schemas.microsoft.com/office/drawing/2010/main">
+                <a:solidFill>
+                  <a:srgbClr val="FFFFFF"/>
+                </a:solidFill>
+              </a14:hiddenFill>
+            </a:ext>
+          </a:extLst>
+        </p:spPr>
+      </p:pic>
       <p:sp>
         <p:nvSpPr>
           <p:cNvPr id="4" name="TextBox 3">
@@ -6638,7 +7128,7 @@
         </p:nvSpPr>
         <p:spPr>
           <a:xfrm>
-            <a:off x="5574863" y="1782396"/>
+            <a:off x="5574863" y="1796612"/>
             <a:ext cx="1042273" cy="646331"/>
           </a:xfrm>
           <a:prstGeom prst="rect">
@@ -6653,7 +7143,7 @@
           <a:lstStyle/>
           <a:p>
             <a:r>
-              <a:rPr kumimoji="1" lang="en-US" altLang="ko-KR" sz="3600">
+              <a:rPr kumimoji="1" lang="en-US" altLang="ko-KR" sz="3600" dirty="0">
                 <a:ln>
                   <a:solidFill>
                     <a:schemeClr val="bg1">
@@ -6664,12 +7154,11 @@
                 <a:solidFill>
                   <a:schemeClr val="bg1"/>
                 </a:solidFill>
-                <a:latin typeface="Apple Braille" pitchFamily="2" charset="0"/>
                 <a:ea typeface="BM DoHyeon OTF" panose="020B0600000101010101" pitchFamily="34" charset="-127"/>
               </a:rPr>
               <a:t>THE</a:t>
             </a:r>
-            <a:endParaRPr kumimoji="1" lang="ko-KR" altLang="en-US" sz="3600">
+            <a:endParaRPr kumimoji="1" lang="ko-KR" altLang="en-US" sz="3600" dirty="0">
               <a:ln>
                 <a:solidFill>
                   <a:schemeClr val="bg1">
@@ -6680,7 +7169,6 @@
               <a:solidFill>
                 <a:schemeClr val="bg1"/>
               </a:solidFill>
-              <a:latin typeface="Apple Braille" pitchFamily="2" charset="0"/>
               <a:ea typeface="BM DoHyeon OTF" panose="020B0600000101010101" pitchFamily="34" charset="-127"/>
             </a:endParaRPr>
           </a:p>
@@ -6701,7 +7189,7 @@
         <p:spPr>
           <a:xfrm>
             <a:off x="114503" y="6470048"/>
-            <a:ext cx="2952411" cy="292388"/>
+            <a:ext cx="3040961" cy="292388"/>
           </a:xfrm>
           <a:prstGeom prst="rect">
             <a:avLst/>
@@ -6719,7 +7207,6 @@
                 <a:solidFill>
                   <a:schemeClr val="bg1"/>
                 </a:solidFill>
-                <a:latin typeface="Apple Braille" pitchFamily="2" charset="0"/>
               </a:rPr>
               <a:t>NASA SPACE APP CHALLENGE SEOUL</a:t>
             </a:r>
@@ -6727,7 +7214,6 @@
               <a:solidFill>
                 <a:schemeClr val="bg1"/>
               </a:solidFill>
-              <a:latin typeface="Apple Braille" pitchFamily="2" charset="0"/>
             </a:endParaRPr>
           </a:p>
         </p:txBody>
@@ -6746,8 +7232,8 @@
         </p:nvSpPr>
         <p:spPr>
           <a:xfrm>
-            <a:off x="4245780" y="2448120"/>
-            <a:ext cx="3700437" cy="646331"/>
+            <a:off x="4127415" y="2472055"/>
+            <a:ext cx="3937168" cy="646331"/>
           </a:xfrm>
           <a:prstGeom prst="rect">
             <a:avLst/>
@@ -6761,7 +7247,7 @@
           <a:lstStyle/>
           <a:p>
             <a:r>
-              <a:rPr kumimoji="1" lang="en-US" altLang="ko-KR" sz="3600">
+              <a:rPr kumimoji="1" lang="en-US" altLang="ko-KR" sz="3600" dirty="0">
                 <a:ln>
                   <a:solidFill>
                     <a:schemeClr val="bg1">
@@ -6772,12 +7258,11 @@
                 <a:solidFill>
                   <a:schemeClr val="bg1"/>
                 </a:solidFill>
-                <a:latin typeface="Apple Braille" pitchFamily="2" charset="0"/>
                 <a:ea typeface="BM DoHyeon OTF" panose="020B0600000101010101" pitchFamily="34" charset="-127"/>
               </a:rPr>
               <a:t>ZERO - G DINING</a:t>
             </a:r>
-            <a:endParaRPr kumimoji="1" lang="ko-KR" altLang="en-US" sz="3600">
+            <a:endParaRPr kumimoji="1" lang="ko-KR" altLang="en-US" sz="3600" dirty="0">
               <a:ln>
                 <a:solidFill>
                   <a:schemeClr val="bg1">
@@ -6788,7 +7273,6 @@
               <a:solidFill>
                 <a:schemeClr val="bg1"/>
               </a:solidFill>
-              <a:latin typeface="Apple Braille" pitchFamily="2" charset="0"/>
               <a:ea typeface="BM DoHyeon OTF" panose="020B0600000101010101" pitchFamily="34" charset="-127"/>
             </a:endParaRPr>
           </a:p>
@@ -6808,8 +7292,8 @@
         </p:nvSpPr>
         <p:spPr>
           <a:xfrm>
-            <a:off x="5425782" y="3182779"/>
-            <a:ext cx="1487908" cy="646331"/>
+            <a:off x="5332008" y="3190213"/>
+            <a:ext cx="1527982" cy="646331"/>
           </a:xfrm>
           <a:prstGeom prst="rect">
             <a:avLst/>
@@ -6823,7 +7307,7 @@
           <a:lstStyle/>
           <a:p>
             <a:r>
-              <a:rPr kumimoji="1" lang="en-US" altLang="ko-KR" sz="3600">
+              <a:rPr kumimoji="1" lang="en-US" altLang="ko-KR" sz="3600" dirty="0">
                 <a:ln>
                   <a:solidFill>
                     <a:schemeClr val="bg1">
@@ -6834,12 +7318,11 @@
                 <a:solidFill>
                   <a:schemeClr val="bg1"/>
                 </a:solidFill>
-                <a:latin typeface="Apple Braille" pitchFamily="2" charset="0"/>
                 <a:ea typeface="BM DoHyeon OTF" panose="020B0600000101010101" pitchFamily="34" charset="-127"/>
               </a:rPr>
               <a:t>GUIDE</a:t>
             </a:r>
-            <a:endParaRPr kumimoji="1" lang="ko-KR" altLang="en-US" sz="3600">
+            <a:endParaRPr kumimoji="1" lang="ko-KR" altLang="en-US" sz="3600" dirty="0">
               <a:ln>
                 <a:solidFill>
                   <a:schemeClr val="bg1">
@@ -6850,7 +7333,6 @@
               <a:solidFill>
                 <a:schemeClr val="bg1"/>
               </a:solidFill>
-              <a:latin typeface="Apple Braille" pitchFamily="2" charset="0"/>
               <a:ea typeface="BM DoHyeon OTF" panose="020B0600000101010101" pitchFamily="34" charset="-127"/>
             </a:endParaRPr>
           </a:p>
@@ -6871,7 +7353,7 @@
         <p:spPr>
           <a:xfrm>
             <a:off x="10053097" y="6470048"/>
-            <a:ext cx="1904817" cy="292388"/>
+            <a:ext cx="1955600" cy="292388"/>
           </a:xfrm>
           <a:prstGeom prst="rect">
             <a:avLst/>
@@ -6885,19 +7367,17 @@
           <a:lstStyle/>
           <a:p>
             <a:r>
-              <a:rPr kumimoji="1" lang="en-US" altLang="ko-KR" sz="1300">
+              <a:rPr kumimoji="1" lang="en-US" altLang="ko-KR" sz="1300" dirty="0">
                 <a:solidFill>
                   <a:schemeClr val="bg1"/>
                 </a:solidFill>
-                <a:latin typeface="Apple Braille" pitchFamily="2" charset="0"/>
               </a:rPr>
               <a:t>TEAM PROJECT - AERO</a:t>
             </a:r>
-            <a:endParaRPr kumimoji="1" lang="ko-KR" altLang="en-US" sz="1300">
+            <a:endParaRPr kumimoji="1" lang="ko-KR" altLang="en-US" sz="1300" dirty="0">
               <a:solidFill>
                 <a:schemeClr val="bg1"/>
               </a:solidFill>
-              <a:latin typeface="Apple Braille" pitchFamily="2" charset="0"/>
             </a:endParaRPr>
           </a:p>
         </p:txBody>
@@ -6965,7 +7445,7 @@
         </p:nvSpPr>
         <p:spPr>
           <a:xfrm>
-            <a:off x="5890058" y="4116139"/>
+            <a:off x="5837568" y="4152899"/>
             <a:ext cx="574446" cy="577682"/>
           </a:xfrm>
           <a:prstGeom prst="pie">
@@ -7024,7 +7504,7 @@
         </p:nvSpPr>
         <p:spPr>
           <a:xfrm>
-            <a:off x="5925187" y="4152900"/>
+            <a:off x="5867870" y="4189660"/>
             <a:ext cx="504188" cy="504161"/>
           </a:xfrm>
           <a:prstGeom prst="ellipse">
@@ -7076,8 +7556,8 @@
         </p:nvSpPr>
         <p:spPr>
           <a:xfrm>
-            <a:off x="5739969" y="4849721"/>
-            <a:ext cx="859531" cy="292388"/>
+            <a:off x="5646581" y="4857493"/>
+            <a:ext cx="898836" cy="292388"/>
           </a:xfrm>
           <a:prstGeom prst="rect">
             <a:avLst/>
@@ -7091,19 +7571,17 @@
           <a:lstStyle/>
           <a:p>
             <a:r>
-              <a:rPr kumimoji="1" lang="en-US" altLang="ko-KR" sz="1300">
+              <a:rPr kumimoji="1" lang="en-US" altLang="ko-KR" sz="1300" dirty="0">
                 <a:solidFill>
                   <a:schemeClr val="bg1"/>
                 </a:solidFill>
-                <a:latin typeface="Apple Braille" pitchFamily="2" charset="0"/>
               </a:rPr>
               <a:t>Loading...</a:t>
             </a:r>
-            <a:endParaRPr kumimoji="1" lang="ko-KR" altLang="en-US" sz="1300">
+            <a:endParaRPr kumimoji="1" lang="ko-KR" altLang="en-US" sz="1300" dirty="0">
               <a:solidFill>
                 <a:schemeClr val="bg1"/>
               </a:solidFill>
-              <a:latin typeface="Apple Braille" pitchFamily="2" charset="0"/>
             </a:endParaRPr>
           </a:p>
         </p:txBody>
@@ -7118,6 +7596,18 @@
   <p:clrMapOvr>
     <a:masterClrMapping/>
   </p:clrMapOvr>
+  <mc:AlternateContent xmlns:mc="http://schemas.openxmlformats.org/markup-compatibility/2006">
+    <mc:Choice xmlns:p14="http://schemas.microsoft.com/office/powerpoint/2010/main" Requires="p14">
+      <p:transition spd="med" p14:dur="700">
+        <p:fade/>
+      </p:transition>
+    </mc:Choice>
+    <mc:Fallback>
+      <p:transition spd="med">
+        <p:fade/>
+      </p:transition>
+    </mc:Fallback>
+  </mc:AlternateContent>
   <p:timing>
     <p:tnLst>
       <p:par>
@@ -7351,9 +7841,7 @@
             <a:srgbClr val="6C35C5"/>
           </a:solidFill>
           <a:ln>
-            <a:solidFill>
-              <a:srgbClr val="6C35C5"/>
-            </a:solidFill>
+            <a:noFill/>
           </a:ln>
           <a:effectLst>
             <a:outerShdw blurRad="50800" dist="38100" dir="10800000" algn="r" rotWithShape="0">
@@ -7384,7 +7872,7 @@
           <a:lstStyle/>
           <a:p>
             <a:pPr algn="ctr"/>
-            <a:endParaRPr kumimoji="1" lang="ko-KR" altLang="en-US"/>
+            <a:endParaRPr kumimoji="1" lang="ko-KR" altLang="en-US" dirty="0"/>
           </a:p>
         </p:txBody>
       </p:sp>
@@ -7440,6 +7928,53 @@
           </a:p>
         </p:txBody>
       </p:sp>
+      <p:pic>
+        <p:nvPicPr>
+          <p:cNvPr id="1026" name="Picture 2" descr="Gradient background 벡터 - Freepik에서 무료 고품질 벡터를 다운로드하세요 | Freepik">
+            <a:extLst>
+              <a:ext uri="{FF2B5EF4-FFF2-40B4-BE49-F238E27FC236}">
+                <a16:creationId xmlns:a16="http://schemas.microsoft.com/office/drawing/2014/main" id="{5640A438-CF6A-CD1D-3AD4-BEC62BFBF483}"/>
+              </a:ext>
+            </a:extLst>
+          </p:cNvPr>
+          <p:cNvPicPr>
+            <a:picLocks noChangeAspect="1" noChangeArrowheads="1"/>
+          </p:cNvPicPr>
+          <p:nvPr/>
+        </p:nvPicPr>
+        <p:blipFill rotWithShape="1">
+          <a:blip r:embed="rId3">
+            <a:extLst>
+              <a:ext uri="{28A0092B-C50C-407E-A947-70E740481C1C}">
+                <a14:useLocalDpi xmlns:a14="http://schemas.microsoft.com/office/drawing/2010/main" val="0"/>
+              </a:ext>
+            </a:extLst>
+          </a:blip>
+          <a:srcRect t="7755" b="7829"/>
+          <a:stretch>
+            <a:fillRect/>
+          </a:stretch>
+        </p:blipFill>
+        <p:spPr bwMode="auto">
+          <a:xfrm>
+            <a:off x="8273" y="22315"/>
+            <a:ext cx="12183727" cy="6852066"/>
+          </a:xfrm>
+          <a:prstGeom prst="rect">
+            <a:avLst/>
+          </a:prstGeom>
+          <a:noFill/>
+          <a:extLst>
+            <a:ext uri="{909E8E84-426E-40DD-AFC4-6F175D3DCCD1}">
+              <a14:hiddenFill xmlns:a14="http://schemas.microsoft.com/office/drawing/2010/main">
+                <a:solidFill>
+                  <a:srgbClr val="FFFFFF"/>
+                </a:solidFill>
+              </a14:hiddenFill>
+            </a:ext>
+          </a:extLst>
+        </p:spPr>
+      </p:pic>
       <p:sp>
         <p:nvSpPr>
           <p:cNvPr id="11" name="TextBox 10">
@@ -7484,9 +8019,7 @@
           <a:p>
             <a:pPr algn="ctr"/>
             <a:r>
-              <a:rPr lang="en" altLang="ko-KR" sz="1300">
-                <a:latin typeface="Apple Braille" pitchFamily="2" charset="0"/>
-              </a:rPr>
+              <a:rPr lang="en" altLang="ko-KR" sz="1300"/>
               <a:t>Energy intake ↓ 25–30 % vs Earth baseline. (Stein 1999; Douglas 2023)</a:t>
             </a:r>
           </a:p>
@@ -7536,9 +8069,7 @@
           <a:p>
             <a:pPr algn="ctr"/>
             <a:r>
-              <a:rPr lang="en" altLang="ko-KR" sz="1300">
-                <a:latin typeface="Apple Braille" pitchFamily="2" charset="0"/>
-              </a:rPr>
+              <a:rPr lang="en" altLang="ko-KR" sz="1300"/>
               <a:t>Vitamins C/D/B ↓, protein absorption reduced. (AIAA 2012; Smith 2019)</a:t>
             </a:r>
           </a:p>
@@ -7588,9 +8119,7 @@
           <a:p>
             <a:pPr algn="ctr"/>
             <a:r>
-              <a:rPr lang="en" altLang="ko-KR" sz="1300">
-                <a:latin typeface="Apple Braille" pitchFamily="2" charset="0"/>
-              </a:rPr>
+              <a:rPr lang="en" altLang="ko-KR" sz="1300"/>
               <a:t>Body –2 kg, muscle –5 % during ISS stay. (Le Roux 2024; Stein 1996)</a:t>
             </a:r>
           </a:p>
@@ -7640,21 +8169,15 @@
           <a:p>
             <a:pPr algn="ctr"/>
             <a:r>
-              <a:rPr lang="en" altLang="ko-KR" sz="1300">
-                <a:latin typeface="Apple Braille" pitchFamily="2" charset="0"/>
-              </a:rPr>
+              <a:rPr lang="en" altLang="ko-KR" sz="1300"/>
               <a:t>Vitamin C –50 %, B1 –35 % after 6 </a:t>
             </a:r>
             <a:r>
-              <a:rPr lang="en" altLang="ko-KR" sz="1300" err="1">
-                <a:latin typeface="Apple Braille" pitchFamily="2" charset="0"/>
-              </a:rPr>
+              <a:rPr lang="en" altLang="ko-KR" sz="1300" err="1"/>
               <a:t>mo</a:t>
             </a:r>
             <a:r>
-              <a:rPr lang="en" altLang="ko-KR" sz="1300">
-                <a:latin typeface="Apple Braille" pitchFamily="2" charset="0"/>
-              </a:rPr>
+              <a:rPr lang="en" altLang="ko-KR" sz="1300"/>
               <a:t> storage. (Cooper 2017)</a:t>
             </a:r>
           </a:p>
@@ -7704,9 +8227,7 @@
           <a:p>
             <a:pPr algn="ctr"/>
             <a:r>
-              <a:rPr lang="en" altLang="ko-KR" sz="1300">
-                <a:latin typeface="Apple Braille" pitchFamily="2" charset="0"/>
-              </a:rPr>
+              <a:rPr lang="en" altLang="ko-KR" sz="1300"/>
               <a:t>Vit D deficiency → bone –2 %/mo. (Smith 2019; NASA Bone Study)</a:t>
             </a:r>
           </a:p>
@@ -7756,9 +8277,7 @@
           <a:p>
             <a:pPr algn="ctr"/>
             <a:r>
-              <a:rPr lang="en" altLang="ko-KR" sz="1300">
-                <a:latin typeface="Apple Braille" pitchFamily="2" charset="0"/>
-              </a:rPr>
+              <a:rPr lang="en" altLang="ko-KR" sz="1300"/>
               <a:t>60 % crew eat less from repetitive menu. (Douglas 2020)</a:t>
             </a:r>
           </a:p>
@@ -7808,21 +8327,15 @@
           <a:p>
             <a:pPr algn="ctr"/>
             <a:r>
-              <a:rPr lang="en" altLang="ko-KR" sz="1300">
-                <a:latin typeface="Apple Braille" pitchFamily="2" charset="0"/>
-              </a:rPr>
+              <a:rPr lang="en" altLang="ko-KR" sz="1300" dirty="0"/>
               <a:t>EVA = 194 kcal/</a:t>
             </a:r>
             <a:r>
-              <a:rPr lang="en" altLang="ko-KR" sz="1300" err="1">
-                <a:latin typeface="Apple Braille" pitchFamily="2" charset="0"/>
-              </a:rPr>
+              <a:rPr lang="en" altLang="ko-KR" sz="1300" dirty="0" err="1"/>
               <a:t>hr</a:t>
             </a:r>
             <a:r>
-              <a:rPr lang="en" altLang="ko-KR" sz="1300">
-                <a:latin typeface="Apple Braille" pitchFamily="2" charset="0"/>
-              </a:rPr>
+              <a:rPr lang="en" altLang="ko-KR" sz="1300" dirty="0"/>
               <a:t> energy use. (Waligora 1995)</a:t>
             </a:r>
           </a:p>
@@ -8016,9 +8529,7 @@
           <a:p>
             <a:pPr algn="ctr"/>
             <a:r>
-              <a:rPr lang="en" altLang="ko-KR" sz="1300">
-                <a:latin typeface="Apple Braille" pitchFamily="2" charset="0"/>
-              </a:rPr>
+              <a:rPr lang="en" altLang="ko-KR" sz="1300"/>
               <a:t>Antioxidants –60 % during storage. (MDPI 2024)</a:t>
             </a:r>
           </a:p>
@@ -8068,9 +8579,7 @@
           <a:p>
             <a:pPr algn="ctr"/>
             <a:r>
-              <a:rPr lang="en" altLang="ko-KR" sz="1300">
-                <a:latin typeface="Apple Braille" pitchFamily="2" charset="0"/>
-              </a:rPr>
+              <a:rPr lang="en" altLang="ko-KR" sz="1300"/>
               <a:t>C, B1 ↓ severely; B2, E stable. (Cooper 2017)</a:t>
             </a:r>
           </a:p>
@@ -8120,9 +8629,7 @@
           <a:p>
             <a:pPr algn="ctr"/>
             <a:r>
-              <a:rPr lang="en" altLang="ko-KR" sz="1300">
-                <a:latin typeface="Apple Braille" pitchFamily="2" charset="0"/>
-              </a:rPr>
+              <a:rPr lang="en" altLang="ko-KR" sz="1300"/>
               <a:t>ISS menu 80 % fixed, 20 % personal. (Douglas 2020)</a:t>
             </a:r>
           </a:p>
@@ -8172,9 +8679,7 @@
           <a:p>
             <a:pPr algn="ctr"/>
             <a:r>
-              <a:rPr lang="en" altLang="ko-KR" sz="1300">
-                <a:latin typeface="Apple Braille" pitchFamily="2" charset="0"/>
-              </a:rPr>
+              <a:rPr lang="en" altLang="ko-KR" sz="1300"/>
               <a:t>Shared meals ↑ team cohesion +25 %. (Landon 2019)</a:t>
             </a:r>
           </a:p>
@@ -8217,21 +8722,15 @@
           <a:p>
             <a:pPr algn="ctr"/>
             <a:r>
-              <a:rPr lang="en" altLang="ko-KR" sz="1300">
-                <a:latin typeface="Apple Braille Pinpoint 6 Dot" pitchFamily="2" charset="0"/>
-              </a:rPr>
+              <a:rPr lang="en" altLang="ko-KR" sz="1300"/>
               <a:t>Microbiome diversity –40 % in microgravity. (</a:t>
             </a:r>
             <a:r>
-              <a:rPr lang="en" altLang="ko-KR" sz="1300" err="1">
-                <a:latin typeface="Apple Braille Pinpoint 6 Dot" pitchFamily="2" charset="0"/>
-              </a:rPr>
+              <a:rPr lang="en" altLang="ko-KR" sz="1300" err="1"/>
               <a:t>Turroni</a:t>
             </a:r>
             <a:r>
-              <a:rPr lang="en" altLang="ko-KR" sz="1300">
-                <a:latin typeface="Apple Braille Pinpoint 6 Dot" pitchFamily="2" charset="0"/>
-              </a:rPr>
+              <a:rPr lang="en" altLang="ko-KR" sz="1300"/>
               <a:t> 2022)</a:t>
             </a:r>
           </a:p>
@@ -8274,9 +8773,7 @@
           <a:p>
             <a:pPr algn="ctr"/>
             <a:r>
-              <a:rPr lang="en" altLang="ko-KR" sz="1300">
-                <a:latin typeface="Apple Braille" pitchFamily="2" charset="0"/>
-              </a:rPr>
+              <a:rPr lang="en" altLang="ko-KR" sz="1300"/>
               <a:t>Protein loss / negative N-balance. (Stein 1996)</a:t>
             </a:r>
           </a:p>
@@ -8319,9 +8816,7 @@
           <a:p>
             <a:pPr algn="ctr"/>
             <a:r>
-              <a:rPr lang="en" altLang="ko-KR" sz="1300">
-                <a:latin typeface="Apple Braille" pitchFamily="2" charset="0"/>
-              </a:rPr>
+              <a:rPr lang="en" altLang="ko-KR" sz="1300"/>
               <a:t>Space crops: Ca, Mg –20 %. (Nature 2025)</a:t>
             </a:r>
           </a:p>
@@ -8364,9 +8859,7 @@
           <a:p>
             <a:pPr algn="ctr"/>
             <a:r>
-              <a:rPr lang="en" altLang="ko-KR" sz="1300">
-                <a:latin typeface="Apple Braille" pitchFamily="2" charset="0"/>
-              </a:rPr>
+              <a:rPr lang="en" altLang="ko-KR" sz="1300"/>
               <a:t>Veggie: Bok choy &amp; kale grown successfully. (NASA 2021)</a:t>
             </a:r>
           </a:p>
@@ -8409,21 +8902,15 @@
           <a:p>
             <a:pPr algn="ctr"/>
             <a:r>
-              <a:rPr lang="en" altLang="ko-KR" sz="1300">
-                <a:latin typeface="Apple Braille" pitchFamily="2" charset="0"/>
-              </a:rPr>
+              <a:rPr lang="en" altLang="ko-KR" sz="1300"/>
               <a:t>Polar analog: weight –10 %, Hb &lt; 10. (</a:t>
             </a:r>
             <a:r>
-              <a:rPr lang="en" altLang="ko-KR" sz="1300" err="1">
-                <a:latin typeface="Apple Braille" pitchFamily="2" charset="0"/>
-              </a:rPr>
+              <a:rPr lang="en" altLang="ko-KR" sz="1300" err="1"/>
               <a:t>Guly</a:t>
             </a:r>
             <a:r>
-              <a:rPr lang="en" altLang="ko-KR" sz="1300">
-                <a:latin typeface="Apple Braille" pitchFamily="2" charset="0"/>
-              </a:rPr>
+              <a:rPr lang="en" altLang="ko-KR" sz="1300"/>
               <a:t> 2012; Feeney 1997)</a:t>
             </a:r>
           </a:p>
@@ -8466,9 +8953,7 @@
           <a:p>
             <a:pPr algn="ctr"/>
             <a:r>
-              <a:rPr lang="en" altLang="ko-KR" sz="1300">
-                <a:latin typeface="Apple Braille" pitchFamily="2" charset="0"/>
-              </a:rPr>
+              <a:rPr lang="en" altLang="ko-KR" sz="1300"/>
               <a:t>Cold env. ↑ Vit C/E need +50 %. (Reynolds 2001)</a:t>
             </a:r>
           </a:p>
@@ -8511,9 +8996,7 @@
           <a:p>
             <a:pPr algn="ctr"/>
             <a:r>
-              <a:rPr lang="en" altLang="ko-KR" sz="1300">
-                <a:latin typeface="Apple Braille" pitchFamily="2" charset="0"/>
-              </a:rPr>
+              <a:rPr lang="en" altLang="ko-KR" sz="1300"/>
               <a:t>Storage → protein oxidation, flavor loss. (Douglas 2023)</a:t>
             </a:r>
           </a:p>
@@ -8556,9 +9039,7 @@
           <a:p>
             <a:pPr algn="ctr"/>
             <a:r>
-              <a:rPr lang="en" altLang="ko-KR" sz="1300">
-                <a:latin typeface="Apple Braille" pitchFamily="2" charset="0"/>
-              </a:rPr>
+              <a:rPr lang="en" altLang="ko-KR" sz="1300"/>
               <a:t>Self-production ≥ 30 % needed. (ESA 2024)</a:t>
             </a:r>
           </a:p>
@@ -8566,980 +9047,20 @@
       </p:sp>
       <p:sp>
         <p:nvSpPr>
-          <p:cNvPr id="59" name="TextBox 58">
-            <a:extLst>
-              <a:ext uri="{FF2B5EF4-FFF2-40B4-BE49-F238E27FC236}">
-                <a16:creationId xmlns:a16="http://schemas.microsoft.com/office/drawing/2014/main" id="{A34C3C22-7BCD-B314-3C67-71F5B7C77706}"/>
-              </a:ext>
-            </a:extLst>
-          </p:cNvPr>
-          <p:cNvSpPr txBox="1"/>
+          <p:cNvPr id="31" name="직사각형 30">
+            <a:extLst>
+              <a:ext uri="{FF2B5EF4-FFF2-40B4-BE49-F238E27FC236}">
+                <a16:creationId xmlns:a16="http://schemas.microsoft.com/office/drawing/2014/main" id="{FE3F383A-EE3B-2635-426D-9D969093F41A}"/>
+              </a:ext>
+            </a:extLst>
+          </p:cNvPr>
+          <p:cNvSpPr/>
           <p:nvPr/>
         </p:nvSpPr>
         <p:spPr>
           <a:xfrm>
-            <a:off x="2204272" y="10074217"/>
-            <a:ext cx="8053063" cy="292388"/>
-          </a:xfrm>
-          <a:prstGeom prst="rect">
-            <a:avLst/>
-          </a:prstGeom>
-          <a:solidFill>
-            <a:srgbClr val="FF9300"/>
-          </a:solidFill>
-          <a:ln>
-            <a:solidFill>
-              <a:schemeClr val="bg1"/>
-            </a:solidFill>
-          </a:ln>
-        </p:spPr>
-        <p:txBody>
-          <a:bodyPr wrap="square" rtlCol="0">
-            <a:spAutoFit/>
-          </a:bodyPr>
-          <a:lstStyle/>
-          <a:p>
-            <a:pPr algn="ctr"/>
-            <a:r>
-              <a:rPr kumimoji="1" lang="en-US" altLang="ko-KR" sz="1300">
-                <a:latin typeface="Apple Braille" pitchFamily="2" charset="0"/>
-              </a:rPr>
-              <a:t>Crew Profile</a:t>
-            </a:r>
-            <a:endParaRPr kumimoji="1" lang="ko-KR" altLang="en-US" sz="1300">
-              <a:latin typeface="Apple Braille" pitchFamily="2" charset="0"/>
-            </a:endParaRPr>
-          </a:p>
-        </p:txBody>
-      </p:sp>
-      <p:sp>
-        <p:nvSpPr>
-          <p:cNvPr id="60" name="TextBox 59">
-            <a:extLst>
-              <a:ext uri="{FF2B5EF4-FFF2-40B4-BE49-F238E27FC236}">
-                <a16:creationId xmlns:a16="http://schemas.microsoft.com/office/drawing/2014/main" id="{CFAA1AFC-5891-C5F2-F835-1FA2BA9A11B4}"/>
-              </a:ext>
-            </a:extLst>
-          </p:cNvPr>
-          <p:cNvSpPr txBox="1"/>
-          <p:nvPr/>
-        </p:nvSpPr>
-        <p:spPr>
-          <a:xfrm>
-            <a:off x="2204272" y="10481166"/>
-            <a:ext cx="8053063" cy="292388"/>
-          </a:xfrm>
-          <a:prstGeom prst="rect">
-            <a:avLst/>
-          </a:prstGeom>
-          <a:solidFill>
-            <a:srgbClr val="FF9300"/>
-          </a:solidFill>
-          <a:ln>
-            <a:solidFill>
-              <a:schemeClr val="bg1"/>
-            </a:solidFill>
-          </a:ln>
-        </p:spPr>
-        <p:txBody>
-          <a:bodyPr wrap="square" rtlCol="0">
-            <a:spAutoFit/>
-          </a:bodyPr>
-          <a:lstStyle/>
-          <a:p>
-            <a:pPr algn="ctr"/>
-            <a:r>
-              <a:rPr kumimoji="1" lang="en-US" altLang="ko-KR" sz="1300">
-                <a:latin typeface="Apple Braille" pitchFamily="2" charset="0"/>
-              </a:rPr>
-              <a:t>Crew Profile</a:t>
-            </a:r>
-            <a:endParaRPr kumimoji="1" lang="ko-KR" altLang="en-US" sz="1300">
-              <a:latin typeface="Apple Braille" pitchFamily="2" charset="0"/>
-            </a:endParaRPr>
-          </a:p>
-        </p:txBody>
-      </p:sp>
-      <p:sp>
-        <p:nvSpPr>
-          <p:cNvPr id="61" name="TextBox 60">
-            <a:extLst>
-              <a:ext uri="{FF2B5EF4-FFF2-40B4-BE49-F238E27FC236}">
-                <a16:creationId xmlns:a16="http://schemas.microsoft.com/office/drawing/2014/main" id="{57D1B22E-FD4A-F5A8-A296-8A7EE352B543}"/>
-              </a:ext>
-            </a:extLst>
-          </p:cNvPr>
-          <p:cNvSpPr txBox="1"/>
-          <p:nvPr/>
-        </p:nvSpPr>
-        <p:spPr>
-          <a:xfrm>
-            <a:off x="2204272" y="10880758"/>
-            <a:ext cx="8053063" cy="292388"/>
-          </a:xfrm>
-          <a:prstGeom prst="rect">
-            <a:avLst/>
-          </a:prstGeom>
-          <a:solidFill>
-            <a:srgbClr val="FF9300"/>
-          </a:solidFill>
-          <a:ln>
-            <a:solidFill>
-              <a:schemeClr val="bg1"/>
-            </a:solidFill>
-          </a:ln>
-        </p:spPr>
-        <p:txBody>
-          <a:bodyPr wrap="square" rtlCol="0">
-            <a:spAutoFit/>
-          </a:bodyPr>
-          <a:lstStyle/>
-          <a:p>
-            <a:pPr algn="ctr"/>
-            <a:r>
-              <a:rPr kumimoji="1" lang="en-US" altLang="ko-KR" sz="1300">
-                <a:latin typeface="Apple Braille" pitchFamily="2" charset="0"/>
-              </a:rPr>
-              <a:t>Crew Profile</a:t>
-            </a:r>
-            <a:endParaRPr kumimoji="1" lang="ko-KR" altLang="en-US" sz="1300">
-              <a:latin typeface="Apple Braille" pitchFamily="2" charset="0"/>
-            </a:endParaRPr>
-          </a:p>
-        </p:txBody>
-      </p:sp>
-      <p:sp>
-        <p:nvSpPr>
-          <p:cNvPr id="62" name="TextBox 61">
-            <a:extLst>
-              <a:ext uri="{FF2B5EF4-FFF2-40B4-BE49-F238E27FC236}">
-                <a16:creationId xmlns:a16="http://schemas.microsoft.com/office/drawing/2014/main" id="{6143E166-443A-4DB5-7169-40F87FA13FF6}"/>
-              </a:ext>
-            </a:extLst>
-          </p:cNvPr>
-          <p:cNvSpPr txBox="1"/>
-          <p:nvPr/>
-        </p:nvSpPr>
-        <p:spPr>
-          <a:xfrm>
-            <a:off x="2204272" y="11287707"/>
-            <a:ext cx="8053063" cy="292388"/>
-          </a:xfrm>
-          <a:prstGeom prst="rect">
-            <a:avLst/>
-          </a:prstGeom>
-          <a:solidFill>
-            <a:srgbClr val="FF9300"/>
-          </a:solidFill>
-          <a:ln>
-            <a:solidFill>
-              <a:schemeClr val="bg1"/>
-            </a:solidFill>
-          </a:ln>
-        </p:spPr>
-        <p:txBody>
-          <a:bodyPr wrap="square" rtlCol="0">
-            <a:spAutoFit/>
-          </a:bodyPr>
-          <a:lstStyle/>
-          <a:p>
-            <a:pPr algn="ctr"/>
-            <a:r>
-              <a:rPr kumimoji="1" lang="en-US" altLang="ko-KR" sz="1300">
-                <a:latin typeface="Apple Braille" pitchFamily="2" charset="0"/>
-              </a:rPr>
-              <a:t>Crew Profile</a:t>
-            </a:r>
-            <a:endParaRPr kumimoji="1" lang="ko-KR" altLang="en-US" sz="1300">
-              <a:latin typeface="Apple Braille" pitchFamily="2" charset="0"/>
-            </a:endParaRPr>
-          </a:p>
-        </p:txBody>
-      </p:sp>
-      <p:sp>
-        <p:nvSpPr>
-          <p:cNvPr id="63" name="직사각형 62">
-            <a:extLst>
-              <a:ext uri="{FF2B5EF4-FFF2-40B4-BE49-F238E27FC236}">
-                <a16:creationId xmlns:a16="http://schemas.microsoft.com/office/drawing/2014/main" id="{4927F52A-5388-E388-9F10-ABD7A54610CB}"/>
-              </a:ext>
-            </a:extLst>
-          </p:cNvPr>
-          <p:cNvSpPr/>
-          <p:nvPr/>
-        </p:nvSpPr>
-        <p:spPr>
-          <a:xfrm>
-            <a:off x="1463814" y="-105621"/>
-            <a:ext cx="9411831" cy="1378509"/>
-          </a:xfrm>
-          <a:prstGeom prst="rect">
-            <a:avLst/>
-          </a:prstGeom>
-          <a:solidFill>
-            <a:srgbClr val="2E1C82"/>
-          </a:solidFill>
-          <a:ln>
-            <a:noFill/>
-          </a:ln>
-        </p:spPr>
-        <p:style>
-          <a:lnRef idx="2">
-            <a:schemeClr val="accent1">
-              <a:shade val="15000"/>
-            </a:schemeClr>
-          </a:lnRef>
-          <a:fillRef idx="1">
-            <a:schemeClr val="accent1"/>
-          </a:fillRef>
-          <a:effectRef idx="0">
-            <a:schemeClr val="accent1"/>
-          </a:effectRef>
-          <a:fontRef idx="minor">
-            <a:schemeClr val="lt1"/>
-          </a:fontRef>
-        </p:style>
-        <p:txBody>
-          <a:bodyPr rtlCol="0" anchor="ctr"/>
-          <a:lstStyle/>
-          <a:p>
-            <a:pPr algn="ctr"/>
-            <a:endParaRPr kumimoji="1" lang="ko-KR" altLang="en-US"/>
-          </a:p>
-        </p:txBody>
-      </p:sp>
-      <p:sp>
-        <p:nvSpPr>
-          <p:cNvPr id="4" name="TextBox 3">
-            <a:extLst>
-              <a:ext uri="{FF2B5EF4-FFF2-40B4-BE49-F238E27FC236}">
-                <a16:creationId xmlns:a16="http://schemas.microsoft.com/office/drawing/2014/main" id="{17B9762A-FBFE-F810-8203-BED561E5A48B}"/>
-              </a:ext>
-            </a:extLst>
-          </p:cNvPr>
-          <p:cNvSpPr txBox="1"/>
-          <p:nvPr/>
-        </p:nvSpPr>
-        <p:spPr>
-          <a:xfrm>
-            <a:off x="5237585" y="455830"/>
-            <a:ext cx="1864293" cy="646331"/>
-          </a:xfrm>
-          <a:prstGeom prst="rect">
-            <a:avLst/>
-          </a:prstGeom>
-          <a:noFill/>
-        </p:spPr>
-        <p:txBody>
-          <a:bodyPr wrap="none" rtlCol="0">
-            <a:spAutoFit/>
-          </a:bodyPr>
-          <a:lstStyle/>
-          <a:p>
-            <a:r>
-              <a:rPr kumimoji="1" lang="en-US" altLang="ko-KR" sz="3600">
-                <a:solidFill>
-                  <a:schemeClr val="bg1"/>
-                </a:solidFill>
-                <a:latin typeface="Apple Braille" pitchFamily="2" charset="0"/>
-                <a:ea typeface="BM DoHyeon OTF" panose="020B0600000101010101" pitchFamily="34" charset="-127"/>
-              </a:rPr>
-              <a:t>Problem</a:t>
-            </a:r>
-            <a:endParaRPr kumimoji="1" lang="ko-KR" altLang="en-US" sz="3600">
-              <a:solidFill>
-                <a:schemeClr val="bg1"/>
-              </a:solidFill>
-              <a:latin typeface="Apple Braille" pitchFamily="2" charset="0"/>
-              <a:ea typeface="BM DoHyeon OTF" panose="020B0600000101010101" pitchFamily="34" charset="-127"/>
-            </a:endParaRPr>
-          </a:p>
-        </p:txBody>
-      </p:sp>
-      <p:sp>
-        <p:nvSpPr>
-          <p:cNvPr id="7" name="TextBox 6">
-            <a:extLst>
-              <a:ext uri="{FF2B5EF4-FFF2-40B4-BE49-F238E27FC236}">
-                <a16:creationId xmlns:a16="http://schemas.microsoft.com/office/drawing/2014/main" id="{C8A6B846-DDEF-960B-2447-F48AC0EDFD73}"/>
-              </a:ext>
-            </a:extLst>
-          </p:cNvPr>
-          <p:cNvSpPr txBox="1"/>
-          <p:nvPr/>
-        </p:nvSpPr>
-        <p:spPr>
-          <a:xfrm>
-            <a:off x="28101" y="69618"/>
-            <a:ext cx="1678408" cy="292388"/>
-          </a:xfrm>
-          <a:prstGeom prst="rect">
-            <a:avLst/>
-          </a:prstGeom>
-          <a:noFill/>
-        </p:spPr>
-        <p:txBody>
-          <a:bodyPr wrap="none" rtlCol="0">
-            <a:spAutoFit/>
-          </a:bodyPr>
-          <a:lstStyle/>
-          <a:p>
-            <a:r>
-              <a:rPr kumimoji="1" lang="en-US" altLang="ko-KR" sz="1300">
-                <a:solidFill>
-                  <a:schemeClr val="bg1"/>
-                </a:solidFill>
-                <a:latin typeface="Apple Braille" pitchFamily="2" charset="0"/>
-              </a:rPr>
-              <a:t>ID: PROJECT - AERO</a:t>
-            </a:r>
-            <a:endParaRPr kumimoji="1" lang="ko-KR" altLang="en-US" sz="1300">
-              <a:solidFill>
-                <a:schemeClr val="bg1"/>
-              </a:solidFill>
-              <a:latin typeface="Apple Braille" pitchFamily="2" charset="0"/>
-            </a:endParaRPr>
-          </a:p>
-        </p:txBody>
-      </p:sp>
-      <p:sp>
-        <p:nvSpPr>
-          <p:cNvPr id="64" name="TextBox 63">
-            <a:extLst>
-              <a:ext uri="{FF2B5EF4-FFF2-40B4-BE49-F238E27FC236}">
-                <a16:creationId xmlns:a16="http://schemas.microsoft.com/office/drawing/2014/main" id="{4DF97C25-C3FD-1912-DFEE-8BCF255CDF52}"/>
-              </a:ext>
-            </a:extLst>
-          </p:cNvPr>
-          <p:cNvSpPr txBox="1"/>
-          <p:nvPr/>
-        </p:nvSpPr>
-        <p:spPr>
-          <a:xfrm>
-            <a:off x="2204272" y="11694656"/>
-            <a:ext cx="8053063" cy="292388"/>
-          </a:xfrm>
-          <a:prstGeom prst="rect">
-            <a:avLst/>
-          </a:prstGeom>
-          <a:solidFill>
-            <a:srgbClr val="FF9300"/>
-          </a:solidFill>
-          <a:ln>
-            <a:solidFill>
-              <a:schemeClr val="bg1"/>
-            </a:solidFill>
-          </a:ln>
-        </p:spPr>
-        <p:txBody>
-          <a:bodyPr wrap="square" rtlCol="0">
-            <a:spAutoFit/>
-          </a:bodyPr>
-          <a:lstStyle/>
-          <a:p>
-            <a:pPr algn="ctr"/>
-            <a:r>
-              <a:rPr kumimoji="1" lang="en-US" altLang="ko-KR" sz="1300">
-                <a:latin typeface="Apple Braille" pitchFamily="2" charset="0"/>
-              </a:rPr>
-              <a:t>Crew Profile</a:t>
-            </a:r>
-            <a:endParaRPr kumimoji="1" lang="ko-KR" altLang="en-US" sz="1300">
-              <a:latin typeface="Apple Braille" pitchFamily="2" charset="0"/>
-            </a:endParaRPr>
-          </a:p>
-        </p:txBody>
-      </p:sp>
-      <p:sp>
-        <p:nvSpPr>
-          <p:cNvPr id="65" name="TextBox 64">
-            <a:extLst>
-              <a:ext uri="{FF2B5EF4-FFF2-40B4-BE49-F238E27FC236}">
-                <a16:creationId xmlns:a16="http://schemas.microsoft.com/office/drawing/2014/main" id="{19EB0CAD-F88C-1424-9718-BD299C5992DB}"/>
-              </a:ext>
-            </a:extLst>
-          </p:cNvPr>
-          <p:cNvSpPr txBox="1"/>
-          <p:nvPr/>
-        </p:nvSpPr>
-        <p:spPr>
-          <a:xfrm>
-            <a:off x="2204272" y="12101605"/>
-            <a:ext cx="8053063" cy="292388"/>
-          </a:xfrm>
-          <a:prstGeom prst="rect">
-            <a:avLst/>
-          </a:prstGeom>
-          <a:solidFill>
-            <a:srgbClr val="FF9300"/>
-          </a:solidFill>
-          <a:ln>
-            <a:solidFill>
-              <a:schemeClr val="bg1"/>
-            </a:solidFill>
-          </a:ln>
-        </p:spPr>
-        <p:txBody>
-          <a:bodyPr wrap="square" rtlCol="0">
-            <a:spAutoFit/>
-          </a:bodyPr>
-          <a:lstStyle/>
-          <a:p>
-            <a:pPr algn="ctr"/>
-            <a:r>
-              <a:rPr kumimoji="1" lang="en-US" altLang="ko-KR" sz="1300">
-                <a:latin typeface="Apple Braille" pitchFamily="2" charset="0"/>
-              </a:rPr>
-              <a:t>Crew Profile</a:t>
-            </a:r>
-            <a:endParaRPr kumimoji="1" lang="ko-KR" altLang="en-US" sz="1300">
-              <a:latin typeface="Apple Braille" pitchFamily="2" charset="0"/>
-            </a:endParaRPr>
-          </a:p>
-        </p:txBody>
-      </p:sp>
-      <p:sp>
-        <p:nvSpPr>
-          <p:cNvPr id="66" name="TextBox 65">
-            <a:extLst>
-              <a:ext uri="{FF2B5EF4-FFF2-40B4-BE49-F238E27FC236}">
-                <a16:creationId xmlns:a16="http://schemas.microsoft.com/office/drawing/2014/main" id="{BF2AB8BA-F172-429F-B142-7145DFF82267}"/>
-              </a:ext>
-            </a:extLst>
-          </p:cNvPr>
-          <p:cNvSpPr txBox="1"/>
-          <p:nvPr/>
-        </p:nvSpPr>
-        <p:spPr>
-          <a:xfrm>
-            <a:off x="2204271" y="12501197"/>
-            <a:ext cx="8053063" cy="292388"/>
-          </a:xfrm>
-          <a:prstGeom prst="rect">
-            <a:avLst/>
-          </a:prstGeom>
-          <a:solidFill>
-            <a:srgbClr val="FF9300"/>
-          </a:solidFill>
-          <a:ln>
-            <a:solidFill>
-              <a:schemeClr val="bg1"/>
-            </a:solidFill>
-          </a:ln>
-        </p:spPr>
-        <p:txBody>
-          <a:bodyPr wrap="square" rtlCol="0">
-            <a:spAutoFit/>
-          </a:bodyPr>
-          <a:lstStyle/>
-          <a:p>
-            <a:pPr algn="ctr"/>
-            <a:r>
-              <a:rPr kumimoji="1" lang="en-US" altLang="ko-KR" sz="1300">
-                <a:latin typeface="Apple Braille" pitchFamily="2" charset="0"/>
-              </a:rPr>
-              <a:t>Crew Profile</a:t>
-            </a:r>
-            <a:endParaRPr kumimoji="1" lang="ko-KR" altLang="en-US" sz="1300">
-              <a:latin typeface="Apple Braille" pitchFamily="2" charset="0"/>
-            </a:endParaRPr>
-          </a:p>
-        </p:txBody>
-      </p:sp>
-      <p:sp>
-        <p:nvSpPr>
-          <p:cNvPr id="67" name="TextBox 66">
-            <a:extLst>
-              <a:ext uri="{FF2B5EF4-FFF2-40B4-BE49-F238E27FC236}">
-                <a16:creationId xmlns:a16="http://schemas.microsoft.com/office/drawing/2014/main" id="{F33D38EE-B67E-3C07-DFCB-A45803053CDF}"/>
-              </a:ext>
-            </a:extLst>
-          </p:cNvPr>
-          <p:cNvSpPr txBox="1"/>
-          <p:nvPr/>
-        </p:nvSpPr>
-        <p:spPr>
-          <a:xfrm>
-            <a:off x="2204272" y="12908146"/>
-            <a:ext cx="8053063" cy="292388"/>
-          </a:xfrm>
-          <a:prstGeom prst="rect">
-            <a:avLst/>
-          </a:prstGeom>
-          <a:solidFill>
-            <a:srgbClr val="FF9300"/>
-          </a:solidFill>
-          <a:ln>
-            <a:solidFill>
-              <a:schemeClr val="bg1"/>
-            </a:solidFill>
-          </a:ln>
-        </p:spPr>
-        <p:txBody>
-          <a:bodyPr wrap="square" rtlCol="0">
-            <a:spAutoFit/>
-          </a:bodyPr>
-          <a:lstStyle/>
-          <a:p>
-            <a:pPr algn="ctr"/>
-            <a:r>
-              <a:rPr kumimoji="1" lang="en-US" altLang="ko-KR" sz="1300">
-                <a:latin typeface="Apple Braille" pitchFamily="2" charset="0"/>
-              </a:rPr>
-              <a:t>Crew Profile</a:t>
-            </a:r>
-            <a:endParaRPr kumimoji="1" lang="ko-KR" altLang="en-US" sz="1300">
-              <a:latin typeface="Apple Braille" pitchFamily="2" charset="0"/>
-            </a:endParaRPr>
-          </a:p>
-        </p:txBody>
-      </p:sp>
-      <p:sp>
-        <p:nvSpPr>
-          <p:cNvPr id="68" name="TextBox 67">
-            <a:extLst>
-              <a:ext uri="{FF2B5EF4-FFF2-40B4-BE49-F238E27FC236}">
-                <a16:creationId xmlns:a16="http://schemas.microsoft.com/office/drawing/2014/main" id="{BF9E14C6-F527-DEA9-6D4D-D6498A8D5944}"/>
-              </a:ext>
-            </a:extLst>
-          </p:cNvPr>
-          <p:cNvSpPr txBox="1"/>
-          <p:nvPr/>
-        </p:nvSpPr>
-        <p:spPr>
-          <a:xfrm>
-            <a:off x="2204272" y="13294790"/>
-            <a:ext cx="8053063" cy="292388"/>
-          </a:xfrm>
-          <a:prstGeom prst="rect">
-            <a:avLst/>
-          </a:prstGeom>
-          <a:solidFill>
-            <a:srgbClr val="FF9300"/>
-          </a:solidFill>
-          <a:ln>
-            <a:solidFill>
-              <a:schemeClr val="bg1"/>
-            </a:solidFill>
-          </a:ln>
-        </p:spPr>
-        <p:txBody>
-          <a:bodyPr wrap="square" rtlCol="0">
-            <a:spAutoFit/>
-          </a:bodyPr>
-          <a:lstStyle/>
-          <a:p>
-            <a:pPr algn="ctr"/>
-            <a:r>
-              <a:rPr kumimoji="1" lang="en-US" altLang="ko-KR" sz="1300">
-                <a:latin typeface="Apple Braille" pitchFamily="2" charset="0"/>
-              </a:rPr>
-              <a:t>Crew Profile</a:t>
-            </a:r>
-            <a:endParaRPr kumimoji="1" lang="ko-KR" altLang="en-US" sz="1300">
-              <a:latin typeface="Apple Braille" pitchFamily="2" charset="0"/>
-            </a:endParaRPr>
-          </a:p>
-        </p:txBody>
-      </p:sp>
-      <p:sp>
-        <p:nvSpPr>
-          <p:cNvPr id="69" name="TextBox 68">
-            <a:extLst>
-              <a:ext uri="{FF2B5EF4-FFF2-40B4-BE49-F238E27FC236}">
-                <a16:creationId xmlns:a16="http://schemas.microsoft.com/office/drawing/2014/main" id="{765611BF-F72C-5D31-919E-2EE02BF1794A}"/>
-              </a:ext>
-            </a:extLst>
-          </p:cNvPr>
-          <p:cNvSpPr txBox="1"/>
-          <p:nvPr/>
-        </p:nvSpPr>
-        <p:spPr>
-          <a:xfrm>
-            <a:off x="2204272" y="13701739"/>
-            <a:ext cx="8053063" cy="292388"/>
-          </a:xfrm>
-          <a:prstGeom prst="rect">
-            <a:avLst/>
-          </a:prstGeom>
-          <a:solidFill>
-            <a:srgbClr val="FF9300"/>
-          </a:solidFill>
-          <a:ln>
-            <a:solidFill>
-              <a:schemeClr val="bg1"/>
-            </a:solidFill>
-          </a:ln>
-        </p:spPr>
-        <p:txBody>
-          <a:bodyPr wrap="square" rtlCol="0">
-            <a:spAutoFit/>
-          </a:bodyPr>
-          <a:lstStyle/>
-          <a:p>
-            <a:pPr algn="ctr"/>
-            <a:r>
-              <a:rPr kumimoji="1" lang="en-US" altLang="ko-KR" sz="1300">
-                <a:latin typeface="Apple Braille" pitchFamily="2" charset="0"/>
-              </a:rPr>
-              <a:t>Crew Profile</a:t>
-            </a:r>
-            <a:endParaRPr kumimoji="1" lang="ko-KR" altLang="en-US" sz="1300">
-              <a:latin typeface="Apple Braille" pitchFamily="2" charset="0"/>
-            </a:endParaRPr>
-          </a:p>
-        </p:txBody>
-      </p:sp>
-      <p:sp>
-        <p:nvSpPr>
-          <p:cNvPr id="70" name="TextBox 69">
-            <a:extLst>
-              <a:ext uri="{FF2B5EF4-FFF2-40B4-BE49-F238E27FC236}">
-                <a16:creationId xmlns:a16="http://schemas.microsoft.com/office/drawing/2014/main" id="{D5B0D04C-FCD7-0C1B-C7BC-9F84DF140346}"/>
-              </a:ext>
-            </a:extLst>
-          </p:cNvPr>
-          <p:cNvSpPr txBox="1"/>
-          <p:nvPr/>
-        </p:nvSpPr>
-        <p:spPr>
-          <a:xfrm>
-            <a:off x="2204272" y="14101331"/>
-            <a:ext cx="8053063" cy="292388"/>
-          </a:xfrm>
-          <a:prstGeom prst="rect">
-            <a:avLst/>
-          </a:prstGeom>
-          <a:solidFill>
-            <a:srgbClr val="FF9300"/>
-          </a:solidFill>
-          <a:ln>
-            <a:solidFill>
-              <a:schemeClr val="bg1"/>
-            </a:solidFill>
-          </a:ln>
-        </p:spPr>
-        <p:txBody>
-          <a:bodyPr wrap="square" rtlCol="0">
-            <a:spAutoFit/>
-          </a:bodyPr>
-          <a:lstStyle/>
-          <a:p>
-            <a:pPr algn="ctr"/>
-            <a:r>
-              <a:rPr kumimoji="1" lang="en-US" altLang="ko-KR" sz="1300">
-                <a:latin typeface="Apple Braille" pitchFamily="2" charset="0"/>
-              </a:rPr>
-              <a:t>Crew Profile</a:t>
-            </a:r>
-            <a:endParaRPr kumimoji="1" lang="ko-KR" altLang="en-US" sz="1300">
-              <a:latin typeface="Apple Braille" pitchFamily="2" charset="0"/>
-            </a:endParaRPr>
-          </a:p>
-        </p:txBody>
-      </p:sp>
-      <p:sp>
-        <p:nvSpPr>
-          <p:cNvPr id="71" name="TextBox 70">
-            <a:extLst>
-              <a:ext uri="{FF2B5EF4-FFF2-40B4-BE49-F238E27FC236}">
-                <a16:creationId xmlns:a16="http://schemas.microsoft.com/office/drawing/2014/main" id="{FDADB795-5632-8DD2-2E1E-B3106F5E70B0}"/>
-              </a:ext>
-            </a:extLst>
-          </p:cNvPr>
-          <p:cNvSpPr txBox="1"/>
-          <p:nvPr/>
-        </p:nvSpPr>
-        <p:spPr>
-          <a:xfrm>
-            <a:off x="2204272" y="14508280"/>
-            <a:ext cx="8053063" cy="292388"/>
-          </a:xfrm>
-          <a:prstGeom prst="rect">
-            <a:avLst/>
-          </a:prstGeom>
-          <a:solidFill>
-            <a:srgbClr val="FF9300"/>
-          </a:solidFill>
-          <a:ln>
-            <a:solidFill>
-              <a:schemeClr val="bg1"/>
-            </a:solidFill>
-          </a:ln>
-        </p:spPr>
-        <p:txBody>
-          <a:bodyPr wrap="square" rtlCol="0">
-            <a:spAutoFit/>
-          </a:bodyPr>
-          <a:lstStyle/>
-          <a:p>
-            <a:pPr algn="ctr"/>
-            <a:r>
-              <a:rPr kumimoji="1" lang="en-US" altLang="ko-KR" sz="1300">
-                <a:latin typeface="Apple Braille" pitchFamily="2" charset="0"/>
-              </a:rPr>
-              <a:t>Crew Profile</a:t>
-            </a:r>
-            <a:endParaRPr kumimoji="1" lang="ko-KR" altLang="en-US" sz="1300">
-              <a:latin typeface="Apple Braille" pitchFamily="2" charset="0"/>
-            </a:endParaRPr>
-          </a:p>
-        </p:txBody>
-      </p:sp>
-      <p:sp>
-        <p:nvSpPr>
-          <p:cNvPr id="72" name="TextBox 71">
-            <a:extLst>
-              <a:ext uri="{FF2B5EF4-FFF2-40B4-BE49-F238E27FC236}">
-                <a16:creationId xmlns:a16="http://schemas.microsoft.com/office/drawing/2014/main" id="{54B0438B-9E4C-F4BC-F201-FFD6A29819FA}"/>
-              </a:ext>
-            </a:extLst>
-          </p:cNvPr>
-          <p:cNvSpPr txBox="1"/>
-          <p:nvPr/>
-        </p:nvSpPr>
-        <p:spPr>
-          <a:xfrm>
-            <a:off x="2204272" y="14894492"/>
-            <a:ext cx="8053063" cy="292388"/>
-          </a:xfrm>
-          <a:prstGeom prst="rect">
-            <a:avLst/>
-          </a:prstGeom>
-          <a:solidFill>
-            <a:srgbClr val="FF9300"/>
-          </a:solidFill>
-          <a:ln>
-            <a:solidFill>
-              <a:schemeClr val="bg1"/>
-            </a:solidFill>
-          </a:ln>
-        </p:spPr>
-        <p:txBody>
-          <a:bodyPr wrap="square" rtlCol="0">
-            <a:spAutoFit/>
-          </a:bodyPr>
-          <a:lstStyle/>
-          <a:p>
-            <a:pPr algn="ctr"/>
-            <a:r>
-              <a:rPr kumimoji="1" lang="en-US" altLang="ko-KR" sz="1300">
-                <a:latin typeface="Apple Braille" pitchFamily="2" charset="0"/>
-              </a:rPr>
-              <a:t>Crew Profile</a:t>
-            </a:r>
-            <a:endParaRPr kumimoji="1" lang="ko-KR" altLang="en-US" sz="1300">
-              <a:latin typeface="Apple Braille" pitchFamily="2" charset="0"/>
-            </a:endParaRPr>
-          </a:p>
-        </p:txBody>
-      </p:sp>
-      <p:sp>
-        <p:nvSpPr>
-          <p:cNvPr id="73" name="TextBox 72">
-            <a:extLst>
-              <a:ext uri="{FF2B5EF4-FFF2-40B4-BE49-F238E27FC236}">
-                <a16:creationId xmlns:a16="http://schemas.microsoft.com/office/drawing/2014/main" id="{76EB8E91-BB45-C77D-B24C-A14F26861D12}"/>
-              </a:ext>
-            </a:extLst>
-          </p:cNvPr>
-          <p:cNvSpPr txBox="1"/>
-          <p:nvPr/>
-        </p:nvSpPr>
-        <p:spPr>
-          <a:xfrm>
-            <a:off x="2204272" y="15301441"/>
-            <a:ext cx="8053063" cy="292388"/>
-          </a:xfrm>
-          <a:prstGeom prst="rect">
-            <a:avLst/>
-          </a:prstGeom>
-          <a:solidFill>
-            <a:srgbClr val="FF9300"/>
-          </a:solidFill>
-          <a:ln>
-            <a:solidFill>
-              <a:schemeClr val="bg1"/>
-            </a:solidFill>
-          </a:ln>
-        </p:spPr>
-        <p:txBody>
-          <a:bodyPr wrap="square" rtlCol="0">
-            <a:spAutoFit/>
-          </a:bodyPr>
-          <a:lstStyle/>
-          <a:p>
-            <a:pPr algn="ctr"/>
-            <a:r>
-              <a:rPr kumimoji="1" lang="en-US" altLang="ko-KR" sz="1300">
-                <a:latin typeface="Apple Braille" pitchFamily="2" charset="0"/>
-              </a:rPr>
-              <a:t>Crew Profile</a:t>
-            </a:r>
-            <a:endParaRPr kumimoji="1" lang="ko-KR" altLang="en-US" sz="1300">
-              <a:latin typeface="Apple Braille" pitchFamily="2" charset="0"/>
-            </a:endParaRPr>
-          </a:p>
-        </p:txBody>
-      </p:sp>
-      <p:sp>
-        <p:nvSpPr>
-          <p:cNvPr id="74" name="TextBox 73">
-            <a:extLst>
-              <a:ext uri="{FF2B5EF4-FFF2-40B4-BE49-F238E27FC236}">
-                <a16:creationId xmlns:a16="http://schemas.microsoft.com/office/drawing/2014/main" id="{D2B4B704-C380-742D-5B23-22B150E12038}"/>
-              </a:ext>
-            </a:extLst>
-          </p:cNvPr>
-          <p:cNvSpPr txBox="1"/>
-          <p:nvPr/>
-        </p:nvSpPr>
-        <p:spPr>
-          <a:xfrm>
-            <a:off x="2204272" y="15701033"/>
-            <a:ext cx="8053063" cy="292388"/>
-          </a:xfrm>
-          <a:prstGeom prst="rect">
-            <a:avLst/>
-          </a:prstGeom>
-          <a:solidFill>
-            <a:srgbClr val="FF9300"/>
-          </a:solidFill>
-          <a:ln>
-            <a:solidFill>
-              <a:schemeClr val="bg1"/>
-            </a:solidFill>
-          </a:ln>
-        </p:spPr>
-        <p:txBody>
-          <a:bodyPr wrap="square" rtlCol="0">
-            <a:spAutoFit/>
-          </a:bodyPr>
-          <a:lstStyle/>
-          <a:p>
-            <a:pPr algn="ctr"/>
-            <a:r>
-              <a:rPr kumimoji="1" lang="en-US" altLang="ko-KR" sz="1300">
-                <a:latin typeface="Apple Braille" pitchFamily="2" charset="0"/>
-              </a:rPr>
-              <a:t>Crew Profile</a:t>
-            </a:r>
-            <a:endParaRPr kumimoji="1" lang="ko-KR" altLang="en-US" sz="1300">
-              <a:latin typeface="Apple Braille" pitchFamily="2" charset="0"/>
-            </a:endParaRPr>
-          </a:p>
-        </p:txBody>
-      </p:sp>
-      <p:sp>
-        <p:nvSpPr>
-          <p:cNvPr id="75" name="TextBox 74">
-            <a:extLst>
-              <a:ext uri="{FF2B5EF4-FFF2-40B4-BE49-F238E27FC236}">
-                <a16:creationId xmlns:a16="http://schemas.microsoft.com/office/drawing/2014/main" id="{1211DD91-E479-83D4-009F-F78B9F8FD8A9}"/>
-              </a:ext>
-            </a:extLst>
-          </p:cNvPr>
-          <p:cNvSpPr txBox="1"/>
-          <p:nvPr/>
-        </p:nvSpPr>
-        <p:spPr>
-          <a:xfrm>
-            <a:off x="2204272" y="16107982"/>
-            <a:ext cx="8053063" cy="292388"/>
-          </a:xfrm>
-          <a:prstGeom prst="rect">
-            <a:avLst/>
-          </a:prstGeom>
-          <a:solidFill>
-            <a:srgbClr val="FF9300"/>
-          </a:solidFill>
-          <a:ln>
-            <a:solidFill>
-              <a:schemeClr val="bg1"/>
-            </a:solidFill>
-          </a:ln>
-        </p:spPr>
-        <p:txBody>
-          <a:bodyPr wrap="square" rtlCol="0">
-            <a:spAutoFit/>
-          </a:bodyPr>
-          <a:lstStyle/>
-          <a:p>
-            <a:pPr algn="ctr"/>
-            <a:r>
-              <a:rPr kumimoji="1" lang="en-US" altLang="ko-KR" sz="1300">
-                <a:latin typeface="Apple Braille" pitchFamily="2" charset="0"/>
-              </a:rPr>
-              <a:t>Crew Profile</a:t>
-            </a:r>
-            <a:endParaRPr kumimoji="1" lang="ko-KR" altLang="en-US" sz="1300">
-              <a:latin typeface="Apple Braille" pitchFamily="2" charset="0"/>
-            </a:endParaRPr>
-          </a:p>
-        </p:txBody>
-      </p:sp>
-      <p:sp>
-        <p:nvSpPr>
-          <p:cNvPr id="8" name="TextBox 7">
-            <a:extLst>
-              <a:ext uri="{FF2B5EF4-FFF2-40B4-BE49-F238E27FC236}">
-                <a16:creationId xmlns:a16="http://schemas.microsoft.com/office/drawing/2014/main" id="{F16A58C1-6273-ABAF-283A-A76518802E31}"/>
-              </a:ext>
-            </a:extLst>
-          </p:cNvPr>
-          <p:cNvSpPr txBox="1"/>
-          <p:nvPr/>
-        </p:nvSpPr>
-        <p:spPr>
-          <a:xfrm>
-            <a:off x="9089997" y="6503323"/>
-            <a:ext cx="3102003" cy="292388"/>
-          </a:xfrm>
-          <a:prstGeom prst="rect">
-            <a:avLst/>
-          </a:prstGeom>
-          <a:noFill/>
-        </p:spPr>
-        <p:txBody>
-          <a:bodyPr wrap="none" rtlCol="0">
-            <a:spAutoFit/>
-          </a:bodyPr>
-          <a:lstStyle/>
-          <a:p>
-            <a:r>
-              <a:rPr kumimoji="1" lang="en-US" altLang="ko-KR" sz="1300">
-                <a:solidFill>
-                  <a:schemeClr val="bg1"/>
-                </a:solidFill>
-                <a:latin typeface="Apple Braille" pitchFamily="2" charset="0"/>
-              </a:rPr>
-              <a:t>Last Saved: (2025.10.04/16.31.20 GMT)</a:t>
-            </a:r>
-            <a:endParaRPr kumimoji="1" lang="ko-KR" altLang="en-US" sz="1300">
-              <a:solidFill>
-                <a:schemeClr val="bg1"/>
-              </a:solidFill>
-              <a:latin typeface="Apple Braille" pitchFamily="2" charset="0"/>
-            </a:endParaRPr>
-          </a:p>
-        </p:txBody>
-      </p:sp>
-      <p:sp>
-        <p:nvSpPr>
-          <p:cNvPr id="31" name="직사각형 30">
-            <a:extLst>
-              <a:ext uri="{FF2B5EF4-FFF2-40B4-BE49-F238E27FC236}">
-                <a16:creationId xmlns:a16="http://schemas.microsoft.com/office/drawing/2014/main" id="{FE3F383A-EE3B-2635-426D-9D969093F41A}"/>
-              </a:ext>
-            </a:extLst>
-          </p:cNvPr>
-          <p:cNvSpPr/>
-          <p:nvPr/>
-        </p:nvSpPr>
-        <p:spPr>
-          <a:xfrm>
-            <a:off x="1463817" y="1195985"/>
-            <a:ext cx="9411831" cy="785215"/>
+            <a:off x="1469865" y="1195985"/>
+            <a:ext cx="9411831" cy="1202838"/>
           </a:xfrm>
           <a:prstGeom prst="rect">
             <a:avLst/>
@@ -9631,6 +9152,441 @@
           </a:p>
         </p:txBody>
       </p:sp>
+      <p:sp>
+        <p:nvSpPr>
+          <p:cNvPr id="2" name="직사각형 1">
+            <a:extLst>
+              <a:ext uri="{FF2B5EF4-FFF2-40B4-BE49-F238E27FC236}">
+                <a16:creationId xmlns:a16="http://schemas.microsoft.com/office/drawing/2014/main" id="{58A73417-2796-B160-1A69-5FA3964972AB}"/>
+              </a:ext>
+            </a:extLst>
+          </p:cNvPr>
+          <p:cNvSpPr/>
+          <p:nvPr/>
+        </p:nvSpPr>
+        <p:spPr>
+          <a:xfrm>
+            <a:off x="1469865" y="5691959"/>
+            <a:ext cx="9399731" cy="1193580"/>
+          </a:xfrm>
+          <a:prstGeom prst="rect">
+            <a:avLst/>
+          </a:prstGeom>
+          <a:solidFill>
+            <a:srgbClr val="6C35C5"/>
+          </a:solidFill>
+          <a:ln>
+            <a:noFill/>
+          </a:ln>
+          <a:effectLst/>
+        </p:spPr>
+        <p:style>
+          <a:lnRef idx="2">
+            <a:schemeClr val="accent1">
+              <a:shade val="15000"/>
+            </a:schemeClr>
+          </a:lnRef>
+          <a:fillRef idx="1">
+            <a:schemeClr val="accent1"/>
+          </a:fillRef>
+          <a:effectRef idx="0">
+            <a:schemeClr val="accent1"/>
+          </a:effectRef>
+          <a:fontRef idx="minor">
+            <a:schemeClr val="lt1"/>
+          </a:fontRef>
+        </p:style>
+        <p:txBody>
+          <a:bodyPr rtlCol="0" anchor="ctr"/>
+          <a:lstStyle/>
+          <a:p>
+            <a:pPr algn="ctr"/>
+            <a:endParaRPr kumimoji="1" lang="ko-KR" altLang="en-US"/>
+          </a:p>
+        </p:txBody>
+      </p:sp>
+      <p:sp>
+        <p:nvSpPr>
+          <p:cNvPr id="10" name="TextBox 9">
+            <a:extLst>
+              <a:ext uri="{FF2B5EF4-FFF2-40B4-BE49-F238E27FC236}">
+                <a16:creationId xmlns:a16="http://schemas.microsoft.com/office/drawing/2014/main" id="{6FF68950-880B-7F95-7EC8-C16E480A21A9}"/>
+              </a:ext>
+            </a:extLst>
+          </p:cNvPr>
+          <p:cNvSpPr txBox="1"/>
+          <p:nvPr/>
+        </p:nvSpPr>
+        <p:spPr>
+          <a:xfrm>
+            <a:off x="9606772" y="1492021"/>
+            <a:ext cx="1124162" cy="292388"/>
+          </a:xfrm>
+          <a:prstGeom prst="rect">
+            <a:avLst/>
+          </a:prstGeom>
+          <a:solidFill>
+            <a:srgbClr val="FF9300"/>
+          </a:solidFill>
+          <a:ln>
+            <a:solidFill>
+              <a:schemeClr val="bg1"/>
+            </a:solidFill>
+          </a:ln>
+        </p:spPr>
+        <p:txBody>
+          <a:bodyPr wrap="square" rtlCol="0">
+            <a:spAutoFit/>
+          </a:bodyPr>
+          <a:lstStyle/>
+          <a:p>
+            <a:pPr algn="ctr"/>
+            <a:r>
+              <a:rPr kumimoji="1" lang="en-US" altLang="ko-KR" sz="1300" dirty="0"/>
+              <a:t>Next</a:t>
+            </a:r>
+            <a:endParaRPr kumimoji="1" lang="ko-KR" altLang="en-US" sz="1300" dirty="0"/>
+          </a:p>
+        </p:txBody>
+      </p:sp>
+      <p:sp>
+        <p:nvSpPr>
+          <p:cNvPr id="20" name="TextBox 19">
+            <a:extLst>
+              <a:ext uri="{FF2B5EF4-FFF2-40B4-BE49-F238E27FC236}">
+                <a16:creationId xmlns:a16="http://schemas.microsoft.com/office/drawing/2014/main" id="{6CF9525B-5E4A-1D3B-3C4D-B453CC36AE15}"/>
+              </a:ext>
+            </a:extLst>
+          </p:cNvPr>
+          <p:cNvSpPr txBox="1"/>
+          <p:nvPr/>
+        </p:nvSpPr>
+        <p:spPr>
+          <a:xfrm>
+            <a:off x="2320256" y="5800781"/>
+            <a:ext cx="8006158" cy="1015663"/>
+          </a:xfrm>
+          <a:prstGeom prst="rect">
+            <a:avLst/>
+          </a:prstGeom>
+          <a:noFill/>
+        </p:spPr>
+        <p:txBody>
+          <a:bodyPr wrap="square">
+            <a:spAutoFit/>
+          </a:bodyPr>
+          <a:lstStyle/>
+          <a:p>
+            <a:pPr algn="ctr"/>
+            <a:r>
+              <a:rPr lang="en" altLang="ko-KR" sz="2000" dirty="0">
+                <a:solidFill>
+                  <a:srgbClr val="FAD935"/>
+                </a:solidFill>
+              </a:rPr>
+              <a:t>Psychological challenges of long-term space habitation</a:t>
+            </a:r>
+          </a:p>
+          <a:p>
+            <a:pPr algn="ctr"/>
+            <a:r>
+              <a:rPr lang="en" altLang="ko-KR" sz="2000" dirty="0">
+                <a:solidFill>
+                  <a:srgbClr val="FAD935"/>
+                </a:solidFill>
+              </a:rPr>
+              <a:t>Let’s provide a fresh food management app with in-space production!</a:t>
+            </a:r>
+          </a:p>
+        </p:txBody>
+      </p:sp>
+      <p:sp>
+        <p:nvSpPr>
+          <p:cNvPr id="23" name="직사각형 22">
+            <a:extLst>
+              <a:ext uri="{FF2B5EF4-FFF2-40B4-BE49-F238E27FC236}">
+                <a16:creationId xmlns:a16="http://schemas.microsoft.com/office/drawing/2014/main" id="{D0886505-1A7B-915A-151F-7C9E85EFAB51}"/>
+              </a:ext>
+            </a:extLst>
+          </p:cNvPr>
+          <p:cNvSpPr/>
+          <p:nvPr/>
+        </p:nvSpPr>
+        <p:spPr>
+          <a:xfrm flipV="1">
+            <a:off x="1469866" y="1981199"/>
+            <a:ext cx="665328" cy="4893182"/>
+          </a:xfrm>
+          <a:prstGeom prst="rect">
+            <a:avLst/>
+          </a:prstGeom>
+          <a:solidFill>
+            <a:srgbClr val="6C35C5"/>
+          </a:solidFill>
+          <a:ln>
+            <a:noFill/>
+          </a:ln>
+          <a:effectLst/>
+        </p:spPr>
+        <p:style>
+          <a:lnRef idx="2">
+            <a:schemeClr val="accent1">
+              <a:shade val="15000"/>
+            </a:schemeClr>
+          </a:lnRef>
+          <a:fillRef idx="1">
+            <a:schemeClr val="accent1"/>
+          </a:fillRef>
+          <a:effectRef idx="0">
+            <a:schemeClr val="accent1"/>
+          </a:effectRef>
+          <a:fontRef idx="minor">
+            <a:schemeClr val="lt1"/>
+          </a:fontRef>
+        </p:style>
+        <p:txBody>
+          <a:bodyPr rtlCol="0" anchor="ctr"/>
+          <a:lstStyle/>
+          <a:p>
+            <a:pPr algn="ctr"/>
+            <a:endParaRPr kumimoji="1" lang="ko-KR" altLang="en-US"/>
+          </a:p>
+        </p:txBody>
+      </p:sp>
+      <p:sp>
+        <p:nvSpPr>
+          <p:cNvPr id="24" name="직사각형 23">
+            <a:extLst>
+              <a:ext uri="{FF2B5EF4-FFF2-40B4-BE49-F238E27FC236}">
+                <a16:creationId xmlns:a16="http://schemas.microsoft.com/office/drawing/2014/main" id="{3F8BB5C7-8B43-C302-229D-90903EDCC184}"/>
+              </a:ext>
+            </a:extLst>
+          </p:cNvPr>
+          <p:cNvSpPr/>
+          <p:nvPr/>
+        </p:nvSpPr>
+        <p:spPr>
+          <a:xfrm flipV="1">
+            <a:off x="10326413" y="1846895"/>
+            <a:ext cx="554992" cy="4893182"/>
+          </a:xfrm>
+          <a:prstGeom prst="rect">
+            <a:avLst/>
+          </a:prstGeom>
+          <a:solidFill>
+            <a:srgbClr val="6C35C5"/>
+          </a:solidFill>
+          <a:ln>
+            <a:noFill/>
+          </a:ln>
+          <a:effectLst/>
+        </p:spPr>
+        <p:style>
+          <a:lnRef idx="2">
+            <a:schemeClr val="accent1">
+              <a:shade val="15000"/>
+            </a:schemeClr>
+          </a:lnRef>
+          <a:fillRef idx="1">
+            <a:schemeClr val="accent1"/>
+          </a:fillRef>
+          <a:effectRef idx="0">
+            <a:schemeClr val="accent1"/>
+          </a:effectRef>
+          <a:fontRef idx="minor">
+            <a:schemeClr val="lt1"/>
+          </a:fontRef>
+        </p:style>
+        <p:txBody>
+          <a:bodyPr rtlCol="0" anchor="ctr"/>
+          <a:lstStyle/>
+          <a:p>
+            <a:pPr algn="ctr"/>
+            <a:endParaRPr kumimoji="1" lang="ko-KR" altLang="en-US"/>
+          </a:p>
+        </p:txBody>
+      </p:sp>
+      <p:pic>
+        <p:nvPicPr>
+          <p:cNvPr id="25" name="Picture 2" descr="Gradient background 벡터 - Freepik에서 무료 고품질 벡터를 다운로드하세요 | Freepik">
+            <a:extLst>
+              <a:ext uri="{FF2B5EF4-FFF2-40B4-BE49-F238E27FC236}">
+                <a16:creationId xmlns:a16="http://schemas.microsoft.com/office/drawing/2014/main" id="{06B92D28-C8A6-DFCF-B42F-92D154E6984E}"/>
+              </a:ext>
+            </a:extLst>
+          </p:cNvPr>
+          <p:cNvPicPr>
+            <a:picLocks noChangeAspect="1" noChangeArrowheads="1"/>
+          </p:cNvPicPr>
+          <p:nvPr/>
+        </p:nvPicPr>
+        <p:blipFill rotWithShape="1">
+          <a:blip r:embed="rId3">
+            <a:extLst>
+              <a:ext uri="{28A0092B-C50C-407E-A947-70E740481C1C}">
+                <a14:useLocalDpi xmlns:a14="http://schemas.microsoft.com/office/drawing/2010/main" val="0"/>
+              </a:ext>
+            </a:extLst>
+          </a:blip>
+          <a:srcRect t="7755" b="7829"/>
+          <a:stretch>
+            <a:fillRect/>
+          </a:stretch>
+        </p:blipFill>
+        <p:spPr bwMode="auto">
+          <a:xfrm>
+            <a:off x="1463809" y="-8759"/>
+            <a:ext cx="9411831" cy="1271102"/>
+          </a:xfrm>
+          <a:prstGeom prst="rect">
+            <a:avLst/>
+          </a:prstGeom>
+          <a:noFill/>
+          <a:extLst>
+            <a:ext uri="{909E8E84-426E-40DD-AFC4-6F175D3DCCD1}">
+              <a14:hiddenFill xmlns:a14="http://schemas.microsoft.com/office/drawing/2010/main">
+                <a:solidFill>
+                  <a:srgbClr val="FFFFFF"/>
+                </a:solidFill>
+              </a14:hiddenFill>
+            </a:ext>
+          </a:extLst>
+        </p:spPr>
+      </p:pic>
+      <p:sp>
+        <p:nvSpPr>
+          <p:cNvPr id="8" name="TextBox 7">
+            <a:extLst>
+              <a:ext uri="{FF2B5EF4-FFF2-40B4-BE49-F238E27FC236}">
+                <a16:creationId xmlns:a16="http://schemas.microsoft.com/office/drawing/2014/main" id="{F16A58C1-6273-ABAF-283A-A76518802E31}"/>
+              </a:ext>
+            </a:extLst>
+          </p:cNvPr>
+          <p:cNvSpPr txBox="1"/>
+          <p:nvPr/>
+        </p:nvSpPr>
+        <p:spPr>
+          <a:xfrm>
+            <a:off x="10168853" y="6504551"/>
+            <a:ext cx="1955600" cy="292388"/>
+          </a:xfrm>
+          <a:prstGeom prst="rect">
+            <a:avLst/>
+          </a:prstGeom>
+          <a:noFill/>
+        </p:spPr>
+        <p:txBody>
+          <a:bodyPr wrap="none" rtlCol="0">
+            <a:spAutoFit/>
+          </a:bodyPr>
+          <a:lstStyle/>
+          <a:p>
+            <a:r>
+              <a:rPr kumimoji="1" lang="en-US" altLang="ko-KR" sz="1300" dirty="0">
+                <a:solidFill>
+                  <a:schemeClr val="bg1"/>
+                </a:solidFill>
+              </a:rPr>
+              <a:t>TEAM PROJECT - AERO</a:t>
+            </a:r>
+            <a:endParaRPr kumimoji="1" lang="ko-KR" altLang="en-US" sz="1300" dirty="0">
+              <a:solidFill>
+                <a:schemeClr val="bg1"/>
+              </a:solidFill>
+            </a:endParaRPr>
+          </a:p>
+        </p:txBody>
+      </p:sp>
+      <p:sp>
+        <p:nvSpPr>
+          <p:cNvPr id="4" name="TextBox 3">
+            <a:extLst>
+              <a:ext uri="{FF2B5EF4-FFF2-40B4-BE49-F238E27FC236}">
+                <a16:creationId xmlns:a16="http://schemas.microsoft.com/office/drawing/2014/main" id="{17B9762A-FBFE-F810-8203-BED561E5A48B}"/>
+              </a:ext>
+            </a:extLst>
+          </p:cNvPr>
+          <p:cNvSpPr txBox="1"/>
+          <p:nvPr/>
+        </p:nvSpPr>
+        <p:spPr>
+          <a:xfrm>
+            <a:off x="5237585" y="455830"/>
+            <a:ext cx="1925399" cy="646331"/>
+          </a:xfrm>
+          <a:prstGeom prst="rect">
+            <a:avLst/>
+          </a:prstGeom>
+          <a:noFill/>
+        </p:spPr>
+        <p:txBody>
+          <a:bodyPr wrap="none" rtlCol="0">
+            <a:spAutoFit/>
+          </a:bodyPr>
+          <a:lstStyle/>
+          <a:p>
+            <a:r>
+              <a:rPr kumimoji="1" lang="en-US" altLang="ko-KR" sz="3600" dirty="0">
+                <a:solidFill>
+                  <a:srgbClr val="FAD935"/>
+                </a:solidFill>
+                <a:ea typeface="BM DoHyeon OTF" panose="020B0600000101010101" pitchFamily="34" charset="-127"/>
+              </a:rPr>
+              <a:t>Problem</a:t>
+            </a:r>
+            <a:endParaRPr kumimoji="1" lang="ko-KR" altLang="en-US" sz="3600" dirty="0">
+              <a:solidFill>
+                <a:srgbClr val="FAD935"/>
+              </a:solidFill>
+              <a:ea typeface="BM DoHyeon OTF" panose="020B0600000101010101" pitchFamily="34" charset="-127"/>
+            </a:endParaRPr>
+          </a:p>
+        </p:txBody>
+      </p:sp>
+      <p:sp>
+        <p:nvSpPr>
+          <p:cNvPr id="7" name="TextBox 6">
+            <a:extLst>
+              <a:ext uri="{FF2B5EF4-FFF2-40B4-BE49-F238E27FC236}">
+                <a16:creationId xmlns:a16="http://schemas.microsoft.com/office/drawing/2014/main" id="{C8A6B846-DDEF-960B-2447-F48AC0EDFD73}"/>
+              </a:ext>
+            </a:extLst>
+          </p:cNvPr>
+          <p:cNvSpPr txBox="1"/>
+          <p:nvPr/>
+        </p:nvSpPr>
+        <p:spPr>
+          <a:xfrm>
+            <a:off x="28101" y="69618"/>
+            <a:ext cx="1719060" cy="292388"/>
+          </a:xfrm>
+          <a:prstGeom prst="rect">
+            <a:avLst/>
+          </a:prstGeom>
+          <a:noFill/>
+        </p:spPr>
+        <p:txBody>
+          <a:bodyPr wrap="none" rtlCol="0">
+            <a:spAutoFit/>
+          </a:bodyPr>
+          <a:lstStyle/>
+          <a:p>
+            <a:r>
+              <a:rPr kumimoji="1" lang="en-US" altLang="ko-KR" sz="1300" dirty="0">
+                <a:solidFill>
+                  <a:schemeClr val="bg1"/>
+                </a:solidFill>
+              </a:rPr>
+              <a:t>ID: PROJECT - AERO</a:t>
+            </a:r>
+            <a:endParaRPr kumimoji="1" lang="ko-KR" altLang="en-US" sz="1300" dirty="0">
+              <a:solidFill>
+                <a:schemeClr val="bg1"/>
+              </a:solidFill>
+            </a:endParaRPr>
+          </a:p>
+        </p:txBody>
+      </p:sp>
     </p:spTree>
     <p:extLst>
       <p:ext uri="{BB962C8B-B14F-4D97-AF65-F5344CB8AC3E}">
@@ -9641,6 +9597,18 @@
   <p:clrMapOvr>
     <a:masterClrMapping/>
   </p:clrMapOvr>
+  <mc:AlternateContent xmlns:mc="http://schemas.openxmlformats.org/markup-compatibility/2006">
+    <mc:Choice xmlns:p14="http://schemas.microsoft.com/office/powerpoint/2010/main" Requires="p14">
+      <p:transition spd="med" p14:dur="700">
+        <p:fade/>
+      </p:transition>
+    </mc:Choice>
+    <mc:Fallback>
+      <p:transition spd="med">
+        <p:fade/>
+      </p:transition>
+    </mc:Fallback>
+  </mc:AlternateContent>
   <p:timing>
     <p:tnLst>
       <p:par>
@@ -9667,451 +9635,11 @@
                                     <p:cond delay="0"/>
                                   </p:stCondLst>
                                   <p:childTnLst>
-                                    <p:animMotion origin="layout" path="M 2.29167E-6 1.85185E-6 L 2.29167E-6 -1.52871 " pathEditMode="relative" rAng="0" ptsTypes="AA">
+                                    <p:animMotion origin="layout" path="M 0 0 L 0 -0.6301 " pathEditMode="relative" ptsTypes="AA">
                                       <p:cBhvr>
                                         <p:cTn id="6" dur="2000" fill="hold"/>
                                         <p:tgtEl>
                                           <p:spTgt spid="9"/>
-                                        </p:tgtEl>
-                                        <p:attrNameLst>
-                                          <p:attrName>ppt_x</p:attrName>
-                                          <p:attrName>ppt_y</p:attrName>
-                                        </p:attrNameLst>
-                                      </p:cBhvr>
-                                      <p:rCtr x="0" y="-76435"/>
-                                    </p:animMotion>
-                                  </p:childTnLst>
-                                </p:cTn>
-                              </p:par>
-                              <p:par>
-                                <p:cTn id="7" presetID="0" presetClass="path" presetSubtype="0" accel="50000" decel="50000" fill="hold" grpId="0" nodeType="withEffect">
-                                  <p:stCondLst>
-                                    <p:cond delay="0"/>
-                                  </p:stCondLst>
-                                  <p:childTnLst>
-                                    <p:animMotion origin="layout" path="M 2.29167E-6 2.59259E-6 L 2.29167E-6 -1.52871 " pathEditMode="relative" rAng="0" ptsTypes="AA">
-                                      <p:cBhvr>
-                                        <p:cTn id="8" dur="2000" fill="hold"/>
-                                        <p:tgtEl>
-                                          <p:spTgt spid="11"/>
-                                        </p:tgtEl>
-                                        <p:attrNameLst>
-                                          <p:attrName>ppt_x</p:attrName>
-                                          <p:attrName>ppt_y</p:attrName>
-                                        </p:attrNameLst>
-                                      </p:cBhvr>
-                                      <p:rCtr x="0" y="-76435"/>
-                                    </p:animMotion>
-                                  </p:childTnLst>
-                                </p:cTn>
-                              </p:par>
-                              <p:par>
-                                <p:cTn id="9" presetID="0" presetClass="path" presetSubtype="0" accel="50000" decel="50000" fill="hold" grpId="0" nodeType="withEffect">
-                                  <p:stCondLst>
-                                    <p:cond delay="0"/>
-                                  </p:stCondLst>
-                                  <p:childTnLst>
-                                    <p:animMotion origin="layout" path="M 2.29167E-6 -7.40741E-7 L 2.29167E-6 -1.5287 " pathEditMode="relative" rAng="0" ptsTypes="AA">
-                                      <p:cBhvr>
-                                        <p:cTn id="10" dur="2000" fill="hold"/>
-                                        <p:tgtEl>
-                                          <p:spTgt spid="12"/>
-                                        </p:tgtEl>
-                                        <p:attrNameLst>
-                                          <p:attrName>ppt_x</p:attrName>
-                                          <p:attrName>ppt_y</p:attrName>
-                                        </p:attrNameLst>
-                                      </p:cBhvr>
-                                      <p:rCtr x="0" y="-76435"/>
-                                    </p:animMotion>
-                                  </p:childTnLst>
-                                </p:cTn>
-                              </p:par>
-                              <p:par>
-                                <p:cTn id="11" presetID="0" presetClass="path" presetSubtype="0" accel="50000" decel="50000" fill="hold" grpId="0" nodeType="withEffect">
-                                  <p:stCondLst>
-                                    <p:cond delay="0"/>
-                                  </p:stCondLst>
-                                  <p:childTnLst>
-                                    <p:animMotion origin="layout" path="M 2.29167E-6 0 L 2.29167E-6 -1.5287 " pathEditMode="relative" rAng="0" ptsTypes="AA">
-                                      <p:cBhvr>
-                                        <p:cTn id="12" dur="2000" fill="hold"/>
-                                        <p:tgtEl>
-                                          <p:spTgt spid="13"/>
-                                        </p:tgtEl>
-                                        <p:attrNameLst>
-                                          <p:attrName>ppt_x</p:attrName>
-                                          <p:attrName>ppt_y</p:attrName>
-                                        </p:attrNameLst>
-                                      </p:cBhvr>
-                                      <p:rCtr x="0" y="-76435"/>
-                                    </p:animMotion>
-                                  </p:childTnLst>
-                                </p:cTn>
-                              </p:par>
-                              <p:par>
-                                <p:cTn id="13" presetID="0" presetClass="path" presetSubtype="0" accel="50000" decel="50000" fill="hold" grpId="0" nodeType="withEffect">
-                                  <p:stCondLst>
-                                    <p:cond delay="0"/>
-                                  </p:stCondLst>
-                                  <p:childTnLst>
-                                    <p:animMotion origin="layout" path="M 2.29167E-6 0 L 2.29167E-6 -1.5287 " pathEditMode="relative" rAng="0" ptsTypes="AA">
-                                      <p:cBhvr>
-                                        <p:cTn id="14" dur="2000" fill="hold"/>
-                                        <p:tgtEl>
-                                          <p:spTgt spid="14"/>
-                                        </p:tgtEl>
-                                        <p:attrNameLst>
-                                          <p:attrName>ppt_x</p:attrName>
-                                          <p:attrName>ppt_y</p:attrName>
-                                        </p:attrNameLst>
-                                      </p:cBhvr>
-                                      <p:rCtr x="0" y="-76435"/>
-                                    </p:animMotion>
-                                  </p:childTnLst>
-                                </p:cTn>
-                              </p:par>
-                              <p:par>
-                                <p:cTn id="15" presetID="0" presetClass="path" presetSubtype="0" accel="50000" decel="50000" fill="hold" grpId="0" nodeType="withEffect">
-                                  <p:stCondLst>
-                                    <p:cond delay="0"/>
-                                  </p:stCondLst>
-                                  <p:childTnLst>
-                                    <p:animMotion origin="layout" path="M 2.29167E-6 -7.40741E-7 L 2.29167E-6 -1.5287 " pathEditMode="relative" rAng="0" ptsTypes="AA">
-                                      <p:cBhvr>
-                                        <p:cTn id="16" dur="2000" fill="hold"/>
-                                        <p:tgtEl>
-                                          <p:spTgt spid="15"/>
-                                        </p:tgtEl>
-                                        <p:attrNameLst>
-                                          <p:attrName>ppt_x</p:attrName>
-                                          <p:attrName>ppt_y</p:attrName>
-                                        </p:attrNameLst>
-                                      </p:cBhvr>
-                                      <p:rCtr x="0" y="-76435"/>
-                                    </p:animMotion>
-                                  </p:childTnLst>
-                                </p:cTn>
-                              </p:par>
-                              <p:par>
-                                <p:cTn id="17" presetID="0" presetClass="path" presetSubtype="0" accel="50000" decel="50000" fill="hold" grpId="0" nodeType="withEffect">
-                                  <p:stCondLst>
-                                    <p:cond delay="0"/>
-                                  </p:stCondLst>
-                                  <p:childTnLst>
-                                    <p:animMotion origin="layout" path="M 2.29167E-6 -2.59259E-6 L 2.29167E-6 -1.5287 " pathEditMode="relative" rAng="0" ptsTypes="AA">
-                                      <p:cBhvr>
-                                        <p:cTn id="18" dur="2000" fill="hold"/>
-                                        <p:tgtEl>
-                                          <p:spTgt spid="16"/>
-                                        </p:tgtEl>
-                                        <p:attrNameLst>
-                                          <p:attrName>ppt_x</p:attrName>
-                                          <p:attrName>ppt_y</p:attrName>
-                                        </p:attrNameLst>
-                                      </p:cBhvr>
-                                      <p:rCtr x="0" y="-76435"/>
-                                    </p:animMotion>
-                                  </p:childTnLst>
-                                </p:cTn>
-                              </p:par>
-                              <p:par>
-                                <p:cTn id="19" presetID="0" presetClass="path" presetSubtype="0" accel="50000" decel="50000" fill="hold" grpId="0" nodeType="withEffect">
-                                  <p:stCondLst>
-                                    <p:cond delay="0"/>
-                                  </p:stCondLst>
-                                  <p:childTnLst>
-                                    <p:animMotion origin="layout" path="M 2.29167E-6 -3.33333E-6 L 2.29167E-6 -1.5287 " pathEditMode="relative" rAng="0" ptsTypes="AA">
-                                      <p:cBhvr>
-                                        <p:cTn id="20" dur="2000" fill="hold"/>
-                                        <p:tgtEl>
-                                          <p:spTgt spid="18"/>
-                                        </p:tgtEl>
-                                        <p:attrNameLst>
-                                          <p:attrName>ppt_x</p:attrName>
-                                          <p:attrName>ppt_y</p:attrName>
-                                        </p:attrNameLst>
-                                      </p:cBhvr>
-                                      <p:rCtr x="0" y="-76435"/>
-                                    </p:animMotion>
-                                  </p:childTnLst>
-                                </p:cTn>
-                              </p:par>
-                              <p:par>
-                                <p:cTn id="21" presetID="0" presetClass="path" presetSubtype="0" accel="50000" decel="50000" fill="hold" grpId="0" nodeType="withEffect">
-                                  <p:stCondLst>
-                                    <p:cond delay="0"/>
-                                  </p:stCondLst>
-                                  <p:childTnLst>
-                                    <p:animMotion origin="layout" path="M 2.29167E-6 7.40741E-7 L 2.29167E-6 -1.5287 " pathEditMode="relative" rAng="0" ptsTypes="AA">
-                                      <p:cBhvr>
-                                        <p:cTn id="22" dur="2000" fill="hold"/>
-                                        <p:tgtEl>
-                                          <p:spTgt spid="47"/>
-                                        </p:tgtEl>
-                                        <p:attrNameLst>
-                                          <p:attrName>ppt_x</p:attrName>
-                                          <p:attrName>ppt_y</p:attrName>
-                                        </p:attrNameLst>
-                                      </p:cBhvr>
-                                      <p:rCtr x="0" y="-76435"/>
-                                    </p:animMotion>
-                                  </p:childTnLst>
-                                </p:cTn>
-                              </p:par>
-                              <p:par>
-                                <p:cTn id="23" presetID="0" presetClass="path" presetSubtype="0" accel="50000" decel="50000" fill="hold" grpId="0" nodeType="withEffect">
-                                  <p:stCondLst>
-                                    <p:cond delay="0"/>
-                                  </p:stCondLst>
-                                  <p:childTnLst>
-                                    <p:animMotion origin="layout" path="M 2.29167E-6 1.48148E-6 L 2.29167E-6 -1.52871 " pathEditMode="relative" rAng="0" ptsTypes="AA">
-                                      <p:cBhvr>
-                                        <p:cTn id="24" dur="2000" fill="hold"/>
-                                        <p:tgtEl>
-                                          <p:spTgt spid="48"/>
-                                        </p:tgtEl>
-                                        <p:attrNameLst>
-                                          <p:attrName>ppt_x</p:attrName>
-                                          <p:attrName>ppt_y</p:attrName>
-                                        </p:attrNameLst>
-                                      </p:cBhvr>
-                                      <p:rCtr x="0" y="-76435"/>
-                                    </p:animMotion>
-                                  </p:childTnLst>
-                                </p:cTn>
-                              </p:par>
-                              <p:par>
-                                <p:cTn id="25" presetID="0" presetClass="path" presetSubtype="0" accel="50000" decel="50000" fill="hold" grpId="0" nodeType="withEffect">
-                                  <p:stCondLst>
-                                    <p:cond delay="0"/>
-                                  </p:stCondLst>
-                                  <p:childTnLst>
-                                    <p:animMotion origin="layout" path="M 2.29167E-6 -1.85185E-6 L 2.29167E-6 -1.5287 " pathEditMode="relative" rAng="0" ptsTypes="AA">
-                                      <p:cBhvr>
-                                        <p:cTn id="26" dur="2000" fill="hold"/>
-                                        <p:tgtEl>
-                                          <p:spTgt spid="49"/>
-                                        </p:tgtEl>
-                                        <p:attrNameLst>
-                                          <p:attrName>ppt_x</p:attrName>
-                                          <p:attrName>ppt_y</p:attrName>
-                                        </p:attrNameLst>
-                                      </p:cBhvr>
-                                      <p:rCtr x="0" y="-76435"/>
-                                    </p:animMotion>
-                                  </p:childTnLst>
-                                </p:cTn>
-                              </p:par>
-                              <p:par>
-                                <p:cTn id="27" presetID="0" presetClass="path" presetSubtype="0" accel="50000" decel="50000" fill="hold" grpId="0" nodeType="withEffect">
-                                  <p:stCondLst>
-                                    <p:cond delay="0"/>
-                                  </p:stCondLst>
-                                  <p:childTnLst>
-                                    <p:animMotion origin="layout" path="M 2.29167E-6 -1.11111E-6 L 2.29167E-6 -1.5287 " pathEditMode="relative" rAng="0" ptsTypes="AA">
-                                      <p:cBhvr>
-                                        <p:cTn id="28" dur="2000" fill="hold"/>
-                                        <p:tgtEl>
-                                          <p:spTgt spid="50"/>
-                                        </p:tgtEl>
-                                        <p:attrNameLst>
-                                          <p:attrName>ppt_x</p:attrName>
-                                          <p:attrName>ppt_y</p:attrName>
-                                        </p:attrNameLst>
-                                      </p:cBhvr>
-                                      <p:rCtr x="0" y="-76435"/>
-                                    </p:animMotion>
-                                  </p:childTnLst>
-                                </p:cTn>
-                              </p:par>
-                              <p:par>
-                                <p:cTn id="29" presetID="0" presetClass="path" presetSubtype="0" accel="50000" decel="50000" fill="hold" grpId="0" nodeType="withEffect">
-                                  <p:stCondLst>
-                                    <p:cond delay="0"/>
-                                  </p:stCondLst>
-                                  <p:childTnLst>
-                                    <p:animMotion origin="layout" path="M 2.29167E-6 -1.11111E-6 L 2.29167E-6 -1.5287 " pathEditMode="relative" rAng="0" ptsTypes="AA">
-                                      <p:cBhvr>
-                                        <p:cTn id="30" dur="2000" fill="hold"/>
-                                        <p:tgtEl>
-                                          <p:spTgt spid="51"/>
-                                        </p:tgtEl>
-                                        <p:attrNameLst>
-                                          <p:attrName>ppt_x</p:attrName>
-                                          <p:attrName>ppt_y</p:attrName>
-                                        </p:attrNameLst>
-                                      </p:cBhvr>
-                                      <p:rCtr x="0" y="-76435"/>
-                                    </p:animMotion>
-                                  </p:childTnLst>
-                                </p:cTn>
-                              </p:par>
-                              <p:par>
-                                <p:cTn id="31" presetID="0" presetClass="path" presetSubtype="0" accel="50000" decel="50000" fill="hold" grpId="0" nodeType="withEffect">
-                                  <p:stCondLst>
-                                    <p:cond delay="0"/>
-                                  </p:stCondLst>
-                                  <p:childTnLst>
-                                    <p:animMotion origin="layout" path="M 2.29167E-6 -1.85185E-6 L 2.29167E-6 -1.5287 " pathEditMode="relative" rAng="0" ptsTypes="AA">
-                                      <p:cBhvr>
-                                        <p:cTn id="32" dur="2000" fill="hold"/>
-                                        <p:tgtEl>
-                                          <p:spTgt spid="52"/>
-                                        </p:tgtEl>
-                                        <p:attrNameLst>
-                                          <p:attrName>ppt_x</p:attrName>
-                                          <p:attrName>ppt_y</p:attrName>
-                                        </p:attrNameLst>
-                                      </p:cBhvr>
-                                      <p:rCtr x="0" y="-76435"/>
-                                    </p:animMotion>
-                                  </p:childTnLst>
-                                </p:cTn>
-                              </p:par>
-                              <p:par>
-                                <p:cTn id="33" presetID="0" presetClass="path" presetSubtype="0" accel="50000" decel="50000" fill="hold" grpId="0" nodeType="withEffect">
-                                  <p:stCondLst>
-                                    <p:cond delay="0"/>
-                                  </p:stCondLst>
-                                  <p:childTnLst>
-                                    <p:animMotion origin="layout" path="M 2.29167E-6 -3.7037E-6 L 2.29167E-6 -1.5287 " pathEditMode="relative" rAng="0" ptsTypes="AA">
-                                      <p:cBhvr>
-                                        <p:cTn id="34" dur="2000" fill="hold"/>
-                                        <p:tgtEl>
-                                          <p:spTgt spid="53"/>
-                                        </p:tgtEl>
-                                        <p:attrNameLst>
-                                          <p:attrName>ppt_x</p:attrName>
-                                          <p:attrName>ppt_y</p:attrName>
-                                        </p:attrNameLst>
-                                      </p:cBhvr>
-                                      <p:rCtr x="0" y="-76435"/>
-                                    </p:animMotion>
-                                  </p:childTnLst>
-                                </p:cTn>
-                              </p:par>
-                              <p:par>
-                                <p:cTn id="35" presetID="0" presetClass="path" presetSubtype="0" accel="50000" decel="50000" fill="hold" grpId="0" nodeType="withEffect">
-                                  <p:stCondLst>
-                                    <p:cond delay="0"/>
-                                  </p:stCondLst>
-                                  <p:childTnLst>
-                                    <p:animMotion origin="layout" path="M 2.29167E-6 -4.44444E-6 L 2.29167E-6 -1.5287 " pathEditMode="relative" rAng="0" ptsTypes="AA">
-                                      <p:cBhvr>
-                                        <p:cTn id="36" dur="2000" fill="hold"/>
-                                        <p:tgtEl>
-                                          <p:spTgt spid="54"/>
-                                        </p:tgtEl>
-                                        <p:attrNameLst>
-                                          <p:attrName>ppt_x</p:attrName>
-                                          <p:attrName>ppt_y</p:attrName>
-                                        </p:attrNameLst>
-                                      </p:cBhvr>
-                                      <p:rCtr x="0" y="-76435"/>
-                                    </p:animMotion>
-                                  </p:childTnLst>
-                                </p:cTn>
-                              </p:par>
-                              <p:par>
-                                <p:cTn id="37" presetID="0" presetClass="path" presetSubtype="0" accel="50000" decel="50000" fill="hold" grpId="0" nodeType="withEffect">
-                                  <p:stCondLst>
-                                    <p:cond delay="0"/>
-                                  </p:stCondLst>
-                                  <p:childTnLst>
-                                    <p:animMotion origin="layout" path="M 2.29167E-6 -4.44444E-6 L 2.29167E-6 -1.5287 " pathEditMode="relative" rAng="0" ptsTypes="AA">
-                                      <p:cBhvr>
-                                        <p:cTn id="38" dur="2000" fill="hold"/>
-                                        <p:tgtEl>
-                                          <p:spTgt spid="55"/>
-                                        </p:tgtEl>
-                                        <p:attrNameLst>
-                                          <p:attrName>ppt_x</p:attrName>
-                                          <p:attrName>ppt_y</p:attrName>
-                                        </p:attrNameLst>
-                                      </p:cBhvr>
-                                      <p:rCtr x="0" y="-76435"/>
-                                    </p:animMotion>
-                                  </p:childTnLst>
-                                </p:cTn>
-                              </p:par>
-                              <p:par>
-                                <p:cTn id="39" presetID="0" presetClass="path" presetSubtype="0" accel="50000" decel="50000" fill="hold" grpId="0" nodeType="withEffect">
-                                  <p:stCondLst>
-                                    <p:cond delay="0"/>
-                                  </p:stCondLst>
-                                  <p:childTnLst>
-                                    <p:animMotion origin="layout" path="M 2.29167E-6 4.81481E-6 L 2.29167E-6 -1.52871 " pathEditMode="relative" rAng="0" ptsTypes="AA">
-                                      <p:cBhvr>
-                                        <p:cTn id="40" dur="2000" fill="hold"/>
-                                        <p:tgtEl>
-                                          <p:spTgt spid="56"/>
-                                        </p:tgtEl>
-                                        <p:attrNameLst>
-                                          <p:attrName>ppt_x</p:attrName>
-                                          <p:attrName>ppt_y</p:attrName>
-                                        </p:attrNameLst>
-                                      </p:cBhvr>
-                                      <p:rCtr x="0" y="-76435"/>
-                                    </p:animMotion>
-                                  </p:childTnLst>
-                                </p:cTn>
-                              </p:par>
-                              <p:par>
-                                <p:cTn id="41" presetID="0" presetClass="path" presetSubtype="0" accel="50000" decel="50000" fill="hold" grpId="0" nodeType="withEffect">
-                                  <p:stCondLst>
-                                    <p:cond delay="0"/>
-                                  </p:stCondLst>
-                                  <p:childTnLst>
-                                    <p:animMotion origin="layout" path="M 2.29167E-6 2.96296E-6 L 2.29167E-6 -1.52871 " pathEditMode="relative" rAng="0" ptsTypes="AA">
-                                      <p:cBhvr>
-                                        <p:cTn id="42" dur="2000" fill="hold"/>
-                                        <p:tgtEl>
-                                          <p:spTgt spid="57"/>
-                                        </p:tgtEl>
-                                        <p:attrNameLst>
-                                          <p:attrName>ppt_x</p:attrName>
-                                          <p:attrName>ppt_y</p:attrName>
-                                        </p:attrNameLst>
-                                      </p:cBhvr>
-                                      <p:rCtr x="0" y="-76435"/>
-                                    </p:animMotion>
-                                  </p:childTnLst>
-                                </p:cTn>
-                              </p:par>
-                              <p:par>
-                                <p:cTn id="43" presetID="0" presetClass="path" presetSubtype="0" accel="50000" decel="50000" fill="hold" grpId="0" nodeType="withEffect">
-                                  <p:stCondLst>
-                                    <p:cond delay="0"/>
-                                  </p:stCondLst>
-                                  <p:childTnLst>
-                                    <p:animMotion origin="layout" path="M 2.29167E-6 2.22222E-6 L 2.29167E-6 -1.52871 " pathEditMode="relative" rAng="0" ptsTypes="AA">
-                                      <p:cBhvr>
-                                        <p:cTn id="44" dur="2000" fill="hold"/>
-                                        <p:tgtEl>
-                                          <p:spTgt spid="58"/>
-                                        </p:tgtEl>
-                                        <p:attrNameLst>
-                                          <p:attrName>ppt_x</p:attrName>
-                                          <p:attrName>ppt_y</p:attrName>
-                                        </p:attrNameLst>
-                                      </p:cBhvr>
-                                      <p:rCtr x="0" y="-76435"/>
-                                    </p:animMotion>
-                                  </p:childTnLst>
-                                </p:cTn>
-                              </p:par>
-                              <p:par>
-                                <p:cTn id="45" presetID="0" presetClass="path" presetSubtype="0" accel="50000" decel="50000" fill="hold" grpId="0" nodeType="withEffect">
-                                  <p:stCondLst>
-                                    <p:cond delay="0"/>
-                                  </p:stCondLst>
-                                  <p:childTnLst>
-                                    <p:animMotion origin="layout" path="M 0 0 L 0 -1.5287 " pathEditMode="relative" ptsTypes="AA">
-                                      <p:cBhvr>
-                                        <p:cTn id="46" dur="2000" fill="hold"/>
-                                        <p:tgtEl>
-                                          <p:spTgt spid="59"/>
                                         </p:tgtEl>
                                         <p:attrNameLst>
                                           <p:attrName>ppt_x</p:attrName>
@@ -10123,16 +9651,16 @@
                                 </p:cTn>
                               </p:par>
                               <p:par>
-                                <p:cTn id="47" presetID="0" presetClass="path" presetSubtype="0" accel="50000" decel="50000" fill="hold" grpId="0" nodeType="withEffect">
+                                <p:cTn id="7" presetID="0" presetClass="path" presetSubtype="0" accel="50000" decel="50000" fill="hold" grpId="0" nodeType="withEffect">
                                   <p:stCondLst>
                                     <p:cond delay="0"/>
                                   </p:stCondLst>
                                   <p:childTnLst>
-                                    <p:animMotion origin="layout" path="M 0 0 L 0 -1.5287 " pathEditMode="relative" ptsTypes="AA">
+                                    <p:animMotion origin="layout" path="M 0 0 L 0 -0.6301 " pathEditMode="relative" ptsTypes="AA">
                                       <p:cBhvr>
-                                        <p:cTn id="48" dur="2000" fill="hold"/>
+                                        <p:cTn id="8" dur="2000" fill="hold"/>
                                         <p:tgtEl>
-                                          <p:spTgt spid="60"/>
+                                          <p:spTgt spid="11"/>
                                         </p:tgtEl>
                                         <p:attrNameLst>
                                           <p:attrName>ppt_x</p:attrName>
@@ -10144,16 +9672,16 @@
                                 </p:cTn>
                               </p:par>
                               <p:par>
-                                <p:cTn id="49" presetID="0" presetClass="path" presetSubtype="0" accel="50000" decel="50000" fill="hold" grpId="0" nodeType="withEffect">
+                                <p:cTn id="9" presetID="0" presetClass="path" presetSubtype="0" accel="50000" decel="50000" fill="hold" grpId="0" nodeType="withEffect">
                                   <p:stCondLst>
                                     <p:cond delay="0"/>
                                   </p:stCondLst>
                                   <p:childTnLst>
-                                    <p:animMotion origin="layout" path="M 0 0 L 0 -1.5287 " pathEditMode="relative" ptsTypes="AA">
+                                    <p:animMotion origin="layout" path="M 0 0 L 0 -0.6301 " pathEditMode="relative" ptsTypes="AA">
                                       <p:cBhvr>
-                                        <p:cTn id="50" dur="2000" fill="hold"/>
+                                        <p:cTn id="10" dur="2000" fill="hold"/>
                                         <p:tgtEl>
-                                          <p:spTgt spid="61"/>
+                                          <p:spTgt spid="12"/>
                                         </p:tgtEl>
                                         <p:attrNameLst>
                                           <p:attrName>ppt_x</p:attrName>
@@ -10165,16 +9693,16 @@
                                 </p:cTn>
                               </p:par>
                               <p:par>
-                                <p:cTn id="51" presetID="0" presetClass="path" presetSubtype="0" accel="50000" decel="50000" fill="hold" grpId="0" nodeType="withEffect">
+                                <p:cTn id="11" presetID="0" presetClass="path" presetSubtype="0" accel="50000" decel="50000" fill="hold" grpId="0" nodeType="withEffect">
                                   <p:stCondLst>
                                     <p:cond delay="0"/>
                                   </p:stCondLst>
                                   <p:childTnLst>
-                                    <p:animMotion origin="layout" path="M 0 0 L 0 -1.5287 " pathEditMode="relative" ptsTypes="AA">
+                                    <p:animMotion origin="layout" path="M 0 0 L 0 -0.6301 " pathEditMode="relative" ptsTypes="AA">
                                       <p:cBhvr>
-                                        <p:cTn id="52" dur="2000" fill="hold"/>
+                                        <p:cTn id="12" dur="2000" fill="hold"/>
                                         <p:tgtEl>
-                                          <p:spTgt spid="62"/>
+                                          <p:spTgt spid="13"/>
                                         </p:tgtEl>
                                         <p:attrNameLst>
                                           <p:attrName>ppt_x</p:attrName>
@@ -10186,16 +9714,16 @@
                                 </p:cTn>
                               </p:par>
                               <p:par>
-                                <p:cTn id="53" presetID="0" presetClass="path" presetSubtype="0" accel="50000" decel="50000" fill="hold" grpId="0" nodeType="withEffect">
+                                <p:cTn id="13" presetID="0" presetClass="path" presetSubtype="0" accel="50000" decel="50000" fill="hold" grpId="0" nodeType="withEffect">
                                   <p:stCondLst>
                                     <p:cond delay="0"/>
                                   </p:stCondLst>
                                   <p:childTnLst>
-                                    <p:animMotion origin="layout" path="M 0 0 L 0 -1.5287 " pathEditMode="relative" ptsTypes="AA">
+                                    <p:animMotion origin="layout" path="M 0 0 L 0 -0.6301 " pathEditMode="relative" ptsTypes="AA">
                                       <p:cBhvr>
-                                        <p:cTn id="54" dur="2000" fill="hold"/>
+                                        <p:cTn id="14" dur="2000" fill="hold"/>
                                         <p:tgtEl>
-                                          <p:spTgt spid="64"/>
+                                          <p:spTgt spid="14"/>
                                         </p:tgtEl>
                                         <p:attrNameLst>
                                           <p:attrName>ppt_x</p:attrName>
@@ -10207,16 +9735,16 @@
                                 </p:cTn>
                               </p:par>
                               <p:par>
-                                <p:cTn id="55" presetID="0" presetClass="path" presetSubtype="0" accel="50000" decel="50000" fill="hold" grpId="0" nodeType="withEffect">
+                                <p:cTn id="15" presetID="0" presetClass="path" presetSubtype="0" accel="50000" decel="50000" fill="hold" grpId="0" nodeType="withEffect">
                                   <p:stCondLst>
                                     <p:cond delay="0"/>
                                   </p:stCondLst>
                                   <p:childTnLst>
-                                    <p:animMotion origin="layout" path="M 0 0 L 0 -1.5287 " pathEditMode="relative" ptsTypes="AA">
+                                    <p:animMotion origin="layout" path="M 0 0 L 0 -0.6301 " pathEditMode="relative" ptsTypes="AA">
                                       <p:cBhvr>
-                                        <p:cTn id="56" dur="2000" fill="hold"/>
+                                        <p:cTn id="16" dur="2000" fill="hold"/>
                                         <p:tgtEl>
-                                          <p:spTgt spid="65"/>
+                                          <p:spTgt spid="15"/>
                                         </p:tgtEl>
                                         <p:attrNameLst>
                                           <p:attrName>ppt_x</p:attrName>
@@ -10228,16 +9756,16 @@
                                 </p:cTn>
                               </p:par>
                               <p:par>
-                                <p:cTn id="57" presetID="0" presetClass="path" presetSubtype="0" accel="50000" decel="50000" fill="hold" grpId="0" nodeType="withEffect">
+                                <p:cTn id="17" presetID="0" presetClass="path" presetSubtype="0" accel="50000" decel="50000" fill="hold" grpId="0" nodeType="withEffect">
                                   <p:stCondLst>
                                     <p:cond delay="0"/>
                                   </p:stCondLst>
                                   <p:childTnLst>
-                                    <p:animMotion origin="layout" path="M 0 0 L 0 -1.5287 " pathEditMode="relative" ptsTypes="AA">
+                                    <p:animMotion origin="layout" path="M 0 0 L 0 -0.6301 " pathEditMode="relative" ptsTypes="AA">
                                       <p:cBhvr>
-                                        <p:cTn id="58" dur="2000" fill="hold"/>
+                                        <p:cTn id="18" dur="2000" fill="hold"/>
                                         <p:tgtEl>
-                                          <p:spTgt spid="67"/>
+                                          <p:spTgt spid="16"/>
                                         </p:tgtEl>
                                         <p:attrNameLst>
                                           <p:attrName>ppt_x</p:attrName>
@@ -10249,38 +9777,16 @@
                                 </p:cTn>
                               </p:par>
                               <p:par>
-                                <p:cTn id="59" presetID="0" presetClass="path" presetSubtype="0" accel="50000" decel="50000" fill="hold" grpId="0" nodeType="withEffect">
+                                <p:cTn id="19" presetID="0" presetClass="path" presetSubtype="0" accel="50000" decel="50000" fill="hold" grpId="0" nodeType="withEffect">
                                   <p:stCondLst>
                                     <p:cond delay="0"/>
                                   </p:stCondLst>
                                   <p:childTnLst>
-                                    <p:animMotion origin="layout" path="M 2.29167E-6 -2.96296E-6 L 2.29167E-6 -1.5287 " pathEditMode="relative" rAng="0" ptsTypes="AA">
+                                    <p:animMotion origin="layout" path="M 0 0 L 0 -0.6301 " pathEditMode="relative" ptsTypes="AA">
                                       <p:cBhvr>
-                                        <p:cTn id="60" dur="2000" fill="hold"/>
+                                        <p:cTn id="20" dur="2000" fill="hold"/>
                                         <p:tgtEl>
-                                          <p:spTgt spid="66"/>
-                                        </p:tgtEl>
-                                        <p:attrNameLst>
-                                          <p:attrName>ppt_x</p:attrName>
-                                          <p:attrName>ppt_y</p:attrName>
-                                        </p:attrNameLst>
-                                      </p:cBhvr>
-                                      <p:rCtr x="0" y="-76435"/>
-                                    </p:animMotion>
-                                  </p:childTnLst>
-                                </p:cTn>
-                              </p:par>
-                              <p:par>
-                                <p:cTn id="61" presetID="0" presetClass="path" presetSubtype="0" accel="50000" decel="50000" fill="hold" grpId="0" nodeType="withEffect">
-                                  <p:stCondLst>
-                                    <p:cond delay="0"/>
-                                  </p:stCondLst>
-                                  <p:childTnLst>
-                                    <p:animMotion origin="layout" path="M 0 0 L 0 -1.5287 " pathEditMode="relative" ptsTypes="AA">
-                                      <p:cBhvr>
-                                        <p:cTn id="62" dur="2000" fill="hold"/>
-                                        <p:tgtEl>
-                                          <p:spTgt spid="68"/>
+                                          <p:spTgt spid="18"/>
                                         </p:tgtEl>
                                         <p:attrNameLst>
                                           <p:attrName>ppt_x</p:attrName>
@@ -10292,16 +9798,16 @@
                                 </p:cTn>
                               </p:par>
                               <p:par>
-                                <p:cTn id="63" presetID="0" presetClass="path" presetSubtype="0" accel="50000" decel="50000" fill="hold" grpId="0" nodeType="withEffect">
+                                <p:cTn id="21" presetID="0" presetClass="path" presetSubtype="0" accel="50000" decel="50000" fill="hold" grpId="0" nodeType="withEffect">
                                   <p:stCondLst>
                                     <p:cond delay="0"/>
                                   </p:stCondLst>
                                   <p:childTnLst>
-                                    <p:animMotion origin="layout" path="M 0 0 L 0 -1.5287 " pathEditMode="relative" ptsTypes="AA">
+                                    <p:animMotion origin="layout" path="M 0 0 L 0 -0.6301 " pathEditMode="relative" ptsTypes="AA">
                                       <p:cBhvr>
-                                        <p:cTn id="64" dur="2000" fill="hold"/>
+                                        <p:cTn id="22" dur="2000" fill="hold"/>
                                         <p:tgtEl>
-                                          <p:spTgt spid="69"/>
+                                          <p:spTgt spid="47"/>
                                         </p:tgtEl>
                                         <p:attrNameLst>
                                           <p:attrName>ppt_x</p:attrName>
@@ -10313,16 +9819,16 @@
                                 </p:cTn>
                               </p:par>
                               <p:par>
-                                <p:cTn id="65" presetID="0" presetClass="path" presetSubtype="0" accel="50000" decel="50000" fill="hold" grpId="0" nodeType="withEffect">
+                                <p:cTn id="23" presetID="0" presetClass="path" presetSubtype="0" accel="50000" decel="50000" fill="hold" grpId="0" nodeType="withEffect">
                                   <p:stCondLst>
                                     <p:cond delay="0"/>
                                   </p:stCondLst>
                                   <p:childTnLst>
-                                    <p:animMotion origin="layout" path="M 0 0 L 0 -1.5287 " pathEditMode="relative" ptsTypes="AA">
+                                    <p:animMotion origin="layout" path="M 0 0 L 0 -0.6301 " pathEditMode="relative" ptsTypes="AA">
                                       <p:cBhvr>
-                                        <p:cTn id="66" dur="2000" fill="hold"/>
+                                        <p:cTn id="24" dur="2000" fill="hold"/>
                                         <p:tgtEl>
-                                          <p:spTgt spid="70"/>
+                                          <p:spTgt spid="48"/>
                                         </p:tgtEl>
                                         <p:attrNameLst>
                                           <p:attrName>ppt_x</p:attrName>
@@ -10334,16 +9840,16 @@
                                 </p:cTn>
                               </p:par>
                               <p:par>
-                                <p:cTn id="67" presetID="0" presetClass="path" presetSubtype="0" accel="50000" decel="50000" fill="hold" grpId="0" nodeType="withEffect">
+                                <p:cTn id="25" presetID="0" presetClass="path" presetSubtype="0" accel="50000" decel="50000" fill="hold" grpId="0" nodeType="withEffect">
                                   <p:stCondLst>
                                     <p:cond delay="0"/>
                                   </p:stCondLst>
                                   <p:childTnLst>
-                                    <p:animMotion origin="layout" path="M 0 0 L 0 -1.5287 " pathEditMode="relative" ptsTypes="AA">
+                                    <p:animMotion origin="layout" path="M 0 0 L 0 -0.6301 " pathEditMode="relative" ptsTypes="AA">
                                       <p:cBhvr>
-                                        <p:cTn id="68" dur="2000" fill="hold"/>
+                                        <p:cTn id="26" dur="2000" fill="hold"/>
                                         <p:tgtEl>
-                                          <p:spTgt spid="71"/>
+                                          <p:spTgt spid="49"/>
                                         </p:tgtEl>
                                         <p:attrNameLst>
                                           <p:attrName>ppt_x</p:attrName>
@@ -10355,16 +9861,16 @@
                                 </p:cTn>
                               </p:par>
                               <p:par>
-                                <p:cTn id="69" presetID="0" presetClass="path" presetSubtype="0" accel="50000" decel="50000" fill="hold" grpId="0" nodeType="withEffect">
+                                <p:cTn id="27" presetID="0" presetClass="path" presetSubtype="0" accel="50000" decel="50000" fill="hold" grpId="0" nodeType="withEffect">
                                   <p:stCondLst>
                                     <p:cond delay="0"/>
                                   </p:stCondLst>
                                   <p:childTnLst>
-                                    <p:animMotion origin="layout" path="M 0 0 L 0 -1.5287 " pathEditMode="relative" ptsTypes="AA">
+                                    <p:animMotion origin="layout" path="M 0 0 L 0 -0.6301 " pathEditMode="relative" ptsTypes="AA">
                                       <p:cBhvr>
-                                        <p:cTn id="70" dur="2000" fill="hold"/>
+                                        <p:cTn id="28" dur="2000" fill="hold"/>
                                         <p:tgtEl>
-                                          <p:spTgt spid="72"/>
+                                          <p:spTgt spid="50"/>
                                         </p:tgtEl>
                                         <p:attrNameLst>
                                           <p:attrName>ppt_x</p:attrName>
@@ -10376,16 +9882,16 @@
                                 </p:cTn>
                               </p:par>
                               <p:par>
-                                <p:cTn id="71" presetID="0" presetClass="path" presetSubtype="0" accel="50000" decel="50000" fill="hold" grpId="0" nodeType="withEffect">
+                                <p:cTn id="29" presetID="0" presetClass="path" presetSubtype="0" accel="50000" decel="50000" fill="hold" grpId="0" nodeType="withEffect">
                                   <p:stCondLst>
                                     <p:cond delay="0"/>
                                   </p:stCondLst>
                                   <p:childTnLst>
-                                    <p:animMotion origin="layout" path="M 0 0 L 0 -1.5287 " pathEditMode="relative" ptsTypes="AA">
+                                    <p:animMotion origin="layout" path="M 0 0 L 0 -0.6301 " pathEditMode="relative" ptsTypes="AA">
                                       <p:cBhvr>
-                                        <p:cTn id="72" dur="2000" fill="hold"/>
+                                        <p:cTn id="30" dur="2000" fill="hold"/>
                                         <p:tgtEl>
-                                          <p:spTgt spid="73"/>
+                                          <p:spTgt spid="51"/>
                                         </p:tgtEl>
                                         <p:attrNameLst>
                                           <p:attrName>ppt_x</p:attrName>
@@ -10397,16 +9903,16 @@
                                 </p:cTn>
                               </p:par>
                               <p:par>
-                                <p:cTn id="73" presetID="0" presetClass="path" presetSubtype="0" accel="50000" decel="50000" fill="hold" grpId="0" nodeType="withEffect">
+                                <p:cTn id="31" presetID="0" presetClass="path" presetSubtype="0" accel="50000" decel="50000" fill="hold" grpId="0" nodeType="withEffect">
                                   <p:stCondLst>
                                     <p:cond delay="0"/>
                                   </p:stCondLst>
                                   <p:childTnLst>
-                                    <p:animMotion origin="layout" path="M 0 0 L 0 -1.5287 " pathEditMode="relative" ptsTypes="AA">
+                                    <p:animMotion origin="layout" path="M 0 0 L 0 -0.6301 " pathEditMode="relative" ptsTypes="AA">
                                       <p:cBhvr>
-                                        <p:cTn id="74" dur="2000" fill="hold"/>
+                                        <p:cTn id="32" dur="2000" fill="hold"/>
                                         <p:tgtEl>
-                                          <p:spTgt spid="74"/>
+                                          <p:spTgt spid="52"/>
                                         </p:tgtEl>
                                         <p:attrNameLst>
                                           <p:attrName>ppt_x</p:attrName>
@@ -10418,16 +9924,16 @@
                                 </p:cTn>
                               </p:par>
                               <p:par>
-                                <p:cTn id="75" presetID="0" presetClass="path" presetSubtype="0" accel="50000" decel="50000" fill="hold" grpId="0" nodeType="withEffect">
+                                <p:cTn id="33" presetID="0" presetClass="path" presetSubtype="0" accel="50000" decel="50000" fill="hold" grpId="0" nodeType="withEffect">
                                   <p:stCondLst>
                                     <p:cond delay="0"/>
                                   </p:stCondLst>
                                   <p:childTnLst>
-                                    <p:animMotion origin="layout" path="M 0 0 L 0 -1.5287 " pathEditMode="relative" ptsTypes="AA">
+                                    <p:animMotion origin="layout" path="M 0 0 L 0 -0.6301 " pathEditMode="relative" ptsTypes="AA">
                                       <p:cBhvr>
-                                        <p:cTn id="76" dur="2000" fill="hold"/>
+                                        <p:cTn id="34" dur="2000" fill="hold"/>
                                         <p:tgtEl>
-                                          <p:spTgt spid="75"/>
+                                          <p:spTgt spid="53"/>
                                         </p:tgtEl>
                                         <p:attrNameLst>
                                           <p:attrName>ppt_x</p:attrName>
@@ -10435,6 +9941,156 @@
                                         </p:attrNameLst>
                                       </p:cBhvr>
                                     </p:animMotion>
+                                  </p:childTnLst>
+                                </p:cTn>
+                              </p:par>
+                              <p:par>
+                                <p:cTn id="35" presetID="0" presetClass="path" presetSubtype="0" accel="50000" decel="50000" fill="hold" grpId="0" nodeType="withEffect">
+                                  <p:stCondLst>
+                                    <p:cond delay="0"/>
+                                  </p:stCondLst>
+                                  <p:childTnLst>
+                                    <p:animMotion origin="layout" path="M 0 0 L 0 -0.6301 " pathEditMode="relative" ptsTypes="AA">
+                                      <p:cBhvr>
+                                        <p:cTn id="36" dur="2000" fill="hold"/>
+                                        <p:tgtEl>
+                                          <p:spTgt spid="54"/>
+                                        </p:tgtEl>
+                                        <p:attrNameLst>
+                                          <p:attrName>ppt_x</p:attrName>
+                                          <p:attrName>ppt_y</p:attrName>
+                                        </p:attrNameLst>
+                                      </p:cBhvr>
+                                    </p:animMotion>
+                                  </p:childTnLst>
+                                </p:cTn>
+                              </p:par>
+                              <p:par>
+                                <p:cTn id="37" presetID="0" presetClass="path" presetSubtype="0" accel="50000" decel="50000" fill="hold" grpId="0" nodeType="withEffect">
+                                  <p:stCondLst>
+                                    <p:cond delay="0"/>
+                                  </p:stCondLst>
+                                  <p:childTnLst>
+                                    <p:animMotion origin="layout" path="M 0 0 L 0 -0.6301 " pathEditMode="relative" ptsTypes="AA">
+                                      <p:cBhvr>
+                                        <p:cTn id="38" dur="2000" fill="hold"/>
+                                        <p:tgtEl>
+                                          <p:spTgt spid="55"/>
+                                        </p:tgtEl>
+                                        <p:attrNameLst>
+                                          <p:attrName>ppt_x</p:attrName>
+                                          <p:attrName>ppt_y</p:attrName>
+                                        </p:attrNameLst>
+                                      </p:cBhvr>
+                                    </p:animMotion>
+                                  </p:childTnLst>
+                                </p:cTn>
+                              </p:par>
+                              <p:par>
+                                <p:cTn id="39" presetID="0" presetClass="path" presetSubtype="0" accel="50000" decel="50000" fill="hold" grpId="0" nodeType="withEffect">
+                                  <p:stCondLst>
+                                    <p:cond delay="0"/>
+                                  </p:stCondLst>
+                                  <p:childTnLst>
+                                    <p:animMotion origin="layout" path="M 0 0 L 0 -0.6301 " pathEditMode="relative" ptsTypes="AA">
+                                      <p:cBhvr>
+                                        <p:cTn id="40" dur="2000" fill="hold"/>
+                                        <p:tgtEl>
+                                          <p:spTgt spid="56"/>
+                                        </p:tgtEl>
+                                        <p:attrNameLst>
+                                          <p:attrName>ppt_x</p:attrName>
+                                          <p:attrName>ppt_y</p:attrName>
+                                        </p:attrNameLst>
+                                      </p:cBhvr>
+                                    </p:animMotion>
+                                  </p:childTnLst>
+                                </p:cTn>
+                              </p:par>
+                              <p:par>
+                                <p:cTn id="41" presetID="0" presetClass="path" presetSubtype="0" accel="50000" decel="50000" fill="hold" grpId="0" nodeType="withEffect">
+                                  <p:stCondLst>
+                                    <p:cond delay="0"/>
+                                  </p:stCondLst>
+                                  <p:childTnLst>
+                                    <p:animMotion origin="layout" path="M 0 0 L 0 -0.6301 " pathEditMode="relative" ptsTypes="AA">
+                                      <p:cBhvr>
+                                        <p:cTn id="42" dur="2000" fill="hold"/>
+                                        <p:tgtEl>
+                                          <p:spTgt spid="57"/>
+                                        </p:tgtEl>
+                                        <p:attrNameLst>
+                                          <p:attrName>ppt_x</p:attrName>
+                                          <p:attrName>ppt_y</p:attrName>
+                                        </p:attrNameLst>
+                                      </p:cBhvr>
+                                    </p:animMotion>
+                                  </p:childTnLst>
+                                </p:cTn>
+                              </p:par>
+                              <p:par>
+                                <p:cTn id="43" presetID="0" presetClass="path" presetSubtype="0" accel="50000" decel="50000" fill="hold" grpId="0" nodeType="withEffect">
+                                  <p:stCondLst>
+                                    <p:cond delay="0"/>
+                                  </p:stCondLst>
+                                  <p:childTnLst>
+                                    <p:animMotion origin="layout" path="M 0 0 L 0 -0.6301 " pathEditMode="relative" ptsTypes="AA">
+                                      <p:cBhvr>
+                                        <p:cTn id="44" dur="2000" fill="hold"/>
+                                        <p:tgtEl>
+                                          <p:spTgt spid="58"/>
+                                        </p:tgtEl>
+                                        <p:attrNameLst>
+                                          <p:attrName>ppt_x</p:attrName>
+                                          <p:attrName>ppt_y</p:attrName>
+                                        </p:attrNameLst>
+                                      </p:cBhvr>
+                                    </p:animMotion>
+                                  </p:childTnLst>
+                                </p:cTn>
+                              </p:par>
+                            </p:childTnLst>
+                          </p:cTn>
+                        </p:par>
+                      </p:childTnLst>
+                    </p:cTn>
+                  </p:par>
+                  <p:par>
+                    <p:cTn id="45" fill="hold">
+                      <p:stCondLst>
+                        <p:cond delay="indefinite"/>
+                      </p:stCondLst>
+                      <p:childTnLst>
+                        <p:par>
+                          <p:cTn id="46" fill="hold">
+                            <p:stCondLst>
+                              <p:cond delay="0"/>
+                            </p:stCondLst>
+                            <p:childTnLst>
+                              <p:par>
+                                <p:cTn id="47" presetID="1" presetClass="entr" presetSubtype="0" fill="hold" grpId="0" nodeType="clickEffect">
+                                  <p:stCondLst>
+                                    <p:cond delay="0"/>
+                                  </p:stCondLst>
+                                  <p:childTnLst>
+                                    <p:set>
+                                      <p:cBhvr>
+                                        <p:cTn id="48" dur="1" fill="hold">
+                                          <p:stCondLst>
+                                            <p:cond delay="0"/>
+                                          </p:stCondLst>
+                                        </p:cTn>
+                                        <p:tgtEl>
+                                          <p:spTgt spid="10"/>
+                                        </p:tgtEl>
+                                        <p:attrNameLst>
+                                          <p:attrName>style.visibility</p:attrName>
+                                        </p:attrNameLst>
+                                      </p:cBhvr>
+                                      <p:to>
+                                        <p:strVal val="visible"/>
+                                      </p:to>
+                                    </p:set>
                                   </p:childTnLst>
                                 </p:cTn>
                               </p:par>
@@ -10486,22 +10142,7 @@
       <p:bldP spid="56" grpId="0" animBg="1"/>
       <p:bldP spid="57" grpId="0" animBg="1"/>
       <p:bldP spid="58" grpId="0" animBg="1"/>
-      <p:bldP spid="59" grpId="0" animBg="1"/>
-      <p:bldP spid="60" grpId="0" animBg="1"/>
-      <p:bldP spid="61" grpId="0" animBg="1"/>
-      <p:bldP spid="62" grpId="0" animBg="1"/>
-      <p:bldP spid="64" grpId="0" animBg="1"/>
-      <p:bldP spid="65" grpId="0" animBg="1"/>
-      <p:bldP spid="66" grpId="0" animBg="1"/>
-      <p:bldP spid="67" grpId="0" animBg="1"/>
-      <p:bldP spid="68" grpId="0" animBg="1"/>
-      <p:bldP spid="69" grpId="0" animBg="1"/>
-      <p:bldP spid="70" grpId="0" animBg="1"/>
-      <p:bldP spid="71" grpId="0" animBg="1"/>
-      <p:bldP spid="72" grpId="0" animBg="1"/>
-      <p:bldP spid="73" grpId="0" animBg="1"/>
-      <p:bldP spid="74" grpId="0" animBg="1"/>
-      <p:bldP spid="75" grpId="0" animBg="1"/>
+      <p:bldP spid="10" grpId="0" animBg="1"/>
     </p:bldLst>
   </p:timing>
 </p:sld>
@@ -10532,77 +10173,59 @@
           <a:chExt cx="0" cy="0"/>
         </a:xfrm>
       </p:grpSpPr>
-      <p:sp>
-        <p:nvSpPr>
-          <p:cNvPr id="2" name="Title 1">
-            <a:extLst>
-              <a:ext uri="{FF2B5EF4-FFF2-40B4-BE49-F238E27FC236}">
-                <a16:creationId xmlns:a16="http://schemas.microsoft.com/office/drawing/2014/main" id="{9AC69F63-4139-1D51-E3D0-5CDB232D7847}"/>
-              </a:ext>
-            </a:extLst>
-          </p:cNvPr>
-          <p:cNvSpPr>
-            <a:spLocks noGrp="1"/>
-          </p:cNvSpPr>
-          <p:nvPr>
-            <p:ph type="title"/>
-          </p:nvPr>
-        </p:nvSpPr>
-        <p:spPr/>
-        <p:txBody>
-          <a:bodyPr/>
-          <a:lstStyle/>
-          <a:p>
-            <a:pPr algn="ctr"/>
-            <a:r>
-              <a:rPr lang="en-US">
+      <p:pic>
+        <p:nvPicPr>
+          <p:cNvPr id="15" name="Picture 2" descr="Gradient background 벡터 - Freepik에서 무료 고품질 벡터를 다운로드하세요 | Freepik">
+            <a:extLst>
+              <a:ext uri="{FF2B5EF4-FFF2-40B4-BE49-F238E27FC236}">
+                <a16:creationId xmlns:a16="http://schemas.microsoft.com/office/drawing/2014/main" id="{8AF06BD9-F014-0671-1A9F-594C0865E9F0}"/>
+              </a:ext>
+            </a:extLst>
+          </p:cNvPr>
+          <p:cNvPicPr>
+            <a:picLocks noChangeAspect="1" noChangeArrowheads="1"/>
+          </p:cNvPicPr>
+          <p:nvPr/>
+        </p:nvPicPr>
+        <p:blipFill rotWithShape="1">
+          <a:blip r:embed="rId2">
+            <a:extLst>
+              <a:ext uri="{28A0092B-C50C-407E-A947-70E740481C1C}">
+                <a14:useLocalDpi xmlns:a14="http://schemas.microsoft.com/office/drawing/2010/main" val="0"/>
+              </a:ext>
+            </a:extLst>
+          </a:blip>
+          <a:srcRect t="7755" b="7829"/>
+          <a:stretch>
+            <a:fillRect/>
+          </a:stretch>
+        </p:blipFill>
+        <p:spPr bwMode="auto">
+          <a:xfrm>
+            <a:off x="8273" y="5934"/>
+            <a:ext cx="12183727" cy="6852066"/>
+          </a:xfrm>
+          <a:prstGeom prst="rect">
+            <a:avLst/>
+          </a:prstGeom>
+          <a:noFill/>
+          <a:extLst>
+            <a:ext uri="{909E8E84-426E-40DD-AFC4-6F175D3DCCD1}">
+              <a14:hiddenFill xmlns:a14="http://schemas.microsoft.com/office/drawing/2010/main">
                 <a:solidFill>
-                  <a:schemeClr val="bg1"/>
+                  <a:srgbClr val="FFFFFF"/>
                 </a:solidFill>
-                <a:ea typeface="맑은 고딕"/>
-              </a:rPr>
-              <a:t>Solution</a:t>
-            </a:r>
-          </a:p>
-        </p:txBody>
-      </p:sp>
-      <p:graphicFrame>
-        <p:nvGraphicFramePr>
-          <p:cNvPr id="6" name="Content Placeholder 5">
-            <a:extLst>
-              <a:ext uri="{FF2B5EF4-FFF2-40B4-BE49-F238E27FC236}">
-                <a16:creationId xmlns:a16="http://schemas.microsoft.com/office/drawing/2014/main" id="{0BD596F7-A19E-789A-EB09-BF386273BD72}"/>
-              </a:ext>
-            </a:extLst>
-          </p:cNvPr>
-          <p:cNvGraphicFramePr>
-            <a:graphicFrameLocks noGrp="1"/>
-          </p:cNvGraphicFramePr>
-          <p:nvPr>
-            <p:ph idx="1"/>
-            <p:extLst>
-              <p:ext uri="{D42A27DB-BD31-4B8C-83A1-F6EECF244321}">
-                <p14:modId xmlns:p14="http://schemas.microsoft.com/office/powerpoint/2010/main" val="1226480304"/>
-              </p:ext>
-            </p:extLst>
-          </p:nvPr>
-        </p:nvGraphicFramePr>
-        <p:xfrm>
-          <a:off x="6943701" y="4207526"/>
-          <a:ext cx="4401459" cy="2198386"/>
-        </p:xfrm>
-        <a:graphic>
-          <a:graphicData uri="http://schemas.openxmlformats.org/drawingml/2006/diagram">
-            <dgm:relIds xmlns:dgm="http://schemas.openxmlformats.org/drawingml/2006/diagram" xmlns:r="http://schemas.openxmlformats.org/officeDocument/2006/relationships" r:dm="rId2" r:lo="rId3" r:qs="rId4" r:cs="rId5"/>
-          </a:graphicData>
-        </a:graphic>
-      </p:graphicFrame>
-      <p:sp>
-        <p:nvSpPr>
-          <p:cNvPr id="739" name="Rectangle 738">
-            <a:extLst>
-              <a:ext uri="{FF2B5EF4-FFF2-40B4-BE49-F238E27FC236}">
-                <a16:creationId xmlns:a16="http://schemas.microsoft.com/office/drawing/2014/main" id="{AE8C407A-081C-6F14-E91C-27B8D04D007D}"/>
+              </a14:hiddenFill>
+            </a:ext>
+          </a:extLst>
+        </p:spPr>
+      </p:pic>
+      <p:sp>
+        <p:nvSpPr>
+          <p:cNvPr id="9" name="직사각형 8">
+            <a:extLst>
+              <a:ext uri="{FF2B5EF4-FFF2-40B4-BE49-F238E27FC236}">
+                <a16:creationId xmlns:a16="http://schemas.microsoft.com/office/drawing/2014/main" id="{EDC66FD1-656D-9290-4719-BB7CAC0969DF}"/>
               </a:ext>
             </a:extLst>
           </p:cNvPr>
@@ -10611,8 +10234,8 @@
         </p:nvSpPr>
         <p:spPr>
           <a:xfrm>
-            <a:off x="1693332" y="1451428"/>
-            <a:ext cx="9337524" cy="2673046"/>
+            <a:off x="1463817" y="1204542"/>
+            <a:ext cx="9411831" cy="5583839"/>
           </a:xfrm>
           <a:prstGeom prst="rect">
             <a:avLst/>
@@ -10620,6 +10243,18 @@
           <a:solidFill>
             <a:srgbClr val="6C35C5"/>
           </a:solidFill>
+          <a:ln>
+            <a:solidFill>
+              <a:schemeClr val="bg1"/>
+            </a:solidFill>
+          </a:ln>
+          <a:effectLst>
+            <a:outerShdw blurRad="50800" dist="38100" algn="l" rotWithShape="0">
+              <a:prstClr val="black">
+                <a:alpha val="40000"/>
+              </a:prstClr>
+            </a:outerShdw>
+          </a:effectLst>
         </p:spPr>
         <p:style>
           <a:lnRef idx="2">
@@ -10641,175 +10276,358 @@
           <a:bodyPr rtlCol="0" anchor="ctr"/>
           <a:lstStyle/>
           <a:p>
-            <a:r>
-              <a:rPr lang="en-US" sz="1800" baseline="0">
-                <a:latin typeface="Malgun Gothic"/>
+            <a:pPr algn="ctr"/>
+            <a:endParaRPr kumimoji="1" lang="ko-KR" altLang="en-US">
+              <a:gradFill>
+                <a:gsLst>
+                  <a:gs pos="0">
+                    <a:schemeClr val="accent1">
+                      <a:lumMod val="5000"/>
+                      <a:lumOff val="95000"/>
+                    </a:schemeClr>
+                  </a:gs>
+                  <a:gs pos="74000">
+                    <a:schemeClr val="accent1">
+                      <a:lumMod val="45000"/>
+                      <a:lumOff val="55000"/>
+                    </a:schemeClr>
+                  </a:gs>
+                  <a:gs pos="83000">
+                    <a:schemeClr val="accent1">
+                      <a:lumMod val="45000"/>
+                      <a:lumOff val="55000"/>
+                    </a:schemeClr>
+                  </a:gs>
+                  <a:gs pos="100000">
+                    <a:schemeClr val="accent1">
+                      <a:lumMod val="30000"/>
+                      <a:lumOff val="70000"/>
+                    </a:schemeClr>
+                  </a:gs>
+                </a:gsLst>
+                <a:lin ang="5400000" scaled="1"/>
+              </a:gradFill>
+            </a:endParaRPr>
+          </a:p>
+        </p:txBody>
+      </p:sp>
+      <p:graphicFrame>
+        <p:nvGraphicFramePr>
+          <p:cNvPr id="6" name="Content Placeholder 5">
+            <a:extLst>
+              <a:ext uri="{FF2B5EF4-FFF2-40B4-BE49-F238E27FC236}">
+                <a16:creationId xmlns:a16="http://schemas.microsoft.com/office/drawing/2014/main" id="{0BD596F7-A19E-789A-EB09-BF386273BD72}"/>
+              </a:ext>
+            </a:extLst>
+          </p:cNvPr>
+          <p:cNvGraphicFramePr>
+            <a:graphicFrameLocks noGrp="1"/>
+          </p:cNvGraphicFramePr>
+          <p:nvPr>
+            <p:ph idx="1"/>
+            <p:extLst>
+              <p:ext uri="{D42A27DB-BD31-4B8C-83A1-F6EECF244321}">
+                <p14:modId xmlns:p14="http://schemas.microsoft.com/office/powerpoint/2010/main" val="4186186728"/>
+              </p:ext>
+            </p:extLst>
+          </p:nvPr>
+        </p:nvGraphicFramePr>
+        <p:xfrm>
+          <a:off x="2023649" y="2208809"/>
+          <a:ext cx="8353777" cy="2031203"/>
+        </p:xfrm>
+        <a:graphic>
+          <a:graphicData uri="http://schemas.openxmlformats.org/drawingml/2006/diagram">
+            <dgm:relIds xmlns:dgm="http://schemas.openxmlformats.org/drawingml/2006/diagram" xmlns:r="http://schemas.openxmlformats.org/officeDocument/2006/relationships" r:dm="rId3" r:lo="rId4" r:qs="rId5" r:cs="rId6"/>
+          </a:graphicData>
+        </a:graphic>
+      </p:graphicFrame>
+      <p:sp>
+        <p:nvSpPr>
+          <p:cNvPr id="4" name="TextBox 3">
+            <a:extLst>
+              <a:ext uri="{FF2B5EF4-FFF2-40B4-BE49-F238E27FC236}">
+                <a16:creationId xmlns:a16="http://schemas.microsoft.com/office/drawing/2014/main" id="{4DCF6B18-F9C4-6DD5-97B6-6E1AB6E70F0E}"/>
+              </a:ext>
+            </a:extLst>
+          </p:cNvPr>
+          <p:cNvSpPr txBox="1"/>
+          <p:nvPr/>
+        </p:nvSpPr>
+        <p:spPr>
+          <a:xfrm>
+            <a:off x="5237585" y="455830"/>
+            <a:ext cx="1911101" cy="646331"/>
+          </a:xfrm>
+          <a:prstGeom prst="rect">
+            <a:avLst/>
+          </a:prstGeom>
+          <a:noFill/>
+        </p:spPr>
+        <p:txBody>
+          <a:bodyPr wrap="none" rtlCol="0">
+            <a:spAutoFit/>
+          </a:bodyPr>
+          <a:lstStyle/>
+          <a:p>
+            <a:r>
+              <a:rPr kumimoji="1" lang="en-US" altLang="ko-KR" sz="3600" dirty="0">
+                <a:solidFill>
+                  <a:srgbClr val="FAD935"/>
+                </a:solidFill>
+                <a:ea typeface="BM DoHyeon OTF" panose="020B0600000101010101" pitchFamily="34" charset="-127"/>
+              </a:rPr>
+              <a:t>Solution</a:t>
+            </a:r>
+            <a:endParaRPr kumimoji="1" lang="ko-KR" altLang="en-US" sz="3600" dirty="0">
+              <a:solidFill>
+                <a:srgbClr val="FAD935"/>
+              </a:solidFill>
+              <a:ea typeface="BM DoHyeon OTF" panose="020B0600000101010101" pitchFamily="34" charset="-127"/>
+            </a:endParaRPr>
+          </a:p>
+        </p:txBody>
+      </p:sp>
+      <p:sp>
+        <p:nvSpPr>
+          <p:cNvPr id="10" name="TextBox 9">
+            <a:extLst>
+              <a:ext uri="{FF2B5EF4-FFF2-40B4-BE49-F238E27FC236}">
+                <a16:creationId xmlns:a16="http://schemas.microsoft.com/office/drawing/2014/main" id="{423C37C7-C118-FA49-1F31-611D69AA4ABC}"/>
+              </a:ext>
+            </a:extLst>
+          </p:cNvPr>
+          <p:cNvSpPr txBox="1"/>
+          <p:nvPr/>
+        </p:nvSpPr>
+        <p:spPr>
+          <a:xfrm>
+            <a:off x="9606772" y="1319073"/>
+            <a:ext cx="1124162" cy="292388"/>
+          </a:xfrm>
+          <a:prstGeom prst="rect">
+            <a:avLst/>
+          </a:prstGeom>
+          <a:solidFill>
+            <a:srgbClr val="FAD935"/>
+          </a:solidFill>
+          <a:ln>
+            <a:solidFill>
+              <a:schemeClr val="bg1"/>
+            </a:solidFill>
+          </a:ln>
+        </p:spPr>
+        <p:txBody>
+          <a:bodyPr wrap="square" rtlCol="0">
+            <a:spAutoFit/>
+          </a:bodyPr>
+          <a:lstStyle/>
+          <a:p>
+            <a:pPr algn="ctr"/>
+            <a:r>
+              <a:rPr kumimoji="1" lang="en-US" altLang="ko-KR" sz="1300">
+                <a:latin typeface="Apple Braille" pitchFamily="2" charset="0"/>
+              </a:rPr>
+              <a:t>Next</a:t>
+            </a:r>
+            <a:endParaRPr kumimoji="1" lang="ko-KR" altLang="en-US" sz="1300">
+              <a:latin typeface="Apple Braille" pitchFamily="2" charset="0"/>
+            </a:endParaRPr>
+          </a:p>
+        </p:txBody>
+      </p:sp>
+      <p:sp>
+        <p:nvSpPr>
+          <p:cNvPr id="11" name="TextBox 10">
+            <a:extLst>
+              <a:ext uri="{FF2B5EF4-FFF2-40B4-BE49-F238E27FC236}">
+                <a16:creationId xmlns:a16="http://schemas.microsoft.com/office/drawing/2014/main" id="{586CF097-152E-C257-616E-F1C7E8176292}"/>
+              </a:ext>
+            </a:extLst>
+          </p:cNvPr>
+          <p:cNvSpPr txBox="1"/>
+          <p:nvPr/>
+        </p:nvSpPr>
+        <p:spPr>
+          <a:xfrm>
+            <a:off x="9606772" y="1330697"/>
+            <a:ext cx="1124162" cy="292388"/>
+          </a:xfrm>
+          <a:prstGeom prst="rect">
+            <a:avLst/>
+          </a:prstGeom>
+          <a:solidFill>
+            <a:srgbClr val="FF9300"/>
+          </a:solidFill>
+          <a:ln>
+            <a:solidFill>
+              <a:schemeClr val="bg1"/>
+            </a:solidFill>
+          </a:ln>
+        </p:spPr>
+        <p:txBody>
+          <a:bodyPr wrap="square" rtlCol="0">
+            <a:spAutoFit/>
+          </a:bodyPr>
+          <a:lstStyle/>
+          <a:p>
+            <a:pPr algn="ctr"/>
+            <a:r>
+              <a:rPr kumimoji="1" lang="en-US" altLang="ko-KR" sz="1300" dirty="0"/>
+              <a:t>Next</a:t>
+            </a:r>
+            <a:endParaRPr kumimoji="1" lang="ko-KR" altLang="en-US" sz="1300" dirty="0"/>
+          </a:p>
+        </p:txBody>
+      </p:sp>
+      <p:sp>
+        <p:nvSpPr>
+          <p:cNvPr id="13" name="모서리가 둥근 직사각형 12">
+            <a:extLst>
+              <a:ext uri="{FF2B5EF4-FFF2-40B4-BE49-F238E27FC236}">
+                <a16:creationId xmlns:a16="http://schemas.microsoft.com/office/drawing/2014/main" id="{C076FB54-2840-06B9-A41F-B0C59C002A75}"/>
+              </a:ext>
+            </a:extLst>
+          </p:cNvPr>
+          <p:cNvSpPr/>
+          <p:nvPr/>
+        </p:nvSpPr>
+        <p:spPr>
+          <a:xfrm>
+            <a:off x="2023649" y="4530436"/>
+            <a:ext cx="8488665" cy="1871734"/>
+          </a:xfrm>
+          <a:prstGeom prst="roundRect">
+            <a:avLst/>
+          </a:prstGeom>
+        </p:spPr>
+        <p:style>
+          <a:lnRef idx="2">
+            <a:schemeClr val="accent1">
+              <a:shade val="15000"/>
+            </a:schemeClr>
+          </a:lnRef>
+          <a:fillRef idx="1">
+            <a:schemeClr val="accent1"/>
+          </a:fillRef>
+          <a:effectRef idx="0">
+            <a:schemeClr val="accent1"/>
+          </a:effectRef>
+          <a:fontRef idx="minor">
+            <a:schemeClr val="lt1"/>
+          </a:fontRef>
+        </p:style>
+        <p:txBody>
+          <a:bodyPr rtlCol="0" anchor="ctr"/>
+          <a:lstStyle/>
+          <a:p>
+            <a:r>
+              <a:rPr lang="en-US" altLang="ko-KR" sz="1700" dirty="0">
                 <a:ea typeface="맑은 고딕"/>
                 <a:cs typeface="맑은 고딕"/>
               </a:rPr>
               <a:t>•</a:t>
             </a:r>
             <a:r>
-              <a:rPr lang="en-US" sz="1800" baseline="0">
+              <a:rPr lang="en-US" altLang="ko-KR" sz="1700" dirty="0">
                 <a:solidFill>
-                  <a:srgbClr val="FFFFFF"/>
+                  <a:srgbClr val="FAD935"/>
                 </a:solidFill>
-                <a:latin typeface="Malgun Gothic"/>
                 <a:ea typeface="맑은 고딕"/>
                 <a:cs typeface="맑은 고딕"/>
               </a:rPr>
               <a:t> </a:t>
             </a:r>
             <a:r>
-              <a:rPr lang="en-US" sz="1800" baseline="0">
+              <a:rPr lang="en-US" altLang="ko-KR" sz="1700" dirty="0">
                 <a:solidFill>
-                  <a:srgbClr val="FFFFFF"/>
+                  <a:srgbClr val="FAD935"/>
                 </a:solidFill>
                 <a:ea typeface="+mn-lt"/>
                 <a:cs typeface="+mn-lt"/>
               </a:rPr>
-              <a:t>A personalized </a:t>
-            </a:r>
-            <a:r>
-              <a:rPr lang="en-US">
+              <a:t>A personalized diet recommendation system based on astronaut biometric data</a:t>
+            </a:r>
+          </a:p>
+          <a:p>
+            <a:endParaRPr lang="en-US" altLang="ko-KR" sz="1700" dirty="0">
+              <a:solidFill>
+                <a:srgbClr val="FAD935"/>
+              </a:solidFill>
+              <a:ea typeface="맑은 고딕"/>
+              <a:cs typeface="맑은 고딕"/>
+            </a:endParaRPr>
+          </a:p>
+          <a:p>
+            <a:r>
+              <a:rPr lang="en-US" altLang="ko-KR" sz="1700" dirty="0">
                 <a:solidFill>
-                  <a:srgbClr val="FFFFFF"/>
+                  <a:srgbClr val="FAD935"/>
+                </a:solidFill>
+                <a:ea typeface="맑은 고딕"/>
+                <a:cs typeface="맑은 고딕"/>
+              </a:rPr>
+              <a:t>• </a:t>
+            </a:r>
+            <a:r>
+              <a:rPr lang="en-US" altLang="ko-KR" sz="1700" dirty="0">
+                <a:solidFill>
+                  <a:srgbClr val="FAD935"/>
                 </a:solidFill>
                 <a:ea typeface="+mn-lt"/>
                 <a:cs typeface="+mn-lt"/>
               </a:rPr>
-              <a:t>diet </a:t>
-            </a:r>
-            <a:r>
-              <a:rPr lang="en-US" sz="1800" baseline="0">
+              <a:t>Weight, activity level, and gender analysis → Optimal meal suggestions that         provide nutritional balance and variety and even increase self-sufficiency.</a:t>
+            </a:r>
+            <a:endParaRPr lang="en-US" altLang="ko-KR" sz="1700" dirty="0">
+              <a:solidFill>
+                <a:srgbClr val="FAD935"/>
+              </a:solidFill>
+              <a:ea typeface="맑은 고딕"/>
+            </a:endParaRPr>
+          </a:p>
+        </p:txBody>
+      </p:sp>
+      <p:sp>
+        <p:nvSpPr>
+          <p:cNvPr id="14" name="TextBox 13">
+            <a:extLst>
+              <a:ext uri="{FF2B5EF4-FFF2-40B4-BE49-F238E27FC236}">
+                <a16:creationId xmlns:a16="http://schemas.microsoft.com/office/drawing/2014/main" id="{259C28D4-E546-E361-FA19-519025A1050B}"/>
+              </a:ext>
+            </a:extLst>
+          </p:cNvPr>
+          <p:cNvSpPr txBox="1"/>
+          <p:nvPr/>
+        </p:nvSpPr>
+        <p:spPr>
+          <a:xfrm>
+            <a:off x="10168853" y="6504551"/>
+            <a:ext cx="1955600" cy="292388"/>
+          </a:xfrm>
+          <a:prstGeom prst="rect">
+            <a:avLst/>
+          </a:prstGeom>
+          <a:noFill/>
+        </p:spPr>
+        <p:txBody>
+          <a:bodyPr wrap="none" rtlCol="0">
+            <a:spAutoFit/>
+          </a:bodyPr>
+          <a:lstStyle/>
+          <a:p>
+            <a:r>
+              <a:rPr kumimoji="1" lang="en-US" altLang="ko-KR" sz="1300" dirty="0">
                 <a:solidFill>
-                  <a:srgbClr val="FFFFFF"/>
+                  <a:schemeClr val="bg1"/>
                 </a:solidFill>
-                <a:ea typeface="+mn-lt"/>
-                <a:cs typeface="+mn-lt"/>
               </a:rPr>
-              <a:t>recommendation system based on </a:t>
-            </a:r>
-            <a:r>
-              <a:rPr lang="en-US">
-                <a:solidFill>
-                  <a:srgbClr val="FFFFFF"/>
-                </a:solidFill>
-                <a:ea typeface="+mn-lt"/>
-                <a:cs typeface="+mn-lt"/>
-              </a:rPr>
-              <a:t>astronaut biometric </a:t>
-            </a:r>
-            <a:r>
-              <a:rPr lang="en-US" sz="1800" baseline="0">
-                <a:solidFill>
-                  <a:srgbClr val="FFFFFF"/>
-                </a:solidFill>
-                <a:ea typeface="+mn-lt"/>
-                <a:cs typeface="+mn-lt"/>
-              </a:rPr>
-              <a:t>data</a:t>
-            </a:r>
-            <a:endParaRPr lang="en-US">
-              <a:ea typeface="+mn-lt"/>
-              <a:cs typeface="+mn-lt"/>
-            </a:endParaRPr>
-          </a:p>
-          <a:p>
-            <a:endParaRPr lang="en-US">
+              <a:t>TEAM PROJECT - AERO</a:t>
+            </a:r>
+            <a:endParaRPr kumimoji="1" lang="ko-KR" altLang="en-US" sz="1300" dirty="0">
               <a:solidFill>
-                <a:srgbClr val="FFFFFF"/>
+                <a:schemeClr val="bg1"/>
               </a:solidFill>
-              <a:latin typeface="맑은 고딕"/>
-              <a:ea typeface="맑은 고딕"/>
-              <a:cs typeface="맑은 고딕"/>
-            </a:endParaRPr>
-          </a:p>
-          <a:p>
-            <a:r>
-              <a:rPr lang="en-US" sz="1800" baseline="0">
-                <a:solidFill>
-                  <a:srgbClr val="FFFFFF"/>
-                </a:solidFill>
-                <a:latin typeface="Malgun Gothic"/>
-                <a:ea typeface="맑은 고딕"/>
-                <a:cs typeface="맑은 고딕"/>
-              </a:rPr>
-              <a:t>• </a:t>
-            </a:r>
-            <a:r>
-              <a:rPr lang="en-US">
-                <a:solidFill>
-                  <a:srgbClr val="FFFFFF"/>
-                </a:solidFill>
-                <a:ea typeface="+mn-lt"/>
-                <a:cs typeface="+mn-lt"/>
-              </a:rPr>
-              <a:t>Weight</a:t>
-            </a:r>
-            <a:r>
-              <a:rPr lang="en-US" sz="1800" baseline="0">
-                <a:solidFill>
-                  <a:srgbClr val="FFFFFF"/>
-                </a:solidFill>
-                <a:ea typeface="+mn-lt"/>
-                <a:cs typeface="+mn-lt"/>
-              </a:rPr>
-              <a:t>, activity level, </a:t>
-            </a:r>
-            <a:r>
-              <a:rPr lang="en-US">
-                <a:solidFill>
-                  <a:srgbClr val="FFFFFF"/>
-                </a:solidFill>
-                <a:ea typeface="+mn-lt"/>
-                <a:cs typeface="+mn-lt"/>
-              </a:rPr>
-              <a:t>and </a:t>
-            </a:r>
-            <a:r>
-              <a:rPr lang="en-US" sz="1800" baseline="0">
-                <a:solidFill>
-                  <a:srgbClr val="FFFFFF"/>
-                </a:solidFill>
-                <a:ea typeface="+mn-lt"/>
-                <a:cs typeface="+mn-lt"/>
-              </a:rPr>
-              <a:t>gender</a:t>
-            </a:r>
-            <a:r>
-              <a:rPr lang="en-US">
-                <a:solidFill>
-                  <a:srgbClr val="FFFFFF"/>
-                </a:solidFill>
-                <a:ea typeface="+mn-lt"/>
-                <a:cs typeface="+mn-lt"/>
-              </a:rPr>
-              <a:t> analysis → Optimal meal suggestions that provide nutritional balance and variety</a:t>
-            </a:r>
-            <a:r>
-              <a:rPr lang="en-US" sz="1800" baseline="0">
-                <a:solidFill>
-                  <a:srgbClr val="FFFFFF"/>
-                </a:solidFill>
-                <a:ea typeface="+mn-lt"/>
-                <a:cs typeface="+mn-lt"/>
-              </a:rPr>
-              <a:t> and </a:t>
-            </a:r>
-            <a:r>
-              <a:rPr lang="en-US">
-                <a:solidFill>
-                  <a:srgbClr val="FFFFFF"/>
-                </a:solidFill>
-                <a:ea typeface="+mn-lt"/>
-                <a:cs typeface="+mn-lt"/>
-              </a:rPr>
-              <a:t>even increase self-sufficiency.</a:t>
-            </a:r>
-            <a:endParaRPr lang="en-US">
-              <a:latin typeface="Malgun Gothic"/>
-              <a:ea typeface="맑은 고딕"/>
             </a:endParaRPr>
           </a:p>
         </p:txBody>
@@ -10824,10 +10642,936 @@
   <p:clrMapOvr>
     <a:masterClrMapping/>
   </p:clrMapOvr>
+  <mc:AlternateContent xmlns:mc="http://schemas.openxmlformats.org/markup-compatibility/2006">
+    <mc:Choice xmlns:p14="http://schemas.microsoft.com/office/powerpoint/2010/main" Requires="p14">
+      <p:transition spd="med" p14:dur="700">
+        <p:fade/>
+      </p:transition>
+    </mc:Choice>
+    <mc:Fallback>
+      <p:transition spd="med">
+        <p:fade/>
+      </p:transition>
+    </mc:Fallback>
+  </mc:AlternateContent>
+  <p:timing>
+    <p:tnLst>
+      <p:par>
+        <p:cTn id="1" dur="indefinite" restart="never" nodeType="tmRoot">
+          <p:childTnLst>
+            <p:seq concurrent="1" nextAc="seek">
+              <p:cTn id="2" dur="indefinite" nodeType="mainSeq">
+                <p:childTnLst>
+                  <p:par>
+                    <p:cTn id="3" fill="hold">
+                      <p:stCondLst>
+                        <p:cond delay="indefinite"/>
+                      </p:stCondLst>
+                      <p:childTnLst>
+                        <p:par>
+                          <p:cTn id="4" fill="hold">
+                            <p:stCondLst>
+                              <p:cond delay="0"/>
+                            </p:stCondLst>
+                            <p:childTnLst>
+                              <p:par>
+                                <p:cTn id="5" presetID="1" presetClass="entr" presetSubtype="0" fill="hold" grpId="0" nodeType="clickEffect">
+                                  <p:stCondLst>
+                                    <p:cond delay="0"/>
+                                  </p:stCondLst>
+                                  <p:childTnLst>
+                                    <p:set>
+                                      <p:cBhvr>
+                                        <p:cTn id="6" dur="1" fill="hold">
+                                          <p:stCondLst>
+                                            <p:cond delay="0"/>
+                                          </p:stCondLst>
+                                        </p:cTn>
+                                        <p:tgtEl>
+                                          <p:spTgt spid="11"/>
+                                        </p:tgtEl>
+                                        <p:attrNameLst>
+                                          <p:attrName>style.visibility</p:attrName>
+                                        </p:attrNameLst>
+                                      </p:cBhvr>
+                                      <p:to>
+                                        <p:strVal val="visible"/>
+                                      </p:to>
+                                    </p:set>
+                                  </p:childTnLst>
+                                </p:cTn>
+                              </p:par>
+                            </p:childTnLst>
+                          </p:cTn>
+                        </p:par>
+                      </p:childTnLst>
+                    </p:cTn>
+                  </p:par>
+                </p:childTnLst>
+              </p:cTn>
+              <p:prevCondLst>
+                <p:cond evt="onPrev" delay="0">
+                  <p:tgtEl>
+                    <p:sldTgt/>
+                  </p:tgtEl>
+                </p:cond>
+              </p:prevCondLst>
+              <p:nextCondLst>
+                <p:cond evt="onNext" delay="0">
+                  <p:tgtEl>
+                    <p:sldTgt/>
+                  </p:tgtEl>
+                </p:cond>
+              </p:nextCondLst>
+            </p:seq>
+          </p:childTnLst>
+        </p:cTn>
+      </p:par>
+    </p:tnLst>
+    <p:bldLst>
+      <p:bldP spid="11" grpId="0" animBg="1"/>
+    </p:bldLst>
+  </p:timing>
 </p:sld>
 </file>
 
 <file path=ppt/slides/slide4.xml><?xml version="1.0" encoding="utf-8"?>
+<p:sld xmlns:a="http://schemas.openxmlformats.org/drawingml/2006/main" xmlns:r="http://schemas.openxmlformats.org/officeDocument/2006/relationships" xmlns:p="http://schemas.openxmlformats.org/presentationml/2006/main">
+  <p:cSld>
+    <p:bg>
+      <p:bgPr>
+        <a:solidFill>
+          <a:srgbClr val="2E1C82"/>
+        </a:solidFill>
+        <a:effectLst/>
+      </p:bgPr>
+    </p:bg>
+    <p:spTree>
+      <p:nvGrpSpPr>
+        <p:cNvPr id="1" name="">
+          <a:extLst>
+            <a:ext uri="{FF2B5EF4-FFF2-40B4-BE49-F238E27FC236}">
+              <a16:creationId xmlns:a16="http://schemas.microsoft.com/office/drawing/2014/main" id="{6A2836DC-0182-327F-C07C-DE5A51FB59F0}"/>
+            </a:ext>
+          </a:extLst>
+        </p:cNvPr>
+        <p:cNvGrpSpPr/>
+        <p:nvPr/>
+      </p:nvGrpSpPr>
+      <p:grpSpPr>
+        <a:xfrm>
+          <a:off x="0" y="0"/>
+          <a:ext cx="0" cy="0"/>
+          <a:chOff x="0" y="0"/>
+          <a:chExt cx="0" cy="0"/>
+        </a:xfrm>
+      </p:grpSpPr>
+      <p:pic>
+        <p:nvPicPr>
+          <p:cNvPr id="6" name="Picture 2" descr="Gradient background 벡터 - Freepik에서 무료 고품질 벡터를 다운로드하세요 | Freepik">
+            <a:extLst>
+              <a:ext uri="{FF2B5EF4-FFF2-40B4-BE49-F238E27FC236}">
+                <a16:creationId xmlns:a16="http://schemas.microsoft.com/office/drawing/2014/main" id="{0A6E082A-5336-1F0C-541A-3DDDCD5AD5AA}"/>
+              </a:ext>
+            </a:extLst>
+          </p:cNvPr>
+          <p:cNvPicPr>
+            <a:picLocks noChangeAspect="1" noChangeArrowheads="1"/>
+          </p:cNvPicPr>
+          <p:nvPr/>
+        </p:nvPicPr>
+        <p:blipFill rotWithShape="1">
+          <a:blip r:embed="rId2">
+            <a:extLst>
+              <a:ext uri="{28A0092B-C50C-407E-A947-70E740481C1C}">
+                <a14:useLocalDpi xmlns:a14="http://schemas.microsoft.com/office/drawing/2010/main" val="0"/>
+              </a:ext>
+            </a:extLst>
+          </a:blip>
+          <a:srcRect t="7755" b="7829"/>
+          <a:stretch>
+            <a:fillRect/>
+          </a:stretch>
+        </p:blipFill>
+        <p:spPr bwMode="auto">
+          <a:xfrm>
+            <a:off x="-96592" y="-97731"/>
+            <a:ext cx="12606773" cy="7053961"/>
+          </a:xfrm>
+          <a:prstGeom prst="rect">
+            <a:avLst/>
+          </a:prstGeom>
+          <a:ln>
+            <a:noFill/>
+          </a:ln>
+          <a:effectLst>
+            <a:softEdge rad="112500"/>
+          </a:effectLst>
+          <a:extLst>
+            <a:ext uri="{909E8E84-426E-40DD-AFC4-6F175D3DCCD1}">
+              <a14:hiddenFill xmlns:a14="http://schemas.microsoft.com/office/drawing/2010/main">
+                <a:solidFill>
+                  <a:srgbClr val="FFFFFF"/>
+                </a:solidFill>
+              </a14:hiddenFill>
+            </a:ext>
+          </a:extLst>
+        </p:spPr>
+      </p:pic>
+      <p:sp>
+        <p:nvSpPr>
+          <p:cNvPr id="17" name="직사각형 16">
+            <a:extLst>
+              <a:ext uri="{FF2B5EF4-FFF2-40B4-BE49-F238E27FC236}">
+                <a16:creationId xmlns:a16="http://schemas.microsoft.com/office/drawing/2014/main" id="{451C9030-4750-7C99-8AF2-C07B0C34E920}"/>
+              </a:ext>
+            </a:extLst>
+          </p:cNvPr>
+          <p:cNvSpPr/>
+          <p:nvPr/>
+        </p:nvSpPr>
+        <p:spPr>
+          <a:xfrm>
+            <a:off x="328339" y="1108470"/>
+            <a:ext cx="11863661" cy="5308479"/>
+          </a:xfrm>
+          <a:prstGeom prst="rect">
+            <a:avLst/>
+          </a:prstGeom>
+          <a:solidFill>
+            <a:srgbClr val="6C35C5"/>
+          </a:solidFill>
+          <a:ln>
+            <a:gradFill>
+              <a:gsLst>
+                <a:gs pos="0">
+                  <a:schemeClr val="accent1">
+                    <a:lumMod val="5000"/>
+                    <a:lumOff val="95000"/>
+                  </a:schemeClr>
+                </a:gs>
+                <a:gs pos="74000">
+                  <a:schemeClr val="accent1">
+                    <a:lumMod val="45000"/>
+                    <a:lumOff val="55000"/>
+                  </a:schemeClr>
+                </a:gs>
+                <a:gs pos="83000">
+                  <a:schemeClr val="accent1">
+                    <a:lumMod val="45000"/>
+                    <a:lumOff val="55000"/>
+                  </a:schemeClr>
+                </a:gs>
+                <a:gs pos="100000">
+                  <a:schemeClr val="accent1">
+                    <a:lumMod val="30000"/>
+                    <a:lumOff val="70000"/>
+                  </a:schemeClr>
+                </a:gs>
+              </a:gsLst>
+              <a:lin ang="5400000" scaled="1"/>
+            </a:gradFill>
+          </a:ln>
+        </p:spPr>
+        <p:style>
+          <a:lnRef idx="2">
+            <a:schemeClr val="accent1">
+              <a:shade val="15000"/>
+            </a:schemeClr>
+          </a:lnRef>
+          <a:fillRef idx="1">
+            <a:schemeClr val="accent1"/>
+          </a:fillRef>
+          <a:effectRef idx="0">
+            <a:schemeClr val="accent1"/>
+          </a:effectRef>
+          <a:fontRef idx="minor">
+            <a:schemeClr val="lt1"/>
+          </a:fontRef>
+        </p:style>
+        <p:txBody>
+          <a:bodyPr rtlCol="0" anchor="ctr"/>
+          <a:lstStyle/>
+          <a:p>
+            <a:pPr algn="ctr"/>
+            <a:endParaRPr kumimoji="1" lang="ko-KR" altLang="en-US"/>
+          </a:p>
+        </p:txBody>
+      </p:sp>
+      <p:sp>
+        <p:nvSpPr>
+          <p:cNvPr id="4" name="TextBox 3">
+            <a:extLst>
+              <a:ext uri="{FF2B5EF4-FFF2-40B4-BE49-F238E27FC236}">
+                <a16:creationId xmlns:a16="http://schemas.microsoft.com/office/drawing/2014/main" id="{42B1A420-D0D1-2523-CF01-FBD568D86872}"/>
+              </a:ext>
+            </a:extLst>
+          </p:cNvPr>
+          <p:cNvSpPr txBox="1"/>
+          <p:nvPr/>
+        </p:nvSpPr>
+        <p:spPr>
+          <a:xfrm>
+            <a:off x="5240892" y="386622"/>
+            <a:ext cx="2100255" cy="646331"/>
+          </a:xfrm>
+          <a:prstGeom prst="rect">
+            <a:avLst/>
+          </a:prstGeom>
+          <a:noFill/>
+        </p:spPr>
+        <p:txBody>
+          <a:bodyPr wrap="none" rtlCol="0">
+            <a:spAutoFit/>
+          </a:bodyPr>
+          <a:lstStyle/>
+          <a:p>
+            <a:r>
+              <a:rPr kumimoji="1" lang="en-US" altLang="ko-KR" sz="3600">
+                <a:solidFill>
+                  <a:srgbClr val="FAD935"/>
+                </a:solidFill>
+                <a:ea typeface="BM DoHyeon OTF" panose="020B0600000101010101" pitchFamily="34" charset="-127"/>
+              </a:rPr>
+              <a:t>Preview I</a:t>
+            </a:r>
+            <a:endParaRPr kumimoji="1" lang="ko-KR" altLang="en-US" sz="3600">
+              <a:solidFill>
+                <a:srgbClr val="FAD935"/>
+              </a:solidFill>
+              <a:ea typeface="BM DoHyeon OTF" panose="020B0600000101010101" pitchFamily="34" charset="-127"/>
+            </a:endParaRPr>
+          </a:p>
+        </p:txBody>
+      </p:sp>
+      <p:sp>
+        <p:nvSpPr>
+          <p:cNvPr id="7" name="TextBox 6">
+            <a:extLst>
+              <a:ext uri="{FF2B5EF4-FFF2-40B4-BE49-F238E27FC236}">
+                <a16:creationId xmlns:a16="http://schemas.microsoft.com/office/drawing/2014/main" id="{F025557B-6B41-4952-9B31-9F9DDD586F0D}"/>
+              </a:ext>
+            </a:extLst>
+          </p:cNvPr>
+          <p:cNvSpPr txBox="1"/>
+          <p:nvPr/>
+        </p:nvSpPr>
+        <p:spPr>
+          <a:xfrm>
+            <a:off x="28101" y="69618"/>
+            <a:ext cx="1719060" cy="292388"/>
+          </a:xfrm>
+          <a:prstGeom prst="rect">
+            <a:avLst/>
+          </a:prstGeom>
+          <a:noFill/>
+        </p:spPr>
+        <p:txBody>
+          <a:bodyPr wrap="none" rtlCol="0">
+            <a:spAutoFit/>
+          </a:bodyPr>
+          <a:lstStyle/>
+          <a:p>
+            <a:r>
+              <a:rPr kumimoji="1" lang="en-US" altLang="ko-KR" sz="1300">
+                <a:solidFill>
+                  <a:schemeClr val="bg1"/>
+                </a:solidFill>
+              </a:rPr>
+              <a:t>ID: PROJECT - AERO</a:t>
+            </a:r>
+            <a:endParaRPr kumimoji="1" lang="ko-KR" altLang="en-US" sz="1300">
+              <a:solidFill>
+                <a:schemeClr val="bg1"/>
+              </a:solidFill>
+            </a:endParaRPr>
+          </a:p>
+        </p:txBody>
+      </p:sp>
+      <p:sp>
+        <p:nvSpPr>
+          <p:cNvPr id="39" name="TextBox 38">
+            <a:extLst>
+              <a:ext uri="{FF2B5EF4-FFF2-40B4-BE49-F238E27FC236}">
+                <a16:creationId xmlns:a16="http://schemas.microsoft.com/office/drawing/2014/main" id="{6C1902C3-CE22-B9BE-0459-181301CEEB06}"/>
+              </a:ext>
+            </a:extLst>
+          </p:cNvPr>
+          <p:cNvSpPr txBox="1"/>
+          <p:nvPr/>
+        </p:nvSpPr>
+        <p:spPr>
+          <a:xfrm>
+            <a:off x="9751485" y="742633"/>
+            <a:ext cx="1124162" cy="292388"/>
+          </a:xfrm>
+          <a:prstGeom prst="rect">
+            <a:avLst/>
+          </a:prstGeom>
+          <a:solidFill>
+            <a:srgbClr val="FAD935"/>
+          </a:solidFill>
+          <a:ln>
+            <a:solidFill>
+              <a:schemeClr val="bg1"/>
+            </a:solidFill>
+          </a:ln>
+        </p:spPr>
+        <p:txBody>
+          <a:bodyPr wrap="square" rtlCol="0">
+            <a:spAutoFit/>
+          </a:bodyPr>
+          <a:lstStyle/>
+          <a:p>
+            <a:pPr algn="ctr"/>
+            <a:r>
+              <a:rPr kumimoji="1" lang="en-US" altLang="ko-KR" sz="1300">
+                <a:latin typeface="Apple Braille" pitchFamily="2" charset="0"/>
+              </a:rPr>
+              <a:t>Next</a:t>
+            </a:r>
+            <a:endParaRPr kumimoji="1" lang="ko-KR" altLang="en-US" sz="1300">
+              <a:latin typeface="Apple Braille" pitchFamily="2" charset="0"/>
+            </a:endParaRPr>
+          </a:p>
+        </p:txBody>
+      </p:sp>
+      <p:sp>
+        <p:nvSpPr>
+          <p:cNvPr id="43" name="TextBox 42">
+            <a:extLst>
+              <a:ext uri="{FF2B5EF4-FFF2-40B4-BE49-F238E27FC236}">
+                <a16:creationId xmlns:a16="http://schemas.microsoft.com/office/drawing/2014/main" id="{2EFB1AF5-FFE8-8931-029B-F00163188977}"/>
+              </a:ext>
+            </a:extLst>
+          </p:cNvPr>
+          <p:cNvSpPr txBox="1"/>
+          <p:nvPr/>
+        </p:nvSpPr>
+        <p:spPr>
+          <a:xfrm>
+            <a:off x="2178834" y="3454804"/>
+            <a:ext cx="1145698" cy="292388"/>
+          </a:xfrm>
+          <a:prstGeom prst="rect">
+            <a:avLst/>
+          </a:prstGeom>
+          <a:noFill/>
+        </p:spPr>
+        <p:txBody>
+          <a:bodyPr wrap="none" lIns="91440" tIns="45720" rIns="91440" bIns="45720" rtlCol="0" anchor="t">
+            <a:spAutoFit/>
+          </a:bodyPr>
+          <a:lstStyle/>
+          <a:p>
+            <a:r>
+              <a:rPr lang="en-US" sz="1300" dirty="0">
+                <a:solidFill>
+                  <a:schemeClr val="bg1"/>
+                </a:solidFill>
+                <a:ea typeface="+mn-lt"/>
+                <a:cs typeface="+mn-lt"/>
+              </a:rPr>
+              <a:t>Login screen</a:t>
+            </a:r>
+            <a:endParaRPr lang="en-US" dirty="0"/>
+          </a:p>
+        </p:txBody>
+      </p:sp>
+      <p:sp>
+        <p:nvSpPr>
+          <p:cNvPr id="44" name="TextBox 43">
+            <a:extLst>
+              <a:ext uri="{FF2B5EF4-FFF2-40B4-BE49-F238E27FC236}">
+                <a16:creationId xmlns:a16="http://schemas.microsoft.com/office/drawing/2014/main" id="{65A9A4A3-768F-F428-04AC-45AC5D6244AA}"/>
+              </a:ext>
+            </a:extLst>
+          </p:cNvPr>
+          <p:cNvSpPr txBox="1"/>
+          <p:nvPr/>
+        </p:nvSpPr>
+        <p:spPr>
+          <a:xfrm>
+            <a:off x="6390929" y="3463752"/>
+            <a:ext cx="1723549" cy="292388"/>
+          </a:xfrm>
+          <a:prstGeom prst="rect">
+            <a:avLst/>
+          </a:prstGeom>
+          <a:noFill/>
+        </p:spPr>
+        <p:txBody>
+          <a:bodyPr wrap="none" lIns="91440" tIns="45720" rIns="91440" bIns="45720" rtlCol="0" anchor="t">
+            <a:spAutoFit/>
+          </a:bodyPr>
+          <a:lstStyle/>
+          <a:p>
+            <a:r>
+              <a:rPr kumimoji="1" lang="en-US" sz="1300" dirty="0">
+                <a:solidFill>
+                  <a:schemeClr val="bg1"/>
+                </a:solidFill>
+                <a:ea typeface="+mn-lt"/>
+                <a:cs typeface="+mn-lt"/>
+              </a:rPr>
+              <a:t>Nutrients consumed</a:t>
+            </a:r>
+            <a:endParaRPr lang="en-US" altLang="ko-KR" dirty="0"/>
+          </a:p>
+        </p:txBody>
+      </p:sp>
+      <p:sp>
+        <p:nvSpPr>
+          <p:cNvPr id="45" name="TextBox 44">
+            <a:extLst>
+              <a:ext uri="{FF2B5EF4-FFF2-40B4-BE49-F238E27FC236}">
+                <a16:creationId xmlns:a16="http://schemas.microsoft.com/office/drawing/2014/main" id="{DE2C7FEF-E636-248F-7030-636A6096C3DB}"/>
+              </a:ext>
+            </a:extLst>
+          </p:cNvPr>
+          <p:cNvSpPr txBox="1"/>
+          <p:nvPr/>
+        </p:nvSpPr>
+        <p:spPr>
+          <a:xfrm>
+            <a:off x="1561069" y="6098735"/>
+            <a:ext cx="2799100" cy="292388"/>
+          </a:xfrm>
+          <a:prstGeom prst="rect">
+            <a:avLst/>
+          </a:prstGeom>
+          <a:noFill/>
+        </p:spPr>
+        <p:txBody>
+          <a:bodyPr wrap="none" lIns="91440" tIns="45720" rIns="91440" bIns="45720" rtlCol="0" anchor="t">
+            <a:spAutoFit/>
+          </a:bodyPr>
+          <a:lstStyle/>
+          <a:p>
+            <a:r>
+              <a:rPr kumimoji="1" lang="en-US" sz="1300" dirty="0">
+                <a:solidFill>
+                  <a:schemeClr val="bg1"/>
+                </a:solidFill>
+                <a:ea typeface="+mn-lt"/>
+                <a:cs typeface="+mn-lt"/>
+              </a:rPr>
+              <a:t>Recommended food + food eaten</a:t>
+            </a:r>
+            <a:endParaRPr lang="en-US" altLang="ko-KR" dirty="0"/>
+          </a:p>
+        </p:txBody>
+      </p:sp>
+      <p:sp>
+        <p:nvSpPr>
+          <p:cNvPr id="46" name="TextBox 45">
+            <a:extLst>
+              <a:ext uri="{FF2B5EF4-FFF2-40B4-BE49-F238E27FC236}">
+                <a16:creationId xmlns:a16="http://schemas.microsoft.com/office/drawing/2014/main" id="{35FB1E3F-1AC6-A7E8-B78C-8CA4AE67430C}"/>
+              </a:ext>
+            </a:extLst>
+          </p:cNvPr>
+          <p:cNvSpPr txBox="1"/>
+          <p:nvPr/>
+        </p:nvSpPr>
+        <p:spPr>
+          <a:xfrm>
+            <a:off x="10302251" y="6098735"/>
+            <a:ext cx="1005340" cy="292388"/>
+          </a:xfrm>
+          <a:prstGeom prst="rect">
+            <a:avLst/>
+          </a:prstGeom>
+          <a:noFill/>
+        </p:spPr>
+        <p:txBody>
+          <a:bodyPr wrap="none" lIns="91440" tIns="45720" rIns="91440" bIns="45720" rtlCol="0" anchor="t">
+            <a:spAutoFit/>
+          </a:bodyPr>
+          <a:lstStyle/>
+          <a:p>
+            <a:r>
+              <a:rPr kumimoji="1" lang="en-US" altLang="ko-KR" sz="1300" dirty="0">
+                <a:solidFill>
+                  <a:schemeClr val="bg1"/>
+                </a:solidFill>
+                <a:ea typeface="맑은 고딕"/>
+              </a:rPr>
+              <a:t>Edit Profile​</a:t>
+            </a:r>
+            <a:endParaRPr kumimoji="1" lang="ko-KR" altLang="en-US" sz="1300" dirty="0">
+              <a:solidFill>
+                <a:schemeClr val="bg1"/>
+              </a:solidFill>
+            </a:endParaRPr>
+          </a:p>
+        </p:txBody>
+      </p:sp>
+      <p:sp>
+        <p:nvSpPr>
+          <p:cNvPr id="3" name="TextBox 2">
+            <a:extLst>
+              <a:ext uri="{FF2B5EF4-FFF2-40B4-BE49-F238E27FC236}">
+                <a16:creationId xmlns:a16="http://schemas.microsoft.com/office/drawing/2014/main" id="{BC26B061-EE20-A558-5298-4F771CC2749C}"/>
+              </a:ext>
+            </a:extLst>
+          </p:cNvPr>
+          <p:cNvSpPr txBox="1"/>
+          <p:nvPr/>
+        </p:nvSpPr>
+        <p:spPr>
+          <a:xfrm>
+            <a:off x="9740170" y="742633"/>
+            <a:ext cx="1124162" cy="292388"/>
+          </a:xfrm>
+          <a:prstGeom prst="rect">
+            <a:avLst/>
+          </a:prstGeom>
+          <a:solidFill>
+            <a:srgbClr val="FF9300"/>
+          </a:solidFill>
+          <a:ln>
+            <a:solidFill>
+              <a:schemeClr val="bg1"/>
+            </a:solidFill>
+          </a:ln>
+        </p:spPr>
+        <p:txBody>
+          <a:bodyPr wrap="square" rtlCol="0">
+            <a:spAutoFit/>
+          </a:bodyPr>
+          <a:lstStyle/>
+          <a:p>
+            <a:pPr algn="ctr"/>
+            <a:r>
+              <a:rPr kumimoji="1" lang="en-US" altLang="ko-KR" sz="1300"/>
+              <a:t>Next</a:t>
+            </a:r>
+            <a:endParaRPr kumimoji="1" lang="ko-KR" altLang="en-US" sz="1300"/>
+          </a:p>
+        </p:txBody>
+      </p:sp>
+      <p:sp>
+        <p:nvSpPr>
+          <p:cNvPr id="5" name="TextBox 4">
+            <a:extLst>
+              <a:ext uri="{FF2B5EF4-FFF2-40B4-BE49-F238E27FC236}">
+                <a16:creationId xmlns:a16="http://schemas.microsoft.com/office/drawing/2014/main" id="{3344BEE8-2AE8-6E21-C924-30A2201E306D}"/>
+              </a:ext>
+            </a:extLst>
+          </p:cNvPr>
+          <p:cNvSpPr txBox="1"/>
+          <p:nvPr/>
+        </p:nvSpPr>
+        <p:spPr>
+          <a:xfrm>
+            <a:off x="10168853" y="6504551"/>
+            <a:ext cx="1955600" cy="292388"/>
+          </a:xfrm>
+          <a:prstGeom prst="rect">
+            <a:avLst/>
+          </a:prstGeom>
+          <a:noFill/>
+        </p:spPr>
+        <p:txBody>
+          <a:bodyPr wrap="none" rtlCol="0">
+            <a:spAutoFit/>
+          </a:bodyPr>
+          <a:lstStyle/>
+          <a:p>
+            <a:r>
+              <a:rPr kumimoji="1" lang="en-US" altLang="ko-KR" sz="1300">
+                <a:solidFill>
+                  <a:schemeClr val="bg1"/>
+                </a:solidFill>
+              </a:rPr>
+              <a:t>TEAM PROJECT - AERO</a:t>
+            </a:r>
+            <a:endParaRPr kumimoji="1" lang="ko-KR" altLang="en-US" sz="1300">
+              <a:solidFill>
+                <a:schemeClr val="bg1"/>
+              </a:solidFill>
+            </a:endParaRPr>
+          </a:p>
+        </p:txBody>
+      </p:sp>
+      <p:pic>
+        <p:nvPicPr>
+          <p:cNvPr id="11" name="그림 10" descr="스크린샷이(가) 표시된 사진&#10;&#10;AI 생성 콘텐츠는 정확하지 않을 수 있습니다.">
+            <a:extLst>
+              <a:ext uri="{FF2B5EF4-FFF2-40B4-BE49-F238E27FC236}">
+                <a16:creationId xmlns:a16="http://schemas.microsoft.com/office/drawing/2014/main" id="{85A5E90E-8B26-79CF-5321-7C20B0CFC9E9}"/>
+              </a:ext>
+            </a:extLst>
+          </p:cNvPr>
+          <p:cNvPicPr>
+            <a:picLocks noChangeAspect="1"/>
+          </p:cNvPicPr>
+          <p:nvPr/>
+        </p:nvPicPr>
+        <p:blipFill>
+          <a:blip r:embed="rId3"/>
+          <a:srcRect r="54017"/>
+          <a:stretch>
+            <a:fillRect/>
+          </a:stretch>
+        </p:blipFill>
+        <p:spPr>
+          <a:xfrm>
+            <a:off x="641111" y="1335776"/>
+            <a:ext cx="4268228" cy="2033489"/>
+          </a:xfrm>
+          <a:prstGeom prst="rect">
+            <a:avLst/>
+          </a:prstGeom>
+        </p:spPr>
+      </p:pic>
+      <p:pic>
+        <p:nvPicPr>
+          <p:cNvPr id="13" name="그림 12" descr="스크린샷, 보라색, 텍스트이(가) 표시된 사진&#10;&#10;AI 생성 콘텐츠는 정확하지 않을 수 있습니다.">
+            <a:extLst>
+              <a:ext uri="{FF2B5EF4-FFF2-40B4-BE49-F238E27FC236}">
+                <a16:creationId xmlns:a16="http://schemas.microsoft.com/office/drawing/2014/main" id="{3342EE83-D260-4E2C-1141-2A73A8F2CD58}"/>
+              </a:ext>
+            </a:extLst>
+          </p:cNvPr>
+          <p:cNvPicPr>
+            <a:picLocks noChangeAspect="1"/>
+          </p:cNvPicPr>
+          <p:nvPr/>
+        </p:nvPicPr>
+        <p:blipFill>
+          <a:blip r:embed="rId4"/>
+          <a:srcRect b="33061"/>
+          <a:stretch>
+            <a:fillRect/>
+          </a:stretch>
+        </p:blipFill>
+        <p:spPr>
+          <a:xfrm>
+            <a:off x="5112578" y="1340686"/>
+            <a:ext cx="4187949" cy="2033489"/>
+          </a:xfrm>
+          <a:prstGeom prst="rect">
+            <a:avLst/>
+          </a:prstGeom>
+        </p:spPr>
+      </p:pic>
+      <p:pic>
+        <p:nvPicPr>
+          <p:cNvPr id="15" name="그림 14" descr="텍스트, 스크린샷, 보라색이(가) 표시된 사진&#10;&#10;AI 생성 콘텐츠는 정확하지 않을 수 있습니다.">
+            <a:extLst>
+              <a:ext uri="{FF2B5EF4-FFF2-40B4-BE49-F238E27FC236}">
+                <a16:creationId xmlns:a16="http://schemas.microsoft.com/office/drawing/2014/main" id="{B57A591B-8C49-09F4-8CD7-7A2C0E7F53B5}"/>
+              </a:ext>
+            </a:extLst>
+          </p:cNvPr>
+          <p:cNvPicPr>
+            <a:picLocks noChangeAspect="1"/>
+          </p:cNvPicPr>
+          <p:nvPr/>
+        </p:nvPicPr>
+        <p:blipFill>
+          <a:blip r:embed="rId5"/>
+          <a:srcRect b="6773"/>
+          <a:stretch>
+            <a:fillRect/>
+          </a:stretch>
+        </p:blipFill>
+        <p:spPr>
+          <a:xfrm>
+            <a:off x="598128" y="4054169"/>
+            <a:ext cx="4324637" cy="2044566"/>
+          </a:xfrm>
+          <a:prstGeom prst="rect">
+            <a:avLst/>
+          </a:prstGeom>
+        </p:spPr>
+      </p:pic>
+      <p:pic>
+        <p:nvPicPr>
+          <p:cNvPr id="18" name="그림 17" descr="텍스트, 스크린샷, 소프트웨어, 번호이(가) 표시된 사진&#10;&#10;AI 생성 콘텐츠는 정확하지 않을 수 있습니다.">
+            <a:extLst>
+              <a:ext uri="{FF2B5EF4-FFF2-40B4-BE49-F238E27FC236}">
+                <a16:creationId xmlns:a16="http://schemas.microsoft.com/office/drawing/2014/main" id="{F167C6AB-A0A3-BF5B-0F41-13C7E8BDB7C2}"/>
+              </a:ext>
+            </a:extLst>
+          </p:cNvPr>
+          <p:cNvPicPr>
+            <a:picLocks noChangeAspect="1"/>
+          </p:cNvPicPr>
+          <p:nvPr/>
+        </p:nvPicPr>
+        <p:blipFill>
+          <a:blip r:embed="rId6"/>
+          <a:stretch>
+            <a:fillRect/>
+          </a:stretch>
+        </p:blipFill>
+        <p:spPr>
+          <a:xfrm>
+            <a:off x="9490339" y="1369613"/>
+            <a:ext cx="2608509" cy="4779349"/>
+          </a:xfrm>
+          <a:prstGeom prst="rect">
+            <a:avLst/>
+          </a:prstGeom>
+        </p:spPr>
+      </p:pic>
+      <p:pic>
+        <p:nvPicPr>
+          <p:cNvPr id="20" name="그림 19" descr="스크린샷, 텍스트, 보라색, 바이올렛색이(가) 표시된 사진&#10;&#10;AI 생성 콘텐츠는 정확하지 않을 수 있습니다.">
+            <a:extLst>
+              <a:ext uri="{FF2B5EF4-FFF2-40B4-BE49-F238E27FC236}">
+                <a16:creationId xmlns:a16="http://schemas.microsoft.com/office/drawing/2014/main" id="{A9508BC0-5D04-316E-02DA-08A38A2718EB}"/>
+              </a:ext>
+            </a:extLst>
+          </p:cNvPr>
+          <p:cNvPicPr>
+            <a:picLocks noChangeAspect="1"/>
+          </p:cNvPicPr>
+          <p:nvPr/>
+        </p:nvPicPr>
+        <p:blipFill>
+          <a:blip r:embed="rId7"/>
+          <a:srcRect b="34176"/>
+          <a:stretch>
+            <a:fillRect/>
+          </a:stretch>
+        </p:blipFill>
+        <p:spPr>
+          <a:xfrm>
+            <a:off x="5033475" y="1335776"/>
+            <a:ext cx="4267051" cy="2033489"/>
+          </a:xfrm>
+          <a:prstGeom prst="rect">
+            <a:avLst/>
+          </a:prstGeom>
+        </p:spPr>
+      </p:pic>
+      <p:pic>
+        <p:nvPicPr>
+          <p:cNvPr id="22" name="그림 21" descr="텍스트, 스크린샷이(가) 표시된 사진&#10;&#10;AI 생성 콘텐츠는 정확하지 않을 수 있습니다.">
+            <a:extLst>
+              <a:ext uri="{FF2B5EF4-FFF2-40B4-BE49-F238E27FC236}">
+                <a16:creationId xmlns:a16="http://schemas.microsoft.com/office/drawing/2014/main" id="{2CF53145-9DD8-415F-9AE3-8C51A65758A4}"/>
+              </a:ext>
+            </a:extLst>
+          </p:cNvPr>
+          <p:cNvPicPr>
+            <a:picLocks noChangeAspect="1"/>
+          </p:cNvPicPr>
+          <p:nvPr/>
+        </p:nvPicPr>
+        <p:blipFill>
+          <a:blip r:embed="rId8"/>
+          <a:srcRect b="7732"/>
+          <a:stretch>
+            <a:fillRect/>
+          </a:stretch>
+        </p:blipFill>
+        <p:spPr>
+          <a:xfrm>
+            <a:off x="598128" y="4054169"/>
+            <a:ext cx="4311211" cy="1964311"/>
+          </a:xfrm>
+          <a:prstGeom prst="rect">
+            <a:avLst/>
+          </a:prstGeom>
+        </p:spPr>
+      </p:pic>
+    </p:spTree>
+    <p:extLst>
+      <p:ext uri="{BB962C8B-B14F-4D97-AF65-F5344CB8AC3E}">
+        <p14:creationId xmlns:p14="http://schemas.microsoft.com/office/powerpoint/2010/main" val="4068240606"/>
+      </p:ext>
+    </p:extLst>
+  </p:cSld>
+  <p:clrMapOvr>
+    <a:masterClrMapping/>
+  </p:clrMapOvr>
+  <p:timing>
+    <p:tnLst>
+      <p:par>
+        <p:cTn id="1" dur="indefinite" restart="never" nodeType="tmRoot">
+          <p:childTnLst>
+            <p:seq concurrent="1" nextAc="seek">
+              <p:cTn id="2" dur="indefinite" nodeType="mainSeq">
+                <p:childTnLst>
+                  <p:par>
+                    <p:cTn id="3" fill="hold">
+                      <p:stCondLst>
+                        <p:cond delay="indefinite"/>
+                      </p:stCondLst>
+                      <p:childTnLst>
+                        <p:par>
+                          <p:cTn id="4" fill="hold">
+                            <p:stCondLst>
+                              <p:cond delay="0"/>
+                            </p:stCondLst>
+                            <p:childTnLst>
+                              <p:par>
+                                <p:cTn id="5" presetID="1" presetClass="entr" presetSubtype="0" fill="hold" grpId="0" nodeType="clickEffect">
+                                  <p:stCondLst>
+                                    <p:cond delay="0"/>
+                                  </p:stCondLst>
+                                  <p:childTnLst>
+                                    <p:set>
+                                      <p:cBhvr>
+                                        <p:cTn id="6" dur="1" fill="hold">
+                                          <p:stCondLst>
+                                            <p:cond delay="0"/>
+                                          </p:stCondLst>
+                                        </p:cTn>
+                                        <p:tgtEl>
+                                          <p:spTgt spid="3"/>
+                                        </p:tgtEl>
+                                        <p:attrNameLst>
+                                          <p:attrName>style.visibility</p:attrName>
+                                        </p:attrNameLst>
+                                      </p:cBhvr>
+                                      <p:to>
+                                        <p:strVal val="visible"/>
+                                      </p:to>
+                                    </p:set>
+                                  </p:childTnLst>
+                                </p:cTn>
+                              </p:par>
+                            </p:childTnLst>
+                          </p:cTn>
+                        </p:par>
+                      </p:childTnLst>
+                    </p:cTn>
+                  </p:par>
+                </p:childTnLst>
+              </p:cTn>
+              <p:prevCondLst>
+                <p:cond evt="onPrev" delay="0">
+                  <p:tgtEl>
+                    <p:sldTgt/>
+                  </p:tgtEl>
+                </p:cond>
+              </p:prevCondLst>
+              <p:nextCondLst>
+                <p:cond evt="onNext" delay="0">
+                  <p:tgtEl>
+                    <p:sldTgt/>
+                  </p:tgtEl>
+                </p:cond>
+              </p:nextCondLst>
+            </p:seq>
+          </p:childTnLst>
+        </p:cTn>
+      </p:par>
+    </p:tnLst>
+    <p:bldLst>
+      <p:bldP spid="3" grpId="0" animBg="1"/>
+    </p:bldLst>
+  </p:timing>
+</p:sld>
+</file>
+
+<file path=ppt/slides/slide5.xml><?xml version="1.0" encoding="utf-8"?>
 <p:sld xmlns:a="http://schemas.openxmlformats.org/drawingml/2006/main" xmlns:r="http://schemas.openxmlformats.org/officeDocument/2006/relationships" xmlns:p="http://schemas.openxmlformats.org/presentationml/2006/main">
   <p:cSld>
     <p:bg>
@@ -10858,6 +11602,53 @@
           <a:chExt cx="0" cy="0"/>
         </a:xfrm>
       </p:grpSpPr>
+      <p:pic>
+        <p:nvPicPr>
+          <p:cNvPr id="5" name="Picture 2" descr="Gradient background 벡터 - Freepik에서 무료 고품질 벡터를 다운로드하세요 | Freepik">
+            <a:extLst>
+              <a:ext uri="{FF2B5EF4-FFF2-40B4-BE49-F238E27FC236}">
+                <a16:creationId xmlns:a16="http://schemas.microsoft.com/office/drawing/2014/main" id="{3B322A84-992C-0E70-73AA-F7F7D065DC3E}"/>
+              </a:ext>
+            </a:extLst>
+          </p:cNvPr>
+          <p:cNvPicPr>
+            <a:picLocks noChangeAspect="1" noChangeArrowheads="1"/>
+          </p:cNvPicPr>
+          <p:nvPr/>
+        </p:nvPicPr>
+        <p:blipFill rotWithShape="1">
+          <a:blip r:embed="rId2">
+            <a:extLst>
+              <a:ext uri="{28A0092B-C50C-407E-A947-70E740481C1C}">
+                <a14:useLocalDpi xmlns:a14="http://schemas.microsoft.com/office/drawing/2010/main" val="0"/>
+              </a:ext>
+            </a:extLst>
+          </a:blip>
+          <a:srcRect t="7755" b="7829"/>
+          <a:stretch>
+            <a:fillRect/>
+          </a:stretch>
+        </p:blipFill>
+        <p:spPr bwMode="auto">
+          <a:xfrm>
+            <a:off x="28101" y="0"/>
+            <a:ext cx="12183727" cy="6852066"/>
+          </a:xfrm>
+          <a:prstGeom prst="rect">
+            <a:avLst/>
+          </a:prstGeom>
+          <a:noFill/>
+          <a:extLst>
+            <a:ext uri="{909E8E84-426E-40DD-AFC4-6F175D3DCCD1}">
+              <a14:hiddenFill xmlns:a14="http://schemas.microsoft.com/office/drawing/2010/main">
+                <a:solidFill>
+                  <a:srgbClr val="FFFFFF"/>
+                </a:solidFill>
+              </a14:hiddenFill>
+            </a:ext>
+          </a:extLst>
+        </p:spPr>
+      </p:pic>
       <p:sp>
         <p:nvSpPr>
           <p:cNvPr id="17" name="직사각형 16">
@@ -10872,8 +11663,8 @@
         </p:nvSpPr>
         <p:spPr>
           <a:xfrm>
-            <a:off x="1463817" y="491146"/>
-            <a:ext cx="9411831" cy="6297235"/>
+            <a:off x="391887" y="1140945"/>
+            <a:ext cx="11413670" cy="5363606"/>
           </a:xfrm>
           <a:prstGeom prst="rect">
             <a:avLst/>
@@ -10882,9 +11673,29 @@
             <a:srgbClr val="6C35C5"/>
           </a:solidFill>
           <a:ln>
-            <a:solidFill>
-              <a:srgbClr val="6C35C5"/>
-            </a:solidFill>
+            <a:gradFill flip="none" rotWithShape="1">
+              <a:gsLst>
+                <a:gs pos="0">
+                  <a:schemeClr val="accent1">
+                    <a:lumMod val="67000"/>
+                  </a:schemeClr>
+                </a:gs>
+                <a:gs pos="48000">
+                  <a:schemeClr val="accent1">
+                    <a:lumMod val="97000"/>
+                    <a:lumOff val="3000"/>
+                  </a:schemeClr>
+                </a:gs>
+                <a:gs pos="100000">
+                  <a:schemeClr val="accent1">
+                    <a:lumMod val="60000"/>
+                    <a:lumOff val="40000"/>
+                  </a:schemeClr>
+                </a:gs>
+              </a:gsLst>
+              <a:lin ang="16200000" scaled="1"/>
+              <a:tileRect/>
+            </a:gradFill>
           </a:ln>
         </p:spPr>
         <p:style>
@@ -10926,8 +11737,8 @@
         </p:nvSpPr>
         <p:spPr>
           <a:xfrm>
-            <a:off x="5290741" y="494614"/>
-            <a:ext cx="1757982" cy="646331"/>
+            <a:off x="5045065" y="341382"/>
+            <a:ext cx="2249334" cy="646331"/>
           </a:xfrm>
           <a:prstGeom prst="rect">
             <a:avLst/>
@@ -10941,20 +11752,18 @@
           <a:lstStyle/>
           <a:p>
             <a:r>
-              <a:rPr kumimoji="1" lang="en-US" altLang="ko-KR" sz="3600">
+              <a:rPr kumimoji="1" lang="en-US" altLang="ko-KR" sz="3600" dirty="0">
                 <a:solidFill>
                   <a:srgbClr val="FAD935"/>
                 </a:solidFill>
-                <a:latin typeface="Apple Braille" pitchFamily="2" charset="0"/>
                 <a:ea typeface="BM DoHyeon OTF" panose="020B0600000101010101" pitchFamily="34" charset="-127"/>
               </a:rPr>
-              <a:t>Mockup</a:t>
-            </a:r>
-            <a:endParaRPr kumimoji="1" lang="ko-KR" altLang="en-US" sz="3600">
+              <a:t>Preview II</a:t>
+            </a:r>
+            <a:endParaRPr kumimoji="1" lang="ko-KR" altLang="en-US" sz="3600" dirty="0">
               <a:solidFill>
                 <a:srgbClr val="FAD935"/>
               </a:solidFill>
-              <a:latin typeface="Apple Braille" pitchFamily="2" charset="0"/>
               <a:ea typeface="BM DoHyeon OTF" panose="020B0600000101010101" pitchFamily="34" charset="-127"/>
             </a:endParaRPr>
           </a:p>
@@ -10975,7 +11784,7 @@
         <p:spPr>
           <a:xfrm>
             <a:off x="28101" y="69618"/>
-            <a:ext cx="1678408" cy="292388"/>
+            <a:ext cx="1719060" cy="292388"/>
           </a:xfrm>
           <a:prstGeom prst="rect">
             <a:avLst/>
@@ -10993,7 +11802,6 @@
                 <a:solidFill>
                   <a:schemeClr val="bg1"/>
                 </a:solidFill>
-                <a:latin typeface="Apple Braille" pitchFamily="2" charset="0"/>
               </a:rPr>
               <a:t>ID: PROJECT - AERO</a:t>
             </a:r>
@@ -11001,7 +11809,6 @@
               <a:solidFill>
                 <a:schemeClr val="bg1"/>
               </a:solidFill>
-              <a:latin typeface="Apple Braille" pitchFamily="2" charset="0"/>
             </a:endParaRPr>
           </a:p>
         </p:txBody>
@@ -11020,7 +11827,7 @@
         </p:nvSpPr>
         <p:spPr>
           <a:xfrm>
-            <a:off x="6298096" y="1384434"/>
+            <a:off x="7111743" y="1414804"/>
             <a:ext cx="4157675" cy="2044566"/>
           </a:xfrm>
           <a:prstGeom prst="rect">
@@ -11069,7 +11876,7 @@
         </p:nvSpPr>
         <p:spPr>
           <a:xfrm>
-            <a:off x="9516836" y="671585"/>
+            <a:off x="9740170" y="742211"/>
             <a:ext cx="1124162" cy="292388"/>
           </a:xfrm>
           <a:prstGeom prst="rect">
@@ -11215,7 +12022,7 @@
         </p:nvSpPr>
         <p:spPr>
           <a:xfrm>
-            <a:off x="6291020" y="4071223"/>
+            <a:off x="7138512" y="4054169"/>
             <a:ext cx="4157675" cy="2044566"/>
           </a:xfrm>
           <a:prstGeom prst="rect">
@@ -11264,8 +12071,8 @@
         </p:nvSpPr>
         <p:spPr>
           <a:xfrm>
-            <a:off x="3001419" y="3432466"/>
-            <a:ext cx="1678408" cy="292388"/>
+            <a:off x="2410833" y="3442735"/>
+            <a:ext cx="2509918" cy="292388"/>
           </a:xfrm>
           <a:prstGeom prst="rect">
             <a:avLst/>
@@ -11273,25 +12080,26 @@
           <a:noFill/>
         </p:spPr>
         <p:txBody>
-          <a:bodyPr wrap="none" rtlCol="0">
+          <a:bodyPr wrap="none" lIns="91440" tIns="45720" rIns="91440" bIns="45720" rtlCol="0" anchor="t">
             <a:spAutoFit/>
           </a:bodyPr>
           <a:lstStyle/>
           <a:p>
             <a:r>
-              <a:rPr kumimoji="1" lang="en-US" altLang="ko-KR" sz="1300">
+              <a:rPr kumimoji="1" lang="en-US" sz="1300" dirty="0">
                 <a:solidFill>
                   <a:schemeClr val="bg1"/>
                 </a:solidFill>
-                <a:latin typeface="Apple Braille" pitchFamily="2" charset="0"/>
+                <a:ea typeface="+mn-lt"/>
+                <a:cs typeface="+mn-lt"/>
               </a:rPr>
-              <a:t>ID: PROJECT - AERO</a:t>
-            </a:r>
-            <a:endParaRPr kumimoji="1" lang="ko-KR" altLang="en-US" sz="1300">
+              <a:t>Stored Ingredient Visualization</a:t>
+            </a:r>
+            <a:endParaRPr lang="en-US" altLang="ko-KR" dirty="0">
               <a:solidFill>
                 <a:schemeClr val="bg1"/>
               </a:solidFill>
-              <a:latin typeface="Apple Braille" pitchFamily="2" charset="0"/>
+              <a:ea typeface="맑은 고딕"/>
             </a:endParaRPr>
           </a:p>
         </p:txBody>
@@ -11310,8 +12118,8 @@
         </p:nvSpPr>
         <p:spPr>
           <a:xfrm>
-            <a:off x="7512173" y="3483156"/>
-            <a:ext cx="1678408" cy="292388"/>
+            <a:off x="8048544" y="3464559"/>
+            <a:ext cx="2573974" cy="292388"/>
           </a:xfrm>
           <a:prstGeom prst="rect">
             <a:avLst/>
@@ -11319,25 +12127,25 @@
           <a:noFill/>
         </p:spPr>
         <p:txBody>
-          <a:bodyPr wrap="none" rtlCol="0">
+          <a:bodyPr wrap="none" lIns="91440" tIns="45720" rIns="91440" bIns="45720" rtlCol="0" anchor="t">
             <a:spAutoFit/>
           </a:bodyPr>
           <a:lstStyle/>
           <a:p>
             <a:r>
-              <a:rPr kumimoji="1" lang="en-US" altLang="ko-KR" sz="1300">
+              <a:rPr kumimoji="1" lang="en-US" sz="1300" dirty="0">
                 <a:solidFill>
                   <a:schemeClr val="bg1"/>
                 </a:solidFill>
-                <a:latin typeface="Apple Braille" pitchFamily="2" charset="0"/>
+                <a:ea typeface="+mn-lt"/>
+                <a:cs typeface="+mn-lt"/>
               </a:rPr>
-              <a:t>ID: PROJECT - AERO</a:t>
-            </a:r>
-            <a:endParaRPr kumimoji="1" lang="ko-KR" altLang="en-US" sz="1300">
+              <a:t>Data Visualization - Ingredients</a:t>
+            </a:r>
+            <a:endParaRPr lang="en-US" altLang="ko-KR" dirty="0">
               <a:solidFill>
                 <a:schemeClr val="bg1"/>
               </a:solidFill>
-              <a:latin typeface="Apple Braille" pitchFamily="2" charset="0"/>
             </a:endParaRPr>
           </a:p>
         </p:txBody>
@@ -11356,8 +12164,8 @@
         </p:nvSpPr>
         <p:spPr>
           <a:xfrm>
-            <a:off x="3001419" y="6115789"/>
-            <a:ext cx="1678408" cy="292388"/>
+            <a:off x="2141241" y="6099025"/>
+            <a:ext cx="3082895" cy="292388"/>
           </a:xfrm>
           <a:prstGeom prst="rect">
             <a:avLst/>
@@ -11365,26 +12173,22 @@
           <a:noFill/>
         </p:spPr>
         <p:txBody>
-          <a:bodyPr wrap="none" rtlCol="0">
+          <a:bodyPr wrap="none" lIns="91440" tIns="45720" rIns="91440" bIns="45720" rtlCol="0" anchor="t">
             <a:spAutoFit/>
           </a:bodyPr>
           <a:lstStyle/>
           <a:p>
             <a:r>
-              <a:rPr kumimoji="1" lang="en-US" altLang="ko-KR" sz="1300">
+              <a:rPr kumimoji="1" lang="en-US" sz="1300" dirty="0">
                 <a:solidFill>
                   <a:schemeClr val="bg1"/>
                 </a:solidFill>
-                <a:latin typeface="Apple Braille" pitchFamily="2" charset="0"/>
+                <a:ea typeface="+mn-lt"/>
+                <a:cs typeface="+mn-lt"/>
               </a:rPr>
-              <a:t>ID: PROJECT - AERO</a:t>
-            </a:r>
-            <a:endParaRPr kumimoji="1" lang="ko-KR" altLang="en-US" sz="1300">
-              <a:solidFill>
-                <a:schemeClr val="bg1"/>
-              </a:solidFill>
-              <a:latin typeface="Apple Braille" pitchFamily="2" charset="0"/>
-            </a:endParaRPr>
+              <a:t>Data Visualization - Cooking Methods</a:t>
+            </a:r>
+            <a:endParaRPr lang="en-US" altLang="ko-KR" dirty="0"/>
           </a:p>
         </p:txBody>
       </p:sp>
@@ -11402,8 +12206,8 @@
         </p:nvSpPr>
         <p:spPr>
           <a:xfrm>
-            <a:off x="7512173" y="6098735"/>
-            <a:ext cx="1678408" cy="292388"/>
+            <a:off x="8011314" y="6115789"/>
+            <a:ext cx="2460161" cy="292388"/>
           </a:xfrm>
           <a:prstGeom prst="rect">
             <a:avLst/>
@@ -11411,29 +12215,236 @@
           <a:noFill/>
         </p:spPr>
         <p:txBody>
+          <a:bodyPr wrap="none" lIns="91440" tIns="45720" rIns="91440" bIns="45720" rtlCol="0" anchor="t">
+            <a:spAutoFit/>
+          </a:bodyPr>
+          <a:lstStyle/>
+          <a:p>
+            <a:r>
+              <a:rPr kumimoji="1" lang="en-US" sz="1300" dirty="0">
+                <a:solidFill>
+                  <a:schemeClr val="bg1"/>
+                </a:solidFill>
+                <a:ea typeface="+mn-lt"/>
+                <a:cs typeface="+mn-lt"/>
+              </a:rPr>
+              <a:t>Additional features (e.g. food)</a:t>
+            </a:r>
+            <a:endParaRPr lang="en-US" altLang="ko-KR" dirty="0"/>
+          </a:p>
+        </p:txBody>
+      </p:sp>
+      <p:sp>
+        <p:nvSpPr>
+          <p:cNvPr id="2" name="TextBox 1">
+            <a:extLst>
+              <a:ext uri="{FF2B5EF4-FFF2-40B4-BE49-F238E27FC236}">
+                <a16:creationId xmlns:a16="http://schemas.microsoft.com/office/drawing/2014/main" id="{3596B92F-054A-7721-BD7F-20E6F6512A39}"/>
+              </a:ext>
+            </a:extLst>
+          </p:cNvPr>
+          <p:cNvSpPr txBox="1"/>
+          <p:nvPr/>
+        </p:nvSpPr>
+        <p:spPr>
+          <a:xfrm>
+            <a:off x="9740170" y="742211"/>
+            <a:ext cx="1124162" cy="292388"/>
+          </a:xfrm>
+          <a:prstGeom prst="rect">
+            <a:avLst/>
+          </a:prstGeom>
+          <a:solidFill>
+            <a:srgbClr val="FF9300"/>
+          </a:solidFill>
+          <a:ln>
+            <a:solidFill>
+              <a:schemeClr val="bg1"/>
+            </a:solidFill>
+          </a:ln>
+        </p:spPr>
+        <p:txBody>
+          <a:bodyPr wrap="square" rtlCol="0">
+            <a:spAutoFit/>
+          </a:bodyPr>
+          <a:lstStyle/>
+          <a:p>
+            <a:pPr algn="ctr"/>
+            <a:r>
+              <a:rPr kumimoji="1" lang="en-US" altLang="ko-KR" sz="1300" dirty="0"/>
+              <a:t>Next</a:t>
+            </a:r>
+            <a:endParaRPr kumimoji="1" lang="ko-KR" altLang="en-US" sz="1300" dirty="0"/>
+          </a:p>
+        </p:txBody>
+      </p:sp>
+      <p:sp>
+        <p:nvSpPr>
+          <p:cNvPr id="3" name="TextBox 2">
+            <a:extLst>
+              <a:ext uri="{FF2B5EF4-FFF2-40B4-BE49-F238E27FC236}">
+                <a16:creationId xmlns:a16="http://schemas.microsoft.com/office/drawing/2014/main" id="{DFE950B3-9850-7B48-F96B-E1B280E58B56}"/>
+              </a:ext>
+            </a:extLst>
+          </p:cNvPr>
+          <p:cNvSpPr txBox="1"/>
+          <p:nvPr/>
+        </p:nvSpPr>
+        <p:spPr>
+          <a:xfrm>
+            <a:off x="10168853" y="6504551"/>
+            <a:ext cx="1955600" cy="292388"/>
+          </a:xfrm>
+          <a:prstGeom prst="rect">
+            <a:avLst/>
+          </a:prstGeom>
+          <a:noFill/>
+        </p:spPr>
+        <p:txBody>
           <a:bodyPr wrap="none" rtlCol="0">
             <a:spAutoFit/>
           </a:bodyPr>
           <a:lstStyle/>
           <a:p>
             <a:r>
-              <a:rPr kumimoji="1" lang="en-US" altLang="ko-KR" sz="1300">
+              <a:rPr kumimoji="1" lang="en-US" altLang="ko-KR" sz="1300" dirty="0">
                 <a:solidFill>
                   <a:schemeClr val="bg1"/>
                 </a:solidFill>
-                <a:latin typeface="Apple Braille" pitchFamily="2" charset="0"/>
               </a:rPr>
-              <a:t>ID: PROJECT - AERO</a:t>
-            </a:r>
-            <a:endParaRPr kumimoji="1" lang="ko-KR" altLang="en-US" sz="1300">
+              <a:t>TEAM PROJECT - AERO</a:t>
+            </a:r>
+            <a:endParaRPr kumimoji="1" lang="ko-KR" altLang="en-US" sz="1300" dirty="0">
               <a:solidFill>
                 <a:schemeClr val="bg1"/>
               </a:solidFill>
-              <a:latin typeface="Apple Braille" pitchFamily="2" charset="0"/>
             </a:endParaRPr>
           </a:p>
         </p:txBody>
       </p:sp>
+      <p:pic>
+        <p:nvPicPr>
+          <p:cNvPr id="8" name="그림 7" descr="스크린샷, 텍스트이(가) 표시된 사진&#10;&#10;AI 생성 콘텐츠는 정확하지 않을 수 있습니다.">
+            <a:extLst>
+              <a:ext uri="{FF2B5EF4-FFF2-40B4-BE49-F238E27FC236}">
+                <a16:creationId xmlns:a16="http://schemas.microsoft.com/office/drawing/2014/main" id="{165670D9-DEE5-7300-9D22-D742CD2C98CA}"/>
+              </a:ext>
+            </a:extLst>
+          </p:cNvPr>
+          <p:cNvPicPr>
+            <a:picLocks noChangeAspect="1"/>
+          </p:cNvPicPr>
+          <p:nvPr/>
+        </p:nvPicPr>
+        <p:blipFill>
+          <a:blip r:embed="rId3"/>
+          <a:srcRect r="1787"/>
+          <a:stretch>
+            <a:fillRect/>
+          </a:stretch>
+        </p:blipFill>
+        <p:spPr>
+          <a:xfrm>
+            <a:off x="632681" y="1388664"/>
+            <a:ext cx="5942923" cy="2070706"/>
+          </a:xfrm>
+          <a:prstGeom prst="rect">
+            <a:avLst/>
+          </a:prstGeom>
+        </p:spPr>
+      </p:pic>
+      <p:pic>
+        <p:nvPicPr>
+          <p:cNvPr id="10" name="그림 9" descr="텍스트, 스크린샷, 폰트이(가) 표시된 사진&#10;&#10;AI 생성 콘텐츠는 정확하지 않을 수 있습니다.">
+            <a:extLst>
+              <a:ext uri="{FF2B5EF4-FFF2-40B4-BE49-F238E27FC236}">
+                <a16:creationId xmlns:a16="http://schemas.microsoft.com/office/drawing/2014/main" id="{59690362-3748-0210-29F7-21C9E1F7DD71}"/>
+              </a:ext>
+            </a:extLst>
+          </p:cNvPr>
+          <p:cNvPicPr>
+            <a:picLocks noChangeAspect="1"/>
+          </p:cNvPicPr>
+          <p:nvPr/>
+        </p:nvPicPr>
+        <p:blipFill>
+          <a:blip r:embed="rId4"/>
+          <a:srcRect r="4592"/>
+          <a:stretch>
+            <a:fillRect/>
+          </a:stretch>
+        </p:blipFill>
+        <p:spPr>
+          <a:xfrm>
+            <a:off x="7111743" y="1409003"/>
+            <a:ext cx="4447576" cy="2038918"/>
+          </a:xfrm>
+          <a:prstGeom prst="rect">
+            <a:avLst/>
+          </a:prstGeom>
+        </p:spPr>
+      </p:pic>
+      <p:pic>
+        <p:nvPicPr>
+          <p:cNvPr id="12" name="그림 11" descr="텍스트, 폰트, 스크린샷, 디자인이(가) 표시된 사진&#10;&#10;AI 생성 콘텐츠는 정확하지 않을 수 있습니다.">
+            <a:extLst>
+              <a:ext uri="{FF2B5EF4-FFF2-40B4-BE49-F238E27FC236}">
+                <a16:creationId xmlns:a16="http://schemas.microsoft.com/office/drawing/2014/main" id="{F53C2F1F-92C1-5CF9-5524-79A24A6989EB}"/>
+              </a:ext>
+            </a:extLst>
+          </p:cNvPr>
+          <p:cNvPicPr>
+            <a:picLocks noChangeAspect="1"/>
+          </p:cNvPicPr>
+          <p:nvPr/>
+        </p:nvPicPr>
+        <p:blipFill>
+          <a:blip r:embed="rId5"/>
+          <a:srcRect b="32041"/>
+          <a:stretch>
+            <a:fillRect/>
+          </a:stretch>
+        </p:blipFill>
+        <p:spPr>
+          <a:xfrm>
+            <a:off x="632681" y="4010747"/>
+            <a:ext cx="5996461" cy="2070707"/>
+          </a:xfrm>
+          <a:prstGeom prst="rect">
+            <a:avLst/>
+          </a:prstGeom>
+        </p:spPr>
+      </p:pic>
+      <p:pic>
+        <p:nvPicPr>
+          <p:cNvPr id="14" name="그림 13" descr="텍스트, 스크린샷이(가) 표시된 사진&#10;&#10;AI 생성 콘텐츠는 정확하지 않을 수 있습니다.">
+            <a:extLst>
+              <a:ext uri="{FF2B5EF4-FFF2-40B4-BE49-F238E27FC236}">
+                <a16:creationId xmlns:a16="http://schemas.microsoft.com/office/drawing/2014/main" id="{037FA0EB-4D7A-DD37-D505-394B0AF2F18B}"/>
+              </a:ext>
+            </a:extLst>
+          </p:cNvPr>
+          <p:cNvPicPr>
+            <a:picLocks noChangeAspect="1"/>
+          </p:cNvPicPr>
+          <p:nvPr/>
+        </p:nvPicPr>
+        <p:blipFill>
+          <a:blip r:embed="rId6"/>
+          <a:stretch>
+            <a:fillRect/>
+          </a:stretch>
+        </p:blipFill>
+        <p:spPr>
+          <a:xfrm>
+            <a:off x="7138512" y="3999094"/>
+            <a:ext cx="4447576" cy="2082293"/>
+          </a:xfrm>
+          <a:prstGeom prst="rect">
+            <a:avLst/>
+          </a:prstGeom>
+        </p:spPr>
+      </p:pic>
     </p:spTree>
     <p:extLst>
       <p:ext uri="{BB962C8B-B14F-4D97-AF65-F5344CB8AC3E}">
@@ -11444,626 +12455,96 @@
   <p:clrMapOvr>
     <a:masterClrMapping/>
   </p:clrMapOvr>
-</p:sld>
-</file>
-
-<file path=ppt/slides/slide5.xml><?xml version="1.0" encoding="utf-8"?>
-<p:sld xmlns:a="http://schemas.openxmlformats.org/drawingml/2006/main" xmlns:r="http://schemas.openxmlformats.org/officeDocument/2006/relationships" xmlns:p="http://schemas.openxmlformats.org/presentationml/2006/main">
-  <p:cSld>
-    <p:bg>
-      <p:bgPr>
-        <a:solidFill>
-          <a:srgbClr val="2E1C82"/>
-        </a:solidFill>
-        <a:effectLst/>
-      </p:bgPr>
-    </p:bg>
-    <p:spTree>
-      <p:nvGrpSpPr>
-        <p:cNvPr id="1" name="">
-          <a:extLst>
-            <a:ext uri="{FF2B5EF4-FFF2-40B4-BE49-F238E27FC236}">
-              <a16:creationId xmlns:a16="http://schemas.microsoft.com/office/drawing/2014/main" id="{6A2836DC-0182-327F-C07C-DE5A51FB59F0}"/>
-            </a:ext>
-          </a:extLst>
-        </p:cNvPr>
-        <p:cNvGrpSpPr/>
-        <p:nvPr/>
-      </p:nvGrpSpPr>
-      <p:grpSpPr>
-        <a:xfrm>
-          <a:off x="0" y="0"/>
-          <a:ext cx="0" cy="0"/>
-          <a:chOff x="0" y="0"/>
-          <a:chExt cx="0" cy="0"/>
-        </a:xfrm>
-      </p:grpSpPr>
-      <p:sp>
-        <p:nvSpPr>
-          <p:cNvPr id="17" name="직사각형 16">
-            <a:extLst>
-              <a:ext uri="{FF2B5EF4-FFF2-40B4-BE49-F238E27FC236}">
-                <a16:creationId xmlns:a16="http://schemas.microsoft.com/office/drawing/2014/main" id="{451C9030-4750-7C99-8AF2-C07B0C34E920}"/>
-              </a:ext>
-            </a:extLst>
-          </p:cNvPr>
-          <p:cNvSpPr/>
-          <p:nvPr/>
-        </p:nvSpPr>
-        <p:spPr>
-          <a:xfrm>
-            <a:off x="1463817" y="491146"/>
-            <a:ext cx="9411831" cy="6297235"/>
-          </a:xfrm>
-          <a:prstGeom prst="rect">
-            <a:avLst/>
-          </a:prstGeom>
-          <a:solidFill>
-            <a:srgbClr val="6C35C5"/>
-          </a:solidFill>
-          <a:ln>
-            <a:solidFill>
-              <a:srgbClr val="6C35C5"/>
-            </a:solidFill>
-          </a:ln>
-        </p:spPr>
-        <p:style>
-          <a:lnRef idx="2">
-            <a:schemeClr val="accent1">
-              <a:shade val="15000"/>
-            </a:schemeClr>
-          </a:lnRef>
-          <a:fillRef idx="1">
-            <a:schemeClr val="accent1"/>
-          </a:fillRef>
-          <a:effectRef idx="0">
-            <a:schemeClr val="accent1"/>
-          </a:effectRef>
-          <a:fontRef idx="minor">
-            <a:schemeClr val="lt1"/>
-          </a:fontRef>
-        </p:style>
-        <p:txBody>
-          <a:bodyPr rtlCol="0" anchor="ctr"/>
-          <a:lstStyle/>
-          <a:p>
-            <a:pPr algn="ctr"/>
-            <a:endParaRPr kumimoji="1" lang="ko-KR" altLang="en-US"/>
-          </a:p>
-        </p:txBody>
-      </p:sp>
-      <p:sp>
-        <p:nvSpPr>
-          <p:cNvPr id="4" name="TextBox 3">
-            <a:extLst>
-              <a:ext uri="{FF2B5EF4-FFF2-40B4-BE49-F238E27FC236}">
-                <a16:creationId xmlns:a16="http://schemas.microsoft.com/office/drawing/2014/main" id="{42B1A420-D0D1-2523-CF01-FBD568D86872}"/>
-              </a:ext>
-            </a:extLst>
-          </p:cNvPr>
-          <p:cNvSpPr txBox="1"/>
-          <p:nvPr/>
-        </p:nvSpPr>
-        <p:spPr>
-          <a:xfrm>
-            <a:off x="5290741" y="494614"/>
-            <a:ext cx="1757982" cy="646331"/>
-          </a:xfrm>
-          <a:prstGeom prst="rect">
-            <a:avLst/>
-          </a:prstGeom>
-          <a:noFill/>
-        </p:spPr>
-        <p:txBody>
-          <a:bodyPr wrap="none" rtlCol="0">
-            <a:spAutoFit/>
-          </a:bodyPr>
-          <a:lstStyle/>
-          <a:p>
-            <a:r>
-              <a:rPr kumimoji="1" lang="en-US" altLang="ko-KR" sz="3600">
-                <a:solidFill>
-                  <a:srgbClr val="FAD935"/>
-                </a:solidFill>
-                <a:latin typeface="Apple Braille" pitchFamily="2" charset="0"/>
-                <a:ea typeface="BM DoHyeon OTF" panose="020B0600000101010101" pitchFamily="34" charset="-127"/>
-              </a:rPr>
-              <a:t>Mockup</a:t>
-            </a:r>
-            <a:endParaRPr kumimoji="1" lang="ko-KR" altLang="en-US" sz="3600">
-              <a:solidFill>
-                <a:srgbClr val="FAD935"/>
-              </a:solidFill>
-              <a:latin typeface="Apple Braille" pitchFamily="2" charset="0"/>
-              <a:ea typeface="BM DoHyeon OTF" panose="020B0600000101010101" pitchFamily="34" charset="-127"/>
-            </a:endParaRPr>
-          </a:p>
-        </p:txBody>
-      </p:sp>
-      <p:sp>
-        <p:nvSpPr>
-          <p:cNvPr id="7" name="TextBox 6">
-            <a:extLst>
-              <a:ext uri="{FF2B5EF4-FFF2-40B4-BE49-F238E27FC236}">
-                <a16:creationId xmlns:a16="http://schemas.microsoft.com/office/drawing/2014/main" id="{F025557B-6B41-4952-9B31-9F9DDD586F0D}"/>
-              </a:ext>
-            </a:extLst>
-          </p:cNvPr>
-          <p:cNvSpPr txBox="1"/>
-          <p:nvPr/>
-        </p:nvSpPr>
-        <p:spPr>
-          <a:xfrm>
-            <a:off x="28101" y="69618"/>
-            <a:ext cx="1678408" cy="292388"/>
-          </a:xfrm>
-          <a:prstGeom prst="rect">
-            <a:avLst/>
-          </a:prstGeom>
-          <a:noFill/>
-        </p:spPr>
-        <p:txBody>
-          <a:bodyPr wrap="none" rtlCol="0">
-            <a:spAutoFit/>
-          </a:bodyPr>
-          <a:lstStyle/>
-          <a:p>
-            <a:r>
-              <a:rPr kumimoji="1" lang="en-US" altLang="ko-KR" sz="1300">
-                <a:solidFill>
-                  <a:schemeClr val="bg1"/>
-                </a:solidFill>
-                <a:latin typeface="Apple Braille" pitchFamily="2" charset="0"/>
-              </a:rPr>
-              <a:t>ID: PROJECT - AERO</a:t>
-            </a:r>
-            <a:endParaRPr kumimoji="1" lang="ko-KR" altLang="en-US" sz="1300">
-              <a:solidFill>
-                <a:schemeClr val="bg1"/>
-              </a:solidFill>
-              <a:latin typeface="Apple Braille" pitchFamily="2" charset="0"/>
-            </a:endParaRPr>
-          </a:p>
-        </p:txBody>
-      </p:sp>
-      <p:sp>
-        <p:nvSpPr>
-          <p:cNvPr id="34" name="직사각형 33">
-            <a:extLst>
-              <a:ext uri="{FF2B5EF4-FFF2-40B4-BE49-F238E27FC236}">
-                <a16:creationId xmlns:a16="http://schemas.microsoft.com/office/drawing/2014/main" id="{3901AB90-86F3-C077-3D45-F1623405FCAF}"/>
-              </a:ext>
-            </a:extLst>
-          </p:cNvPr>
-          <p:cNvSpPr/>
-          <p:nvPr/>
-        </p:nvSpPr>
-        <p:spPr>
-          <a:xfrm>
-            <a:off x="6298096" y="1384434"/>
-            <a:ext cx="4157675" cy="2044566"/>
-          </a:xfrm>
-          <a:prstGeom prst="rect">
-            <a:avLst/>
-          </a:prstGeom>
-        </p:spPr>
-        <p:style>
-          <a:lnRef idx="2">
-            <a:schemeClr val="accent1">
-              <a:shade val="15000"/>
-            </a:schemeClr>
-          </a:lnRef>
-          <a:fillRef idx="1">
-            <a:schemeClr val="accent1"/>
-          </a:fillRef>
-          <a:effectRef idx="0">
-            <a:schemeClr val="accent1"/>
-          </a:effectRef>
-          <a:fontRef idx="minor">
-            <a:schemeClr val="lt1"/>
-          </a:fontRef>
-        </p:style>
-        <p:txBody>
-          <a:bodyPr rtlCol="0" anchor="ctr"/>
-          <a:lstStyle/>
-          <a:p>
-            <a:pPr algn="ctr"/>
-            <a:r>
-              <a:rPr kumimoji="1" lang="ko-KR" altLang="en-US"/>
-              <a:t>그래프</a:t>
-            </a:r>
-          </a:p>
-        </p:txBody>
-      </p:sp>
-      <p:sp>
-        <p:nvSpPr>
-          <p:cNvPr id="39" name="TextBox 38">
-            <a:extLst>
-              <a:ext uri="{FF2B5EF4-FFF2-40B4-BE49-F238E27FC236}">
-                <a16:creationId xmlns:a16="http://schemas.microsoft.com/office/drawing/2014/main" id="{6C1902C3-CE22-B9BE-0459-181301CEEB06}"/>
-              </a:ext>
-            </a:extLst>
-          </p:cNvPr>
-          <p:cNvSpPr txBox="1"/>
-          <p:nvPr/>
-        </p:nvSpPr>
-        <p:spPr>
-          <a:xfrm>
-            <a:off x="9516836" y="671585"/>
-            <a:ext cx="1124162" cy="292388"/>
-          </a:xfrm>
-          <a:prstGeom prst="rect">
-            <a:avLst/>
-          </a:prstGeom>
-          <a:solidFill>
-            <a:srgbClr val="FAD935"/>
-          </a:solidFill>
-          <a:ln>
-            <a:solidFill>
-              <a:schemeClr val="bg1"/>
-            </a:solidFill>
-          </a:ln>
-        </p:spPr>
-        <p:txBody>
-          <a:bodyPr wrap="square" rtlCol="0">
-            <a:spAutoFit/>
-          </a:bodyPr>
-          <a:lstStyle/>
-          <a:p>
-            <a:pPr algn="ctr"/>
-            <a:r>
-              <a:rPr kumimoji="1" lang="en-US" altLang="ko-KR" sz="1300">
-                <a:latin typeface="Apple Braille" pitchFamily="2" charset="0"/>
-              </a:rPr>
-              <a:t>Next</a:t>
-            </a:r>
-            <a:endParaRPr kumimoji="1" lang="ko-KR" altLang="en-US" sz="1300">
-              <a:latin typeface="Apple Braille" pitchFamily="2" charset="0"/>
-            </a:endParaRPr>
-          </a:p>
-        </p:txBody>
-      </p:sp>
-      <p:sp>
-        <p:nvSpPr>
-          <p:cNvPr id="40" name="직사각형 39">
-            <a:extLst>
-              <a:ext uri="{FF2B5EF4-FFF2-40B4-BE49-F238E27FC236}">
-                <a16:creationId xmlns:a16="http://schemas.microsoft.com/office/drawing/2014/main" id="{4EDEF71F-9672-DAA8-F3B4-1E8A73A314A8}"/>
-              </a:ext>
-            </a:extLst>
-          </p:cNvPr>
-          <p:cNvSpPr/>
-          <p:nvPr/>
-        </p:nvSpPr>
-        <p:spPr>
-          <a:xfrm>
-            <a:off x="1706509" y="1354065"/>
-            <a:ext cx="4268228" cy="2044566"/>
-          </a:xfrm>
-          <a:prstGeom prst="rect">
-            <a:avLst/>
-          </a:prstGeom>
-        </p:spPr>
-        <p:style>
-          <a:lnRef idx="2">
-            <a:schemeClr val="accent1">
-              <a:shade val="15000"/>
-            </a:schemeClr>
-          </a:lnRef>
-          <a:fillRef idx="1">
-            <a:schemeClr val="accent1"/>
-          </a:fillRef>
-          <a:effectRef idx="0">
-            <a:schemeClr val="accent1"/>
-          </a:effectRef>
-          <a:fontRef idx="minor">
-            <a:schemeClr val="lt1"/>
-          </a:fontRef>
-        </p:style>
-        <p:txBody>
-          <a:bodyPr rtlCol="0" anchor="ctr"/>
-          <a:lstStyle/>
-          <a:p>
-            <a:pPr algn="ctr"/>
-            <a:r>
-              <a:rPr kumimoji="1" lang="ko-KR" altLang="en-US"/>
-              <a:t>그래프</a:t>
-            </a:r>
-          </a:p>
-        </p:txBody>
-      </p:sp>
-      <p:sp>
-        <p:nvSpPr>
-          <p:cNvPr id="41" name="직사각형 40">
-            <a:extLst>
-              <a:ext uri="{FF2B5EF4-FFF2-40B4-BE49-F238E27FC236}">
-                <a16:creationId xmlns:a16="http://schemas.microsoft.com/office/drawing/2014/main" id="{CC7E8F00-94CC-FE1E-DEBA-42991CF8E675}"/>
-              </a:ext>
-            </a:extLst>
-          </p:cNvPr>
-          <p:cNvSpPr/>
-          <p:nvPr/>
-        </p:nvSpPr>
-        <p:spPr>
-          <a:xfrm>
-            <a:off x="1706509" y="4071223"/>
-            <a:ext cx="4268228" cy="2044566"/>
-          </a:xfrm>
-          <a:prstGeom prst="rect">
-            <a:avLst/>
-          </a:prstGeom>
-        </p:spPr>
-        <p:style>
-          <a:lnRef idx="2">
-            <a:schemeClr val="accent1">
-              <a:shade val="15000"/>
-            </a:schemeClr>
-          </a:lnRef>
-          <a:fillRef idx="1">
-            <a:schemeClr val="accent1"/>
-          </a:fillRef>
-          <a:effectRef idx="0">
-            <a:schemeClr val="accent1"/>
-          </a:effectRef>
-          <a:fontRef idx="minor">
-            <a:schemeClr val="lt1"/>
-          </a:fontRef>
-        </p:style>
-        <p:txBody>
-          <a:bodyPr rtlCol="0" anchor="ctr"/>
-          <a:lstStyle/>
-          <a:p>
-            <a:pPr algn="ctr"/>
-            <a:r>
-              <a:rPr kumimoji="1" lang="ko-KR" altLang="en-US"/>
-              <a:t>그래프</a:t>
-            </a:r>
-          </a:p>
-        </p:txBody>
-      </p:sp>
-      <p:sp>
-        <p:nvSpPr>
-          <p:cNvPr id="42" name="직사각형 41">
-            <a:extLst>
-              <a:ext uri="{FF2B5EF4-FFF2-40B4-BE49-F238E27FC236}">
-                <a16:creationId xmlns:a16="http://schemas.microsoft.com/office/drawing/2014/main" id="{6C9D91A5-953D-A69C-12F3-6BDB43DB8F33}"/>
-              </a:ext>
-            </a:extLst>
-          </p:cNvPr>
-          <p:cNvSpPr/>
-          <p:nvPr/>
-        </p:nvSpPr>
-        <p:spPr>
-          <a:xfrm>
-            <a:off x="6291020" y="4071223"/>
-            <a:ext cx="4157675" cy="2044566"/>
-          </a:xfrm>
-          <a:prstGeom prst="rect">
-            <a:avLst/>
-          </a:prstGeom>
-        </p:spPr>
-        <p:style>
-          <a:lnRef idx="2">
-            <a:schemeClr val="accent1">
-              <a:shade val="15000"/>
-            </a:schemeClr>
-          </a:lnRef>
-          <a:fillRef idx="1">
-            <a:schemeClr val="accent1"/>
-          </a:fillRef>
-          <a:effectRef idx="0">
-            <a:schemeClr val="accent1"/>
-          </a:effectRef>
-          <a:fontRef idx="minor">
-            <a:schemeClr val="lt1"/>
-          </a:fontRef>
-        </p:style>
-        <p:txBody>
-          <a:bodyPr rtlCol="0" anchor="ctr"/>
-          <a:lstStyle/>
-          <a:p>
-            <a:pPr algn="ctr"/>
-            <a:r>
-              <a:rPr kumimoji="1" lang="ko-KR" altLang="en-US"/>
-              <a:t>그래프</a:t>
-            </a:r>
-          </a:p>
-        </p:txBody>
-      </p:sp>
-      <p:sp>
-        <p:nvSpPr>
-          <p:cNvPr id="43" name="TextBox 42">
-            <a:extLst>
-              <a:ext uri="{FF2B5EF4-FFF2-40B4-BE49-F238E27FC236}">
-                <a16:creationId xmlns:a16="http://schemas.microsoft.com/office/drawing/2014/main" id="{2EFB1AF5-FFE8-8931-029B-F00163188977}"/>
-              </a:ext>
-            </a:extLst>
-          </p:cNvPr>
-          <p:cNvSpPr txBox="1"/>
-          <p:nvPr/>
-        </p:nvSpPr>
-        <p:spPr>
-          <a:xfrm>
-            <a:off x="3001419" y="3432466"/>
-            <a:ext cx="1678408" cy="292388"/>
-          </a:xfrm>
-          <a:prstGeom prst="rect">
-            <a:avLst/>
-          </a:prstGeom>
-          <a:noFill/>
-        </p:spPr>
-        <p:txBody>
-          <a:bodyPr wrap="none" rtlCol="0">
-            <a:spAutoFit/>
-          </a:bodyPr>
-          <a:lstStyle/>
-          <a:p>
-            <a:r>
-              <a:rPr kumimoji="1" lang="en-US" altLang="ko-KR" sz="1300">
-                <a:solidFill>
-                  <a:schemeClr val="bg1"/>
-                </a:solidFill>
-                <a:latin typeface="Apple Braille" pitchFamily="2" charset="0"/>
-              </a:rPr>
-              <a:t>ID: PROJECT - AERO</a:t>
-            </a:r>
-            <a:endParaRPr kumimoji="1" lang="ko-KR" altLang="en-US" sz="1300">
-              <a:solidFill>
-                <a:schemeClr val="bg1"/>
-              </a:solidFill>
-              <a:latin typeface="Apple Braille" pitchFamily="2" charset="0"/>
-            </a:endParaRPr>
-          </a:p>
-        </p:txBody>
-      </p:sp>
-      <p:sp>
-        <p:nvSpPr>
-          <p:cNvPr id="44" name="TextBox 43">
-            <a:extLst>
-              <a:ext uri="{FF2B5EF4-FFF2-40B4-BE49-F238E27FC236}">
-                <a16:creationId xmlns:a16="http://schemas.microsoft.com/office/drawing/2014/main" id="{65A9A4A3-768F-F428-04AC-45AC5D6244AA}"/>
-              </a:ext>
-            </a:extLst>
-          </p:cNvPr>
-          <p:cNvSpPr txBox="1"/>
-          <p:nvPr/>
-        </p:nvSpPr>
-        <p:spPr>
-          <a:xfrm>
-            <a:off x="7512173" y="3483156"/>
-            <a:ext cx="1678408" cy="292388"/>
-          </a:xfrm>
-          <a:prstGeom prst="rect">
-            <a:avLst/>
-          </a:prstGeom>
-          <a:noFill/>
-        </p:spPr>
-        <p:txBody>
-          <a:bodyPr wrap="none" rtlCol="0">
-            <a:spAutoFit/>
-          </a:bodyPr>
-          <a:lstStyle/>
-          <a:p>
-            <a:r>
-              <a:rPr kumimoji="1" lang="en-US" altLang="ko-KR" sz="1300">
-                <a:solidFill>
-                  <a:schemeClr val="bg1"/>
-                </a:solidFill>
-                <a:latin typeface="Apple Braille" pitchFamily="2" charset="0"/>
-              </a:rPr>
-              <a:t>ID: PROJECT - AERO</a:t>
-            </a:r>
-            <a:endParaRPr kumimoji="1" lang="ko-KR" altLang="en-US" sz="1300">
-              <a:solidFill>
-                <a:schemeClr val="bg1"/>
-              </a:solidFill>
-              <a:latin typeface="Apple Braille" pitchFamily="2" charset="0"/>
-            </a:endParaRPr>
-          </a:p>
-        </p:txBody>
-      </p:sp>
-      <p:sp>
-        <p:nvSpPr>
-          <p:cNvPr id="45" name="TextBox 44">
-            <a:extLst>
-              <a:ext uri="{FF2B5EF4-FFF2-40B4-BE49-F238E27FC236}">
-                <a16:creationId xmlns:a16="http://schemas.microsoft.com/office/drawing/2014/main" id="{DE2C7FEF-E636-248F-7030-636A6096C3DB}"/>
-              </a:ext>
-            </a:extLst>
-          </p:cNvPr>
-          <p:cNvSpPr txBox="1"/>
-          <p:nvPr/>
-        </p:nvSpPr>
-        <p:spPr>
-          <a:xfrm>
-            <a:off x="3001419" y="6115789"/>
-            <a:ext cx="1678408" cy="292388"/>
-          </a:xfrm>
-          <a:prstGeom prst="rect">
-            <a:avLst/>
-          </a:prstGeom>
-          <a:noFill/>
-        </p:spPr>
-        <p:txBody>
-          <a:bodyPr wrap="none" rtlCol="0">
-            <a:spAutoFit/>
-          </a:bodyPr>
-          <a:lstStyle/>
-          <a:p>
-            <a:r>
-              <a:rPr kumimoji="1" lang="en-US" altLang="ko-KR" sz="1300">
-                <a:solidFill>
-                  <a:schemeClr val="bg1"/>
-                </a:solidFill>
-                <a:latin typeface="Apple Braille" pitchFamily="2" charset="0"/>
-              </a:rPr>
-              <a:t>ID: PROJECT - AERO</a:t>
-            </a:r>
-            <a:endParaRPr kumimoji="1" lang="ko-KR" altLang="en-US" sz="1300">
-              <a:solidFill>
-                <a:schemeClr val="bg1"/>
-              </a:solidFill>
-              <a:latin typeface="Apple Braille" pitchFamily="2" charset="0"/>
-            </a:endParaRPr>
-          </a:p>
-        </p:txBody>
-      </p:sp>
-      <p:sp>
-        <p:nvSpPr>
-          <p:cNvPr id="46" name="TextBox 45">
-            <a:extLst>
-              <a:ext uri="{FF2B5EF4-FFF2-40B4-BE49-F238E27FC236}">
-                <a16:creationId xmlns:a16="http://schemas.microsoft.com/office/drawing/2014/main" id="{35FB1E3F-1AC6-A7E8-B78C-8CA4AE67430C}"/>
-              </a:ext>
-            </a:extLst>
-          </p:cNvPr>
-          <p:cNvSpPr txBox="1"/>
-          <p:nvPr/>
-        </p:nvSpPr>
-        <p:spPr>
-          <a:xfrm>
-            <a:off x="7512173" y="6098735"/>
-            <a:ext cx="1678408" cy="292388"/>
-          </a:xfrm>
-          <a:prstGeom prst="rect">
-            <a:avLst/>
-          </a:prstGeom>
-          <a:noFill/>
-        </p:spPr>
-        <p:txBody>
-          <a:bodyPr wrap="none" rtlCol="0">
-            <a:spAutoFit/>
-          </a:bodyPr>
-          <a:lstStyle/>
-          <a:p>
-            <a:r>
-              <a:rPr kumimoji="1" lang="en-US" altLang="ko-KR" sz="1300">
-                <a:solidFill>
-                  <a:schemeClr val="bg1"/>
-                </a:solidFill>
-                <a:latin typeface="Apple Braille" pitchFamily="2" charset="0"/>
-              </a:rPr>
-              <a:t>ID: PROJECT - AERO</a:t>
-            </a:r>
-            <a:endParaRPr kumimoji="1" lang="ko-KR" altLang="en-US" sz="1300">
-              <a:solidFill>
-                <a:schemeClr val="bg1"/>
-              </a:solidFill>
-              <a:latin typeface="Apple Braille" pitchFamily="2" charset="0"/>
-            </a:endParaRPr>
-          </a:p>
-        </p:txBody>
-      </p:sp>
-    </p:spTree>
-    <p:extLst>
-      <p:ext uri="{BB962C8B-B14F-4D97-AF65-F5344CB8AC3E}">
-        <p14:creationId xmlns:p14="http://schemas.microsoft.com/office/powerpoint/2010/main" val="4068240606"/>
-      </p:ext>
-    </p:extLst>
-  </p:cSld>
-  <p:clrMapOvr>
-    <a:masterClrMapping/>
-  </p:clrMapOvr>
+  <mc:AlternateContent xmlns:mc="http://schemas.openxmlformats.org/markup-compatibility/2006">
+    <mc:Choice xmlns:p14="http://schemas.microsoft.com/office/powerpoint/2010/main" Requires="p14">
+      <p:transition spd="med" p14:dur="700">
+        <p:fade/>
+      </p:transition>
+    </mc:Choice>
+    <mc:Fallback>
+      <p:transition spd="med">
+        <p:fade/>
+      </p:transition>
+    </mc:Fallback>
+  </mc:AlternateContent>
+  <p:timing>
+    <p:tnLst>
+      <p:par>
+        <p:cTn id="1" dur="indefinite" restart="never" nodeType="tmRoot">
+          <p:childTnLst>
+            <p:seq concurrent="1" nextAc="seek">
+              <p:cTn id="2" dur="indefinite" nodeType="mainSeq">
+                <p:childTnLst>
+                  <p:par>
+                    <p:cTn id="3" fill="hold">
+                      <p:stCondLst>
+                        <p:cond delay="indefinite"/>
+                      </p:stCondLst>
+                      <p:childTnLst>
+                        <p:par>
+                          <p:cTn id="4" fill="hold">
+                            <p:stCondLst>
+                              <p:cond delay="0"/>
+                            </p:stCondLst>
+                            <p:childTnLst>
+                              <p:par>
+                                <p:cTn id="5" presetID="1" presetClass="entr" presetSubtype="0" fill="hold" grpId="0" nodeType="clickEffect">
+                                  <p:stCondLst>
+                                    <p:cond delay="0"/>
+                                  </p:stCondLst>
+                                  <p:childTnLst>
+                                    <p:set>
+                                      <p:cBhvr>
+                                        <p:cTn id="6" dur="1" fill="hold">
+                                          <p:stCondLst>
+                                            <p:cond delay="0"/>
+                                          </p:stCondLst>
+                                        </p:cTn>
+                                        <p:tgtEl>
+                                          <p:spTgt spid="2"/>
+                                        </p:tgtEl>
+                                        <p:attrNameLst>
+                                          <p:attrName>style.visibility</p:attrName>
+                                        </p:attrNameLst>
+                                      </p:cBhvr>
+                                      <p:to>
+                                        <p:strVal val="visible"/>
+                                      </p:to>
+                                    </p:set>
+                                  </p:childTnLst>
+                                </p:cTn>
+                              </p:par>
+                            </p:childTnLst>
+                          </p:cTn>
+                        </p:par>
+                      </p:childTnLst>
+                    </p:cTn>
+                  </p:par>
+                </p:childTnLst>
+              </p:cTn>
+              <p:prevCondLst>
+                <p:cond evt="onPrev" delay="0">
+                  <p:tgtEl>
+                    <p:sldTgt/>
+                  </p:tgtEl>
+                </p:cond>
+              </p:prevCondLst>
+              <p:nextCondLst>
+                <p:cond evt="onNext" delay="0">
+                  <p:tgtEl>
+                    <p:sldTgt/>
+                  </p:tgtEl>
+                </p:cond>
+              </p:nextCondLst>
+            </p:seq>
+          </p:childTnLst>
+        </p:cTn>
+      </p:par>
+    </p:tnLst>
+    <p:bldLst>
+      <p:bldP spid="2" grpId="0" animBg="1"/>
+    </p:bldLst>
+  </p:timing>
 </p:sld>
 </file>
 
@@ -12098,6 +12579,53 @@
           <a:chExt cx="0" cy="0"/>
         </a:xfrm>
       </p:grpSpPr>
+      <p:pic>
+        <p:nvPicPr>
+          <p:cNvPr id="15" name="Picture 2" descr="Gradient background 벡터 - Freepik에서 무료 고품질 벡터를 다운로드하세요 | Freepik">
+            <a:extLst>
+              <a:ext uri="{FF2B5EF4-FFF2-40B4-BE49-F238E27FC236}">
+                <a16:creationId xmlns:a16="http://schemas.microsoft.com/office/drawing/2014/main" id="{D6B0857F-A1E7-5A83-6182-3944036266D3}"/>
+              </a:ext>
+            </a:extLst>
+          </p:cNvPr>
+          <p:cNvPicPr>
+            <a:picLocks noChangeAspect="1" noChangeArrowheads="1"/>
+          </p:cNvPicPr>
+          <p:nvPr/>
+        </p:nvPicPr>
+        <p:blipFill rotWithShape="1">
+          <a:blip r:embed="rId2">
+            <a:extLst>
+              <a:ext uri="{28A0092B-C50C-407E-A947-70E740481C1C}">
+                <a14:useLocalDpi xmlns:a14="http://schemas.microsoft.com/office/drawing/2010/main" val="0"/>
+              </a:ext>
+            </a:extLst>
+          </a:blip>
+          <a:srcRect t="7755" b="7829"/>
+          <a:stretch>
+            <a:fillRect/>
+          </a:stretch>
+        </p:blipFill>
+        <p:spPr bwMode="auto">
+          <a:xfrm>
+            <a:off x="0" y="5934"/>
+            <a:ext cx="12183727" cy="6852066"/>
+          </a:xfrm>
+          <a:prstGeom prst="rect">
+            <a:avLst/>
+          </a:prstGeom>
+          <a:noFill/>
+          <a:extLst>
+            <a:ext uri="{909E8E84-426E-40DD-AFC4-6F175D3DCCD1}">
+              <a14:hiddenFill xmlns:a14="http://schemas.microsoft.com/office/drawing/2010/main">
+                <a:solidFill>
+                  <a:srgbClr val="FFFFFF"/>
+                </a:solidFill>
+              </a14:hiddenFill>
+            </a:ext>
+          </a:extLst>
+        </p:spPr>
+      </p:pic>
       <p:sp>
         <p:nvSpPr>
           <p:cNvPr id="17" name="직사각형 16">
@@ -12112,8 +12640,8 @@
         </p:nvSpPr>
         <p:spPr>
           <a:xfrm>
-            <a:off x="1463817" y="491146"/>
-            <a:ext cx="9411831" cy="6297235"/>
+            <a:off x="1463817" y="1142963"/>
+            <a:ext cx="9411831" cy="5645418"/>
           </a:xfrm>
           <a:prstGeom prst="rect">
             <a:avLst/>
@@ -12122,9 +12650,35 @@
             <a:srgbClr val="6C35C5"/>
           </a:solidFill>
           <a:ln>
-            <a:solidFill>
-              <a:srgbClr val="6C35C5"/>
-            </a:solidFill>
+            <a:gradFill>
+              <a:gsLst>
+                <a:gs pos="0">
+                  <a:schemeClr val="accent1">
+                    <a:lumMod val="5000"/>
+                    <a:lumOff val="95000"/>
+                  </a:schemeClr>
+                </a:gs>
+                <a:gs pos="74000">
+                  <a:schemeClr val="accent1">
+                    <a:lumMod val="45000"/>
+                    <a:lumOff val="55000"/>
+                  </a:schemeClr>
+                </a:gs>
+                <a:gs pos="83000">
+                  <a:schemeClr val="accent1">
+                    <a:lumMod val="45000"/>
+                    <a:lumOff val="55000"/>
+                  </a:schemeClr>
+                </a:gs>
+                <a:gs pos="100000">
+                  <a:schemeClr val="accent1">
+                    <a:lumMod val="30000"/>
+                    <a:lumOff val="70000"/>
+                  </a:schemeClr>
+                </a:gs>
+              </a:gsLst>
+              <a:lin ang="5400000" scaled="1"/>
+            </a:gradFill>
           </a:ln>
         </p:spPr>
         <p:style>
@@ -12166,8 +12720,8 @@
         </p:nvSpPr>
         <p:spPr>
           <a:xfrm>
-            <a:off x="4025561" y="584256"/>
-            <a:ext cx="4140877" cy="646331"/>
+            <a:off x="4025557" y="248316"/>
+            <a:ext cx="4259371" cy="646331"/>
           </a:xfrm>
           <a:prstGeom prst="rect">
             <a:avLst/>
@@ -12181,20 +12735,18 @@
           <a:lstStyle/>
           <a:p>
             <a:r>
-              <a:rPr kumimoji="1" lang="en-US" altLang="ko-KR" sz="3600">
+              <a:rPr kumimoji="1" lang="en-US" altLang="ko-KR" sz="3600" dirty="0">
                 <a:solidFill>
                   <a:srgbClr val="FAD935"/>
                 </a:solidFill>
-                <a:latin typeface="Apple Braille" pitchFamily="2" charset="0"/>
                 <a:ea typeface="BM DoHyeon OTF" panose="020B0600000101010101" pitchFamily="34" charset="-127"/>
               </a:rPr>
               <a:t>Impact/Significance</a:t>
             </a:r>
-            <a:endParaRPr kumimoji="1" lang="ko-KR" altLang="en-US" sz="3600">
+            <a:endParaRPr kumimoji="1" lang="ko-KR" altLang="en-US" sz="3600" dirty="0">
               <a:solidFill>
                 <a:srgbClr val="FAD935"/>
               </a:solidFill>
-              <a:latin typeface="Apple Braille" pitchFamily="2" charset="0"/>
               <a:ea typeface="BM DoHyeon OTF" panose="020B0600000101010101" pitchFamily="34" charset="-127"/>
             </a:endParaRPr>
           </a:p>
@@ -12215,7 +12767,7 @@
         <p:spPr>
           <a:xfrm>
             <a:off x="28101" y="69618"/>
-            <a:ext cx="1678408" cy="292388"/>
+            <a:ext cx="1719060" cy="292388"/>
           </a:xfrm>
           <a:prstGeom prst="rect">
             <a:avLst/>
@@ -12233,7 +12785,6 @@
                 <a:solidFill>
                   <a:schemeClr val="bg1"/>
                 </a:solidFill>
-                <a:latin typeface="Apple Braille" pitchFamily="2" charset="0"/>
               </a:rPr>
               <a:t>ID: PROJECT - AERO</a:t>
             </a:r>
@@ -12241,7 +12792,6 @@
               <a:solidFill>
                 <a:schemeClr val="bg1"/>
               </a:solidFill>
-              <a:latin typeface="Apple Braille" pitchFamily="2" charset="0"/>
             </a:endParaRPr>
           </a:p>
         </p:txBody>
@@ -12260,7 +12810,7 @@
         </p:nvSpPr>
         <p:spPr>
           <a:xfrm>
-            <a:off x="9516836" y="671585"/>
+            <a:off x="9751486" y="738008"/>
             <a:ext cx="1124162" cy="292388"/>
           </a:xfrm>
           <a:prstGeom prst="rect">
@@ -12616,8 +13166,8 @@
           </a:p>
         </p:txBody>
       </p:sp>
-      <mc:AlternateContent xmlns:mc="http://schemas.openxmlformats.org/markup-compatibility/2006" xmlns:a14="http://schemas.microsoft.com/office/drawing/2010/main">
-        <mc:Choice Requires="a14">
+      <mc:AlternateContent xmlns:mc="http://schemas.openxmlformats.org/markup-compatibility/2006">
+        <mc:Choice xmlns:a14="http://schemas.microsoft.com/office/drawing/2010/main" Requires="a14">
           <p:sp>
             <p:nvSpPr>
               <p:cNvPr id="6" name="TextBox 5">
@@ -12633,7 +13183,7 @@
             <p:spPr>
               <a:xfrm>
                 <a:off x="2044713" y="1506897"/>
-                <a:ext cx="3680944" cy="400110"/>
+                <a:ext cx="3827138" cy="400110"/>
               </a:xfrm>
               <a:prstGeom prst="rect">
                 <a:avLst/>
@@ -12653,7 +13203,6 @@
                         <a:solidFill>
                           <a:schemeClr val="bg1"/>
                         </a:solidFill>
-                        <a:latin typeface="Cambria Math" panose="02040503050406030204" pitchFamily="18" charset="0"/>
                         <a:ea typeface="Cambria Math" panose="02040503050406030204" pitchFamily="18" charset="0"/>
                       </a:rPr>
                       <m:t>∙</m:t>
@@ -12665,7 +13214,6 @@
                     <a:solidFill>
                       <a:schemeClr val="bg1"/>
                     </a:solidFill>
-                    <a:latin typeface="Apple Braille" pitchFamily="2" charset="0"/>
                   </a:rPr>
                   <a:t> </a:t>
                 </a:r>
@@ -12674,7 +13222,6 @@
                     <a:solidFill>
                       <a:schemeClr val="bg1"/>
                     </a:solidFill>
-                    <a:latin typeface="Apple Braille" pitchFamily="2" charset="0"/>
                   </a:rPr>
                   <a:t>Health &amp; Performance Impact</a:t>
                 </a:r>
@@ -12682,13 +13229,12 @@
                   <a:solidFill>
                     <a:schemeClr val="bg1"/>
                   </a:solidFill>
-                  <a:latin typeface="Apple Braille" pitchFamily="2" charset="0"/>
                 </a:endParaRPr>
               </a:p>
             </p:txBody>
           </p:sp>
         </mc:Choice>
-        <mc:Fallback xmlns="">
+        <mc:Fallback>
           <p:sp>
             <p:nvSpPr>
               <p:cNvPr id="6" name="TextBox 5">
@@ -12706,15 +13252,15 @@
             <p:spPr>
               <a:xfrm>
                 <a:off x="2044713" y="1506897"/>
-                <a:ext cx="3680944" cy="400110"/>
+                <a:ext cx="3827138" cy="400110"/>
               </a:xfrm>
               <a:prstGeom prst="rect">
                 <a:avLst/>
               </a:prstGeom>
               <a:blipFill>
-                <a:blip r:embed="rId2"/>
+                <a:blip r:embed="rId3"/>
                 <a:stretch>
-                  <a:fillRect t="-7576" b="-25758"/>
+                  <a:fillRect t="-6061" r="-660" b="-24242"/>
                 </a:stretch>
               </a:blipFill>
             </p:spPr>
@@ -12723,7 +13269,7 @@
               <a:lstStyle/>
               <a:p>
                 <a:r>
-                  <a:rPr lang="en-US">
+                  <a:rPr lang="ko-KR" altLang="en-US">
                     <a:noFill/>
                   </a:rPr>
                   <a:t> </a:t>
@@ -12733,8 +13279,8 @@
           </p:sp>
         </mc:Fallback>
       </mc:AlternateContent>
-      <mc:AlternateContent xmlns:mc="http://schemas.openxmlformats.org/markup-compatibility/2006" xmlns:a14="http://schemas.microsoft.com/office/drawing/2010/main">
-        <mc:Choice Requires="a14">
+      <mc:AlternateContent xmlns:mc="http://schemas.openxmlformats.org/markup-compatibility/2006">
+        <mc:Choice xmlns:a14="http://schemas.microsoft.com/office/drawing/2010/main" Requires="a14">
           <p:sp>
             <p:nvSpPr>
               <p:cNvPr id="8" name="TextBox 7">
@@ -12750,7 +13296,7 @@
             <p:spPr>
               <a:xfrm>
                 <a:off x="2011263" y="3375434"/>
-                <a:ext cx="2282613" cy="400110"/>
+                <a:ext cx="2327368" cy="400110"/>
               </a:xfrm>
               <a:prstGeom prst="rect">
                 <a:avLst/>
@@ -12770,7 +13316,6 @@
                         <a:solidFill>
                           <a:schemeClr val="bg1"/>
                         </a:solidFill>
-                        <a:latin typeface="Cambria Math" panose="02040503050406030204" pitchFamily="18" charset="0"/>
                         <a:ea typeface="Cambria Math" panose="02040503050406030204" pitchFamily="18" charset="0"/>
                       </a:rPr>
                       <m:t>∙</m:t>
@@ -12782,7 +13327,6 @@
                     <a:solidFill>
                       <a:schemeClr val="bg1"/>
                     </a:solidFill>
-                    <a:latin typeface="Apple Braille" pitchFamily="2" charset="0"/>
                   </a:rPr>
                   <a:t> </a:t>
                 </a:r>
@@ -12791,7 +13335,6 @@
                     <a:solidFill>
                       <a:schemeClr val="bg1"/>
                     </a:solidFill>
-                    <a:latin typeface="Apple Braille" pitchFamily="2" charset="0"/>
                   </a:rPr>
                   <a:t>System Efficiency</a:t>
                 </a:r>
@@ -12799,13 +13342,12 @@
                   <a:solidFill>
                     <a:schemeClr val="bg1"/>
                   </a:solidFill>
-                  <a:latin typeface="Apple Braille" pitchFamily="2" charset="0"/>
                 </a:endParaRPr>
               </a:p>
             </p:txBody>
           </p:sp>
         </mc:Choice>
-        <mc:Fallback xmlns="">
+        <mc:Fallback>
           <p:sp>
             <p:nvSpPr>
               <p:cNvPr id="8" name="TextBox 7">
@@ -12823,15 +13365,15 @@
             <p:spPr>
               <a:xfrm>
                 <a:off x="2011263" y="3375434"/>
-                <a:ext cx="2282613" cy="400110"/>
+                <a:ext cx="2327368" cy="400110"/>
               </a:xfrm>
               <a:prstGeom prst="rect">
                 <a:avLst/>
               </a:prstGeom>
               <a:blipFill>
-                <a:blip r:embed="rId3"/>
+                <a:blip r:embed="rId4"/>
                 <a:stretch>
-                  <a:fillRect t="-9231" b="-27692"/>
+                  <a:fillRect t="-6061" r="-2174" b="-24242"/>
                 </a:stretch>
               </a:blipFill>
             </p:spPr>
@@ -12840,7 +13382,7 @@
               <a:lstStyle/>
               <a:p>
                 <a:r>
-                  <a:rPr lang="en-US">
+                  <a:rPr lang="ko-KR" altLang="en-US">
                     <a:noFill/>
                   </a:rPr>
                   <a:t> </a:t>
@@ -12850,8 +13392,8 @@
           </p:sp>
         </mc:Fallback>
       </mc:AlternateContent>
-      <mc:AlternateContent xmlns:mc="http://schemas.openxmlformats.org/markup-compatibility/2006" xmlns:a14="http://schemas.microsoft.com/office/drawing/2010/main">
-        <mc:Choice Requires="a14">
+      <mc:AlternateContent xmlns:mc="http://schemas.openxmlformats.org/markup-compatibility/2006">
+        <mc:Choice xmlns:a14="http://schemas.microsoft.com/office/drawing/2010/main" Requires="a14">
           <p:sp>
             <p:nvSpPr>
               <p:cNvPr id="9" name="TextBox 8">
@@ -12866,8 +13408,8 @@
             </p:nvSpPr>
             <p:spPr>
               <a:xfrm>
-                <a:off x="2042023" y="5110239"/>
-                <a:ext cx="4152547" cy="400110"/>
+                <a:off x="2055877" y="5030852"/>
+                <a:ext cx="4296369" cy="400110"/>
               </a:xfrm>
               <a:prstGeom prst="rect">
                 <a:avLst/>
@@ -12887,7 +13429,6 @@
                         <a:solidFill>
                           <a:schemeClr val="bg1"/>
                         </a:solidFill>
-                        <a:latin typeface="Cambria Math" panose="02040503050406030204" pitchFamily="18" charset="0"/>
                         <a:ea typeface="Cambria Math" panose="02040503050406030204" pitchFamily="18" charset="0"/>
                       </a:rPr>
                       <m:t>∙</m:t>
@@ -12899,7 +13440,6 @@
                     <a:solidFill>
                       <a:schemeClr val="bg1"/>
                     </a:solidFill>
-                    <a:latin typeface="Apple Braille" pitchFamily="2" charset="0"/>
                   </a:rPr>
                   <a:t> </a:t>
                 </a:r>
@@ -12908,7 +13448,6 @@
                     <a:solidFill>
                       <a:schemeClr val="bg1"/>
                     </a:solidFill>
-                    <a:latin typeface="Apple Braille" pitchFamily="2" charset="0"/>
                   </a:rPr>
                   <a:t>Scientific/Operational Significance</a:t>
                 </a:r>
@@ -12916,13 +13455,12 @@
                   <a:solidFill>
                     <a:schemeClr val="bg1"/>
                   </a:solidFill>
-                  <a:latin typeface="Apple Braille" pitchFamily="2" charset="0"/>
                 </a:endParaRPr>
               </a:p>
             </p:txBody>
           </p:sp>
         </mc:Choice>
-        <mc:Fallback xmlns="">
+        <mc:Fallback>
           <p:sp>
             <p:nvSpPr>
               <p:cNvPr id="9" name="TextBox 8">
@@ -12939,16 +13477,16 @@
             </p:nvSpPr>
             <p:spPr>
               <a:xfrm>
-                <a:off x="2042023" y="5110239"/>
-                <a:ext cx="4152547" cy="400110"/>
+                <a:off x="2055877" y="5030852"/>
+                <a:ext cx="4296369" cy="400110"/>
               </a:xfrm>
               <a:prstGeom prst="rect">
                 <a:avLst/>
               </a:prstGeom>
               <a:blipFill>
-                <a:blip r:embed="rId4"/>
+                <a:blip r:embed="rId5"/>
                 <a:stretch>
-                  <a:fillRect t="-7576" b="-25758"/>
+                  <a:fillRect t="-9375" r="-588" b="-25000"/>
                 </a:stretch>
               </a:blipFill>
             </p:spPr>
@@ -12957,7 +13495,7 @@
               <a:lstStyle/>
               <a:p>
                 <a:r>
-                  <a:rPr lang="en-US">
+                  <a:rPr lang="ko-KR" altLang="en-US">
                     <a:noFill/>
                   </a:rPr>
                   <a:t> </a:t>
@@ -12981,8 +13519,8 @@
         </p:nvSpPr>
         <p:spPr>
           <a:xfrm>
-            <a:off x="2282130" y="3816830"/>
-            <a:ext cx="8006158" cy="584775"/>
+            <a:off x="2248343" y="3894950"/>
+            <a:ext cx="8006158" cy="523220"/>
           </a:xfrm>
           <a:prstGeom prst="rect">
             <a:avLst/>
@@ -13000,28 +13538,25 @@
               <a:buChar char="•"/>
             </a:pPr>
             <a:r>
-              <a:rPr lang="en" altLang="ko-KR" sz="1600" dirty="0">
+              <a:rPr lang="en" altLang="ko-KR" sz="1400" dirty="0">
                 <a:solidFill>
                   <a:srgbClr val="FAD935"/>
                 </a:solidFill>
-                <a:latin typeface="Apple Braille" pitchFamily="2" charset="0"/>
               </a:rPr>
               <a:t> </a:t>
             </a:r>
             <a:r>
-              <a:rPr lang="en-US" altLang="ko-KR" sz="1600" dirty="0">
+              <a:rPr lang="en-US" altLang="ko-KR" sz="1400" dirty="0">
                 <a:solidFill>
                   <a:srgbClr val="FAD935"/>
                 </a:solidFill>
-                <a:latin typeface="Apple Braille" pitchFamily="2" charset="0"/>
               </a:rPr>
               <a:t>Shortening the data research period by building a database related to space food.</a:t>
             </a:r>
-            <a:endParaRPr lang="en" altLang="ko-KR" sz="1600" dirty="0">
+            <a:endParaRPr lang="en" altLang="ko-KR" sz="1400" dirty="0">
               <a:solidFill>
                 <a:srgbClr val="FAD935"/>
               </a:solidFill>
-              <a:latin typeface="Apple Braille" pitchFamily="2" charset="0"/>
             </a:endParaRPr>
           </a:p>
           <a:p>
@@ -13030,38 +13565,35 @@
               <a:buChar char="•"/>
             </a:pPr>
             <a:r>
-              <a:rPr lang="en" altLang="ko-KR" sz="1600" dirty="0">
+              <a:rPr lang="en" altLang="ko-KR" sz="1400" dirty="0">
                 <a:solidFill>
                   <a:srgbClr val="FAD935"/>
                 </a:solidFill>
-                <a:latin typeface="Apple Braille" pitchFamily="2" charset="0"/>
               </a:rPr>
               <a:t> </a:t>
             </a:r>
             <a:r>
-              <a:rPr lang="en-US" altLang="ko-KR" sz="1600" dirty="0">
+              <a:rPr lang="en-US" altLang="ko-KR" sz="1400" dirty="0">
                 <a:solidFill>
                   <a:srgbClr val="FAD935"/>
                 </a:solidFill>
-                <a:latin typeface="Apple Braille" pitchFamily="2" charset="0"/>
               </a:rPr>
               <a:t>Growing crops in space reduces Earth's supply usage and reduces the frequency of resupply.</a:t>
             </a:r>
-            <a:endParaRPr lang="en" altLang="ko-KR" sz="1600" dirty="0">
+            <a:endParaRPr lang="en" altLang="ko-KR" sz="1400" dirty="0">
               <a:solidFill>
                 <a:srgbClr val="FAD935"/>
               </a:solidFill>
-              <a:latin typeface="Apple Braille" pitchFamily="2" charset="0"/>
             </a:endParaRPr>
           </a:p>
         </p:txBody>
       </p:sp>
       <p:sp>
         <p:nvSpPr>
-          <p:cNvPr id="12" name="TextBox 11">
-            <a:extLst>
-              <a:ext uri="{FF2B5EF4-FFF2-40B4-BE49-F238E27FC236}">
-                <a16:creationId xmlns:a16="http://schemas.microsoft.com/office/drawing/2014/main" id="{7ADB500E-964C-C692-1DAD-9A45BC5BD056}"/>
+          <p:cNvPr id="10" name="TextBox 9">
+            <a:extLst>
+              <a:ext uri="{FF2B5EF4-FFF2-40B4-BE49-F238E27FC236}">
+                <a16:creationId xmlns:a16="http://schemas.microsoft.com/office/drawing/2014/main" id="{D3C32169-86E8-C6B4-327D-36DB6D6F3492}"/>
               </a:ext>
             </a:extLst>
           </p:cNvPr>
@@ -13070,8 +13602,52 @@
         </p:nvSpPr>
         <p:spPr>
           <a:xfrm>
-            <a:off x="2282130" y="1998983"/>
-            <a:ext cx="8006158" cy="584775"/>
+            <a:off x="9751486" y="732654"/>
+            <a:ext cx="1124162" cy="292388"/>
+          </a:xfrm>
+          <a:prstGeom prst="rect">
+            <a:avLst/>
+          </a:prstGeom>
+          <a:solidFill>
+            <a:srgbClr val="FF9300"/>
+          </a:solidFill>
+          <a:ln>
+            <a:solidFill>
+              <a:schemeClr val="bg1"/>
+            </a:solidFill>
+          </a:ln>
+        </p:spPr>
+        <p:txBody>
+          <a:bodyPr wrap="square" rtlCol="0">
+            <a:spAutoFit/>
+          </a:bodyPr>
+          <a:lstStyle/>
+          <a:p>
+            <a:pPr algn="ctr"/>
+            <a:r>
+              <a:rPr kumimoji="1" lang="en-US" altLang="ko-KR" sz="1300" dirty="0"/>
+              <a:t>Next</a:t>
+            </a:r>
+            <a:endParaRPr kumimoji="1" lang="ko-KR" altLang="en-US" sz="1300" dirty="0"/>
+          </a:p>
+        </p:txBody>
+      </p:sp>
+      <p:sp>
+        <p:nvSpPr>
+          <p:cNvPr id="14" name="TextBox 13">
+            <a:extLst>
+              <a:ext uri="{FF2B5EF4-FFF2-40B4-BE49-F238E27FC236}">
+                <a16:creationId xmlns:a16="http://schemas.microsoft.com/office/drawing/2014/main" id="{77648A98-24B7-1CD4-3736-AC2917BE2E61}"/>
+              </a:ext>
+            </a:extLst>
+          </p:cNvPr>
+          <p:cNvSpPr txBox="1"/>
+          <p:nvPr/>
+        </p:nvSpPr>
+        <p:spPr>
+          <a:xfrm>
+            <a:off x="10168853" y="6504551"/>
+            <a:ext cx="1955600" cy="292388"/>
           </a:xfrm>
           <a:prstGeom prst="rect">
             <a:avLst/>
@@ -13079,103 +13655,273 @@
           <a:noFill/>
         </p:spPr>
         <p:txBody>
-          <a:bodyPr wrap="square">
+          <a:bodyPr wrap="none" rtlCol="0">
             <a:spAutoFit/>
           </a:bodyPr>
           <a:lstStyle/>
           <a:p>
-            <a:pPr>
-              <a:buFont typeface="Arial" panose="020B0604020202020204" pitchFamily="34" charset="0"/>
-              <a:buChar char="•"/>
-            </a:pPr>
-            <a:r>
-              <a:rPr lang="en-US" altLang="ko-KR" sz="1600" dirty="0">
+            <a:r>
+              <a:rPr kumimoji="1" lang="en-US" altLang="ko-KR" sz="1300" dirty="0">
+                <a:solidFill>
+                  <a:schemeClr val="bg1"/>
+                </a:solidFill>
+              </a:rPr>
+              <a:t>TEAM PROJECT - AERO</a:t>
+            </a:r>
+            <a:endParaRPr kumimoji="1" lang="ko-KR" altLang="en-US" sz="1300" dirty="0">
+              <a:solidFill>
+                <a:schemeClr val="bg1"/>
+              </a:solidFill>
+            </a:endParaRPr>
+          </a:p>
+        </p:txBody>
+      </p:sp>
+      <p:sp>
+        <p:nvSpPr>
+          <p:cNvPr id="19" name="모서리가 둥근 직사각형 2">
+            <a:extLst>
+              <a:ext uri="{FF2B5EF4-FFF2-40B4-BE49-F238E27FC236}">
+                <a16:creationId xmlns:a16="http://schemas.microsoft.com/office/drawing/2014/main" id="{12D05DBB-0A35-B184-3615-BC29EE721E3B}"/>
+              </a:ext>
+            </a:extLst>
+          </p:cNvPr>
+          <p:cNvSpPr/>
+          <p:nvPr/>
+        </p:nvSpPr>
+        <p:spPr>
+          <a:xfrm>
+            <a:off x="2282129" y="1963124"/>
+            <a:ext cx="3715301" cy="934683"/>
+          </a:xfrm>
+          <a:prstGeom prst="roundRect">
+            <a:avLst/>
+          </a:prstGeom>
+        </p:spPr>
+        <p:style>
+          <a:lnRef idx="2">
+            <a:schemeClr val="accent1">
+              <a:shade val="15000"/>
+            </a:schemeClr>
+          </a:lnRef>
+          <a:fillRef idx="1">
+            <a:schemeClr val="accent1"/>
+          </a:fillRef>
+          <a:effectRef idx="0">
+            <a:schemeClr val="accent1"/>
+          </a:effectRef>
+          <a:fontRef idx="minor">
+            <a:schemeClr val="lt1"/>
+          </a:fontRef>
+        </p:style>
+        <p:txBody>
+          <a:bodyPr rtlCol="0" anchor="ctr"/>
+          <a:lstStyle/>
+          <a:p>
+            <a:pPr algn="ctr"/>
+            <a:r>
+              <a:rPr lang="en-US" altLang="ko-KR" sz="1400" dirty="0">
                 <a:solidFill>
                   <a:srgbClr val="FAD935"/>
                 </a:solidFill>
-                <a:latin typeface="Apple Braille" pitchFamily="2" charset="0"/>
               </a:rPr>
               <a:t> A good meal in a small, confined environment is beneficial to the mental health of the crew.</a:t>
             </a:r>
           </a:p>
-          <a:p>
-            <a:pPr>
-              <a:buFont typeface="Arial" panose="020B0604020202020204" pitchFamily="34" charset="0"/>
-              <a:buChar char="•"/>
-            </a:pPr>
-            <a:r>
-              <a:rPr lang="en-US" altLang="ko-KR" sz="1600" dirty="0">
+        </p:txBody>
+      </p:sp>
+      <p:sp>
+        <p:nvSpPr>
+          <p:cNvPr id="22" name="모서리가 둥근 직사각형 2">
+            <a:extLst>
+              <a:ext uri="{FF2B5EF4-FFF2-40B4-BE49-F238E27FC236}">
+                <a16:creationId xmlns:a16="http://schemas.microsoft.com/office/drawing/2014/main" id="{7983CB46-A04B-DDE8-CC92-04A3E556C43A}"/>
+              </a:ext>
+            </a:extLst>
+          </p:cNvPr>
+          <p:cNvSpPr/>
+          <p:nvPr/>
+        </p:nvSpPr>
+        <p:spPr>
+          <a:xfrm>
+            <a:off x="6194570" y="1956974"/>
+            <a:ext cx="3715302" cy="934683"/>
+          </a:xfrm>
+          <a:prstGeom prst="roundRect">
+            <a:avLst/>
+          </a:prstGeom>
+        </p:spPr>
+        <p:style>
+          <a:lnRef idx="2">
+            <a:schemeClr val="accent1">
+              <a:shade val="15000"/>
+            </a:schemeClr>
+          </a:lnRef>
+          <a:fillRef idx="1">
+            <a:schemeClr val="accent1"/>
+          </a:fillRef>
+          <a:effectRef idx="0">
+            <a:schemeClr val="accent1"/>
+          </a:effectRef>
+          <a:fontRef idx="minor">
+            <a:schemeClr val="lt1"/>
+          </a:fontRef>
+        </p:style>
+        <p:txBody>
+          <a:bodyPr rtlCol="0" anchor="ctr"/>
+          <a:lstStyle/>
+          <a:p>
+            <a:pPr algn="ctr"/>
+            <a:r>
+              <a:rPr lang="en-US" altLang="ko-KR" sz="1400" dirty="0">
                 <a:solidFill>
                   <a:srgbClr val="FAD935"/>
                 </a:solidFill>
-                <a:latin typeface="Apple Braille" pitchFamily="2" charset="0"/>
               </a:rPr>
-              <a:t> Improving quality of life by providing a more diverse menu</a:t>
-            </a:r>
-            <a:endParaRPr lang="en" altLang="ko-KR" sz="1600" dirty="0">
+              <a:t>Improving quality of life </a:t>
+            </a:r>
+          </a:p>
+          <a:p>
+            <a:pPr algn="ctr"/>
+            <a:r>
+              <a:rPr lang="en-US" altLang="ko-KR" sz="1400" dirty="0">
+                <a:solidFill>
+                  <a:srgbClr val="FAD935"/>
+                </a:solidFill>
+              </a:rPr>
+              <a:t>by providing a more diverse menu</a:t>
+            </a:r>
+            <a:endParaRPr lang="en" altLang="ko-KR" sz="1400" dirty="0">
               <a:solidFill>
                 <a:srgbClr val="FAD935"/>
               </a:solidFill>
-              <a:latin typeface="Apple Braille" pitchFamily="2" charset="0"/>
             </a:endParaRPr>
           </a:p>
         </p:txBody>
       </p:sp>
       <p:sp>
         <p:nvSpPr>
-          <p:cNvPr id="13" name="TextBox 12">
-            <a:extLst>
-              <a:ext uri="{FF2B5EF4-FFF2-40B4-BE49-F238E27FC236}">
-                <a16:creationId xmlns:a16="http://schemas.microsoft.com/office/drawing/2014/main" id="{198D3AA0-96F1-DA93-00FA-D908626E61E2}"/>
-              </a:ext>
-            </a:extLst>
-          </p:cNvPr>
-          <p:cNvSpPr txBox="1"/>
+          <p:cNvPr id="23" name="모서리가 둥근 직사각형 2">
+            <a:extLst>
+              <a:ext uri="{FF2B5EF4-FFF2-40B4-BE49-F238E27FC236}">
+                <a16:creationId xmlns:a16="http://schemas.microsoft.com/office/drawing/2014/main" id="{51C187D8-DE9B-6139-31BD-618B7DE81393}"/>
+              </a:ext>
+            </a:extLst>
+          </p:cNvPr>
+          <p:cNvSpPr/>
           <p:nvPr/>
         </p:nvSpPr>
         <p:spPr>
           <a:xfrm>
-            <a:off x="2282130" y="5541722"/>
-            <a:ext cx="8006158" cy="584775"/>
+            <a:off x="2282129" y="5517632"/>
+            <a:ext cx="3715301" cy="934683"/>
           </a:xfrm>
-          <a:prstGeom prst="rect">
+          <a:prstGeom prst="roundRect">
             <a:avLst/>
           </a:prstGeom>
-          <a:noFill/>
         </p:spPr>
-        <p:txBody>
-          <a:bodyPr wrap="square">
-            <a:spAutoFit/>
-          </a:bodyPr>
+        <p:style>
+          <a:lnRef idx="2">
+            <a:schemeClr val="accent1">
+              <a:shade val="15000"/>
+            </a:schemeClr>
+          </a:lnRef>
+          <a:fillRef idx="1">
+            <a:schemeClr val="accent1"/>
+          </a:fillRef>
+          <a:effectRef idx="0">
+            <a:schemeClr val="accent1"/>
+          </a:effectRef>
+          <a:fontRef idx="minor">
+            <a:schemeClr val="lt1"/>
+          </a:fontRef>
+        </p:style>
+        <p:txBody>
+          <a:bodyPr rtlCol="0" anchor="ctr"/>
           <a:lstStyle/>
           <a:p>
-            <a:pPr>
-              <a:buFont typeface="Arial" panose="020B0604020202020204" pitchFamily="34" charset="0"/>
-              <a:buChar char="•"/>
-            </a:pPr>
-            <a:r>
-              <a:rPr lang="en" altLang="ko-KR" sz="1600" dirty="0">
+            <a:pPr algn="ctr"/>
+            <a:r>
+              <a:rPr lang="en" altLang="ko-KR" sz="1400" dirty="0">
                 <a:solidFill>
                   <a:srgbClr val="FAD935"/>
                 </a:solidFill>
-                <a:latin typeface="Apple Braille" pitchFamily="2" charset="0"/>
               </a:rPr>
-              <a:t>Reduces reliance on Earth resupply by ~30%</a:t>
-            </a:r>
-          </a:p>
-          <a:p>
-            <a:pPr>
-              <a:buFont typeface="Arial" panose="020B0604020202020204" pitchFamily="34" charset="0"/>
-              <a:buChar char="•"/>
-            </a:pPr>
-            <a:r>
-              <a:rPr lang="en" altLang="ko-KR" sz="1600" dirty="0">
+              <a:t>Reduces reliance </a:t>
+            </a:r>
+          </a:p>
+          <a:p>
+            <a:pPr algn="ctr"/>
+            <a:r>
+              <a:rPr lang="en" altLang="ko-KR" sz="1400" dirty="0">
                 <a:solidFill>
                   <a:srgbClr val="FAD935"/>
                 </a:solidFill>
-                <a:latin typeface="Apple Braille" pitchFamily="2" charset="0"/>
               </a:rPr>
-              <a:t>Extends shelf life of food system by 1.5× (from 18 to 27 months)</a:t>
+              <a:t>on Earth resupply by ~30%</a:t>
+            </a:r>
+          </a:p>
+        </p:txBody>
+      </p:sp>
+      <p:sp>
+        <p:nvSpPr>
+          <p:cNvPr id="24" name="모서리가 둥근 직사각형 2">
+            <a:extLst>
+              <a:ext uri="{FF2B5EF4-FFF2-40B4-BE49-F238E27FC236}">
+                <a16:creationId xmlns:a16="http://schemas.microsoft.com/office/drawing/2014/main" id="{94F38EA9-5C75-BDAA-8494-AC559003AC83}"/>
+              </a:ext>
+            </a:extLst>
+          </p:cNvPr>
+          <p:cNvSpPr/>
+          <p:nvPr/>
+        </p:nvSpPr>
+        <p:spPr>
+          <a:xfrm>
+            <a:off x="6194569" y="5515665"/>
+            <a:ext cx="3715301" cy="934683"/>
+          </a:xfrm>
+          <a:prstGeom prst="roundRect">
+            <a:avLst/>
+          </a:prstGeom>
+        </p:spPr>
+        <p:style>
+          <a:lnRef idx="2">
+            <a:schemeClr val="accent1">
+              <a:shade val="15000"/>
+            </a:schemeClr>
+          </a:lnRef>
+          <a:fillRef idx="1">
+            <a:schemeClr val="accent1"/>
+          </a:fillRef>
+          <a:effectRef idx="0">
+            <a:schemeClr val="accent1"/>
+          </a:effectRef>
+          <a:fontRef idx="minor">
+            <a:schemeClr val="lt1"/>
+          </a:fontRef>
+        </p:style>
+        <p:txBody>
+          <a:bodyPr rtlCol="0" anchor="ctr"/>
+          <a:lstStyle/>
+          <a:p>
+            <a:pPr algn="ctr"/>
+            <a:r>
+              <a:rPr lang="en" altLang="ko-KR" sz="1400" dirty="0">
+                <a:solidFill>
+                  <a:srgbClr val="FAD935"/>
+                </a:solidFill>
+              </a:rPr>
+              <a:t>Extends shelf life of food system </a:t>
+            </a:r>
+          </a:p>
+          <a:p>
+            <a:pPr algn="ctr"/>
+            <a:r>
+              <a:rPr lang="en" altLang="ko-KR" sz="1400" dirty="0">
+                <a:solidFill>
+                  <a:srgbClr val="FAD935"/>
+                </a:solidFill>
+              </a:rPr>
+              <a:t>by 1.5× (from 18 to 27 months)</a:t>
             </a:r>
           </a:p>
         </p:txBody>
@@ -13190,6 +13936,84 @@
   <p:clrMapOvr>
     <a:masterClrMapping/>
   </p:clrMapOvr>
+  <p:timing>
+    <p:tnLst>
+      <p:par>
+        <p:cTn id="1" dur="indefinite" restart="never" nodeType="tmRoot">
+          <p:childTnLst>
+            <p:seq concurrent="1" nextAc="seek">
+              <p:cTn id="2" dur="indefinite" nodeType="mainSeq">
+                <p:childTnLst>
+                  <p:par>
+                    <p:cTn id="3" fill="hold">
+                      <p:stCondLst>
+                        <p:cond delay="indefinite"/>
+                      </p:stCondLst>
+                      <p:childTnLst>
+                        <p:par>
+                          <p:cTn id="4" fill="hold">
+                            <p:stCondLst>
+                              <p:cond delay="0"/>
+                            </p:stCondLst>
+                            <p:childTnLst>
+                              <p:par>
+                                <p:cTn id="5" presetID="1" presetClass="entr" presetSubtype="0" fill="hold" grpId="0" nodeType="clickEffect">
+                                  <p:stCondLst>
+                                    <p:cond delay="0"/>
+                                  </p:stCondLst>
+                                  <p:childTnLst>
+                                    <p:set>
+                                      <p:cBhvr>
+                                        <p:cTn id="6" dur="1" fill="hold">
+                                          <p:stCondLst>
+                                            <p:cond delay="0"/>
+                                          </p:stCondLst>
+                                        </p:cTn>
+                                        <p:tgtEl>
+                                          <p:spTgt spid="10"/>
+                                        </p:tgtEl>
+                                        <p:attrNameLst>
+                                          <p:attrName>style.visibility</p:attrName>
+                                        </p:attrNameLst>
+                                      </p:cBhvr>
+                                      <p:to>
+                                        <p:strVal val="visible"/>
+                                      </p:to>
+                                    </p:set>
+                                  </p:childTnLst>
+                                </p:cTn>
+                              </p:par>
+                            </p:childTnLst>
+                          </p:cTn>
+                        </p:par>
+                      </p:childTnLst>
+                    </p:cTn>
+                  </p:par>
+                </p:childTnLst>
+              </p:cTn>
+              <p:prevCondLst>
+                <p:cond evt="onPrev" delay="0">
+                  <p:tgtEl>
+                    <p:sldTgt/>
+                  </p:tgtEl>
+                </p:cond>
+              </p:prevCondLst>
+              <p:nextCondLst>
+                <p:cond evt="onNext" delay="0">
+                  <p:tgtEl>
+                    <p:sldTgt/>
+                  </p:tgtEl>
+                </p:cond>
+              </p:nextCondLst>
+            </p:seq>
+          </p:childTnLst>
+        </p:cTn>
+      </p:par>
+    </p:tnLst>
+    <p:bldLst>
+      <p:bldP spid="10" grpId="0" animBg="1"/>
+    </p:bldLst>
+  </p:timing>
 </p:sld>
 </file>
 
@@ -13224,6 +14048,53 @@
           <a:chExt cx="0" cy="0"/>
         </a:xfrm>
       </p:grpSpPr>
+      <p:pic>
+        <p:nvPicPr>
+          <p:cNvPr id="10" name="Picture 2" descr="Gradient background 벡터 - Freepik에서 무료 고품질 벡터를 다운로드하세요 | Freepik">
+            <a:extLst>
+              <a:ext uri="{FF2B5EF4-FFF2-40B4-BE49-F238E27FC236}">
+                <a16:creationId xmlns:a16="http://schemas.microsoft.com/office/drawing/2014/main" id="{CF588C1A-A57C-D9E8-78D4-95EF9E2CEAD3}"/>
+              </a:ext>
+            </a:extLst>
+          </p:cNvPr>
+          <p:cNvPicPr>
+            <a:picLocks noChangeAspect="1" noChangeArrowheads="1"/>
+          </p:cNvPicPr>
+          <p:nvPr/>
+        </p:nvPicPr>
+        <p:blipFill rotWithShape="1">
+          <a:blip r:embed="rId2">
+            <a:extLst>
+              <a:ext uri="{28A0092B-C50C-407E-A947-70E740481C1C}">
+                <a14:useLocalDpi xmlns:a14="http://schemas.microsoft.com/office/drawing/2010/main" val="0"/>
+              </a:ext>
+            </a:extLst>
+          </a:blip>
+          <a:srcRect t="7755" b="7829"/>
+          <a:stretch>
+            <a:fillRect/>
+          </a:stretch>
+        </p:blipFill>
+        <p:spPr bwMode="auto">
+          <a:xfrm>
+            <a:off x="28101" y="5934"/>
+            <a:ext cx="12183727" cy="6852066"/>
+          </a:xfrm>
+          <a:prstGeom prst="rect">
+            <a:avLst/>
+          </a:prstGeom>
+          <a:noFill/>
+          <a:extLst>
+            <a:ext uri="{909E8E84-426E-40DD-AFC4-6F175D3DCCD1}">
+              <a14:hiddenFill xmlns:a14="http://schemas.microsoft.com/office/drawing/2010/main">
+                <a:solidFill>
+                  <a:srgbClr val="FFFFFF"/>
+                </a:solidFill>
+              </a14:hiddenFill>
+            </a:ext>
+          </a:extLst>
+        </p:spPr>
+      </p:pic>
       <p:sp>
         <p:nvSpPr>
           <p:cNvPr id="17" name="직사각형 16">
@@ -13238,8 +14109,8 @@
         </p:nvSpPr>
         <p:spPr>
           <a:xfrm>
-            <a:off x="1463817" y="491146"/>
-            <a:ext cx="9411831" cy="6297235"/>
+            <a:off x="1463817" y="1287139"/>
+            <a:ext cx="9411831" cy="5227784"/>
           </a:xfrm>
           <a:prstGeom prst="rect">
             <a:avLst/>
@@ -13248,9 +14119,35 @@
             <a:srgbClr val="6C35C5"/>
           </a:solidFill>
           <a:ln>
-            <a:solidFill>
-              <a:srgbClr val="6C35C5"/>
-            </a:solidFill>
+            <a:gradFill>
+              <a:gsLst>
+                <a:gs pos="0">
+                  <a:schemeClr val="accent1">
+                    <a:lumMod val="5000"/>
+                    <a:lumOff val="95000"/>
+                  </a:schemeClr>
+                </a:gs>
+                <a:gs pos="74000">
+                  <a:schemeClr val="accent1">
+                    <a:lumMod val="45000"/>
+                    <a:lumOff val="55000"/>
+                  </a:schemeClr>
+                </a:gs>
+                <a:gs pos="83000">
+                  <a:schemeClr val="accent1">
+                    <a:lumMod val="45000"/>
+                    <a:lumOff val="55000"/>
+                  </a:schemeClr>
+                </a:gs>
+                <a:gs pos="100000">
+                  <a:schemeClr val="accent1">
+                    <a:lumMod val="30000"/>
+                    <a:lumOff val="70000"/>
+                  </a:schemeClr>
+                </a:gs>
+              </a:gsLst>
+              <a:lin ang="5400000" scaled="1"/>
+            </a:gradFill>
           </a:ln>
         </p:spPr>
         <p:style>
@@ -13292,8 +14189,8 @@
         </p:nvSpPr>
         <p:spPr>
           <a:xfrm>
-            <a:off x="3281283" y="640807"/>
-            <a:ext cx="5629426" cy="646331"/>
+            <a:off x="3281283" y="398561"/>
+            <a:ext cx="5841536" cy="646331"/>
           </a:xfrm>
           <a:prstGeom prst="rect">
             <a:avLst/>
@@ -13307,20 +14204,18 @@
           <a:lstStyle/>
           <a:p>
             <a:r>
-              <a:rPr kumimoji="1" lang="en-US" altLang="ko-KR" sz="3600">
+              <a:rPr kumimoji="1" lang="en-US" altLang="ko-KR" sz="3600" dirty="0">
                 <a:solidFill>
                   <a:srgbClr val="FAD935"/>
                 </a:solidFill>
-                <a:latin typeface="Apple Braille" pitchFamily="2" charset="0"/>
                 <a:ea typeface="BM DoHyeon OTF" panose="020B0600000101010101" pitchFamily="34" charset="-127"/>
               </a:rPr>
               <a:t>Conclusion/Future Outlook</a:t>
             </a:r>
-            <a:endParaRPr kumimoji="1" lang="ko-KR" altLang="en-US" sz="3600">
+            <a:endParaRPr kumimoji="1" lang="ko-KR" altLang="en-US" sz="3600" dirty="0">
               <a:solidFill>
                 <a:srgbClr val="FAD935"/>
               </a:solidFill>
-              <a:latin typeface="Apple Braille" pitchFamily="2" charset="0"/>
               <a:ea typeface="BM DoHyeon OTF" panose="020B0600000101010101" pitchFamily="34" charset="-127"/>
             </a:endParaRPr>
           </a:p>
@@ -13341,7 +14236,7 @@
         <p:spPr>
           <a:xfrm>
             <a:off x="28101" y="69618"/>
-            <a:ext cx="1678408" cy="292388"/>
+            <a:ext cx="1719060" cy="292388"/>
           </a:xfrm>
           <a:prstGeom prst="rect">
             <a:avLst/>
@@ -13359,7 +14254,6 @@
                 <a:solidFill>
                   <a:schemeClr val="bg1"/>
                 </a:solidFill>
-                <a:latin typeface="Apple Braille" pitchFamily="2" charset="0"/>
               </a:rPr>
               <a:t>ID: PROJECT - AERO</a:t>
             </a:r>
@@ -13367,7 +14261,6 @@
               <a:solidFill>
                 <a:schemeClr val="bg1"/>
               </a:solidFill>
-              <a:latin typeface="Apple Braille" pitchFamily="2" charset="0"/>
             </a:endParaRPr>
           </a:p>
         </p:txBody>
@@ -13386,7 +14279,7 @@
         </p:nvSpPr>
         <p:spPr>
           <a:xfrm>
-            <a:off x="9516836" y="671585"/>
+            <a:off x="9751486" y="852547"/>
             <a:ext cx="1124162" cy="292388"/>
           </a:xfrm>
           <a:prstGeom prst="rect">
@@ -13422,203 +14315,65 @@
       </p:sp>
       <p:sp>
         <p:nvSpPr>
-          <p:cNvPr id="43" name="TextBox 42">
-            <a:extLst>
-              <a:ext uri="{FF2B5EF4-FFF2-40B4-BE49-F238E27FC236}">
-                <a16:creationId xmlns:a16="http://schemas.microsoft.com/office/drawing/2014/main" id="{AB46A025-E3F9-8395-C12E-49D38DEB4F18}"/>
-              </a:ext>
-            </a:extLst>
-          </p:cNvPr>
-          <p:cNvSpPr txBox="1"/>
+          <p:cNvPr id="3" name="모서리가 둥근 직사각형 2">
+            <a:extLst>
+              <a:ext uri="{FF2B5EF4-FFF2-40B4-BE49-F238E27FC236}">
+                <a16:creationId xmlns:a16="http://schemas.microsoft.com/office/drawing/2014/main" id="{D8563A2C-07EF-5B35-A947-611C86B9AA3A}"/>
+              </a:ext>
+            </a:extLst>
+          </p:cNvPr>
+          <p:cNvSpPr/>
           <p:nvPr/>
         </p:nvSpPr>
         <p:spPr>
           <a:xfrm>
-            <a:off x="3001419" y="3432466"/>
-            <a:ext cx="1678408" cy="292388"/>
+            <a:off x="1903704" y="5240522"/>
+            <a:ext cx="8384583" cy="1163986"/>
           </a:xfrm>
-          <a:prstGeom prst="rect">
+          <a:prstGeom prst="roundRect">
             <a:avLst/>
           </a:prstGeom>
-          <a:noFill/>
         </p:spPr>
-        <p:txBody>
-          <a:bodyPr wrap="none" rtlCol="0">
-            <a:spAutoFit/>
-          </a:bodyPr>
+        <p:style>
+          <a:lnRef idx="2">
+            <a:schemeClr val="accent1">
+              <a:shade val="15000"/>
+            </a:schemeClr>
+          </a:lnRef>
+          <a:fillRef idx="1">
+            <a:schemeClr val="accent1"/>
+          </a:fillRef>
+          <a:effectRef idx="0">
+            <a:schemeClr val="accent1"/>
+          </a:effectRef>
+          <a:fontRef idx="minor">
+            <a:schemeClr val="lt1"/>
+          </a:fontRef>
+        </p:style>
+        <p:txBody>
+          <a:bodyPr rtlCol="0" anchor="ctr"/>
           <a:lstStyle/>
           <a:p>
-            <a:r>
-              <a:rPr kumimoji="1" lang="en-US" altLang="ko-KR" sz="1300">
-                <a:solidFill>
-                  <a:schemeClr val="bg1"/>
-                </a:solidFill>
-                <a:latin typeface="Apple Braille" pitchFamily="2" charset="0"/>
-              </a:rPr>
-              <a:t>ID: PROJECT - AERO</a:t>
-            </a:r>
-            <a:endParaRPr kumimoji="1" lang="ko-KR" altLang="en-US" sz="1300">
-              <a:solidFill>
-                <a:schemeClr val="bg1"/>
-              </a:solidFill>
-              <a:latin typeface="Apple Braille" pitchFamily="2" charset="0"/>
-            </a:endParaRPr>
-          </a:p>
-        </p:txBody>
-      </p:sp>
-      <p:sp>
-        <p:nvSpPr>
-          <p:cNvPr id="44" name="TextBox 43">
-            <a:extLst>
-              <a:ext uri="{FF2B5EF4-FFF2-40B4-BE49-F238E27FC236}">
-                <a16:creationId xmlns:a16="http://schemas.microsoft.com/office/drawing/2014/main" id="{EAB0CEE5-AD47-FCAB-2899-42EF230310BF}"/>
-              </a:ext>
-            </a:extLst>
-          </p:cNvPr>
-          <p:cNvSpPr txBox="1"/>
+            <a:pPr algn="ctr"/>
+            <a:endParaRPr kumimoji="1" lang="ko-KR" altLang="en-US"/>
+          </a:p>
+        </p:txBody>
+      </p:sp>
+      <p:sp>
+        <p:nvSpPr>
+          <p:cNvPr id="5" name="모서리가 둥근 직사각형 4">
+            <a:extLst>
+              <a:ext uri="{FF2B5EF4-FFF2-40B4-BE49-F238E27FC236}">
+                <a16:creationId xmlns:a16="http://schemas.microsoft.com/office/drawing/2014/main" id="{603357A9-4B66-330D-37F4-E856B21383A0}"/>
+              </a:ext>
+            </a:extLst>
+          </p:cNvPr>
+          <p:cNvSpPr/>
           <p:nvPr/>
         </p:nvSpPr>
         <p:spPr>
           <a:xfrm>
-            <a:off x="7512173" y="3483156"/>
-            <a:ext cx="1678408" cy="292388"/>
-          </a:xfrm>
-          <a:prstGeom prst="rect">
-            <a:avLst/>
-          </a:prstGeom>
-          <a:noFill/>
-        </p:spPr>
-        <p:txBody>
-          <a:bodyPr wrap="none" rtlCol="0">
-            <a:spAutoFit/>
-          </a:bodyPr>
-          <a:lstStyle/>
-          <a:p>
-            <a:r>
-              <a:rPr kumimoji="1" lang="en-US" altLang="ko-KR" sz="1300">
-                <a:solidFill>
-                  <a:schemeClr val="bg1"/>
-                </a:solidFill>
-                <a:latin typeface="Apple Braille" pitchFamily="2" charset="0"/>
-              </a:rPr>
-              <a:t>ID: PROJECT - AERO</a:t>
-            </a:r>
-            <a:endParaRPr kumimoji="1" lang="ko-KR" altLang="en-US" sz="1300">
-              <a:solidFill>
-                <a:schemeClr val="bg1"/>
-              </a:solidFill>
-              <a:latin typeface="Apple Braille" pitchFamily="2" charset="0"/>
-            </a:endParaRPr>
-          </a:p>
-        </p:txBody>
-      </p:sp>
-      <p:sp>
-        <p:nvSpPr>
-          <p:cNvPr id="45" name="TextBox 44">
-            <a:extLst>
-              <a:ext uri="{FF2B5EF4-FFF2-40B4-BE49-F238E27FC236}">
-                <a16:creationId xmlns:a16="http://schemas.microsoft.com/office/drawing/2014/main" id="{D45F0F53-7205-9475-9DB7-9CAA702DA406}"/>
-              </a:ext>
-            </a:extLst>
-          </p:cNvPr>
-          <p:cNvSpPr txBox="1"/>
-          <p:nvPr/>
-        </p:nvSpPr>
-        <p:spPr>
-          <a:xfrm>
-            <a:off x="3001419" y="6115789"/>
-            <a:ext cx="1678408" cy="292388"/>
-          </a:xfrm>
-          <a:prstGeom prst="rect">
-            <a:avLst/>
-          </a:prstGeom>
-          <a:noFill/>
-        </p:spPr>
-        <p:txBody>
-          <a:bodyPr wrap="none" rtlCol="0">
-            <a:spAutoFit/>
-          </a:bodyPr>
-          <a:lstStyle/>
-          <a:p>
-            <a:r>
-              <a:rPr kumimoji="1" lang="en-US" altLang="ko-KR" sz="1300">
-                <a:solidFill>
-                  <a:schemeClr val="bg1"/>
-                </a:solidFill>
-                <a:latin typeface="Apple Braille" pitchFamily="2" charset="0"/>
-              </a:rPr>
-              <a:t>ID: PROJECT - AERO</a:t>
-            </a:r>
-            <a:endParaRPr kumimoji="1" lang="ko-KR" altLang="en-US" sz="1300">
-              <a:solidFill>
-                <a:schemeClr val="bg1"/>
-              </a:solidFill>
-              <a:latin typeface="Apple Braille" pitchFamily="2" charset="0"/>
-            </a:endParaRPr>
-          </a:p>
-        </p:txBody>
-      </p:sp>
-      <p:sp>
-        <p:nvSpPr>
-          <p:cNvPr id="46" name="TextBox 45">
-            <a:extLst>
-              <a:ext uri="{FF2B5EF4-FFF2-40B4-BE49-F238E27FC236}">
-                <a16:creationId xmlns:a16="http://schemas.microsoft.com/office/drawing/2014/main" id="{98E25D9A-F633-2EA9-20C4-6401E546FD0D}"/>
-              </a:ext>
-            </a:extLst>
-          </p:cNvPr>
-          <p:cNvSpPr txBox="1"/>
-          <p:nvPr/>
-        </p:nvSpPr>
-        <p:spPr>
-          <a:xfrm>
-            <a:off x="7512173" y="6098735"/>
-            <a:ext cx="1678408" cy="292388"/>
-          </a:xfrm>
-          <a:prstGeom prst="rect">
-            <a:avLst/>
-          </a:prstGeom>
-          <a:noFill/>
-        </p:spPr>
-        <p:txBody>
-          <a:bodyPr wrap="none" rtlCol="0">
-            <a:spAutoFit/>
-          </a:bodyPr>
-          <a:lstStyle/>
-          <a:p>
-            <a:r>
-              <a:rPr kumimoji="1" lang="en-US" altLang="ko-KR" sz="1300">
-                <a:solidFill>
-                  <a:schemeClr val="bg1"/>
-                </a:solidFill>
-                <a:latin typeface="Apple Braille" pitchFamily="2" charset="0"/>
-              </a:rPr>
-              <a:t>ID: PROJECT - AERO</a:t>
-            </a:r>
-            <a:endParaRPr kumimoji="1" lang="ko-KR" altLang="en-US" sz="1300">
-              <a:solidFill>
-                <a:schemeClr val="bg1"/>
-              </a:solidFill>
-              <a:latin typeface="Apple Braille" pitchFamily="2" charset="0"/>
-            </a:endParaRPr>
-          </a:p>
-        </p:txBody>
-      </p:sp>
-      <p:sp>
-        <p:nvSpPr>
-          <p:cNvPr id="3" name="모서리가 둥근 직사각형 2">
-            <a:extLst>
-              <a:ext uri="{FF2B5EF4-FFF2-40B4-BE49-F238E27FC236}">
-                <a16:creationId xmlns:a16="http://schemas.microsoft.com/office/drawing/2014/main" id="{D8563A2C-07EF-5B35-A947-611C86B9AA3A}"/>
-              </a:ext>
-            </a:extLst>
-          </p:cNvPr>
-          <p:cNvSpPr/>
-          <p:nvPr/>
-        </p:nvSpPr>
-        <p:spPr>
-          <a:xfrm>
-            <a:off x="1903706" y="3250151"/>
+            <a:off x="1903704" y="3522893"/>
             <a:ext cx="8384583" cy="1585797"/>
           </a:xfrm>
           <a:prstGeom prst="roundRect">
@@ -13646,52 +14401,6 @@
           <a:lstStyle/>
           <a:p>
             <a:pPr algn="ctr"/>
-            <a:endParaRPr kumimoji="1" lang="ko-KR" altLang="en-US"/>
-          </a:p>
-        </p:txBody>
-      </p:sp>
-      <p:sp>
-        <p:nvSpPr>
-          <p:cNvPr id="5" name="모서리가 둥근 직사각형 4">
-            <a:extLst>
-              <a:ext uri="{FF2B5EF4-FFF2-40B4-BE49-F238E27FC236}">
-                <a16:creationId xmlns:a16="http://schemas.microsoft.com/office/drawing/2014/main" id="{603357A9-4B66-330D-37F4-E856B21383A0}"/>
-              </a:ext>
-            </a:extLst>
-          </p:cNvPr>
-          <p:cNvSpPr/>
-          <p:nvPr/>
-        </p:nvSpPr>
-        <p:spPr>
-          <a:xfrm>
-            <a:off x="1903706" y="5018263"/>
-            <a:ext cx="8384583" cy="1585797"/>
-          </a:xfrm>
-          <a:prstGeom prst="roundRect">
-            <a:avLst/>
-          </a:prstGeom>
-        </p:spPr>
-        <p:style>
-          <a:lnRef idx="2">
-            <a:schemeClr val="accent1">
-              <a:shade val="15000"/>
-            </a:schemeClr>
-          </a:lnRef>
-          <a:fillRef idx="1">
-            <a:schemeClr val="accent1"/>
-          </a:fillRef>
-          <a:effectRef idx="0">
-            <a:schemeClr val="accent1"/>
-          </a:effectRef>
-          <a:fontRef idx="minor">
-            <a:schemeClr val="lt1"/>
-          </a:fontRef>
-        </p:style>
-        <p:txBody>
-          <a:bodyPr rtlCol="0" anchor="ctr"/>
-          <a:lstStyle/>
-          <a:p>
-            <a:pPr algn="ctr"/>
             <a:endParaRPr kumimoji="1" lang="ko-KR" altLang="en-US" dirty="0"/>
           </a:p>
         </p:txBody>
@@ -13712,8 +14421,8 @@
             </p:nvSpPr>
             <p:spPr>
               <a:xfrm>
-                <a:off x="2011263" y="3375434"/>
-                <a:ext cx="1924438" cy="400110"/>
+                <a:off x="2011262" y="5330633"/>
+                <a:ext cx="2120581" cy="400110"/>
               </a:xfrm>
               <a:prstGeom prst="rect">
                 <a:avLst/>
@@ -13733,7 +14442,6 @@
                         <a:solidFill>
                           <a:schemeClr val="bg1"/>
                         </a:solidFill>
-                        <a:latin typeface="Cambria Math" panose="02040503050406030204" pitchFamily="18" charset="0"/>
                         <a:ea typeface="Cambria Math" panose="02040503050406030204" pitchFamily="18" charset="0"/>
                       </a:rPr>
                       <m:t>∙</m:t>
@@ -13745,7 +14453,6 @@
                     <a:solidFill>
                       <a:schemeClr val="bg1"/>
                     </a:solidFill>
-                    <a:latin typeface="Apple Braille" pitchFamily="2" charset="0"/>
                   </a:rPr>
                   <a:t> </a:t>
                 </a:r>
@@ -13754,7 +14461,6 @@
                     <a:solidFill>
                       <a:schemeClr val="bg1"/>
                     </a:solidFill>
-                    <a:latin typeface="Apple Braille" pitchFamily="2" charset="0"/>
                   </a:rPr>
                   <a:t>Expected effect</a:t>
                 </a:r>
@@ -13762,7 +14468,6 @@
                   <a:solidFill>
                     <a:schemeClr val="bg1"/>
                   </a:solidFill>
-                  <a:latin typeface="Apple Braille" pitchFamily="2" charset="0"/>
                 </a:endParaRPr>
               </a:p>
             </p:txBody>
@@ -13785,16 +14490,16 @@
             </p:nvSpPr>
             <p:spPr>
               <a:xfrm>
-                <a:off x="2011263" y="3375434"/>
-                <a:ext cx="1924438" cy="400110"/>
+                <a:off x="2011262" y="5330633"/>
+                <a:ext cx="2120581" cy="400110"/>
               </a:xfrm>
               <a:prstGeom prst="rect">
                 <a:avLst/>
               </a:prstGeom>
               <a:blipFill>
-                <a:blip r:embed="rId2"/>
+                <a:blip r:embed="rId3"/>
                 <a:stretch>
-                  <a:fillRect t="-9231" r="-2848" b="-27692"/>
+                  <a:fillRect t="-6061" r="-1786" b="-24242"/>
                 </a:stretch>
               </a:blipFill>
             </p:spPr>
@@ -13829,8 +14534,8 @@
             </p:nvSpPr>
             <p:spPr>
               <a:xfrm>
-                <a:off x="2042023" y="5110239"/>
-                <a:ext cx="3753400" cy="400110"/>
+                <a:off x="2070172" y="3669307"/>
+                <a:ext cx="4161717" cy="400110"/>
               </a:xfrm>
               <a:prstGeom prst="rect">
                 <a:avLst/>
@@ -13850,7 +14555,6 @@
                         <a:solidFill>
                           <a:schemeClr val="bg1"/>
                         </a:solidFill>
-                        <a:latin typeface="Cambria Math" panose="02040503050406030204" pitchFamily="18" charset="0"/>
                         <a:ea typeface="Cambria Math" panose="02040503050406030204" pitchFamily="18" charset="0"/>
                       </a:rPr>
                       <m:t>∙</m:t>
@@ -13862,7 +14566,6 @@
                     <a:solidFill>
                       <a:schemeClr val="bg1"/>
                     </a:solidFill>
-                    <a:latin typeface="Apple Braille" pitchFamily="2" charset="0"/>
                   </a:rPr>
                   <a:t> </a:t>
                 </a:r>
@@ -13871,7 +14574,6 @@
                     <a:solidFill>
                       <a:schemeClr val="bg1"/>
                     </a:solidFill>
-                    <a:latin typeface="Apple Braille" pitchFamily="2" charset="0"/>
                   </a:rPr>
                   <a:t>Potential for future development</a:t>
                 </a:r>
@@ -13879,7 +14581,6 @@
                   <a:solidFill>
                     <a:schemeClr val="bg1"/>
                   </a:solidFill>
-                  <a:latin typeface="Apple Braille" pitchFamily="2" charset="0"/>
                 </a:endParaRPr>
               </a:p>
             </p:txBody>
@@ -13902,16 +14603,16 @@
             </p:nvSpPr>
             <p:spPr>
               <a:xfrm>
-                <a:off x="2042023" y="5110239"/>
-                <a:ext cx="3753400" cy="400110"/>
+                <a:off x="2070172" y="3669307"/>
+                <a:ext cx="4161717" cy="400110"/>
               </a:xfrm>
               <a:prstGeom prst="rect">
                 <a:avLst/>
               </a:prstGeom>
               <a:blipFill>
-                <a:blip r:embed="rId3"/>
+                <a:blip r:embed="rId4"/>
                 <a:stretch>
-                  <a:fillRect t="-7576" r="-1136" b="-25758"/>
+                  <a:fillRect t="-6061" r="-610" b="-24242"/>
                 </a:stretch>
               </a:blipFill>
             </p:spPr>
@@ -13944,7 +14645,7 @@
         </p:nvSpPr>
         <p:spPr>
           <a:xfrm>
-            <a:off x="2282130" y="5541722"/>
+            <a:off x="2282129" y="4083702"/>
             <a:ext cx="8006158" cy="830997"/>
           </a:xfrm>
           <a:prstGeom prst="rect">
@@ -13958,54 +14659,38 @@
           </a:bodyPr>
           <a:lstStyle/>
           <a:p>
-            <a:pPr>
-              <a:buFont typeface="Arial" panose="020B0604020202020204" pitchFamily="34" charset="0"/>
-              <a:buChar char="•"/>
-            </a:pPr>
             <a:r>
               <a:rPr lang="en-US" altLang="ko-KR" sz="1600" dirty="0">
                 <a:solidFill>
                   <a:srgbClr val="FAD935"/>
                 </a:solidFill>
-                <a:latin typeface="Apple Braille" pitchFamily="2" charset="0"/>
               </a:rPr>
-              <a:t> Designing cooking utensils usable in zero gravity</a:t>
-            </a:r>
-          </a:p>
-          <a:p>
-            <a:pPr>
-              <a:buFont typeface="Arial" panose="020B0604020202020204" pitchFamily="34" charset="0"/>
-              <a:buChar char="•"/>
-            </a:pPr>
+              <a:t>1. Designing cooking utensils usable in zero gravity</a:t>
+            </a:r>
+          </a:p>
+          <a:p>
             <a:r>
               <a:rPr lang="en-US" altLang="ko-KR" sz="1600" dirty="0">
                 <a:solidFill>
                   <a:srgbClr val="FAD935"/>
                 </a:solidFill>
-                <a:latin typeface="Apple Braille" pitchFamily="2" charset="0"/>
               </a:rPr>
-              <a:t> Suggesting more diverse and delicious recipes</a:t>
-            </a:r>
-          </a:p>
-          <a:p>
-            <a:pPr>
-              <a:buFont typeface="Arial" panose="020B0604020202020204" pitchFamily="34" charset="0"/>
-              <a:buChar char="•"/>
-            </a:pPr>
+              <a:t>2. Suggesting more diverse and delicious recipes</a:t>
+            </a:r>
+          </a:p>
+          <a:p>
             <a:r>
               <a:rPr lang="en-US" altLang="ko-KR" sz="1600" dirty="0">
                 <a:solidFill>
                   <a:srgbClr val="FAD935"/>
                 </a:solidFill>
-                <a:latin typeface="Apple Braille" pitchFamily="2" charset="0"/>
               </a:rPr>
-              <a:t> Providing users with more accurate information by referencing more data</a:t>
+              <a:t>3. Providing users with more accurate information by referencing more data</a:t>
             </a:r>
             <a:endParaRPr lang="en" altLang="ko-KR" sz="1600" dirty="0">
               <a:solidFill>
                 <a:srgbClr val="FAD935"/>
               </a:solidFill>
-              <a:latin typeface="Apple Braille" pitchFamily="2" charset="0"/>
             </a:endParaRPr>
           </a:p>
         </p:txBody>
@@ -14025,7 +14710,7 @@
         <p:spPr>
           <a:xfrm>
             <a:off x="1903705" y="1480033"/>
-            <a:ext cx="8384583" cy="1585797"/>
+            <a:ext cx="8384583" cy="1948967"/>
           </a:xfrm>
           <a:prstGeom prst="roundRect">
             <a:avLst/>
@@ -14073,7 +14758,7 @@
             <p:spPr>
               <a:xfrm>
                 <a:off x="2011262" y="1605316"/>
-                <a:ext cx="1475084" cy="400110"/>
+                <a:ext cx="1614545" cy="400110"/>
               </a:xfrm>
               <a:prstGeom prst="rect">
                 <a:avLst/>
@@ -14093,7 +14778,6 @@
                         <a:solidFill>
                           <a:schemeClr val="bg1"/>
                         </a:solidFill>
-                        <a:latin typeface="Cambria Math" panose="02040503050406030204" pitchFamily="18" charset="0"/>
                         <a:ea typeface="Cambria Math" panose="02040503050406030204" pitchFamily="18" charset="0"/>
                       </a:rPr>
                       <m:t>∙</m:t>
@@ -14105,7 +14789,6 @@
                     <a:solidFill>
                       <a:schemeClr val="bg1"/>
                     </a:solidFill>
-                    <a:latin typeface="Apple Braille" pitchFamily="2" charset="0"/>
                   </a:rPr>
                   <a:t> Conclusion</a:t>
                 </a:r>
@@ -14113,7 +14796,6 @@
                   <a:solidFill>
                     <a:schemeClr val="bg1"/>
                   </a:solidFill>
-                  <a:latin typeface="Apple Braille" pitchFamily="2" charset="0"/>
                 </a:endParaRPr>
               </a:p>
             </p:txBody>
@@ -14137,15 +14819,15 @@
             <p:spPr>
               <a:xfrm>
                 <a:off x="2011262" y="1605316"/>
-                <a:ext cx="1475084" cy="400110"/>
+                <a:ext cx="1614545" cy="400110"/>
               </a:xfrm>
               <a:prstGeom prst="rect">
                 <a:avLst/>
               </a:prstGeom>
               <a:blipFill>
-                <a:blip r:embed="rId4"/>
+                <a:blip r:embed="rId5"/>
                 <a:stretch>
-                  <a:fillRect t="-7576" r="-2066" b="-25758"/>
+                  <a:fillRect t="-9375" r="-3125" b="-28125"/>
                 </a:stretch>
               </a:blipFill>
             </p:spPr>
@@ -14178,7 +14860,7 @@
         </p:nvSpPr>
         <p:spPr>
           <a:xfrm>
-            <a:off x="2282130" y="3816830"/>
+            <a:off x="2282129" y="5725785"/>
             <a:ext cx="8006158" cy="584775"/>
           </a:xfrm>
           <a:prstGeom prst="rect">
@@ -14201,7 +14883,6 @@
                 <a:solidFill>
                   <a:srgbClr val="FAD935"/>
                 </a:solidFill>
-                <a:latin typeface="Apple Braille" pitchFamily="2" charset="0"/>
               </a:rPr>
               <a:t> Providing educational resources on space food</a:t>
             </a:r>
@@ -14216,7 +14897,6 @@
                 <a:solidFill>
                   <a:srgbClr val="FAD935"/>
                 </a:solidFill>
-                <a:latin typeface="Apple Braille" pitchFamily="2" charset="0"/>
               </a:rPr>
               <a:t> Raising public awareness of the space food industry</a:t>
             </a:r>
@@ -14224,17 +14904,16 @@
               <a:solidFill>
                 <a:srgbClr val="FAD935"/>
               </a:solidFill>
-              <a:latin typeface="Apple Braille" pitchFamily="2" charset="0"/>
             </a:endParaRPr>
           </a:p>
         </p:txBody>
       </p:sp>
       <p:sp>
         <p:nvSpPr>
-          <p:cNvPr id="16" name="TextBox 15">
-            <a:extLst>
-              <a:ext uri="{FF2B5EF4-FFF2-40B4-BE49-F238E27FC236}">
-                <a16:creationId xmlns:a16="http://schemas.microsoft.com/office/drawing/2014/main" id="{DBBFB3B0-1AA1-4A25-9EEB-9D9E8397ABCF}"/>
+          <p:cNvPr id="2" name="TextBox 1">
+            <a:extLst>
+              <a:ext uri="{FF2B5EF4-FFF2-40B4-BE49-F238E27FC236}">
+                <a16:creationId xmlns:a16="http://schemas.microsoft.com/office/drawing/2014/main" id="{484C199D-EAFF-D02F-BAAB-2A4660DA12FB}"/>
               </a:ext>
             </a:extLst>
           </p:cNvPr>
@@ -14243,8 +14922,52 @@
         </p:nvSpPr>
         <p:spPr>
           <a:xfrm>
-            <a:off x="2282130" y="1998983"/>
-            <a:ext cx="8006158" cy="1077218"/>
+            <a:off x="9751486" y="862918"/>
+            <a:ext cx="1124162" cy="292388"/>
+          </a:xfrm>
+          <a:prstGeom prst="rect">
+            <a:avLst/>
+          </a:prstGeom>
+          <a:solidFill>
+            <a:srgbClr val="FF9300"/>
+          </a:solidFill>
+          <a:ln>
+            <a:solidFill>
+              <a:schemeClr val="bg1"/>
+            </a:solidFill>
+          </a:ln>
+        </p:spPr>
+        <p:txBody>
+          <a:bodyPr wrap="square" rtlCol="0">
+            <a:spAutoFit/>
+          </a:bodyPr>
+          <a:lstStyle/>
+          <a:p>
+            <a:pPr algn="ctr"/>
+            <a:r>
+              <a:rPr kumimoji="1" lang="en-US" altLang="ko-KR" sz="1300" dirty="0"/>
+              <a:t>Next</a:t>
+            </a:r>
+            <a:endParaRPr kumimoji="1" lang="ko-KR" altLang="en-US" sz="1300" dirty="0"/>
+          </a:p>
+        </p:txBody>
+      </p:sp>
+      <p:sp>
+        <p:nvSpPr>
+          <p:cNvPr id="6" name="TextBox 5">
+            <a:extLst>
+              <a:ext uri="{FF2B5EF4-FFF2-40B4-BE49-F238E27FC236}">
+                <a16:creationId xmlns:a16="http://schemas.microsoft.com/office/drawing/2014/main" id="{DFCC51FD-872A-9D8C-F930-4EB73859EE9D}"/>
+              </a:ext>
+            </a:extLst>
+          </p:cNvPr>
+          <p:cNvSpPr txBox="1"/>
+          <p:nvPr/>
+        </p:nvSpPr>
+        <p:spPr>
+          <a:xfrm>
+            <a:off x="10168853" y="6504551"/>
+            <a:ext cx="1904817" cy="292388"/>
           </a:xfrm>
           <a:prstGeom prst="rect">
             <a:avLst/>
@@ -14252,44 +14975,212 @@
           <a:noFill/>
         </p:spPr>
         <p:txBody>
-          <a:bodyPr wrap="square">
+          <a:bodyPr wrap="none" rtlCol="0">
             <a:spAutoFit/>
           </a:bodyPr>
           <a:lstStyle/>
           <a:p>
-            <a:pPr>
-              <a:buFont typeface="Arial" panose="020B0604020202020204" pitchFamily="34" charset="0"/>
-              <a:buChar char="•"/>
-            </a:pPr>
-            <a:r>
-              <a:rPr lang="en-US" altLang="ko-KR" sz="1600" dirty="0">
+            <a:r>
+              <a:rPr kumimoji="1" lang="en-US" altLang="ko-KR" sz="1300" dirty="0">
+                <a:solidFill>
+                  <a:schemeClr val="bg1"/>
+                </a:solidFill>
+                <a:latin typeface="Apple Braille" pitchFamily="2" charset="0"/>
+              </a:rPr>
+              <a:t>TEAM PROJECT - AERO</a:t>
+            </a:r>
+            <a:endParaRPr kumimoji="1" lang="ko-KR" altLang="en-US" sz="1300" dirty="0">
+              <a:solidFill>
+                <a:schemeClr val="bg1"/>
+              </a:solidFill>
+              <a:latin typeface="Apple Braille" pitchFamily="2" charset="0"/>
+            </a:endParaRPr>
+          </a:p>
+        </p:txBody>
+      </p:sp>
+      <p:sp>
+        <p:nvSpPr>
+          <p:cNvPr id="14" name="모서리가 둥근 직사각형 2">
+            <a:extLst>
+              <a:ext uri="{FF2B5EF4-FFF2-40B4-BE49-F238E27FC236}">
+                <a16:creationId xmlns:a16="http://schemas.microsoft.com/office/drawing/2014/main" id="{3BA42B8F-DBCA-67BB-D25A-DE507673305E}"/>
+              </a:ext>
+            </a:extLst>
+          </p:cNvPr>
+          <p:cNvSpPr/>
+          <p:nvPr/>
+        </p:nvSpPr>
+        <p:spPr>
+          <a:xfrm>
+            <a:off x="2070172" y="2261037"/>
+            <a:ext cx="3390916" cy="934683"/>
+          </a:xfrm>
+          <a:prstGeom prst="roundRect">
+            <a:avLst/>
+          </a:prstGeom>
+        </p:spPr>
+        <p:style>
+          <a:lnRef idx="2">
+            <a:schemeClr val="accent1">
+              <a:shade val="15000"/>
+            </a:schemeClr>
+          </a:lnRef>
+          <a:fillRef idx="1">
+            <a:schemeClr val="accent1"/>
+          </a:fillRef>
+          <a:effectRef idx="0">
+            <a:schemeClr val="accent1"/>
+          </a:effectRef>
+          <a:fontRef idx="minor">
+            <a:schemeClr val="lt1"/>
+          </a:fontRef>
+        </p:style>
+        <p:txBody>
+          <a:bodyPr rtlCol="0" anchor="ctr"/>
+          <a:lstStyle/>
+          <a:p>
+            <a:pPr algn="ctr"/>
+            <a:r>
+              <a:rPr kumimoji="1" lang="en-US" altLang="ko-KR" sz="1300" dirty="0">
                 <a:solidFill>
                   <a:srgbClr val="FAD935"/>
                 </a:solidFill>
-                <a:latin typeface="Apple Braille" pitchFamily="2" charset="0"/>
               </a:rPr>
-              <a:t> We compiled and built a database of space food and nutrition data scattered across various locations.</a:t>
-            </a:r>
-          </a:p>
-          <a:p>
-            <a:pPr>
-              <a:buFont typeface="Arial" panose="020B0604020202020204" pitchFamily="34" charset="0"/>
-              <a:buChar char="•"/>
-            </a:pPr>
-            <a:r>
-              <a:rPr lang="en-US" altLang="ko-KR" sz="1600" dirty="0">
+              <a:t>Space food, nutrition data</a:t>
+            </a:r>
+          </a:p>
+          <a:p>
+            <a:pPr algn="ctr"/>
+            <a:r>
+              <a:rPr kumimoji="1" lang="en-US" altLang="ko-KR" sz="1300" dirty="0">
                 <a:solidFill>
                   <a:srgbClr val="FAD935"/>
                 </a:solidFill>
-                <a:latin typeface="Apple Braille" pitchFamily="2" charset="0"/>
               </a:rPr>
-              <a:t> Based on this data, we created an app that provides potential space food recipes and recommends personalized diet plans based on these data.</a:t>
-            </a:r>
-            <a:endParaRPr lang="en" altLang="ko-KR" sz="1600" dirty="0">
+              <a:t>Data Base</a:t>
+            </a:r>
+            <a:endParaRPr kumimoji="1" lang="ko-KR" altLang="en-US" sz="1300" dirty="0">
               <a:solidFill>
                 <a:srgbClr val="FAD935"/>
               </a:solidFill>
-              <a:latin typeface="Apple Braille" pitchFamily="2" charset="0"/>
+            </a:endParaRPr>
+          </a:p>
+        </p:txBody>
+      </p:sp>
+      <p:sp>
+        <p:nvSpPr>
+          <p:cNvPr id="18" name="오른쪽 화살표[R] 17">
+            <a:extLst>
+              <a:ext uri="{FF2B5EF4-FFF2-40B4-BE49-F238E27FC236}">
+                <a16:creationId xmlns:a16="http://schemas.microsoft.com/office/drawing/2014/main" id="{5DCDDD78-9451-C088-9AF2-EE52F7033993}"/>
+              </a:ext>
+            </a:extLst>
+          </p:cNvPr>
+          <p:cNvSpPr/>
+          <p:nvPr/>
+        </p:nvSpPr>
+        <p:spPr>
+          <a:xfrm>
+            <a:off x="5733651" y="2629400"/>
+            <a:ext cx="649705" cy="156411"/>
+          </a:xfrm>
+          <a:prstGeom prst="rightArrow">
+            <a:avLst/>
+          </a:prstGeom>
+          <a:solidFill>
+            <a:srgbClr val="FAD935"/>
+          </a:solidFill>
+        </p:spPr>
+        <p:style>
+          <a:lnRef idx="2">
+            <a:schemeClr val="accent1">
+              <a:shade val="15000"/>
+            </a:schemeClr>
+          </a:lnRef>
+          <a:fillRef idx="1">
+            <a:schemeClr val="accent1"/>
+          </a:fillRef>
+          <a:effectRef idx="0">
+            <a:schemeClr val="accent1"/>
+          </a:effectRef>
+          <a:fontRef idx="minor">
+            <a:schemeClr val="lt1"/>
+          </a:fontRef>
+        </p:style>
+        <p:txBody>
+          <a:bodyPr rtlCol="0" anchor="ctr"/>
+          <a:lstStyle/>
+          <a:p>
+            <a:pPr algn="ctr"/>
+            <a:endParaRPr kumimoji="1" lang="ko-KR" altLang="en-US"/>
+          </a:p>
+        </p:txBody>
+      </p:sp>
+      <p:sp>
+        <p:nvSpPr>
+          <p:cNvPr id="19" name="모서리가 둥근 직사각형 2">
+            <a:extLst>
+              <a:ext uri="{FF2B5EF4-FFF2-40B4-BE49-F238E27FC236}">
+                <a16:creationId xmlns:a16="http://schemas.microsoft.com/office/drawing/2014/main" id="{88AAB1B2-547C-5709-1DBC-3CFBF80AB217}"/>
+              </a:ext>
+            </a:extLst>
+          </p:cNvPr>
+          <p:cNvSpPr/>
+          <p:nvPr/>
+        </p:nvSpPr>
+        <p:spPr>
+          <a:xfrm>
+            <a:off x="6655919" y="2261037"/>
+            <a:ext cx="3390916" cy="934683"/>
+          </a:xfrm>
+          <a:prstGeom prst="roundRect">
+            <a:avLst/>
+          </a:prstGeom>
+        </p:spPr>
+        <p:style>
+          <a:lnRef idx="2">
+            <a:schemeClr val="accent1">
+              <a:shade val="15000"/>
+            </a:schemeClr>
+          </a:lnRef>
+          <a:fillRef idx="1">
+            <a:schemeClr val="accent1"/>
+          </a:fillRef>
+          <a:effectRef idx="0">
+            <a:schemeClr val="accent1"/>
+          </a:effectRef>
+          <a:fontRef idx="minor">
+            <a:schemeClr val="lt1"/>
+          </a:fontRef>
+        </p:style>
+        <p:txBody>
+          <a:bodyPr rtlCol="0" anchor="ctr"/>
+          <a:lstStyle/>
+          <a:p>
+            <a:pPr algn="ctr"/>
+            <a:r>
+              <a:rPr kumimoji="1" lang="en-US" altLang="ko-KR" sz="1300" dirty="0">
+                <a:solidFill>
+                  <a:srgbClr val="FAD935"/>
+                </a:solidFill>
+              </a:rPr>
+              <a:t>Personal food recipe, </a:t>
+            </a:r>
+          </a:p>
+          <a:p>
+            <a:pPr algn="ctr"/>
+            <a:r>
+              <a:rPr kumimoji="1" lang="en-US" altLang="ko-KR" sz="1300" dirty="0">
+                <a:solidFill>
+                  <a:srgbClr val="FAD935"/>
+                </a:solidFill>
+              </a:rPr>
+              <a:t>personalized diet plans</a:t>
+            </a:r>
+            <a:endParaRPr kumimoji="1" lang="ko-KR" altLang="en-US" sz="1300" dirty="0">
+              <a:solidFill>
+                <a:srgbClr val="FAD935"/>
+              </a:solidFill>
             </a:endParaRPr>
           </a:p>
         </p:txBody>
@@ -14304,6 +15195,84 @@
   <p:clrMapOvr>
     <a:masterClrMapping/>
   </p:clrMapOvr>
+  <p:timing>
+    <p:tnLst>
+      <p:par>
+        <p:cTn id="1" dur="indefinite" restart="never" nodeType="tmRoot">
+          <p:childTnLst>
+            <p:seq concurrent="1" nextAc="seek">
+              <p:cTn id="2" dur="indefinite" nodeType="mainSeq">
+                <p:childTnLst>
+                  <p:par>
+                    <p:cTn id="3" fill="hold">
+                      <p:stCondLst>
+                        <p:cond delay="indefinite"/>
+                      </p:stCondLst>
+                      <p:childTnLst>
+                        <p:par>
+                          <p:cTn id="4" fill="hold">
+                            <p:stCondLst>
+                              <p:cond delay="0"/>
+                            </p:stCondLst>
+                            <p:childTnLst>
+                              <p:par>
+                                <p:cTn id="5" presetID="1" presetClass="entr" presetSubtype="0" fill="hold" grpId="0" nodeType="clickEffect">
+                                  <p:stCondLst>
+                                    <p:cond delay="0"/>
+                                  </p:stCondLst>
+                                  <p:childTnLst>
+                                    <p:set>
+                                      <p:cBhvr>
+                                        <p:cTn id="6" dur="1" fill="hold">
+                                          <p:stCondLst>
+                                            <p:cond delay="0"/>
+                                          </p:stCondLst>
+                                        </p:cTn>
+                                        <p:tgtEl>
+                                          <p:spTgt spid="2"/>
+                                        </p:tgtEl>
+                                        <p:attrNameLst>
+                                          <p:attrName>style.visibility</p:attrName>
+                                        </p:attrNameLst>
+                                      </p:cBhvr>
+                                      <p:to>
+                                        <p:strVal val="visible"/>
+                                      </p:to>
+                                    </p:set>
+                                  </p:childTnLst>
+                                </p:cTn>
+                              </p:par>
+                            </p:childTnLst>
+                          </p:cTn>
+                        </p:par>
+                      </p:childTnLst>
+                    </p:cTn>
+                  </p:par>
+                </p:childTnLst>
+              </p:cTn>
+              <p:prevCondLst>
+                <p:cond evt="onPrev" delay="0">
+                  <p:tgtEl>
+                    <p:sldTgt/>
+                  </p:tgtEl>
+                </p:cond>
+              </p:prevCondLst>
+              <p:nextCondLst>
+                <p:cond evt="onNext" delay="0">
+                  <p:tgtEl>
+                    <p:sldTgt/>
+                  </p:tgtEl>
+                </p:cond>
+              </p:nextCondLst>
+            </p:seq>
+          </p:childTnLst>
+        </p:cTn>
+      </p:par>
+    </p:tnLst>
+    <p:bldLst>
+      <p:bldP spid="2" grpId="0" animBg="1"/>
+    </p:bldLst>
+  </p:timing>
 </p:sld>
 </file>
 
